--- a/kinematic presentations/3_27_25.pptx
+++ b/kinematic presentations/3_27_25.pptx
@@ -9,9 +9,13 @@
     <p:sldId id="257" r:id="rId3"/>
     <p:sldId id="258" r:id="rId4"/>
     <p:sldId id="259" r:id="rId5"/>
-    <p:sldId id="260" r:id="rId6"/>
-    <p:sldId id="261" r:id="rId7"/>
-    <p:sldId id="262" r:id="rId8"/>
+    <p:sldId id="264" r:id="rId6"/>
+    <p:sldId id="263" r:id="rId7"/>
+    <p:sldId id="260" r:id="rId8"/>
+    <p:sldId id="261" r:id="rId9"/>
+    <p:sldId id="262" r:id="rId10"/>
+    <p:sldId id="267" r:id="rId11"/>
+    <p:sldId id="266" r:id="rId12"/>
   </p:sldIdLst>
   <p:sldSz cx="12192000" cy="6858000"/>
   <p:notesSz cx="6858000" cy="9144000"/>
@@ -121,7 +125,7 @@
 <file path=ppt/revisionInfo.xml><?xml version="1.0" encoding="utf-8"?>
 <p1510:revInfo xmlns:a="http://schemas.openxmlformats.org/drawingml/2006/main" xmlns:r="http://schemas.openxmlformats.org/officeDocument/2006/relationships" xmlns:p1510="http://schemas.microsoft.com/office/powerpoint/2015/10/main">
   <p1510:revLst>
-    <p1510:client id="{B038CA70-2003-4CAB-A470-D5763C6E48CF}" v="5" dt="2025-04-09T12:46:03.816"/>
+    <p1510:client id="{B038CA70-2003-4CAB-A470-D5763C6E48CF}" v="59" dt="2025-04-09T16:12:17.222"/>
   </p1510:revLst>
 </p1510:revInfo>
 </file>
@@ -130,13 +134,13 @@
 <pc:chgInfo xmlns:a="http://schemas.openxmlformats.org/drawingml/2006/main" xmlns:r="http://schemas.openxmlformats.org/officeDocument/2006/relationships" xmlns:ac="http://schemas.microsoft.com/office/drawing/2013/main/command" xmlns:pc="http://schemas.microsoft.com/office/powerpoint/2013/main/command">
   <pc:docChgLst>
     <pc:chgData name="Oppenheim, Tomas" userId="7bbdd6b4-1f3d-4fdd-ac21-d8c716941374" providerId="ADAL" clId="{B038CA70-2003-4CAB-A470-D5763C6E48CF}"/>
-    <pc:docChg chg="undo custSel addSld modSld">
-      <pc:chgData name="Oppenheim, Tomas" userId="7bbdd6b4-1f3d-4fdd-ac21-d8c716941374" providerId="ADAL" clId="{B038CA70-2003-4CAB-A470-D5763C6E48CF}" dt="2025-04-09T12:48:12.942" v="222" actId="1076"/>
+    <pc:docChg chg="undo custSel addSld delSld modSld sldOrd">
+      <pc:chgData name="Oppenheim, Tomas" userId="7bbdd6b4-1f3d-4fdd-ac21-d8c716941374" providerId="ADAL" clId="{B038CA70-2003-4CAB-A470-D5763C6E48CF}" dt="2025-04-09T16:39:36.576" v="1479" actId="113"/>
       <pc:docMkLst>
         <pc:docMk/>
       </pc:docMkLst>
-      <pc:sldChg chg="modSp add mod">
-        <pc:chgData name="Oppenheim, Tomas" userId="7bbdd6b4-1f3d-4fdd-ac21-d8c716941374" providerId="ADAL" clId="{B038CA70-2003-4CAB-A470-D5763C6E48CF}" dt="2025-04-09T12:40:38.445" v="2" actId="20577"/>
+      <pc:sldChg chg="addSp delSp modSp add mod">
+        <pc:chgData name="Oppenheim, Tomas" userId="7bbdd6b4-1f3d-4fdd-ac21-d8c716941374" providerId="ADAL" clId="{B038CA70-2003-4CAB-A470-D5763C6E48CF}" dt="2025-04-09T14:10:11.056" v="228" actId="22"/>
         <pc:sldMkLst>
           <pc:docMk/>
           <pc:sldMk cId="3574255517" sldId="259"/>
@@ -149,15 +153,23 @@
             <ac:spMk id="3" creationId="{B3CCF6FE-423F-3C4E-6C5B-CA3668EE2F35}"/>
           </ac:spMkLst>
         </pc:spChg>
+        <pc:picChg chg="add del">
+          <ac:chgData name="Oppenheim, Tomas" userId="7bbdd6b4-1f3d-4fdd-ac21-d8c716941374" providerId="ADAL" clId="{B038CA70-2003-4CAB-A470-D5763C6E48CF}" dt="2025-04-09T14:10:11.056" v="228" actId="22"/>
+          <ac:picMkLst>
+            <pc:docMk/>
+            <pc:sldMk cId="3574255517" sldId="259"/>
+            <ac:picMk id="5" creationId="{39D8FA11-ADE6-C591-7862-01C958AD3AD8}"/>
+          </ac:picMkLst>
+        </pc:picChg>
       </pc:sldChg>
       <pc:sldChg chg="addSp delSp modSp add mod">
-        <pc:chgData name="Oppenheim, Tomas" userId="7bbdd6b4-1f3d-4fdd-ac21-d8c716941374" providerId="ADAL" clId="{B038CA70-2003-4CAB-A470-D5763C6E48CF}" dt="2025-04-09T12:44:21.361" v="201" actId="1076"/>
+        <pc:chgData name="Oppenheim, Tomas" userId="7bbdd6b4-1f3d-4fdd-ac21-d8c716941374" providerId="ADAL" clId="{B038CA70-2003-4CAB-A470-D5763C6E48CF}" dt="2025-04-09T14:58:20.025" v="904" actId="20577"/>
         <pc:sldMkLst>
           <pc:docMk/>
           <pc:sldMk cId="289257297" sldId="260"/>
         </pc:sldMkLst>
         <pc:spChg chg="add mod">
-          <ac:chgData name="Oppenheim, Tomas" userId="7bbdd6b4-1f3d-4fdd-ac21-d8c716941374" providerId="ADAL" clId="{B038CA70-2003-4CAB-A470-D5763C6E48CF}" dt="2025-04-09T12:43:56.911" v="195" actId="1076"/>
+          <ac:chgData name="Oppenheim, Tomas" userId="7bbdd6b4-1f3d-4fdd-ac21-d8c716941374" providerId="ADAL" clId="{B038CA70-2003-4CAB-A470-D5763C6E48CF}" dt="2025-04-09T14:58:20.025" v="904" actId="20577"/>
           <ac:spMkLst>
             <pc:docMk/>
             <pc:sldMk cId="289257297" sldId="260"/>
@@ -322,6 +334,841 @@
             <ac:picMk id="5" creationId="{4B63EF5B-1C0C-AB6B-4AE1-E34DDDDE7BA9}"/>
           </ac:picMkLst>
         </pc:picChg>
+      </pc:sldChg>
+      <pc:sldChg chg="addSp delSp modSp new mod">
+        <pc:chgData name="Oppenheim, Tomas" userId="7bbdd6b4-1f3d-4fdd-ac21-d8c716941374" providerId="ADAL" clId="{B038CA70-2003-4CAB-A470-D5763C6E48CF}" dt="2025-04-09T14:52:23.629" v="902" actId="14100"/>
+        <pc:sldMkLst>
+          <pc:docMk/>
+          <pc:sldMk cId="936320411" sldId="263"/>
+        </pc:sldMkLst>
+        <pc:spChg chg="del">
+          <ac:chgData name="Oppenheim, Tomas" userId="7bbdd6b4-1f3d-4fdd-ac21-d8c716941374" providerId="ADAL" clId="{B038CA70-2003-4CAB-A470-D5763C6E48CF}" dt="2025-04-09T14:09:52.972" v="224" actId="478"/>
+          <ac:spMkLst>
+            <pc:docMk/>
+            <pc:sldMk cId="936320411" sldId="263"/>
+            <ac:spMk id="2" creationId="{CF36D7C4-40A0-0D50-F8C1-2DB92F4C55A1}"/>
+          </ac:spMkLst>
+        </pc:spChg>
+        <pc:spChg chg="del">
+          <ac:chgData name="Oppenheim, Tomas" userId="7bbdd6b4-1f3d-4fdd-ac21-d8c716941374" providerId="ADAL" clId="{B038CA70-2003-4CAB-A470-D5763C6E48CF}" dt="2025-04-09T14:09:54.210" v="225" actId="478"/>
+          <ac:spMkLst>
+            <pc:docMk/>
+            <pc:sldMk cId="936320411" sldId="263"/>
+            <ac:spMk id="3" creationId="{3944B91F-3497-D5D2-0E80-B2ABAF672FF7}"/>
+          </ac:spMkLst>
+        </pc:spChg>
+        <pc:spChg chg="add mod">
+          <ac:chgData name="Oppenheim, Tomas" userId="7bbdd6b4-1f3d-4fdd-ac21-d8c716941374" providerId="ADAL" clId="{B038CA70-2003-4CAB-A470-D5763C6E48CF}" dt="2025-04-09T14:48:41.320" v="823" actId="20577"/>
+          <ac:spMkLst>
+            <pc:docMk/>
+            <pc:sldMk cId="936320411" sldId="263"/>
+            <ac:spMk id="6" creationId="{F6BFDABF-7973-2181-FD9B-055A378D7885}"/>
+          </ac:spMkLst>
+        </pc:spChg>
+        <pc:spChg chg="add mod">
+          <ac:chgData name="Oppenheim, Tomas" userId="7bbdd6b4-1f3d-4fdd-ac21-d8c716941374" providerId="ADAL" clId="{B038CA70-2003-4CAB-A470-D5763C6E48CF}" dt="2025-04-09T14:48:34.977" v="819" actId="14100"/>
+          <ac:spMkLst>
+            <pc:docMk/>
+            <pc:sldMk cId="936320411" sldId="263"/>
+            <ac:spMk id="7" creationId="{FCB161D0-3DE9-B90D-9E7A-D431AF6FAC5A}"/>
+          </ac:spMkLst>
+        </pc:spChg>
+        <pc:spChg chg="add mod">
+          <ac:chgData name="Oppenheim, Tomas" userId="7bbdd6b4-1f3d-4fdd-ac21-d8c716941374" providerId="ADAL" clId="{B038CA70-2003-4CAB-A470-D5763C6E48CF}" dt="2025-04-09T14:50:10.264" v="850" actId="1076"/>
+          <ac:spMkLst>
+            <pc:docMk/>
+            <pc:sldMk cId="936320411" sldId="263"/>
+            <ac:spMk id="8" creationId="{0C47193C-97BD-3C1E-AAAE-7577B00A975F}"/>
+          </ac:spMkLst>
+        </pc:spChg>
+        <pc:spChg chg="add mod">
+          <ac:chgData name="Oppenheim, Tomas" userId="7bbdd6b4-1f3d-4fdd-ac21-d8c716941374" providerId="ADAL" clId="{B038CA70-2003-4CAB-A470-D5763C6E48CF}" dt="2025-04-09T14:51:34.102" v="859" actId="20577"/>
+          <ac:spMkLst>
+            <pc:docMk/>
+            <pc:sldMk cId="936320411" sldId="263"/>
+            <ac:spMk id="18" creationId="{671B7D1F-1DFF-F0B4-CB85-1F4904EF02D7}"/>
+          </ac:spMkLst>
+        </pc:spChg>
+        <pc:spChg chg="add mod">
+          <ac:chgData name="Oppenheim, Tomas" userId="7bbdd6b4-1f3d-4fdd-ac21-d8c716941374" providerId="ADAL" clId="{B038CA70-2003-4CAB-A470-D5763C6E48CF}" dt="2025-04-09T14:52:20.462" v="901" actId="1076"/>
+          <ac:spMkLst>
+            <pc:docMk/>
+            <pc:sldMk cId="936320411" sldId="263"/>
+            <ac:spMk id="23" creationId="{2D3A4D55-6CE8-540F-DC91-B116D99EB691}"/>
+          </ac:spMkLst>
+        </pc:spChg>
+        <pc:spChg chg="add mod">
+          <ac:chgData name="Oppenheim, Tomas" userId="7bbdd6b4-1f3d-4fdd-ac21-d8c716941374" providerId="ADAL" clId="{B038CA70-2003-4CAB-A470-D5763C6E48CF}" dt="2025-04-09T14:48:12.826" v="809" actId="1076"/>
+          <ac:spMkLst>
+            <pc:docMk/>
+            <pc:sldMk cId="936320411" sldId="263"/>
+            <ac:spMk id="62" creationId="{46FE2B8B-0F33-6450-5FCB-88D01DA4DA59}"/>
+          </ac:spMkLst>
+        </pc:spChg>
+        <pc:picChg chg="add del mod">
+          <ac:chgData name="Oppenheim, Tomas" userId="7bbdd6b4-1f3d-4fdd-ac21-d8c716941374" providerId="ADAL" clId="{B038CA70-2003-4CAB-A470-D5763C6E48CF}" dt="2025-04-09T14:50:22.819" v="853" actId="1076"/>
+          <ac:picMkLst>
+            <pc:docMk/>
+            <pc:sldMk cId="936320411" sldId="263"/>
+            <ac:picMk id="5" creationId="{23E187EA-1F93-2C54-D054-11B48E2D9C3B}"/>
+          </ac:picMkLst>
+        </pc:picChg>
+        <pc:cxnChg chg="add">
+          <ac:chgData name="Oppenheim, Tomas" userId="7bbdd6b4-1f3d-4fdd-ac21-d8c716941374" providerId="ADAL" clId="{B038CA70-2003-4CAB-A470-D5763C6E48CF}" dt="2025-04-09T14:49:00.745" v="829" actId="11529"/>
+          <ac:cxnSpMkLst>
+            <pc:docMk/>
+            <pc:sldMk cId="936320411" sldId="263"/>
+            <ac:cxnSpMk id="10" creationId="{C0D07B8B-8410-6E07-9E35-44DE3D63901D}"/>
+          </ac:cxnSpMkLst>
+        </pc:cxnChg>
+        <pc:cxnChg chg="add mod">
+          <ac:chgData name="Oppenheim, Tomas" userId="7bbdd6b4-1f3d-4fdd-ac21-d8c716941374" providerId="ADAL" clId="{B038CA70-2003-4CAB-A470-D5763C6E48CF}" dt="2025-04-09T14:49:09.104" v="832" actId="14100"/>
+          <ac:cxnSpMkLst>
+            <pc:docMk/>
+            <pc:sldMk cId="936320411" sldId="263"/>
+            <ac:cxnSpMk id="11" creationId="{DA853912-DBCE-BE26-2912-911309400066}"/>
+          </ac:cxnSpMkLst>
+        </pc:cxnChg>
+        <pc:cxnChg chg="add mod">
+          <ac:chgData name="Oppenheim, Tomas" userId="7bbdd6b4-1f3d-4fdd-ac21-d8c716941374" providerId="ADAL" clId="{B038CA70-2003-4CAB-A470-D5763C6E48CF}" dt="2025-04-09T14:49:18.529" v="835" actId="14100"/>
+          <ac:cxnSpMkLst>
+            <pc:docMk/>
+            <pc:sldMk cId="936320411" sldId="263"/>
+            <ac:cxnSpMk id="13" creationId="{FEE25207-0CF1-28C3-F75E-86F0E79424F6}"/>
+          </ac:cxnSpMkLst>
+        </pc:cxnChg>
+        <pc:cxnChg chg="add mod">
+          <ac:chgData name="Oppenheim, Tomas" userId="7bbdd6b4-1f3d-4fdd-ac21-d8c716941374" providerId="ADAL" clId="{B038CA70-2003-4CAB-A470-D5763C6E48CF}" dt="2025-04-09T14:50:07.213" v="849" actId="14100"/>
+          <ac:cxnSpMkLst>
+            <pc:docMk/>
+            <pc:sldMk cId="936320411" sldId="263"/>
+            <ac:cxnSpMk id="15" creationId="{6921D388-FFA9-981B-2B54-09FC5258BEBF}"/>
+          </ac:cxnSpMkLst>
+        </pc:cxnChg>
+        <pc:cxnChg chg="add mod">
+          <ac:chgData name="Oppenheim, Tomas" userId="7bbdd6b4-1f3d-4fdd-ac21-d8c716941374" providerId="ADAL" clId="{B038CA70-2003-4CAB-A470-D5763C6E48CF}" dt="2025-04-09T14:51:47.363" v="862" actId="14100"/>
+          <ac:cxnSpMkLst>
+            <pc:docMk/>
+            <pc:sldMk cId="936320411" sldId="263"/>
+            <ac:cxnSpMk id="19" creationId="{5AE1978B-8F1F-AEC3-5B11-D57362DA4E1E}"/>
+          </ac:cxnSpMkLst>
+        </pc:cxnChg>
+        <pc:cxnChg chg="add mod">
+          <ac:chgData name="Oppenheim, Tomas" userId="7bbdd6b4-1f3d-4fdd-ac21-d8c716941374" providerId="ADAL" clId="{B038CA70-2003-4CAB-A470-D5763C6E48CF}" dt="2025-04-09T14:51:53.363" v="865" actId="14100"/>
+          <ac:cxnSpMkLst>
+            <pc:docMk/>
+            <pc:sldMk cId="936320411" sldId="263"/>
+            <ac:cxnSpMk id="21" creationId="{34B1C2B5-45EA-5807-3710-4D2BB5FB8466}"/>
+          </ac:cxnSpMkLst>
+        </pc:cxnChg>
+        <pc:cxnChg chg="add mod">
+          <ac:chgData name="Oppenheim, Tomas" userId="7bbdd6b4-1f3d-4fdd-ac21-d8c716941374" providerId="ADAL" clId="{B038CA70-2003-4CAB-A470-D5763C6E48CF}" dt="2025-04-09T14:52:23.629" v="902" actId="14100"/>
+          <ac:cxnSpMkLst>
+            <pc:docMk/>
+            <pc:sldMk cId="936320411" sldId="263"/>
+            <ac:cxnSpMk id="24" creationId="{C9580391-6D46-5663-FB5E-E69A31C1D705}"/>
+          </ac:cxnSpMkLst>
+        </pc:cxnChg>
+      </pc:sldChg>
+      <pc:sldChg chg="addSp delSp modSp add mod">
+        <pc:chgData name="Oppenheim, Tomas" userId="7bbdd6b4-1f3d-4fdd-ac21-d8c716941374" providerId="ADAL" clId="{B038CA70-2003-4CAB-A470-D5763C6E48CF}" dt="2025-04-09T16:35:07.327" v="1429" actId="1037"/>
+        <pc:sldMkLst>
+          <pc:docMk/>
+          <pc:sldMk cId="2363091408" sldId="264"/>
+        </pc:sldMkLst>
+        <pc:spChg chg="add del">
+          <ac:chgData name="Oppenheim, Tomas" userId="7bbdd6b4-1f3d-4fdd-ac21-d8c716941374" providerId="ADAL" clId="{B038CA70-2003-4CAB-A470-D5763C6E48CF}" dt="2025-04-09T14:10:58.517" v="232" actId="478"/>
+          <ac:spMkLst>
+            <pc:docMk/>
+            <pc:sldMk cId="2363091408" sldId="264"/>
+            <ac:spMk id="2" creationId="{D09DB6B1-EC71-A694-4AA4-956294FAA214}"/>
+          </ac:spMkLst>
+        </pc:spChg>
+        <pc:spChg chg="add mod">
+          <ac:chgData name="Oppenheim, Tomas" userId="7bbdd6b4-1f3d-4fdd-ac21-d8c716941374" providerId="ADAL" clId="{B038CA70-2003-4CAB-A470-D5763C6E48CF}" dt="2025-04-09T14:31:43.278" v="590" actId="113"/>
+          <ac:spMkLst>
+            <pc:docMk/>
+            <pc:sldMk cId="2363091408" sldId="264"/>
+            <ac:spMk id="8" creationId="{39B169E6-B429-5353-FF4A-C93F812F7DEB}"/>
+          </ac:spMkLst>
+        </pc:spChg>
+        <pc:spChg chg="add mod">
+          <ac:chgData name="Oppenheim, Tomas" userId="7bbdd6b4-1f3d-4fdd-ac21-d8c716941374" providerId="ADAL" clId="{B038CA70-2003-4CAB-A470-D5763C6E48CF}" dt="2025-04-09T14:16:29.542" v="325" actId="1037"/>
+          <ac:spMkLst>
+            <pc:docMk/>
+            <pc:sldMk cId="2363091408" sldId="264"/>
+            <ac:spMk id="23" creationId="{D0B745A0-B0A0-0F30-DE44-002230D9E50E}"/>
+          </ac:spMkLst>
+        </pc:spChg>
+        <pc:spChg chg="add del mod">
+          <ac:chgData name="Oppenheim, Tomas" userId="7bbdd6b4-1f3d-4fdd-ac21-d8c716941374" providerId="ADAL" clId="{B038CA70-2003-4CAB-A470-D5763C6E48CF}" dt="2025-04-09T14:40:42.322" v="708" actId="21"/>
+          <ac:spMkLst>
+            <pc:docMk/>
+            <pc:sldMk cId="2363091408" sldId="264"/>
+            <ac:spMk id="32" creationId="{D113E331-51CD-AC10-A324-7C3B31406971}"/>
+          </ac:spMkLst>
+        </pc:spChg>
+        <pc:spChg chg="add mod">
+          <ac:chgData name="Oppenheim, Tomas" userId="7bbdd6b4-1f3d-4fdd-ac21-d8c716941374" providerId="ADAL" clId="{B038CA70-2003-4CAB-A470-D5763C6E48CF}" dt="2025-04-09T14:26:42.223" v="383" actId="1076"/>
+          <ac:spMkLst>
+            <pc:docMk/>
+            <pc:sldMk cId="2363091408" sldId="264"/>
+            <ac:spMk id="39" creationId="{AD5FAEC9-7946-BDB8-1B78-0FB049A7BB55}"/>
+          </ac:spMkLst>
+        </pc:spChg>
+        <pc:spChg chg="add mod">
+          <ac:chgData name="Oppenheim, Tomas" userId="7bbdd6b4-1f3d-4fdd-ac21-d8c716941374" providerId="ADAL" clId="{B038CA70-2003-4CAB-A470-D5763C6E48CF}" dt="2025-04-09T14:31:32.135" v="587" actId="113"/>
+          <ac:spMkLst>
+            <pc:docMk/>
+            <pc:sldMk cId="2363091408" sldId="264"/>
+            <ac:spMk id="40" creationId="{3B0F45A5-F1B9-13C1-0178-1FD0FD276195}"/>
+          </ac:spMkLst>
+        </pc:spChg>
+        <pc:spChg chg="add mod">
+          <ac:chgData name="Oppenheim, Tomas" userId="7bbdd6b4-1f3d-4fdd-ac21-d8c716941374" providerId="ADAL" clId="{B038CA70-2003-4CAB-A470-D5763C6E48CF}" dt="2025-04-09T14:47:47.214" v="802" actId="1076"/>
+          <ac:spMkLst>
+            <pc:docMk/>
+            <pc:sldMk cId="2363091408" sldId="264"/>
+            <ac:spMk id="41" creationId="{6DE3FDE0-97AC-69D3-901D-DD94F9DF3BB6}"/>
+          </ac:spMkLst>
+        </pc:spChg>
+        <pc:spChg chg="add mod">
+          <ac:chgData name="Oppenheim, Tomas" userId="7bbdd6b4-1f3d-4fdd-ac21-d8c716941374" providerId="ADAL" clId="{B038CA70-2003-4CAB-A470-D5763C6E48CF}" dt="2025-04-09T14:26:16.315" v="380" actId="20577"/>
+          <ac:spMkLst>
+            <pc:docMk/>
+            <pc:sldMk cId="2363091408" sldId="264"/>
+            <ac:spMk id="42" creationId="{3087EFC3-3A93-62EA-A2DF-F3C19BFB7816}"/>
+          </ac:spMkLst>
+        </pc:spChg>
+        <pc:spChg chg="add mod">
+          <ac:chgData name="Oppenheim, Tomas" userId="7bbdd6b4-1f3d-4fdd-ac21-d8c716941374" providerId="ADAL" clId="{B038CA70-2003-4CAB-A470-D5763C6E48CF}" dt="2025-04-09T16:35:07.327" v="1429" actId="1037"/>
+          <ac:spMkLst>
+            <pc:docMk/>
+            <pc:sldMk cId="2363091408" sldId="264"/>
+            <ac:spMk id="44" creationId="{5376C342-C753-1BE3-AC10-FD5B9E728BB0}"/>
+          </ac:spMkLst>
+        </pc:spChg>
+        <pc:spChg chg="add mod">
+          <ac:chgData name="Oppenheim, Tomas" userId="7bbdd6b4-1f3d-4fdd-ac21-d8c716941374" providerId="ADAL" clId="{B038CA70-2003-4CAB-A470-D5763C6E48CF}" dt="2025-04-09T14:54:19.337" v="903" actId="113"/>
+          <ac:spMkLst>
+            <pc:docMk/>
+            <pc:sldMk cId="2363091408" sldId="264"/>
+            <ac:spMk id="47" creationId="{E51C7D7A-92B0-81FC-CEB8-1BB15FBB296F}"/>
+          </ac:spMkLst>
+        </pc:spChg>
+        <pc:spChg chg="add mod">
+          <ac:chgData name="Oppenheim, Tomas" userId="7bbdd6b4-1f3d-4fdd-ac21-d8c716941374" providerId="ADAL" clId="{B038CA70-2003-4CAB-A470-D5763C6E48CF}" dt="2025-04-09T14:28:15.975" v="432" actId="14100"/>
+          <ac:spMkLst>
+            <pc:docMk/>
+            <pc:sldMk cId="2363091408" sldId="264"/>
+            <ac:spMk id="48" creationId="{C7BF13FC-4F52-8533-2A31-7B1E3D4BB1F2}"/>
+          </ac:spMkLst>
+        </pc:spChg>
+        <pc:spChg chg="add mod">
+          <ac:chgData name="Oppenheim, Tomas" userId="7bbdd6b4-1f3d-4fdd-ac21-d8c716941374" providerId="ADAL" clId="{B038CA70-2003-4CAB-A470-D5763C6E48CF}" dt="2025-04-09T14:40:29.106" v="706" actId="207"/>
+          <ac:spMkLst>
+            <pc:docMk/>
+            <pc:sldMk cId="2363091408" sldId="264"/>
+            <ac:spMk id="49" creationId="{34BC8BB3-95EC-3FBF-B496-3A547B1A1BCF}"/>
+          </ac:spMkLst>
+        </pc:spChg>
+        <pc:spChg chg="add mod">
+          <ac:chgData name="Oppenheim, Tomas" userId="7bbdd6b4-1f3d-4fdd-ac21-d8c716941374" providerId="ADAL" clId="{B038CA70-2003-4CAB-A470-D5763C6E48CF}" dt="2025-04-09T14:46:18.272" v="799" actId="20577"/>
+          <ac:spMkLst>
+            <pc:docMk/>
+            <pc:sldMk cId="2363091408" sldId="264"/>
+            <ac:spMk id="51" creationId="{DCC75E51-282A-0DAD-A2B8-16D4B6233F93}"/>
+          </ac:spMkLst>
+        </pc:spChg>
+        <pc:spChg chg="add mod">
+          <ac:chgData name="Oppenheim, Tomas" userId="7bbdd6b4-1f3d-4fdd-ac21-d8c716941374" providerId="ADAL" clId="{B038CA70-2003-4CAB-A470-D5763C6E48CF}" dt="2025-04-09T14:29:45.798" v="533" actId="1076"/>
+          <ac:spMkLst>
+            <pc:docMk/>
+            <pc:sldMk cId="2363091408" sldId="264"/>
+            <ac:spMk id="52" creationId="{A92740E0-D17D-9182-7654-A5BB1C595A9B}"/>
+          </ac:spMkLst>
+        </pc:spChg>
+        <pc:spChg chg="add mod">
+          <ac:chgData name="Oppenheim, Tomas" userId="7bbdd6b4-1f3d-4fdd-ac21-d8c716941374" providerId="ADAL" clId="{B038CA70-2003-4CAB-A470-D5763C6E48CF}" dt="2025-04-09T14:30:02.658" v="536" actId="207"/>
+          <ac:spMkLst>
+            <pc:docMk/>
+            <pc:sldMk cId="2363091408" sldId="264"/>
+            <ac:spMk id="53" creationId="{843C6C17-7AFD-9244-9308-81E46C760B43}"/>
+          </ac:spMkLst>
+        </pc:spChg>
+        <pc:spChg chg="add mod">
+          <ac:chgData name="Oppenheim, Tomas" userId="7bbdd6b4-1f3d-4fdd-ac21-d8c716941374" providerId="ADAL" clId="{B038CA70-2003-4CAB-A470-D5763C6E48CF}" dt="2025-04-09T14:30:09.581" v="538" actId="1076"/>
+          <ac:spMkLst>
+            <pc:docMk/>
+            <pc:sldMk cId="2363091408" sldId="264"/>
+            <ac:spMk id="54" creationId="{E3B60262-EA2F-E065-350D-B1A372139A11}"/>
+          </ac:spMkLst>
+        </pc:spChg>
+        <pc:spChg chg="add mod">
+          <ac:chgData name="Oppenheim, Tomas" userId="7bbdd6b4-1f3d-4fdd-ac21-d8c716941374" providerId="ADAL" clId="{B038CA70-2003-4CAB-A470-D5763C6E48CF}" dt="2025-04-09T14:32:22.477" v="622" actId="20577"/>
+          <ac:spMkLst>
+            <pc:docMk/>
+            <pc:sldMk cId="2363091408" sldId="264"/>
+            <ac:spMk id="57" creationId="{9F80A177-32B0-888B-E14F-0DF0DEAFC06C}"/>
+          </ac:spMkLst>
+        </pc:spChg>
+        <pc:spChg chg="add mod">
+          <ac:chgData name="Oppenheim, Tomas" userId="7bbdd6b4-1f3d-4fdd-ac21-d8c716941374" providerId="ADAL" clId="{B038CA70-2003-4CAB-A470-D5763C6E48CF}" dt="2025-04-09T14:30:48.308" v="566" actId="1076"/>
+          <ac:spMkLst>
+            <pc:docMk/>
+            <pc:sldMk cId="2363091408" sldId="264"/>
+            <ac:spMk id="58" creationId="{C71BA884-63C6-CEF6-A1D3-ABFB568D30F3}"/>
+          </ac:spMkLst>
+        </pc:spChg>
+        <pc:spChg chg="add del mod">
+          <ac:chgData name="Oppenheim, Tomas" userId="7bbdd6b4-1f3d-4fdd-ac21-d8c716941374" providerId="ADAL" clId="{B038CA70-2003-4CAB-A470-D5763C6E48CF}" dt="2025-04-09T14:37:09.407" v="671"/>
+          <ac:spMkLst>
+            <pc:docMk/>
+            <pc:sldMk cId="2363091408" sldId="264"/>
+            <ac:spMk id="59" creationId="{EBBB7154-9170-E5FE-D8ED-DF8A2819E770}"/>
+          </ac:spMkLst>
+        </pc:spChg>
+        <pc:spChg chg="add mod">
+          <ac:chgData name="Oppenheim, Tomas" userId="7bbdd6b4-1f3d-4fdd-ac21-d8c716941374" providerId="ADAL" clId="{B038CA70-2003-4CAB-A470-D5763C6E48CF}" dt="2025-04-09T14:41:01.172" v="716"/>
+          <ac:spMkLst>
+            <pc:docMk/>
+            <pc:sldMk cId="2363091408" sldId="264"/>
+            <ac:spMk id="60" creationId="{A1B42AA7-94F6-705F-6B9C-09394F2F3B1F}"/>
+          </ac:spMkLst>
+        </pc:spChg>
+        <pc:spChg chg="add mod">
+          <ac:chgData name="Oppenheim, Tomas" userId="7bbdd6b4-1f3d-4fdd-ac21-d8c716941374" providerId="ADAL" clId="{B038CA70-2003-4CAB-A470-D5763C6E48CF}" dt="2025-04-09T14:41:15.384" v="721" actId="1076"/>
+          <ac:spMkLst>
+            <pc:docMk/>
+            <pc:sldMk cId="2363091408" sldId="264"/>
+            <ac:spMk id="61" creationId="{819C9507-EE61-26E0-708F-C055298B6E23}"/>
+          </ac:spMkLst>
+        </pc:spChg>
+        <pc:spChg chg="add del mod">
+          <ac:chgData name="Oppenheim, Tomas" userId="7bbdd6b4-1f3d-4fdd-ac21-d8c716941374" providerId="ADAL" clId="{B038CA70-2003-4CAB-A470-D5763C6E48CF}" dt="2025-04-09T14:48:05.195" v="805" actId="21"/>
+          <ac:spMkLst>
+            <pc:docMk/>
+            <pc:sldMk cId="2363091408" sldId="264"/>
+            <ac:spMk id="62" creationId="{46FE2B8B-0F33-6450-5FCB-88D01DA4DA59}"/>
+          </ac:spMkLst>
+        </pc:spChg>
+        <pc:spChg chg="add mod">
+          <ac:chgData name="Oppenheim, Tomas" userId="7bbdd6b4-1f3d-4fdd-ac21-d8c716941374" providerId="ADAL" clId="{B038CA70-2003-4CAB-A470-D5763C6E48CF}" dt="2025-04-09T15:44:46.290" v="1117" actId="20577"/>
+          <ac:spMkLst>
+            <pc:docMk/>
+            <pc:sldMk cId="2363091408" sldId="264"/>
+            <ac:spMk id="64" creationId="{5ADEFAFA-FEDE-9D6B-D696-4750E6484204}"/>
+          </ac:spMkLst>
+        </pc:spChg>
+        <pc:picChg chg="del">
+          <ac:chgData name="Oppenheim, Tomas" userId="7bbdd6b4-1f3d-4fdd-ac21-d8c716941374" providerId="ADAL" clId="{B038CA70-2003-4CAB-A470-D5763C6E48CF}" dt="2025-04-09T14:10:18.091" v="230" actId="478"/>
+          <ac:picMkLst>
+            <pc:docMk/>
+            <pc:sldMk cId="2363091408" sldId="264"/>
+            <ac:picMk id="5" creationId="{580DD41B-C315-B365-2605-BE9B323386D6}"/>
+          </ac:picMkLst>
+        </pc:picChg>
+        <pc:cxnChg chg="add">
+          <ac:chgData name="Oppenheim, Tomas" userId="7bbdd6b4-1f3d-4fdd-ac21-d8c716941374" providerId="ADAL" clId="{B038CA70-2003-4CAB-A470-D5763C6E48CF}" dt="2025-04-09T14:11:07.757" v="233" actId="11529"/>
+          <ac:cxnSpMkLst>
+            <pc:docMk/>
+            <pc:sldMk cId="2363091408" sldId="264"/>
+            <ac:cxnSpMk id="4" creationId="{21F71916-E5A8-5A4E-7F0A-5FB1067EEB77}"/>
+          </ac:cxnSpMkLst>
+        </pc:cxnChg>
+        <pc:cxnChg chg="add mod">
+          <ac:chgData name="Oppenheim, Tomas" userId="7bbdd6b4-1f3d-4fdd-ac21-d8c716941374" providerId="ADAL" clId="{B038CA70-2003-4CAB-A470-D5763C6E48CF}" dt="2025-04-09T14:11:14.454" v="237" actId="1076"/>
+          <ac:cxnSpMkLst>
+            <pc:docMk/>
+            <pc:sldMk cId="2363091408" sldId="264"/>
+            <ac:cxnSpMk id="6" creationId="{D77C1992-37C5-490D-BDDF-F35B19CC4705}"/>
+          </ac:cxnSpMkLst>
+        </pc:cxnChg>
+        <pc:cxnChg chg="add">
+          <ac:chgData name="Oppenheim, Tomas" userId="7bbdd6b4-1f3d-4fdd-ac21-d8c716941374" providerId="ADAL" clId="{B038CA70-2003-4CAB-A470-D5763C6E48CF}" dt="2025-04-09T14:11:35.764" v="249" actId="11529"/>
+          <ac:cxnSpMkLst>
+            <pc:docMk/>
+            <pc:sldMk cId="2363091408" sldId="264"/>
+            <ac:cxnSpMk id="10" creationId="{642BBF4F-B536-D07B-C4C7-6250BC1C9830}"/>
+          </ac:cxnSpMkLst>
+        </pc:cxnChg>
+        <pc:cxnChg chg="add">
+          <ac:chgData name="Oppenheim, Tomas" userId="7bbdd6b4-1f3d-4fdd-ac21-d8c716941374" providerId="ADAL" clId="{B038CA70-2003-4CAB-A470-D5763C6E48CF}" dt="2025-04-09T14:11:41.571" v="250" actId="11529"/>
+          <ac:cxnSpMkLst>
+            <pc:docMk/>
+            <pc:sldMk cId="2363091408" sldId="264"/>
+            <ac:cxnSpMk id="12" creationId="{8E8698CC-0627-C698-DF53-BC2589D51097}"/>
+          </ac:cxnSpMkLst>
+        </pc:cxnChg>
+        <pc:cxnChg chg="add mod">
+          <ac:chgData name="Oppenheim, Tomas" userId="7bbdd6b4-1f3d-4fdd-ac21-d8c716941374" providerId="ADAL" clId="{B038CA70-2003-4CAB-A470-D5763C6E48CF}" dt="2025-04-09T14:11:47.708" v="252" actId="1076"/>
+          <ac:cxnSpMkLst>
+            <pc:docMk/>
+            <pc:sldMk cId="2363091408" sldId="264"/>
+            <ac:cxnSpMk id="13" creationId="{B8051070-6D9C-7B18-5C67-848BBD8EA3BA}"/>
+          </ac:cxnSpMkLst>
+        </pc:cxnChg>
+        <pc:cxnChg chg="add mod">
+          <ac:chgData name="Oppenheim, Tomas" userId="7bbdd6b4-1f3d-4fdd-ac21-d8c716941374" providerId="ADAL" clId="{B038CA70-2003-4CAB-A470-D5763C6E48CF}" dt="2025-04-09T14:12:05.043" v="254" actId="1076"/>
+          <ac:cxnSpMkLst>
+            <pc:docMk/>
+            <pc:sldMk cId="2363091408" sldId="264"/>
+            <ac:cxnSpMk id="14" creationId="{BD09E059-26C0-78F8-2273-9738FFD3C990}"/>
+          </ac:cxnSpMkLst>
+        </pc:cxnChg>
+        <pc:cxnChg chg="add del mod">
+          <ac:chgData name="Oppenheim, Tomas" userId="7bbdd6b4-1f3d-4fdd-ac21-d8c716941374" providerId="ADAL" clId="{B038CA70-2003-4CAB-A470-D5763C6E48CF}" dt="2025-04-09T14:14:58.912" v="282" actId="478"/>
+          <ac:cxnSpMkLst>
+            <pc:docMk/>
+            <pc:sldMk cId="2363091408" sldId="264"/>
+            <ac:cxnSpMk id="15" creationId="{3F018119-16F5-5700-AB32-D1D0E889F175}"/>
+          </ac:cxnSpMkLst>
+        </pc:cxnChg>
+        <pc:cxnChg chg="add del mod">
+          <ac:chgData name="Oppenheim, Tomas" userId="7bbdd6b4-1f3d-4fdd-ac21-d8c716941374" providerId="ADAL" clId="{B038CA70-2003-4CAB-A470-D5763C6E48CF}" dt="2025-04-09T14:13:18.783" v="268" actId="478"/>
+          <ac:cxnSpMkLst>
+            <pc:docMk/>
+            <pc:sldMk cId="2363091408" sldId="264"/>
+            <ac:cxnSpMk id="18" creationId="{802C0087-50D3-EBC0-8A29-798E592A4792}"/>
+          </ac:cxnSpMkLst>
+        </pc:cxnChg>
+        <pc:cxnChg chg="add mod">
+          <ac:chgData name="Oppenheim, Tomas" userId="7bbdd6b4-1f3d-4fdd-ac21-d8c716941374" providerId="ADAL" clId="{B038CA70-2003-4CAB-A470-D5763C6E48CF}" dt="2025-04-09T14:13:06.776" v="267" actId="14100"/>
+          <ac:cxnSpMkLst>
+            <pc:docMk/>
+            <pc:sldMk cId="2363091408" sldId="264"/>
+            <ac:cxnSpMk id="21" creationId="{7A44B6CE-8481-7B41-109B-F507A6723C7D}"/>
+          </ac:cxnSpMkLst>
+        </pc:cxnChg>
+        <pc:cxnChg chg="add mod">
+          <ac:chgData name="Oppenheim, Tomas" userId="7bbdd6b4-1f3d-4fdd-ac21-d8c716941374" providerId="ADAL" clId="{B038CA70-2003-4CAB-A470-D5763C6E48CF}" dt="2025-04-09T14:14:07.012" v="274" actId="14100"/>
+          <ac:cxnSpMkLst>
+            <pc:docMk/>
+            <pc:sldMk cId="2363091408" sldId="264"/>
+            <ac:cxnSpMk id="24" creationId="{DF0F747E-29E1-6D30-B53F-DB614CAD2CFC}"/>
+          </ac:cxnSpMkLst>
+        </pc:cxnChg>
+        <pc:cxnChg chg="add del mod">
+          <ac:chgData name="Oppenheim, Tomas" userId="7bbdd6b4-1f3d-4fdd-ac21-d8c716941374" providerId="ADAL" clId="{B038CA70-2003-4CAB-A470-D5763C6E48CF}" dt="2025-04-09T15:40:38.955" v="1017" actId="14100"/>
+          <ac:cxnSpMkLst>
+            <pc:docMk/>
+            <pc:sldMk cId="2363091408" sldId="264"/>
+            <ac:cxnSpMk id="26" creationId="{F979F462-95A9-7E66-C1E1-2E20CB293AC0}"/>
+          </ac:cxnSpMkLst>
+        </pc:cxnChg>
+        <pc:cxnChg chg="add del mod">
+          <ac:chgData name="Oppenheim, Tomas" userId="7bbdd6b4-1f3d-4fdd-ac21-d8c716941374" providerId="ADAL" clId="{B038CA70-2003-4CAB-A470-D5763C6E48CF}" dt="2025-04-09T14:16:15.535" v="311" actId="478"/>
+          <ac:cxnSpMkLst>
+            <pc:docMk/>
+            <pc:sldMk cId="2363091408" sldId="264"/>
+            <ac:cxnSpMk id="28" creationId="{9B269B93-344B-D321-9D7F-D8FE53261446}"/>
+          </ac:cxnSpMkLst>
+        </pc:cxnChg>
+        <pc:cxnChg chg="add mod">
+          <ac:chgData name="Oppenheim, Tomas" userId="7bbdd6b4-1f3d-4fdd-ac21-d8c716941374" providerId="ADAL" clId="{B038CA70-2003-4CAB-A470-D5763C6E48CF}" dt="2025-04-09T14:26:45.262" v="384" actId="14100"/>
+          <ac:cxnSpMkLst>
+            <pc:docMk/>
+            <pc:sldMk cId="2363091408" sldId="264"/>
+            <ac:cxnSpMk id="30" creationId="{31A79932-BA5C-1294-0C9B-603E19049A9F}"/>
+          </ac:cxnSpMkLst>
+        </pc:cxnChg>
+        <pc:cxnChg chg="add mod">
+          <ac:chgData name="Oppenheim, Tomas" userId="7bbdd6b4-1f3d-4fdd-ac21-d8c716941374" providerId="ADAL" clId="{B038CA70-2003-4CAB-A470-D5763C6E48CF}" dt="2025-04-09T14:15:07.581" v="284" actId="1076"/>
+          <ac:cxnSpMkLst>
+            <pc:docMk/>
+            <pc:sldMk cId="2363091408" sldId="264"/>
+            <ac:cxnSpMk id="31" creationId="{BFA6B7DC-0CC4-09A9-8E72-312FE068C2D1}"/>
+          </ac:cxnSpMkLst>
+        </pc:cxnChg>
+        <pc:cxnChg chg="add mod">
+          <ac:chgData name="Oppenheim, Tomas" userId="7bbdd6b4-1f3d-4fdd-ac21-d8c716941374" providerId="ADAL" clId="{B038CA70-2003-4CAB-A470-D5763C6E48CF}" dt="2025-04-09T14:27:22.396" v="395" actId="14100"/>
+          <ac:cxnSpMkLst>
+            <pc:docMk/>
+            <pc:sldMk cId="2363091408" sldId="264"/>
+            <ac:cxnSpMk id="45" creationId="{42CE0946-5582-BD1D-8723-684E0DC77BC1}"/>
+          </ac:cxnSpMkLst>
+        </pc:cxnChg>
+        <pc:cxnChg chg="add mod">
+          <ac:chgData name="Oppenheim, Tomas" userId="7bbdd6b4-1f3d-4fdd-ac21-d8c716941374" providerId="ADAL" clId="{B038CA70-2003-4CAB-A470-D5763C6E48CF}" dt="2025-04-09T14:29:08.051" v="503" actId="1038"/>
+          <ac:cxnSpMkLst>
+            <pc:docMk/>
+            <pc:sldMk cId="2363091408" sldId="264"/>
+            <ac:cxnSpMk id="50" creationId="{8EA83F1D-B4DC-F2C5-C4B2-94784D85A098}"/>
+          </ac:cxnSpMkLst>
+        </pc:cxnChg>
+        <pc:cxnChg chg="add mod">
+          <ac:chgData name="Oppenheim, Tomas" userId="7bbdd6b4-1f3d-4fdd-ac21-d8c716941374" providerId="ADAL" clId="{B038CA70-2003-4CAB-A470-D5763C6E48CF}" dt="2025-04-09T14:30:15.492" v="540" actId="1076"/>
+          <ac:cxnSpMkLst>
+            <pc:docMk/>
+            <pc:sldMk cId="2363091408" sldId="264"/>
+            <ac:cxnSpMk id="56" creationId="{69241110-DF12-492D-C210-F53BD4D48A27}"/>
+          </ac:cxnSpMkLst>
+        </pc:cxnChg>
+      </pc:sldChg>
+      <pc:sldChg chg="delSp new del mod">
+        <pc:chgData name="Oppenheim, Tomas" userId="7bbdd6b4-1f3d-4fdd-ac21-d8c716941374" providerId="ADAL" clId="{B038CA70-2003-4CAB-A470-D5763C6E48CF}" dt="2025-04-09T15:32:17.798" v="909" actId="47"/>
+        <pc:sldMkLst>
+          <pc:docMk/>
+          <pc:sldMk cId="2029176260" sldId="265"/>
+        </pc:sldMkLst>
+        <pc:spChg chg="del">
+          <ac:chgData name="Oppenheim, Tomas" userId="7bbdd6b4-1f3d-4fdd-ac21-d8c716941374" providerId="ADAL" clId="{B038CA70-2003-4CAB-A470-D5763C6E48CF}" dt="2025-04-09T15:32:08.953" v="906" actId="478"/>
+          <ac:spMkLst>
+            <pc:docMk/>
+            <pc:sldMk cId="2029176260" sldId="265"/>
+            <ac:spMk id="2" creationId="{8D7C72A5-63AA-C3C6-698F-02121536337C}"/>
+          </ac:spMkLst>
+        </pc:spChg>
+        <pc:spChg chg="del">
+          <ac:chgData name="Oppenheim, Tomas" userId="7bbdd6b4-1f3d-4fdd-ac21-d8c716941374" providerId="ADAL" clId="{B038CA70-2003-4CAB-A470-D5763C6E48CF}" dt="2025-04-09T15:32:09.871" v="907" actId="478"/>
+          <ac:spMkLst>
+            <pc:docMk/>
+            <pc:sldMk cId="2029176260" sldId="265"/>
+            <ac:spMk id="3" creationId="{B6B1D8C3-C2AC-92E4-B513-5F25FF10CA55}"/>
+          </ac:spMkLst>
+        </pc:spChg>
+      </pc:sldChg>
+      <pc:sldChg chg="addSp delSp modSp add mod ord">
+        <pc:chgData name="Oppenheim, Tomas" userId="7bbdd6b4-1f3d-4fdd-ac21-d8c716941374" providerId="ADAL" clId="{B038CA70-2003-4CAB-A470-D5763C6E48CF}" dt="2025-04-09T16:34:12.469" v="1418" actId="5793"/>
+        <pc:sldMkLst>
+          <pc:docMk/>
+          <pc:sldMk cId="4042252160" sldId="266"/>
+        </pc:sldMkLst>
+        <pc:spChg chg="add mod">
+          <ac:chgData name="Oppenheim, Tomas" userId="7bbdd6b4-1f3d-4fdd-ac21-d8c716941374" providerId="ADAL" clId="{B038CA70-2003-4CAB-A470-D5763C6E48CF}" dt="2025-04-09T15:36:29.995" v="969" actId="1076"/>
+          <ac:spMkLst>
+            <pc:docMk/>
+            <pc:sldMk cId="4042252160" sldId="266"/>
+            <ac:spMk id="2" creationId="{707772EC-5949-0821-64B4-D09FB7D79C66}"/>
+          </ac:spMkLst>
+        </pc:spChg>
+        <pc:spChg chg="add">
+          <ac:chgData name="Oppenheim, Tomas" userId="7bbdd6b4-1f3d-4fdd-ac21-d8c716941374" providerId="ADAL" clId="{B038CA70-2003-4CAB-A470-D5763C6E48CF}" dt="2025-04-09T15:35:49.362" v="960" actId="11529"/>
+          <ac:spMkLst>
+            <pc:docMk/>
+            <pc:sldMk cId="4042252160" sldId="266"/>
+            <ac:spMk id="3" creationId="{E75A0222-9451-AC8B-9646-C39EA36C5D0C}"/>
+          </ac:spMkLst>
+        </pc:spChg>
+        <pc:spChg chg="add del mod">
+          <ac:chgData name="Oppenheim, Tomas" userId="7bbdd6b4-1f3d-4fdd-ac21-d8c716941374" providerId="ADAL" clId="{B038CA70-2003-4CAB-A470-D5763C6E48CF}" dt="2025-04-09T15:40:25.215" v="1015" actId="478"/>
+          <ac:spMkLst>
+            <pc:docMk/>
+            <pc:sldMk cId="4042252160" sldId="266"/>
+            <ac:spMk id="15" creationId="{98C799E4-43CF-7892-4822-D3EA78CD4ABA}"/>
+          </ac:spMkLst>
+        </pc:spChg>
+        <pc:spChg chg="add mod">
+          <ac:chgData name="Oppenheim, Tomas" userId="7bbdd6b4-1f3d-4fdd-ac21-d8c716941374" providerId="ADAL" clId="{B038CA70-2003-4CAB-A470-D5763C6E48CF}" dt="2025-04-09T16:33:56.835" v="1416" actId="20577"/>
+          <ac:spMkLst>
+            <pc:docMk/>
+            <pc:sldMk cId="4042252160" sldId="266"/>
+            <ac:spMk id="17" creationId="{DCD335C7-D506-CF53-B03A-B35D597C1773}"/>
+          </ac:spMkLst>
+        </pc:spChg>
+        <pc:spChg chg="add mod">
+          <ac:chgData name="Oppenheim, Tomas" userId="7bbdd6b4-1f3d-4fdd-ac21-d8c716941374" providerId="ADAL" clId="{B038CA70-2003-4CAB-A470-D5763C6E48CF}" dt="2025-04-09T16:19:20.608" v="1348" actId="20577"/>
+          <ac:spMkLst>
+            <pc:docMk/>
+            <pc:sldMk cId="4042252160" sldId="266"/>
+            <ac:spMk id="18" creationId="{B57C32D4-4D01-E989-5E61-739CABF0E6D7}"/>
+          </ac:spMkLst>
+        </pc:spChg>
+        <pc:spChg chg="add del mod">
+          <ac:chgData name="Oppenheim, Tomas" userId="7bbdd6b4-1f3d-4fdd-ac21-d8c716941374" providerId="ADAL" clId="{B038CA70-2003-4CAB-A470-D5763C6E48CF}" dt="2025-04-09T15:44:41.164" v="1115" actId="21"/>
+          <ac:spMkLst>
+            <pc:docMk/>
+            <pc:sldMk cId="4042252160" sldId="266"/>
+            <ac:spMk id="19" creationId="{5ADEFAFA-FEDE-9D6B-D696-4750E6484204}"/>
+          </ac:spMkLst>
+        </pc:spChg>
+        <pc:spChg chg="add mod">
+          <ac:chgData name="Oppenheim, Tomas" userId="7bbdd6b4-1f3d-4fdd-ac21-d8c716941374" providerId="ADAL" clId="{B038CA70-2003-4CAB-A470-D5763C6E48CF}" dt="2025-04-09T16:34:12.469" v="1418" actId="5793"/>
+          <ac:spMkLst>
+            <pc:docMk/>
+            <pc:sldMk cId="4042252160" sldId="266"/>
+            <ac:spMk id="20" creationId="{84322F9F-F486-1E52-882A-B4D12E1C938C}"/>
+          </ac:spMkLst>
+        </pc:spChg>
+        <pc:spChg chg="add del mod">
+          <ac:chgData name="Oppenheim, Tomas" userId="7bbdd6b4-1f3d-4fdd-ac21-d8c716941374" providerId="ADAL" clId="{B038CA70-2003-4CAB-A470-D5763C6E48CF}" dt="2025-04-09T16:11:06.134" v="1288" actId="478"/>
+          <ac:spMkLst>
+            <pc:docMk/>
+            <pc:sldMk cId="4042252160" sldId="266"/>
+            <ac:spMk id="23" creationId="{578CD6B5-9584-5A75-2292-84202A6261EB}"/>
+          </ac:spMkLst>
+        </pc:spChg>
+        <pc:spChg chg="mod">
+          <ac:chgData name="Oppenheim, Tomas" userId="7bbdd6b4-1f3d-4fdd-ac21-d8c716941374" providerId="ADAL" clId="{B038CA70-2003-4CAB-A470-D5763C6E48CF}" dt="2025-04-09T15:38:20.461" v="997" actId="1076"/>
+          <ac:spMkLst>
+            <pc:docMk/>
+            <pc:sldMk cId="4042252160" sldId="266"/>
+            <ac:spMk id="32" creationId="{A2EA7DEE-DEE0-D652-85C3-5527DBFEF85B}"/>
+          </ac:spMkLst>
+        </pc:spChg>
+        <pc:spChg chg="del">
+          <ac:chgData name="Oppenheim, Tomas" userId="7bbdd6b4-1f3d-4fdd-ac21-d8c716941374" providerId="ADAL" clId="{B038CA70-2003-4CAB-A470-D5763C6E48CF}" dt="2025-04-09T15:56:36.021" v="1150" actId="478"/>
+          <ac:spMkLst>
+            <pc:docMk/>
+            <pc:sldMk cId="4042252160" sldId="266"/>
+            <ac:spMk id="39" creationId="{14FB74F2-43A6-8A1F-2D16-ACBD538FACD3}"/>
+          </ac:spMkLst>
+        </pc:spChg>
+        <pc:spChg chg="del">
+          <ac:chgData name="Oppenheim, Tomas" userId="7bbdd6b4-1f3d-4fdd-ac21-d8c716941374" providerId="ADAL" clId="{B038CA70-2003-4CAB-A470-D5763C6E48CF}" dt="2025-04-09T15:37:46.966" v="984" actId="478"/>
+          <ac:spMkLst>
+            <pc:docMk/>
+            <pc:sldMk cId="4042252160" sldId="266"/>
+            <ac:spMk id="40" creationId="{8E227D14-F8F2-11A1-5B1E-4CEBD6BFB9D4}"/>
+          </ac:spMkLst>
+        </pc:spChg>
+        <pc:spChg chg="mod">
+          <ac:chgData name="Oppenheim, Tomas" userId="7bbdd6b4-1f3d-4fdd-ac21-d8c716941374" providerId="ADAL" clId="{B038CA70-2003-4CAB-A470-D5763C6E48CF}" dt="2025-04-09T15:40:13.840" v="1012" actId="1076"/>
+          <ac:spMkLst>
+            <pc:docMk/>
+            <pc:sldMk cId="4042252160" sldId="266"/>
+            <ac:spMk id="41" creationId="{D47B2E2A-8FD3-57D2-DDB2-0F59923DF5A9}"/>
+          </ac:spMkLst>
+        </pc:spChg>
+        <pc:spChg chg="mod">
+          <ac:chgData name="Oppenheim, Tomas" userId="7bbdd6b4-1f3d-4fdd-ac21-d8c716941374" providerId="ADAL" clId="{B038CA70-2003-4CAB-A470-D5763C6E48CF}" dt="2025-04-09T15:41:22.252" v="1041" actId="14100"/>
+          <ac:spMkLst>
+            <pc:docMk/>
+            <pc:sldMk cId="4042252160" sldId="266"/>
+            <ac:spMk id="42" creationId="{B107723D-3626-9BC7-9265-DFE7BF9A162D}"/>
+          </ac:spMkLst>
+        </pc:spChg>
+        <pc:spChg chg="del mod">
+          <ac:chgData name="Oppenheim, Tomas" userId="7bbdd6b4-1f3d-4fdd-ac21-d8c716941374" providerId="ADAL" clId="{B038CA70-2003-4CAB-A470-D5763C6E48CF}" dt="2025-04-09T15:56:38.175" v="1151" actId="478"/>
+          <ac:spMkLst>
+            <pc:docMk/>
+            <pc:sldMk cId="4042252160" sldId="266"/>
+            <ac:spMk id="44" creationId="{A4F72F35-D1B7-80B1-495E-BE9B95E93E85}"/>
+          </ac:spMkLst>
+        </pc:spChg>
+        <pc:spChg chg="del">
+          <ac:chgData name="Oppenheim, Tomas" userId="7bbdd6b4-1f3d-4fdd-ac21-d8c716941374" providerId="ADAL" clId="{B038CA70-2003-4CAB-A470-D5763C6E48CF}" dt="2025-04-09T15:56:40.785" v="1152" actId="478"/>
+          <ac:spMkLst>
+            <pc:docMk/>
+            <pc:sldMk cId="4042252160" sldId="266"/>
+            <ac:spMk id="47" creationId="{B7F4E6CC-BBD8-630E-1135-2DCAB7DF8A46}"/>
+          </ac:spMkLst>
+        </pc:spChg>
+        <pc:spChg chg="del">
+          <ac:chgData name="Oppenheim, Tomas" userId="7bbdd6b4-1f3d-4fdd-ac21-d8c716941374" providerId="ADAL" clId="{B038CA70-2003-4CAB-A470-D5763C6E48CF}" dt="2025-04-09T15:56:50.500" v="1154" actId="478"/>
+          <ac:spMkLst>
+            <pc:docMk/>
+            <pc:sldMk cId="4042252160" sldId="266"/>
+            <ac:spMk id="48" creationId="{A99BDF75-BBBD-C971-50F4-1B556E33E721}"/>
+          </ac:spMkLst>
+        </pc:spChg>
+        <pc:spChg chg="del mod">
+          <ac:chgData name="Oppenheim, Tomas" userId="7bbdd6b4-1f3d-4fdd-ac21-d8c716941374" providerId="ADAL" clId="{B038CA70-2003-4CAB-A470-D5763C6E48CF}" dt="2025-04-09T15:56:54.537" v="1155" actId="478"/>
+          <ac:spMkLst>
+            <pc:docMk/>
+            <pc:sldMk cId="4042252160" sldId="266"/>
+            <ac:spMk id="49" creationId="{1A7F7647-AE87-4DCA-8026-492C0D6422F6}"/>
+          </ac:spMkLst>
+        </pc:spChg>
+        <pc:spChg chg="mod">
+          <ac:chgData name="Oppenheim, Tomas" userId="7bbdd6b4-1f3d-4fdd-ac21-d8c716941374" providerId="ADAL" clId="{B038CA70-2003-4CAB-A470-D5763C6E48CF}" dt="2025-04-09T16:12:11.023" v="1289" actId="6549"/>
+          <ac:spMkLst>
+            <pc:docMk/>
+            <pc:sldMk cId="4042252160" sldId="266"/>
+            <ac:spMk id="51" creationId="{C3C06125-10CD-5A01-CD29-291216FFC311}"/>
+          </ac:spMkLst>
+        </pc:spChg>
+        <pc:spChg chg="mod">
+          <ac:chgData name="Oppenheim, Tomas" userId="7bbdd6b4-1f3d-4fdd-ac21-d8c716941374" providerId="ADAL" clId="{B038CA70-2003-4CAB-A470-D5763C6E48CF}" dt="2025-04-09T15:35:40.683" v="958" actId="1076"/>
+          <ac:spMkLst>
+            <pc:docMk/>
+            <pc:sldMk cId="4042252160" sldId="266"/>
+            <ac:spMk id="57" creationId="{5F2C114C-B1A1-83D9-3AD8-62FDC3358FBC}"/>
+          </ac:spMkLst>
+        </pc:spChg>
+        <pc:spChg chg="mod">
+          <ac:chgData name="Oppenheim, Tomas" userId="7bbdd6b4-1f3d-4fdd-ac21-d8c716941374" providerId="ADAL" clId="{B038CA70-2003-4CAB-A470-D5763C6E48CF}" dt="2025-04-09T15:35:13.794" v="917" actId="20577"/>
+          <ac:spMkLst>
+            <pc:docMk/>
+            <pc:sldMk cId="4042252160" sldId="266"/>
+            <ac:spMk id="58" creationId="{74B82466-F64C-42C3-E68E-5B418C2D2F85}"/>
+          </ac:spMkLst>
+        </pc:spChg>
+        <pc:spChg chg="del mod">
+          <ac:chgData name="Oppenheim, Tomas" userId="7bbdd6b4-1f3d-4fdd-ac21-d8c716941374" providerId="ADAL" clId="{B038CA70-2003-4CAB-A470-D5763C6E48CF}" dt="2025-04-09T15:37:50.673" v="986" actId="478"/>
+          <ac:spMkLst>
+            <pc:docMk/>
+            <pc:sldMk cId="4042252160" sldId="266"/>
+            <ac:spMk id="60" creationId="{5B75A3C8-439B-9115-032F-C557D95502C7}"/>
+          </ac:spMkLst>
+        </pc:spChg>
+        <pc:spChg chg="del">
+          <ac:chgData name="Oppenheim, Tomas" userId="7bbdd6b4-1f3d-4fdd-ac21-d8c716941374" providerId="ADAL" clId="{B038CA70-2003-4CAB-A470-D5763C6E48CF}" dt="2025-04-09T15:56:33.796" v="1149" actId="478"/>
+          <ac:spMkLst>
+            <pc:docMk/>
+            <pc:sldMk cId="4042252160" sldId="266"/>
+            <ac:spMk id="61" creationId="{D0C5189E-0863-CD50-656C-251B6037ED1D}"/>
+          </ac:spMkLst>
+        </pc:spChg>
+        <pc:cxnChg chg="add del mod">
+          <ac:chgData name="Oppenheim, Tomas" userId="7bbdd6b4-1f3d-4fdd-ac21-d8c716941374" providerId="ADAL" clId="{B038CA70-2003-4CAB-A470-D5763C6E48CF}" dt="2025-04-09T15:36:21.081" v="967" actId="478"/>
+          <ac:cxnSpMkLst>
+            <pc:docMk/>
+            <pc:sldMk cId="4042252160" sldId="266"/>
+            <ac:cxnSpMk id="5" creationId="{E571AD96-FC30-3DE7-8211-A3B59E1A91E6}"/>
+          </ac:cxnSpMkLst>
+        </pc:cxnChg>
+        <pc:cxnChg chg="add mod">
+          <ac:chgData name="Oppenheim, Tomas" userId="7bbdd6b4-1f3d-4fdd-ac21-d8c716941374" providerId="ADAL" clId="{B038CA70-2003-4CAB-A470-D5763C6E48CF}" dt="2025-04-09T15:38:15.559" v="995" actId="1076"/>
+          <ac:cxnSpMkLst>
+            <pc:docMk/>
+            <pc:sldMk cId="4042252160" sldId="266"/>
+            <ac:cxnSpMk id="11" creationId="{4E5CDB73-C5E1-2495-2B97-19AB76A7602C}"/>
+          </ac:cxnSpMkLst>
+        </pc:cxnChg>
+        <pc:cxnChg chg="mod">
+          <ac:chgData name="Oppenheim, Tomas" userId="7bbdd6b4-1f3d-4fdd-ac21-d8c716941374" providerId="ADAL" clId="{B038CA70-2003-4CAB-A470-D5763C6E48CF}" dt="2025-04-09T15:37:43.681" v="983" actId="1076"/>
+          <ac:cxnSpMkLst>
+            <pc:docMk/>
+            <pc:sldMk cId="4042252160" sldId="266"/>
+            <ac:cxnSpMk id="24" creationId="{137153AE-87A0-C64E-3E15-D2D70D1BC3B7}"/>
+          </ac:cxnSpMkLst>
+        </pc:cxnChg>
+        <pc:cxnChg chg="mod">
+          <ac:chgData name="Oppenheim, Tomas" userId="7bbdd6b4-1f3d-4fdd-ac21-d8c716941374" providerId="ADAL" clId="{B038CA70-2003-4CAB-A470-D5763C6E48CF}" dt="2025-04-09T15:40:33.420" v="1016" actId="14100"/>
+          <ac:cxnSpMkLst>
+            <pc:docMk/>
+            <pc:sldMk cId="4042252160" sldId="266"/>
+            <ac:cxnSpMk id="26" creationId="{A1D51738-6B3B-50E2-5B62-F8BC15CE701F}"/>
+          </ac:cxnSpMkLst>
+        </pc:cxnChg>
+        <pc:cxnChg chg="mod">
+          <ac:chgData name="Oppenheim, Tomas" userId="7bbdd6b4-1f3d-4fdd-ac21-d8c716941374" providerId="ADAL" clId="{B038CA70-2003-4CAB-A470-D5763C6E48CF}" dt="2025-04-09T15:40:51.991" v="1019" actId="1076"/>
+          <ac:cxnSpMkLst>
+            <pc:docMk/>
+            <pc:sldMk cId="4042252160" sldId="266"/>
+            <ac:cxnSpMk id="30" creationId="{667EEEA5-D3D0-808C-7DB7-9E79D177882B}"/>
+          </ac:cxnSpMkLst>
+        </pc:cxnChg>
+        <pc:cxnChg chg="del mod">
+          <ac:chgData name="Oppenheim, Tomas" userId="7bbdd6b4-1f3d-4fdd-ac21-d8c716941374" providerId="ADAL" clId="{B038CA70-2003-4CAB-A470-D5763C6E48CF}" dt="2025-04-09T15:40:46.850" v="1018" actId="478"/>
+          <ac:cxnSpMkLst>
+            <pc:docMk/>
+            <pc:sldMk cId="4042252160" sldId="266"/>
+            <ac:cxnSpMk id="31" creationId="{605E52EA-0E85-68ED-C6C0-DECD5B5D2DE7}"/>
+          </ac:cxnSpMkLst>
+        </pc:cxnChg>
+        <pc:cxnChg chg="del">
+          <ac:chgData name="Oppenheim, Tomas" userId="7bbdd6b4-1f3d-4fdd-ac21-d8c716941374" providerId="ADAL" clId="{B038CA70-2003-4CAB-A470-D5763C6E48CF}" dt="2025-04-09T15:56:45.938" v="1153" actId="478"/>
+          <ac:cxnSpMkLst>
+            <pc:docMk/>
+            <pc:sldMk cId="4042252160" sldId="266"/>
+            <ac:cxnSpMk id="45" creationId="{14015040-1819-C5F8-ED61-8F4C61598BB6}"/>
+          </ac:cxnSpMkLst>
+        </pc:cxnChg>
+        <pc:cxnChg chg="del">
+          <ac:chgData name="Oppenheim, Tomas" userId="7bbdd6b4-1f3d-4fdd-ac21-d8c716941374" providerId="ADAL" clId="{B038CA70-2003-4CAB-A470-D5763C6E48CF}" dt="2025-04-09T15:56:56.250" v="1156" actId="478"/>
+          <ac:cxnSpMkLst>
+            <pc:docMk/>
+            <pc:sldMk cId="4042252160" sldId="266"/>
+            <ac:cxnSpMk id="50" creationId="{3595369E-4DC5-9312-020D-A43C998A69DF}"/>
+          </ac:cxnSpMkLst>
+        </pc:cxnChg>
+      </pc:sldChg>
+      <pc:sldChg chg="delSp modSp add mod ord">
+        <pc:chgData name="Oppenheim, Tomas" userId="7bbdd6b4-1f3d-4fdd-ac21-d8c716941374" providerId="ADAL" clId="{B038CA70-2003-4CAB-A470-D5763C6E48CF}" dt="2025-04-09T16:39:36.576" v="1479" actId="113"/>
+        <pc:sldMkLst>
+          <pc:docMk/>
+          <pc:sldMk cId="1026151410" sldId="267"/>
+        </pc:sldMkLst>
+        <pc:spChg chg="del">
+          <ac:chgData name="Oppenheim, Tomas" userId="7bbdd6b4-1f3d-4fdd-ac21-d8c716941374" providerId="ADAL" clId="{B038CA70-2003-4CAB-A470-D5763C6E48CF}" dt="2025-04-09T16:17:09.644" v="1336" actId="478"/>
+          <ac:spMkLst>
+            <pc:docMk/>
+            <pc:sldMk cId="1026151410" sldId="267"/>
+            <ac:spMk id="2" creationId="{F8A19171-102B-065F-DE0F-503AC8361701}"/>
+          </ac:spMkLst>
+        </pc:spChg>
+        <pc:spChg chg="del">
+          <ac:chgData name="Oppenheim, Tomas" userId="7bbdd6b4-1f3d-4fdd-ac21-d8c716941374" providerId="ADAL" clId="{B038CA70-2003-4CAB-A470-D5763C6E48CF}" dt="2025-04-09T16:16:23.261" v="1324" actId="478"/>
+          <ac:spMkLst>
+            <pc:docMk/>
+            <pc:sldMk cId="1026151410" sldId="267"/>
+            <ac:spMk id="3" creationId="{B9BC53B0-87B0-DA29-C2EC-2B7FBB5E6085}"/>
+          </ac:spMkLst>
+        </pc:spChg>
+        <pc:spChg chg="mod">
+          <ac:chgData name="Oppenheim, Tomas" userId="7bbdd6b4-1f3d-4fdd-ac21-d8c716941374" providerId="ADAL" clId="{B038CA70-2003-4CAB-A470-D5763C6E48CF}" dt="2025-04-09T16:18:54.825" v="1342" actId="113"/>
+          <ac:spMkLst>
+            <pc:docMk/>
+            <pc:sldMk cId="1026151410" sldId="267"/>
+            <ac:spMk id="17" creationId="{3ACC9752-892E-6C6E-56DC-EF11F378335B}"/>
+          </ac:spMkLst>
+        </pc:spChg>
+        <pc:spChg chg="mod">
+          <ac:chgData name="Oppenheim, Tomas" userId="7bbdd6b4-1f3d-4fdd-ac21-d8c716941374" providerId="ADAL" clId="{B038CA70-2003-4CAB-A470-D5763C6E48CF}" dt="2025-04-09T16:37:30.025" v="1444" actId="207"/>
+          <ac:spMkLst>
+            <pc:docMk/>
+            <pc:sldMk cId="1026151410" sldId="267"/>
+            <ac:spMk id="18" creationId="{FAE530CD-0853-853E-FA6D-72155CA61B22}"/>
+          </ac:spMkLst>
+        </pc:spChg>
+        <pc:spChg chg="mod">
+          <ac:chgData name="Oppenheim, Tomas" userId="7bbdd6b4-1f3d-4fdd-ac21-d8c716941374" providerId="ADAL" clId="{B038CA70-2003-4CAB-A470-D5763C6E48CF}" dt="2025-04-09T16:24:18.327" v="1390" actId="20577"/>
+          <ac:spMkLst>
+            <pc:docMk/>
+            <pc:sldMk cId="1026151410" sldId="267"/>
+            <ac:spMk id="20" creationId="{9184622A-0504-8340-F92F-9BA0D7017205}"/>
+          </ac:spMkLst>
+        </pc:spChg>
+        <pc:spChg chg="mod">
+          <ac:chgData name="Oppenheim, Tomas" userId="7bbdd6b4-1f3d-4fdd-ac21-d8c716941374" providerId="ADAL" clId="{B038CA70-2003-4CAB-A470-D5763C6E48CF}" dt="2025-04-09T16:17:16.646" v="1338" actId="1076"/>
+          <ac:spMkLst>
+            <pc:docMk/>
+            <pc:sldMk cId="1026151410" sldId="267"/>
+            <ac:spMk id="32" creationId="{46EA7105-85B2-E2AD-8088-8DF06C91D94C}"/>
+          </ac:spMkLst>
+        </pc:spChg>
+        <pc:spChg chg="mod">
+          <ac:chgData name="Oppenheim, Tomas" userId="7bbdd6b4-1f3d-4fdd-ac21-d8c716941374" providerId="ADAL" clId="{B038CA70-2003-4CAB-A470-D5763C6E48CF}" dt="2025-04-09T16:25:26.748" v="1398" actId="20577"/>
+          <ac:spMkLst>
+            <pc:docMk/>
+            <pc:sldMk cId="1026151410" sldId="267"/>
+            <ac:spMk id="41" creationId="{3CA77AF3-02A6-2692-0D17-CB16564DFBB9}"/>
+          </ac:spMkLst>
+        </pc:spChg>
+        <pc:spChg chg="mod">
+          <ac:chgData name="Oppenheim, Tomas" userId="7bbdd6b4-1f3d-4fdd-ac21-d8c716941374" providerId="ADAL" clId="{B038CA70-2003-4CAB-A470-D5763C6E48CF}" dt="2025-04-09T16:39:36.576" v="1479" actId="113"/>
+          <ac:spMkLst>
+            <pc:docMk/>
+            <pc:sldMk cId="1026151410" sldId="267"/>
+            <ac:spMk id="42" creationId="{0D9DDB1D-39F4-B2B8-A9FE-74B963E75C7B}"/>
+          </ac:spMkLst>
+        </pc:spChg>
+        <pc:spChg chg="mod">
+          <ac:chgData name="Oppenheim, Tomas" userId="7bbdd6b4-1f3d-4fdd-ac21-d8c716941374" providerId="ADAL" clId="{B038CA70-2003-4CAB-A470-D5763C6E48CF}" dt="2025-04-09T16:15:22.328" v="1313" actId="20577"/>
+          <ac:spMkLst>
+            <pc:docMk/>
+            <pc:sldMk cId="1026151410" sldId="267"/>
+            <ac:spMk id="51" creationId="{AC666F5C-44F7-5B61-4FB0-52BBAFAC280F}"/>
+          </ac:spMkLst>
+        </pc:spChg>
+        <pc:spChg chg="mod">
+          <ac:chgData name="Oppenheim, Tomas" userId="7bbdd6b4-1f3d-4fdd-ac21-d8c716941374" providerId="ADAL" clId="{B038CA70-2003-4CAB-A470-D5763C6E48CF}" dt="2025-04-09T16:26:33.356" v="1407" actId="113"/>
+          <ac:spMkLst>
+            <pc:docMk/>
+            <pc:sldMk cId="1026151410" sldId="267"/>
+            <ac:spMk id="58" creationId="{4B054392-442F-4B1F-943A-58BD059B34B9}"/>
+          </ac:spMkLst>
+        </pc:spChg>
+        <pc:cxnChg chg="mod">
+          <ac:chgData name="Oppenheim, Tomas" userId="7bbdd6b4-1f3d-4fdd-ac21-d8c716941374" providerId="ADAL" clId="{B038CA70-2003-4CAB-A470-D5763C6E48CF}" dt="2025-04-09T16:17:20.741" v="1339" actId="1076"/>
+          <ac:cxnSpMkLst>
+            <pc:docMk/>
+            <pc:sldMk cId="1026151410" sldId="267"/>
+            <ac:cxnSpMk id="11" creationId="{CD7D4417-EB84-E22F-FAEF-3CCB77E638A8}"/>
+          </ac:cxnSpMkLst>
+        </pc:cxnChg>
       </pc:sldChg>
     </pc:docChg>
   </pc:docChgLst>
@@ -3618,6 +4465,2208 @@
 </p:sld>
 </file>
 
+<file path=ppt/slides/slide10.xml><?xml version="1.0" encoding="utf-8"?>
+<p:sld xmlns:a="http://schemas.openxmlformats.org/drawingml/2006/main" xmlns:r="http://schemas.openxmlformats.org/officeDocument/2006/relationships" xmlns:p="http://schemas.openxmlformats.org/presentationml/2006/main">
+  <p:cSld>
+    <p:spTree>
+      <p:nvGrpSpPr>
+        <p:cNvPr id="1" name="">
+          <a:extLst>
+            <a:ext uri="{FF2B5EF4-FFF2-40B4-BE49-F238E27FC236}">
+              <a16:creationId xmlns:a16="http://schemas.microsoft.com/office/drawing/2014/main" id="{BD10599F-26DC-42F6-95CF-1796B2C5DB45}"/>
+            </a:ext>
+          </a:extLst>
+        </p:cNvPr>
+        <p:cNvGrpSpPr/>
+        <p:nvPr/>
+      </p:nvGrpSpPr>
+      <p:grpSpPr>
+        <a:xfrm>
+          <a:off x="0" y="0"/>
+          <a:ext cx="0" cy="0"/>
+          <a:chOff x="0" y="0"/>
+          <a:chExt cx="0" cy="0"/>
+        </a:xfrm>
+      </p:grpSpPr>
+      <p:cxnSp>
+        <p:nvCxnSpPr>
+          <p:cNvPr id="4" name="Straight Connector 3">
+            <a:extLst>
+              <a:ext uri="{FF2B5EF4-FFF2-40B4-BE49-F238E27FC236}">
+                <a16:creationId xmlns:a16="http://schemas.microsoft.com/office/drawing/2014/main" id="{CB0C6F9B-34AD-D92B-F730-958E14D7E8F2}"/>
+              </a:ext>
+            </a:extLst>
+          </p:cNvPr>
+          <p:cNvCxnSpPr/>
+          <p:nvPr/>
+        </p:nvCxnSpPr>
+        <p:spPr>
+          <a:xfrm>
+            <a:off x="1870364" y="1571105"/>
+            <a:ext cx="1143000" cy="0"/>
+          </a:xfrm>
+          <a:prstGeom prst="line">
+            <a:avLst/>
+          </a:prstGeom>
+        </p:spPr>
+        <p:style>
+          <a:lnRef idx="2">
+            <a:schemeClr val="accent1"/>
+          </a:lnRef>
+          <a:fillRef idx="0">
+            <a:schemeClr val="accent1"/>
+          </a:fillRef>
+          <a:effectRef idx="1">
+            <a:schemeClr val="accent1"/>
+          </a:effectRef>
+          <a:fontRef idx="minor">
+            <a:schemeClr val="tx1"/>
+          </a:fontRef>
+        </p:style>
+      </p:cxnSp>
+      <p:cxnSp>
+        <p:nvCxnSpPr>
+          <p:cNvPr id="6" name="Straight Connector 5">
+            <a:extLst>
+              <a:ext uri="{FF2B5EF4-FFF2-40B4-BE49-F238E27FC236}">
+                <a16:creationId xmlns:a16="http://schemas.microsoft.com/office/drawing/2014/main" id="{ADF095D9-65E4-C971-637E-5BBD7B68014A}"/>
+              </a:ext>
+            </a:extLst>
+          </p:cNvPr>
+          <p:cNvCxnSpPr>
+            <a:cxnSpLocks/>
+          </p:cNvCxnSpPr>
+          <p:nvPr/>
+        </p:nvCxnSpPr>
+        <p:spPr>
+          <a:xfrm>
+            <a:off x="2024150" y="1844039"/>
+            <a:ext cx="831272" cy="0"/>
+          </a:xfrm>
+          <a:prstGeom prst="line">
+            <a:avLst/>
+          </a:prstGeom>
+        </p:spPr>
+        <p:style>
+          <a:lnRef idx="2">
+            <a:schemeClr val="accent1"/>
+          </a:lnRef>
+          <a:fillRef idx="0">
+            <a:schemeClr val="accent1"/>
+          </a:fillRef>
+          <a:effectRef idx="1">
+            <a:schemeClr val="accent1"/>
+          </a:effectRef>
+          <a:fontRef idx="minor">
+            <a:schemeClr val="tx1"/>
+          </a:fontRef>
+        </p:style>
+      </p:cxnSp>
+      <p:sp>
+        <p:nvSpPr>
+          <p:cNvPr id="8" name="TextBox 7">
+            <a:extLst>
+              <a:ext uri="{FF2B5EF4-FFF2-40B4-BE49-F238E27FC236}">
+                <a16:creationId xmlns:a16="http://schemas.microsoft.com/office/drawing/2014/main" id="{11D0B07E-1F2F-CA54-2711-42FD98315309}"/>
+              </a:ext>
+            </a:extLst>
+          </p:cNvPr>
+          <p:cNvSpPr txBox="1"/>
+          <p:nvPr/>
+        </p:nvSpPr>
+        <p:spPr>
+          <a:xfrm>
+            <a:off x="694113" y="1571105"/>
+            <a:ext cx="1616825" cy="369332"/>
+          </a:xfrm>
+          <a:prstGeom prst="rect">
+            <a:avLst/>
+          </a:prstGeom>
+          <a:noFill/>
+        </p:spPr>
+        <p:txBody>
+          <a:bodyPr wrap="square" rtlCol="0">
+            <a:spAutoFit/>
+          </a:bodyPr>
+          <a:lstStyle/>
+          <a:p>
+            <a:r>
+              <a:rPr lang="en-US" b="1" dirty="0"/>
+              <a:t>LVR +3.3V</a:t>
+            </a:r>
+          </a:p>
+        </p:txBody>
+      </p:sp>
+      <p:cxnSp>
+        <p:nvCxnSpPr>
+          <p:cNvPr id="10" name="Straight Connector 9">
+            <a:extLst>
+              <a:ext uri="{FF2B5EF4-FFF2-40B4-BE49-F238E27FC236}">
+                <a16:creationId xmlns:a16="http://schemas.microsoft.com/office/drawing/2014/main" id="{DBE7B9B7-930F-F097-72DD-4364C88144F1}"/>
+              </a:ext>
+            </a:extLst>
+          </p:cNvPr>
+          <p:cNvCxnSpPr/>
+          <p:nvPr/>
+        </p:nvCxnSpPr>
+        <p:spPr>
+          <a:xfrm flipV="1">
+            <a:off x="2385753" y="980902"/>
+            <a:ext cx="0" cy="590203"/>
+          </a:xfrm>
+          <a:prstGeom prst="line">
+            <a:avLst/>
+          </a:prstGeom>
+        </p:spPr>
+        <p:style>
+          <a:lnRef idx="2">
+            <a:schemeClr val="accent1"/>
+          </a:lnRef>
+          <a:fillRef idx="0">
+            <a:schemeClr val="accent1"/>
+          </a:fillRef>
+          <a:effectRef idx="1">
+            <a:schemeClr val="accent1"/>
+          </a:effectRef>
+          <a:fontRef idx="minor">
+            <a:schemeClr val="tx1"/>
+          </a:fontRef>
+        </p:style>
+      </p:cxnSp>
+      <p:cxnSp>
+        <p:nvCxnSpPr>
+          <p:cNvPr id="12" name="Straight Connector 11">
+            <a:extLst>
+              <a:ext uri="{FF2B5EF4-FFF2-40B4-BE49-F238E27FC236}">
+                <a16:creationId xmlns:a16="http://schemas.microsoft.com/office/drawing/2014/main" id="{788F8501-5A1F-09CE-2086-1D10E7E4492B}"/>
+              </a:ext>
+            </a:extLst>
+          </p:cNvPr>
+          <p:cNvCxnSpPr/>
+          <p:nvPr/>
+        </p:nvCxnSpPr>
+        <p:spPr>
+          <a:xfrm>
+            <a:off x="2385753" y="980902"/>
+            <a:ext cx="1483822" cy="0"/>
+          </a:xfrm>
+          <a:prstGeom prst="line">
+            <a:avLst/>
+          </a:prstGeom>
+        </p:spPr>
+        <p:style>
+          <a:lnRef idx="2">
+            <a:schemeClr val="accent1"/>
+          </a:lnRef>
+          <a:fillRef idx="0">
+            <a:schemeClr val="accent1"/>
+          </a:fillRef>
+          <a:effectRef idx="1">
+            <a:schemeClr val="accent1"/>
+          </a:effectRef>
+          <a:fontRef idx="minor">
+            <a:schemeClr val="tx1"/>
+          </a:fontRef>
+        </p:style>
+      </p:cxnSp>
+      <p:cxnSp>
+        <p:nvCxnSpPr>
+          <p:cNvPr id="13" name="Straight Connector 12">
+            <a:extLst>
+              <a:ext uri="{FF2B5EF4-FFF2-40B4-BE49-F238E27FC236}">
+                <a16:creationId xmlns:a16="http://schemas.microsoft.com/office/drawing/2014/main" id="{46D032AA-440D-BA14-48C8-F024166BB3C8}"/>
+              </a:ext>
+            </a:extLst>
+          </p:cNvPr>
+          <p:cNvCxnSpPr/>
+          <p:nvPr/>
+        </p:nvCxnSpPr>
+        <p:spPr>
+          <a:xfrm>
+            <a:off x="4445924" y="980902"/>
+            <a:ext cx="1483822" cy="0"/>
+          </a:xfrm>
+          <a:prstGeom prst="line">
+            <a:avLst/>
+          </a:prstGeom>
+        </p:spPr>
+        <p:style>
+          <a:lnRef idx="2">
+            <a:schemeClr val="accent1"/>
+          </a:lnRef>
+          <a:fillRef idx="0">
+            <a:schemeClr val="accent1"/>
+          </a:fillRef>
+          <a:effectRef idx="1">
+            <a:schemeClr val="accent1"/>
+          </a:effectRef>
+          <a:fontRef idx="minor">
+            <a:schemeClr val="tx1"/>
+          </a:fontRef>
+        </p:style>
+      </p:cxnSp>
+      <p:cxnSp>
+        <p:nvCxnSpPr>
+          <p:cNvPr id="14" name="Straight Connector 13">
+            <a:extLst>
+              <a:ext uri="{FF2B5EF4-FFF2-40B4-BE49-F238E27FC236}">
+                <a16:creationId xmlns:a16="http://schemas.microsoft.com/office/drawing/2014/main" id="{7B636063-DD13-0FE5-89C2-F1D7C2F7904E}"/>
+              </a:ext>
+            </a:extLst>
+          </p:cNvPr>
+          <p:cNvCxnSpPr/>
+          <p:nvPr/>
+        </p:nvCxnSpPr>
+        <p:spPr>
+          <a:xfrm>
+            <a:off x="6410498" y="980902"/>
+            <a:ext cx="1483822" cy="0"/>
+          </a:xfrm>
+          <a:prstGeom prst="line">
+            <a:avLst/>
+          </a:prstGeom>
+        </p:spPr>
+        <p:style>
+          <a:lnRef idx="2">
+            <a:schemeClr val="accent1"/>
+          </a:lnRef>
+          <a:fillRef idx="0">
+            <a:schemeClr val="accent1"/>
+          </a:fillRef>
+          <a:effectRef idx="1">
+            <a:schemeClr val="accent1"/>
+          </a:effectRef>
+          <a:fontRef idx="minor">
+            <a:schemeClr val="tx1"/>
+          </a:fontRef>
+        </p:style>
+      </p:cxnSp>
+      <p:cxnSp>
+        <p:nvCxnSpPr>
+          <p:cNvPr id="21" name="Straight Connector 20">
+            <a:extLst>
+              <a:ext uri="{FF2B5EF4-FFF2-40B4-BE49-F238E27FC236}">
+                <a16:creationId xmlns:a16="http://schemas.microsoft.com/office/drawing/2014/main" id="{EE91A634-8665-BA3B-2644-3E2A0BF09B14}"/>
+              </a:ext>
+            </a:extLst>
+          </p:cNvPr>
+          <p:cNvCxnSpPr>
+            <a:cxnSpLocks/>
+          </p:cNvCxnSpPr>
+          <p:nvPr/>
+        </p:nvCxnSpPr>
+        <p:spPr>
+          <a:xfrm flipV="1">
+            <a:off x="2385753" y="1844039"/>
+            <a:ext cx="0" cy="1364674"/>
+          </a:xfrm>
+          <a:prstGeom prst="line">
+            <a:avLst/>
+          </a:prstGeom>
+        </p:spPr>
+        <p:style>
+          <a:lnRef idx="2">
+            <a:schemeClr val="accent1"/>
+          </a:lnRef>
+          <a:fillRef idx="0">
+            <a:schemeClr val="accent1"/>
+          </a:fillRef>
+          <a:effectRef idx="1">
+            <a:schemeClr val="accent1"/>
+          </a:effectRef>
+          <a:fontRef idx="minor">
+            <a:schemeClr val="tx1"/>
+          </a:fontRef>
+        </p:style>
+      </p:cxnSp>
+      <p:sp>
+        <p:nvSpPr>
+          <p:cNvPr id="23" name="Isosceles Triangle 22">
+            <a:extLst>
+              <a:ext uri="{FF2B5EF4-FFF2-40B4-BE49-F238E27FC236}">
+                <a16:creationId xmlns:a16="http://schemas.microsoft.com/office/drawing/2014/main" id="{F034A593-E751-DEF8-F390-604CC42BB21F}"/>
+              </a:ext>
+            </a:extLst>
+          </p:cNvPr>
+          <p:cNvSpPr/>
+          <p:nvPr/>
+        </p:nvSpPr>
+        <p:spPr>
+          <a:xfrm rot="10800000">
+            <a:off x="5733532" y="1944087"/>
+            <a:ext cx="997527" cy="719047"/>
+          </a:xfrm>
+          <a:prstGeom prst="triangle">
+            <a:avLst/>
+          </a:prstGeom>
+        </p:spPr>
+        <p:style>
+          <a:lnRef idx="2">
+            <a:schemeClr val="accent1">
+              <a:shade val="15000"/>
+            </a:schemeClr>
+          </a:lnRef>
+          <a:fillRef idx="1">
+            <a:schemeClr val="accent1"/>
+          </a:fillRef>
+          <a:effectRef idx="0">
+            <a:schemeClr val="accent1"/>
+          </a:effectRef>
+          <a:fontRef idx="minor">
+            <a:schemeClr val="lt1"/>
+          </a:fontRef>
+        </p:style>
+        <p:txBody>
+          <a:bodyPr rtlCol="0" anchor="ctr"/>
+          <a:lstStyle/>
+          <a:p>
+            <a:pPr algn="ctr"/>
+            <a:endParaRPr lang="en-US"/>
+          </a:p>
+        </p:txBody>
+      </p:sp>
+      <p:cxnSp>
+        <p:nvCxnSpPr>
+          <p:cNvPr id="24" name="Straight Connector 23">
+            <a:extLst>
+              <a:ext uri="{FF2B5EF4-FFF2-40B4-BE49-F238E27FC236}">
+                <a16:creationId xmlns:a16="http://schemas.microsoft.com/office/drawing/2014/main" id="{56D36E3E-89F6-49D9-C1A8-51DD09F5FCD1}"/>
+              </a:ext>
+            </a:extLst>
+          </p:cNvPr>
+          <p:cNvCxnSpPr>
+            <a:cxnSpLocks/>
+          </p:cNvCxnSpPr>
+          <p:nvPr/>
+        </p:nvCxnSpPr>
+        <p:spPr>
+          <a:xfrm flipV="1">
+            <a:off x="6005945" y="980901"/>
+            <a:ext cx="0" cy="959536"/>
+          </a:xfrm>
+          <a:prstGeom prst="line">
+            <a:avLst/>
+          </a:prstGeom>
+        </p:spPr>
+        <p:style>
+          <a:lnRef idx="2">
+            <a:schemeClr val="accent1"/>
+          </a:lnRef>
+          <a:fillRef idx="0">
+            <a:schemeClr val="accent1"/>
+          </a:fillRef>
+          <a:effectRef idx="1">
+            <a:schemeClr val="accent1"/>
+          </a:effectRef>
+          <a:fontRef idx="minor">
+            <a:schemeClr val="tx1"/>
+          </a:fontRef>
+        </p:style>
+      </p:cxnSp>
+      <p:cxnSp>
+        <p:nvCxnSpPr>
+          <p:cNvPr id="26" name="Straight Connector 25">
+            <a:extLst>
+              <a:ext uri="{FF2B5EF4-FFF2-40B4-BE49-F238E27FC236}">
+                <a16:creationId xmlns:a16="http://schemas.microsoft.com/office/drawing/2014/main" id="{52FE003F-9563-0185-68D3-2EE866C5EEDF}"/>
+              </a:ext>
+            </a:extLst>
+          </p:cNvPr>
+          <p:cNvCxnSpPr>
+            <a:cxnSpLocks/>
+          </p:cNvCxnSpPr>
+          <p:nvPr/>
+        </p:nvCxnSpPr>
+        <p:spPr>
+          <a:xfrm>
+            <a:off x="6475613" y="1410588"/>
+            <a:ext cx="0" cy="529851"/>
+          </a:xfrm>
+          <a:prstGeom prst="line">
+            <a:avLst/>
+          </a:prstGeom>
+        </p:spPr>
+        <p:style>
+          <a:lnRef idx="2">
+            <a:schemeClr val="accent1"/>
+          </a:lnRef>
+          <a:fillRef idx="0">
+            <a:schemeClr val="accent1"/>
+          </a:fillRef>
+          <a:effectRef idx="1">
+            <a:schemeClr val="accent1"/>
+          </a:effectRef>
+          <a:fontRef idx="minor">
+            <a:schemeClr val="tx1"/>
+          </a:fontRef>
+        </p:style>
+      </p:cxnSp>
+      <p:cxnSp>
+        <p:nvCxnSpPr>
+          <p:cNvPr id="30" name="Straight Connector 29">
+            <a:extLst>
+              <a:ext uri="{FF2B5EF4-FFF2-40B4-BE49-F238E27FC236}">
+                <a16:creationId xmlns:a16="http://schemas.microsoft.com/office/drawing/2014/main" id="{2DF2AB39-301B-1E7D-5690-0FABC4935515}"/>
+              </a:ext>
+            </a:extLst>
+          </p:cNvPr>
+          <p:cNvCxnSpPr>
+            <a:cxnSpLocks/>
+          </p:cNvCxnSpPr>
+          <p:nvPr/>
+        </p:nvCxnSpPr>
+        <p:spPr>
+          <a:xfrm>
+            <a:off x="6223464" y="2638702"/>
+            <a:ext cx="0" cy="1200291"/>
+          </a:xfrm>
+          <a:prstGeom prst="line">
+            <a:avLst/>
+          </a:prstGeom>
+        </p:spPr>
+        <p:style>
+          <a:lnRef idx="2">
+            <a:schemeClr val="accent1"/>
+          </a:lnRef>
+          <a:fillRef idx="0">
+            <a:schemeClr val="accent1"/>
+          </a:fillRef>
+          <a:effectRef idx="1">
+            <a:schemeClr val="accent1"/>
+          </a:effectRef>
+          <a:fontRef idx="minor">
+            <a:schemeClr val="tx1"/>
+          </a:fontRef>
+        </p:style>
+      </p:cxnSp>
+      <p:sp>
+        <p:nvSpPr>
+          <p:cNvPr id="32" name="TextBox 31">
+            <a:extLst>
+              <a:ext uri="{FF2B5EF4-FFF2-40B4-BE49-F238E27FC236}">
+                <a16:creationId xmlns:a16="http://schemas.microsoft.com/office/drawing/2014/main" id="{46EA7105-85B2-E2AD-8088-8DF06C91D94C}"/>
+              </a:ext>
+            </a:extLst>
+          </p:cNvPr>
+          <p:cNvSpPr txBox="1"/>
+          <p:nvPr/>
+        </p:nvSpPr>
+        <p:spPr>
+          <a:xfrm>
+            <a:off x="8352216" y="811472"/>
+            <a:ext cx="760614" cy="369332"/>
+          </a:xfrm>
+          <a:prstGeom prst="rect">
+            <a:avLst/>
+          </a:prstGeom>
+          <a:noFill/>
+        </p:spPr>
+        <p:txBody>
+          <a:bodyPr wrap="square" rtlCol="0">
+            <a:spAutoFit/>
+          </a:bodyPr>
+          <a:lstStyle/>
+          <a:p>
+            <a:r>
+              <a:rPr lang="en-US" dirty="0"/>
+              <a:t>GND</a:t>
+            </a:r>
+          </a:p>
+        </p:txBody>
+      </p:sp>
+      <p:sp>
+        <p:nvSpPr>
+          <p:cNvPr id="41" name="TextBox 40">
+            <a:extLst>
+              <a:ext uri="{FF2B5EF4-FFF2-40B4-BE49-F238E27FC236}">
+                <a16:creationId xmlns:a16="http://schemas.microsoft.com/office/drawing/2014/main" id="{3CA77AF3-02A6-2692-0D17-CB16564DFBB9}"/>
+              </a:ext>
+            </a:extLst>
+          </p:cNvPr>
+          <p:cNvSpPr txBox="1"/>
+          <p:nvPr/>
+        </p:nvSpPr>
+        <p:spPr>
+          <a:xfrm>
+            <a:off x="4112203" y="1398325"/>
+            <a:ext cx="2806935" cy="369332"/>
+          </a:xfrm>
+          <a:prstGeom prst="rect">
+            <a:avLst/>
+          </a:prstGeom>
+          <a:noFill/>
+        </p:spPr>
+        <p:txBody>
+          <a:bodyPr wrap="square" rtlCol="0">
+            <a:spAutoFit/>
+          </a:bodyPr>
+          <a:lstStyle/>
+          <a:p>
+            <a:r>
+              <a:rPr lang="en-US" dirty="0"/>
+              <a:t>+1.3 mV to 2.6 mV</a:t>
+            </a:r>
+          </a:p>
+        </p:txBody>
+      </p:sp>
+      <p:sp>
+        <p:nvSpPr>
+          <p:cNvPr id="42" name="TextBox 41">
+            <a:extLst>
+              <a:ext uri="{FF2B5EF4-FFF2-40B4-BE49-F238E27FC236}">
+                <a16:creationId xmlns:a16="http://schemas.microsoft.com/office/drawing/2014/main" id="{0D9DDB1D-39F4-B2B8-A9FE-74B963E75C7B}"/>
+              </a:ext>
+            </a:extLst>
+          </p:cNvPr>
+          <p:cNvSpPr txBox="1"/>
+          <p:nvPr/>
+        </p:nvSpPr>
+        <p:spPr>
+          <a:xfrm>
+            <a:off x="6485309" y="1400193"/>
+            <a:ext cx="5223167" cy="369332"/>
+          </a:xfrm>
+          <a:prstGeom prst="rect">
+            <a:avLst/>
+          </a:prstGeom>
+          <a:noFill/>
+        </p:spPr>
+        <p:txBody>
+          <a:bodyPr wrap="square" rtlCol="0">
+            <a:spAutoFit/>
+          </a:bodyPr>
+          <a:lstStyle/>
+          <a:p>
+            <a:r>
+              <a:rPr lang="en-US" dirty="0"/>
+              <a:t>~  - 1.95 mV ref (</a:t>
+            </a:r>
+            <a:r>
+              <a:rPr lang="en-US" b="1" dirty="0"/>
+              <a:t>average of input voltage range</a:t>
+            </a:r>
+            <a:r>
+              <a:rPr lang="en-US" dirty="0"/>
+              <a:t>)</a:t>
+            </a:r>
+          </a:p>
+        </p:txBody>
+      </p:sp>
+      <p:sp>
+        <p:nvSpPr>
+          <p:cNvPr id="51" name="TextBox 50">
+            <a:extLst>
+              <a:ext uri="{FF2B5EF4-FFF2-40B4-BE49-F238E27FC236}">
+                <a16:creationId xmlns:a16="http://schemas.microsoft.com/office/drawing/2014/main" id="{AC666F5C-44F7-5B61-4FB0-52BBAFAC280F}"/>
+              </a:ext>
+            </a:extLst>
+          </p:cNvPr>
+          <p:cNvSpPr txBox="1"/>
+          <p:nvPr/>
+        </p:nvSpPr>
+        <p:spPr>
+          <a:xfrm>
+            <a:off x="4112203" y="3888261"/>
+            <a:ext cx="4711755" cy="369332"/>
+          </a:xfrm>
+          <a:prstGeom prst="rect">
+            <a:avLst/>
+          </a:prstGeom>
+          <a:noFill/>
+        </p:spPr>
+        <p:txBody>
+          <a:bodyPr wrap="square" rtlCol="0">
+            <a:spAutoFit/>
+          </a:bodyPr>
+          <a:lstStyle/>
+          <a:p>
+            <a:pPr algn="ctr"/>
+            <a:r>
+              <a:rPr lang="en-US" b="1" dirty="0"/>
+              <a:t>Microcontroller</a:t>
+            </a:r>
+          </a:p>
+        </p:txBody>
+      </p:sp>
+      <p:sp>
+        <p:nvSpPr>
+          <p:cNvPr id="52" name="TextBox 51">
+            <a:extLst>
+              <a:ext uri="{FF2B5EF4-FFF2-40B4-BE49-F238E27FC236}">
+                <a16:creationId xmlns:a16="http://schemas.microsoft.com/office/drawing/2014/main" id="{2F13B83C-46F5-80F4-0C95-BB8EDC0DC617}"/>
+              </a:ext>
+            </a:extLst>
+          </p:cNvPr>
+          <p:cNvSpPr txBox="1"/>
+          <p:nvPr/>
+        </p:nvSpPr>
+        <p:spPr>
+          <a:xfrm>
+            <a:off x="2024150" y="3208713"/>
+            <a:ext cx="760614" cy="369332"/>
+          </a:xfrm>
+          <a:prstGeom prst="rect">
+            <a:avLst/>
+          </a:prstGeom>
+          <a:noFill/>
+        </p:spPr>
+        <p:txBody>
+          <a:bodyPr wrap="square" rtlCol="0">
+            <a:spAutoFit/>
+          </a:bodyPr>
+          <a:lstStyle/>
+          <a:p>
+            <a:r>
+              <a:rPr lang="en-US" dirty="0"/>
+              <a:t>GND</a:t>
+            </a:r>
+          </a:p>
+        </p:txBody>
+      </p:sp>
+      <p:sp>
+        <p:nvSpPr>
+          <p:cNvPr id="53" name="Rectangle 52">
+            <a:extLst>
+              <a:ext uri="{FF2B5EF4-FFF2-40B4-BE49-F238E27FC236}">
+                <a16:creationId xmlns:a16="http://schemas.microsoft.com/office/drawing/2014/main" id="{390B00A4-56F0-B2A2-25AC-A1DC24F2A0EC}"/>
+              </a:ext>
+            </a:extLst>
+          </p:cNvPr>
+          <p:cNvSpPr/>
+          <p:nvPr/>
+        </p:nvSpPr>
+        <p:spPr>
+          <a:xfrm>
+            <a:off x="3851564" y="822961"/>
+            <a:ext cx="644236" cy="315879"/>
+          </a:xfrm>
+          <a:prstGeom prst="rect">
+            <a:avLst/>
+          </a:prstGeom>
+          <a:solidFill>
+            <a:srgbClr val="FFC000"/>
+          </a:solidFill>
+        </p:spPr>
+        <p:style>
+          <a:lnRef idx="2">
+            <a:schemeClr val="accent1">
+              <a:shade val="15000"/>
+            </a:schemeClr>
+          </a:lnRef>
+          <a:fillRef idx="1">
+            <a:schemeClr val="accent1"/>
+          </a:fillRef>
+          <a:effectRef idx="0">
+            <a:schemeClr val="accent1"/>
+          </a:effectRef>
+          <a:fontRef idx="minor">
+            <a:schemeClr val="lt1"/>
+          </a:fontRef>
+        </p:style>
+        <p:txBody>
+          <a:bodyPr rtlCol="0" anchor="ctr"/>
+          <a:lstStyle/>
+          <a:p>
+            <a:pPr algn="ctr"/>
+            <a:endParaRPr lang="en-US" dirty="0"/>
+          </a:p>
+        </p:txBody>
+      </p:sp>
+      <p:sp>
+        <p:nvSpPr>
+          <p:cNvPr id="54" name="Rectangle 53">
+            <a:extLst>
+              <a:ext uri="{FF2B5EF4-FFF2-40B4-BE49-F238E27FC236}">
+                <a16:creationId xmlns:a16="http://schemas.microsoft.com/office/drawing/2014/main" id="{D4C4F6AD-0C18-AACD-1570-7CF612BEAE00}"/>
+              </a:ext>
+            </a:extLst>
+          </p:cNvPr>
+          <p:cNvSpPr/>
+          <p:nvPr/>
+        </p:nvSpPr>
+        <p:spPr>
+          <a:xfrm>
+            <a:off x="5852161" y="830002"/>
+            <a:ext cx="644236" cy="315879"/>
+          </a:xfrm>
+          <a:prstGeom prst="rect">
+            <a:avLst/>
+          </a:prstGeom>
+          <a:solidFill>
+            <a:srgbClr val="FFC000"/>
+          </a:solidFill>
+        </p:spPr>
+        <p:style>
+          <a:lnRef idx="2">
+            <a:schemeClr val="accent1">
+              <a:shade val="15000"/>
+            </a:schemeClr>
+          </a:lnRef>
+          <a:fillRef idx="1">
+            <a:schemeClr val="accent1"/>
+          </a:fillRef>
+          <a:effectRef idx="0">
+            <a:schemeClr val="accent1"/>
+          </a:effectRef>
+          <a:fontRef idx="minor">
+            <a:schemeClr val="lt1"/>
+          </a:fontRef>
+        </p:style>
+        <p:txBody>
+          <a:bodyPr rtlCol="0" anchor="ctr"/>
+          <a:lstStyle/>
+          <a:p>
+            <a:pPr algn="ctr"/>
+            <a:endParaRPr lang="en-US" dirty="0"/>
+          </a:p>
+        </p:txBody>
+      </p:sp>
+      <p:cxnSp>
+        <p:nvCxnSpPr>
+          <p:cNvPr id="56" name="Straight Arrow Connector 55">
+            <a:extLst>
+              <a:ext uri="{FF2B5EF4-FFF2-40B4-BE49-F238E27FC236}">
+                <a16:creationId xmlns:a16="http://schemas.microsoft.com/office/drawing/2014/main" id="{0DD3D6BC-B996-1594-15A2-9F7FFE9F97E3}"/>
+              </a:ext>
+            </a:extLst>
+          </p:cNvPr>
+          <p:cNvCxnSpPr/>
+          <p:nvPr/>
+        </p:nvCxnSpPr>
+        <p:spPr>
+          <a:xfrm flipV="1">
+            <a:off x="6027075" y="581687"/>
+            <a:ext cx="342209" cy="828902"/>
+          </a:xfrm>
+          <a:prstGeom prst="straightConnector1">
+            <a:avLst/>
+          </a:prstGeom>
+          <a:ln>
+            <a:tailEnd type="triangle"/>
+          </a:ln>
+        </p:spPr>
+        <p:style>
+          <a:lnRef idx="2">
+            <a:schemeClr val="accent1"/>
+          </a:lnRef>
+          <a:fillRef idx="0">
+            <a:schemeClr val="accent1"/>
+          </a:fillRef>
+          <a:effectRef idx="1">
+            <a:schemeClr val="accent1"/>
+          </a:effectRef>
+          <a:fontRef idx="minor">
+            <a:schemeClr val="tx1"/>
+          </a:fontRef>
+        </p:style>
+      </p:cxnSp>
+      <p:sp>
+        <p:nvSpPr>
+          <p:cNvPr id="57" name="TextBox 56">
+            <a:extLst>
+              <a:ext uri="{FF2B5EF4-FFF2-40B4-BE49-F238E27FC236}">
+                <a16:creationId xmlns:a16="http://schemas.microsoft.com/office/drawing/2014/main" id="{54335ACB-EF65-22F2-C473-6BBF888E5B09}"/>
+              </a:ext>
+            </a:extLst>
+          </p:cNvPr>
+          <p:cNvSpPr txBox="1"/>
+          <p:nvPr/>
+        </p:nvSpPr>
+        <p:spPr>
+          <a:xfrm>
+            <a:off x="4786057" y="208226"/>
+            <a:ext cx="3578628" cy="369332"/>
+          </a:xfrm>
+          <a:prstGeom prst="rect">
+            <a:avLst/>
+          </a:prstGeom>
+          <a:noFill/>
+        </p:spPr>
+        <p:txBody>
+          <a:bodyPr wrap="square" rtlCol="0">
+            <a:spAutoFit/>
+          </a:bodyPr>
+          <a:lstStyle/>
+          <a:p>
+            <a:r>
+              <a:rPr lang="en-US" b="1" dirty="0"/>
+              <a:t>Strain Gauge (0.4 ohm – 0.8ohm)</a:t>
+            </a:r>
+          </a:p>
+        </p:txBody>
+      </p:sp>
+      <p:sp>
+        <p:nvSpPr>
+          <p:cNvPr id="58" name="TextBox 57">
+            <a:extLst>
+              <a:ext uri="{FF2B5EF4-FFF2-40B4-BE49-F238E27FC236}">
+                <a16:creationId xmlns:a16="http://schemas.microsoft.com/office/drawing/2014/main" id="{4B054392-442F-4B1F-943A-58BD059B34B9}"/>
+              </a:ext>
+            </a:extLst>
+          </p:cNvPr>
+          <p:cNvSpPr txBox="1"/>
+          <p:nvPr/>
+        </p:nvSpPr>
+        <p:spPr>
+          <a:xfrm>
+            <a:off x="3736922" y="347934"/>
+            <a:ext cx="1812174" cy="369332"/>
+          </a:xfrm>
+          <a:prstGeom prst="rect">
+            <a:avLst/>
+          </a:prstGeom>
+          <a:noFill/>
+        </p:spPr>
+        <p:txBody>
+          <a:bodyPr wrap="square" rtlCol="0">
+            <a:spAutoFit/>
+          </a:bodyPr>
+          <a:lstStyle/>
+          <a:p>
+            <a:r>
+              <a:rPr lang="en-US" b="1" dirty="0">
+                <a:solidFill>
+                  <a:srgbClr val="FF0000"/>
+                </a:solidFill>
+              </a:rPr>
+              <a:t>1kohm</a:t>
+            </a:r>
+          </a:p>
+        </p:txBody>
+      </p:sp>
+      <p:cxnSp>
+        <p:nvCxnSpPr>
+          <p:cNvPr id="11" name="Straight Arrow Connector 10">
+            <a:extLst>
+              <a:ext uri="{FF2B5EF4-FFF2-40B4-BE49-F238E27FC236}">
+                <a16:creationId xmlns:a16="http://schemas.microsoft.com/office/drawing/2014/main" id="{CD7D4417-EB84-E22F-FAEF-3CCB77E638A8}"/>
+              </a:ext>
+            </a:extLst>
+          </p:cNvPr>
+          <p:cNvCxnSpPr>
+            <a:cxnSpLocks/>
+          </p:cNvCxnSpPr>
+          <p:nvPr/>
+        </p:nvCxnSpPr>
+        <p:spPr>
+          <a:xfrm>
+            <a:off x="7894320" y="978239"/>
+            <a:ext cx="424296" cy="0"/>
+          </a:xfrm>
+          <a:prstGeom prst="straightConnector1">
+            <a:avLst/>
+          </a:prstGeom>
+          <a:ln>
+            <a:tailEnd type="triangle"/>
+          </a:ln>
+        </p:spPr>
+        <p:style>
+          <a:lnRef idx="2">
+            <a:schemeClr val="accent1"/>
+          </a:lnRef>
+          <a:fillRef idx="0">
+            <a:schemeClr val="accent1"/>
+          </a:fillRef>
+          <a:effectRef idx="1">
+            <a:schemeClr val="accent1"/>
+          </a:effectRef>
+          <a:fontRef idx="minor">
+            <a:schemeClr val="tx1"/>
+          </a:fontRef>
+        </p:style>
+      </p:cxnSp>
+      <p:sp>
+        <p:nvSpPr>
+          <p:cNvPr id="17" name="TextBox 16">
+            <a:extLst>
+              <a:ext uri="{FF2B5EF4-FFF2-40B4-BE49-F238E27FC236}">
+                <a16:creationId xmlns:a16="http://schemas.microsoft.com/office/drawing/2014/main" id="{3ACC9752-892E-6C6E-56DC-EF11F378335B}"/>
+              </a:ext>
+            </a:extLst>
+          </p:cNvPr>
+          <p:cNvSpPr txBox="1"/>
+          <p:nvPr/>
+        </p:nvSpPr>
+        <p:spPr>
+          <a:xfrm>
+            <a:off x="6596150" y="2058276"/>
+            <a:ext cx="2926771" cy="1200329"/>
+          </a:xfrm>
+          <a:prstGeom prst="rect">
+            <a:avLst/>
+          </a:prstGeom>
+          <a:noFill/>
+        </p:spPr>
+        <p:txBody>
+          <a:bodyPr wrap="square" rtlCol="0">
+            <a:spAutoFit/>
+          </a:bodyPr>
+          <a:lstStyle/>
+          <a:p>
+            <a:r>
+              <a:rPr lang="en-US" b="1" dirty="0"/>
+              <a:t>ADS112C04</a:t>
+            </a:r>
+            <a:r>
+              <a:rPr lang="en-US" dirty="0"/>
+              <a:t> 16-Bit, 4-Channel, 2-kSPS, Delta-Sigma ADC With </a:t>
+            </a:r>
+            <a:r>
+              <a:rPr lang="en-US" b="1" dirty="0"/>
+              <a:t>I2C Interface</a:t>
+            </a:r>
+            <a:r>
+              <a:rPr lang="en-US" dirty="0"/>
+              <a:t>, </a:t>
+            </a:r>
+            <a:r>
+              <a:rPr lang="en-US" b="1" dirty="0"/>
+              <a:t>128x Gain</a:t>
+            </a:r>
+            <a:r>
+              <a:rPr lang="en-US" dirty="0"/>
+              <a:t>!</a:t>
+            </a:r>
+          </a:p>
+        </p:txBody>
+      </p:sp>
+      <p:sp>
+        <p:nvSpPr>
+          <p:cNvPr id="18" name="TextBox 17">
+            <a:extLst>
+              <a:ext uri="{FF2B5EF4-FFF2-40B4-BE49-F238E27FC236}">
+                <a16:creationId xmlns:a16="http://schemas.microsoft.com/office/drawing/2014/main" id="{FAE530CD-0853-853E-FA6D-72155CA61B22}"/>
+              </a:ext>
+            </a:extLst>
+          </p:cNvPr>
+          <p:cNvSpPr txBox="1"/>
+          <p:nvPr/>
+        </p:nvSpPr>
+        <p:spPr>
+          <a:xfrm>
+            <a:off x="191193" y="195941"/>
+            <a:ext cx="2323408" cy="646331"/>
+          </a:xfrm>
+          <a:prstGeom prst="rect">
+            <a:avLst/>
+          </a:prstGeom>
+        </p:spPr>
+        <p:style>
+          <a:lnRef idx="2">
+            <a:schemeClr val="dk1"/>
+          </a:lnRef>
+          <a:fillRef idx="1">
+            <a:schemeClr val="lt1"/>
+          </a:fillRef>
+          <a:effectRef idx="0">
+            <a:schemeClr val="dk1"/>
+          </a:effectRef>
+          <a:fontRef idx="minor">
+            <a:schemeClr val="dk1"/>
+          </a:fontRef>
+        </p:style>
+        <p:txBody>
+          <a:bodyPr wrap="square" rtlCol="0">
+            <a:spAutoFit/>
+          </a:bodyPr>
+          <a:lstStyle/>
+          <a:p>
+            <a:pPr algn="ctr"/>
+            <a:r>
+              <a:rPr lang="en-US" b="1" dirty="0"/>
+              <a:t>Circuit V2 Option </a:t>
+            </a:r>
+            <a:r>
+              <a:rPr lang="en-US" b="1" dirty="0">
+                <a:solidFill>
+                  <a:srgbClr val="FF0000"/>
+                </a:solidFill>
+              </a:rPr>
+              <a:t>(IDEAL)</a:t>
+            </a:r>
+          </a:p>
+        </p:txBody>
+      </p:sp>
+      <p:sp>
+        <p:nvSpPr>
+          <p:cNvPr id="20" name="TextBox 19">
+            <a:extLst>
+              <a:ext uri="{FF2B5EF4-FFF2-40B4-BE49-F238E27FC236}">
+                <a16:creationId xmlns:a16="http://schemas.microsoft.com/office/drawing/2014/main" id="{9184622A-0504-8340-F92F-9BA0D7017205}"/>
+              </a:ext>
+            </a:extLst>
+          </p:cNvPr>
+          <p:cNvSpPr txBox="1"/>
+          <p:nvPr/>
+        </p:nvSpPr>
+        <p:spPr>
+          <a:xfrm>
+            <a:off x="6057902" y="2002621"/>
+            <a:ext cx="760614" cy="369332"/>
+          </a:xfrm>
+          <a:prstGeom prst="rect">
+            <a:avLst/>
+          </a:prstGeom>
+          <a:noFill/>
+        </p:spPr>
+        <p:txBody>
+          <a:bodyPr wrap="square" rtlCol="0">
+            <a:spAutoFit/>
+          </a:bodyPr>
+          <a:lstStyle/>
+          <a:p>
+            <a:r>
+              <a:rPr lang="en-US" dirty="0">
+                <a:solidFill>
+                  <a:schemeClr val="bg1"/>
+                </a:solidFill>
+              </a:rPr>
+              <a:t>X?</a:t>
+            </a:r>
+          </a:p>
+        </p:txBody>
+      </p:sp>
+    </p:spTree>
+    <p:extLst>
+      <p:ext uri="{BB962C8B-B14F-4D97-AF65-F5344CB8AC3E}">
+        <p14:creationId xmlns:p14="http://schemas.microsoft.com/office/powerpoint/2010/main" val="1026151410"/>
+      </p:ext>
+    </p:extLst>
+  </p:cSld>
+  <p:clrMapOvr>
+    <a:masterClrMapping/>
+  </p:clrMapOvr>
+</p:sld>
+</file>
+
+<file path=ppt/slides/slide11.xml><?xml version="1.0" encoding="utf-8"?>
+<p:sld xmlns:a="http://schemas.openxmlformats.org/drawingml/2006/main" xmlns:r="http://schemas.openxmlformats.org/officeDocument/2006/relationships" xmlns:p="http://schemas.openxmlformats.org/presentationml/2006/main">
+  <p:cSld>
+    <p:spTree>
+      <p:nvGrpSpPr>
+        <p:cNvPr id="1" name="">
+          <a:extLst>
+            <a:ext uri="{FF2B5EF4-FFF2-40B4-BE49-F238E27FC236}">
+              <a16:creationId xmlns:a16="http://schemas.microsoft.com/office/drawing/2014/main" id="{3453B211-EECC-229F-EB83-9B5BC934A3C5}"/>
+            </a:ext>
+          </a:extLst>
+        </p:cNvPr>
+        <p:cNvGrpSpPr/>
+        <p:nvPr/>
+      </p:nvGrpSpPr>
+      <p:grpSpPr>
+        <a:xfrm>
+          <a:off x="0" y="0"/>
+          <a:ext cx="0" cy="0"/>
+          <a:chOff x="0" y="0"/>
+          <a:chExt cx="0" cy="0"/>
+        </a:xfrm>
+      </p:grpSpPr>
+      <p:cxnSp>
+        <p:nvCxnSpPr>
+          <p:cNvPr id="4" name="Straight Connector 3">
+            <a:extLst>
+              <a:ext uri="{FF2B5EF4-FFF2-40B4-BE49-F238E27FC236}">
+                <a16:creationId xmlns:a16="http://schemas.microsoft.com/office/drawing/2014/main" id="{521F0E21-208A-2CFC-E19A-B1E980B3C6E8}"/>
+              </a:ext>
+            </a:extLst>
+          </p:cNvPr>
+          <p:cNvCxnSpPr/>
+          <p:nvPr/>
+        </p:nvCxnSpPr>
+        <p:spPr>
+          <a:xfrm>
+            <a:off x="1870364" y="1571105"/>
+            <a:ext cx="1143000" cy="0"/>
+          </a:xfrm>
+          <a:prstGeom prst="line">
+            <a:avLst/>
+          </a:prstGeom>
+        </p:spPr>
+        <p:style>
+          <a:lnRef idx="2">
+            <a:schemeClr val="accent1"/>
+          </a:lnRef>
+          <a:fillRef idx="0">
+            <a:schemeClr val="accent1"/>
+          </a:fillRef>
+          <a:effectRef idx="1">
+            <a:schemeClr val="accent1"/>
+          </a:effectRef>
+          <a:fontRef idx="minor">
+            <a:schemeClr val="tx1"/>
+          </a:fontRef>
+        </p:style>
+      </p:cxnSp>
+      <p:cxnSp>
+        <p:nvCxnSpPr>
+          <p:cNvPr id="6" name="Straight Connector 5">
+            <a:extLst>
+              <a:ext uri="{FF2B5EF4-FFF2-40B4-BE49-F238E27FC236}">
+                <a16:creationId xmlns:a16="http://schemas.microsoft.com/office/drawing/2014/main" id="{2CA32BF3-B4AC-1E75-DA10-A7BF2A8D075D}"/>
+              </a:ext>
+            </a:extLst>
+          </p:cNvPr>
+          <p:cNvCxnSpPr>
+            <a:cxnSpLocks/>
+          </p:cNvCxnSpPr>
+          <p:nvPr/>
+        </p:nvCxnSpPr>
+        <p:spPr>
+          <a:xfrm>
+            <a:off x="2024150" y="1844039"/>
+            <a:ext cx="831272" cy="0"/>
+          </a:xfrm>
+          <a:prstGeom prst="line">
+            <a:avLst/>
+          </a:prstGeom>
+        </p:spPr>
+        <p:style>
+          <a:lnRef idx="2">
+            <a:schemeClr val="accent1"/>
+          </a:lnRef>
+          <a:fillRef idx="0">
+            <a:schemeClr val="accent1"/>
+          </a:fillRef>
+          <a:effectRef idx="1">
+            <a:schemeClr val="accent1"/>
+          </a:effectRef>
+          <a:fontRef idx="minor">
+            <a:schemeClr val="tx1"/>
+          </a:fontRef>
+        </p:style>
+      </p:cxnSp>
+      <p:sp>
+        <p:nvSpPr>
+          <p:cNvPr id="8" name="TextBox 7">
+            <a:extLst>
+              <a:ext uri="{FF2B5EF4-FFF2-40B4-BE49-F238E27FC236}">
+                <a16:creationId xmlns:a16="http://schemas.microsoft.com/office/drawing/2014/main" id="{B08A657E-8C47-E6A0-6EA2-6FC2963107DD}"/>
+              </a:ext>
+            </a:extLst>
+          </p:cNvPr>
+          <p:cNvSpPr txBox="1"/>
+          <p:nvPr/>
+        </p:nvSpPr>
+        <p:spPr>
+          <a:xfrm>
+            <a:off x="694113" y="1571105"/>
+            <a:ext cx="1616825" cy="369332"/>
+          </a:xfrm>
+          <a:prstGeom prst="rect">
+            <a:avLst/>
+          </a:prstGeom>
+          <a:noFill/>
+        </p:spPr>
+        <p:txBody>
+          <a:bodyPr wrap="square" rtlCol="0">
+            <a:spAutoFit/>
+          </a:bodyPr>
+          <a:lstStyle/>
+          <a:p>
+            <a:r>
+              <a:rPr lang="en-US" b="1" dirty="0"/>
+              <a:t>LVR +3.3V</a:t>
+            </a:r>
+          </a:p>
+        </p:txBody>
+      </p:sp>
+      <p:cxnSp>
+        <p:nvCxnSpPr>
+          <p:cNvPr id="10" name="Straight Connector 9">
+            <a:extLst>
+              <a:ext uri="{FF2B5EF4-FFF2-40B4-BE49-F238E27FC236}">
+                <a16:creationId xmlns:a16="http://schemas.microsoft.com/office/drawing/2014/main" id="{AD28D82B-828B-F5BD-FEE8-0125110F5F57}"/>
+              </a:ext>
+            </a:extLst>
+          </p:cNvPr>
+          <p:cNvCxnSpPr/>
+          <p:nvPr/>
+        </p:nvCxnSpPr>
+        <p:spPr>
+          <a:xfrm flipV="1">
+            <a:off x="2385753" y="980902"/>
+            <a:ext cx="0" cy="590203"/>
+          </a:xfrm>
+          <a:prstGeom prst="line">
+            <a:avLst/>
+          </a:prstGeom>
+        </p:spPr>
+        <p:style>
+          <a:lnRef idx="2">
+            <a:schemeClr val="accent1"/>
+          </a:lnRef>
+          <a:fillRef idx="0">
+            <a:schemeClr val="accent1"/>
+          </a:fillRef>
+          <a:effectRef idx="1">
+            <a:schemeClr val="accent1"/>
+          </a:effectRef>
+          <a:fontRef idx="minor">
+            <a:schemeClr val="tx1"/>
+          </a:fontRef>
+        </p:style>
+      </p:cxnSp>
+      <p:cxnSp>
+        <p:nvCxnSpPr>
+          <p:cNvPr id="12" name="Straight Connector 11">
+            <a:extLst>
+              <a:ext uri="{FF2B5EF4-FFF2-40B4-BE49-F238E27FC236}">
+                <a16:creationId xmlns:a16="http://schemas.microsoft.com/office/drawing/2014/main" id="{37134BD3-2879-2954-09AA-CAEDF3419D5A}"/>
+              </a:ext>
+            </a:extLst>
+          </p:cNvPr>
+          <p:cNvCxnSpPr/>
+          <p:nvPr/>
+        </p:nvCxnSpPr>
+        <p:spPr>
+          <a:xfrm>
+            <a:off x="2385753" y="980902"/>
+            <a:ext cx="1483822" cy="0"/>
+          </a:xfrm>
+          <a:prstGeom prst="line">
+            <a:avLst/>
+          </a:prstGeom>
+        </p:spPr>
+        <p:style>
+          <a:lnRef idx="2">
+            <a:schemeClr val="accent1"/>
+          </a:lnRef>
+          <a:fillRef idx="0">
+            <a:schemeClr val="accent1"/>
+          </a:fillRef>
+          <a:effectRef idx="1">
+            <a:schemeClr val="accent1"/>
+          </a:effectRef>
+          <a:fontRef idx="minor">
+            <a:schemeClr val="tx1"/>
+          </a:fontRef>
+        </p:style>
+      </p:cxnSp>
+      <p:cxnSp>
+        <p:nvCxnSpPr>
+          <p:cNvPr id="13" name="Straight Connector 12">
+            <a:extLst>
+              <a:ext uri="{FF2B5EF4-FFF2-40B4-BE49-F238E27FC236}">
+                <a16:creationId xmlns:a16="http://schemas.microsoft.com/office/drawing/2014/main" id="{3EDC7180-BF52-EF9A-7DE5-200BFA1600E5}"/>
+              </a:ext>
+            </a:extLst>
+          </p:cNvPr>
+          <p:cNvCxnSpPr/>
+          <p:nvPr/>
+        </p:nvCxnSpPr>
+        <p:spPr>
+          <a:xfrm>
+            <a:off x="4445924" y="980902"/>
+            <a:ext cx="1483822" cy="0"/>
+          </a:xfrm>
+          <a:prstGeom prst="line">
+            <a:avLst/>
+          </a:prstGeom>
+        </p:spPr>
+        <p:style>
+          <a:lnRef idx="2">
+            <a:schemeClr val="accent1"/>
+          </a:lnRef>
+          <a:fillRef idx="0">
+            <a:schemeClr val="accent1"/>
+          </a:fillRef>
+          <a:effectRef idx="1">
+            <a:schemeClr val="accent1"/>
+          </a:effectRef>
+          <a:fontRef idx="minor">
+            <a:schemeClr val="tx1"/>
+          </a:fontRef>
+        </p:style>
+      </p:cxnSp>
+      <p:cxnSp>
+        <p:nvCxnSpPr>
+          <p:cNvPr id="14" name="Straight Connector 13">
+            <a:extLst>
+              <a:ext uri="{FF2B5EF4-FFF2-40B4-BE49-F238E27FC236}">
+                <a16:creationId xmlns:a16="http://schemas.microsoft.com/office/drawing/2014/main" id="{865D3AA0-E2B8-DF5A-0F38-7FA668046EF7}"/>
+              </a:ext>
+            </a:extLst>
+          </p:cNvPr>
+          <p:cNvCxnSpPr/>
+          <p:nvPr/>
+        </p:nvCxnSpPr>
+        <p:spPr>
+          <a:xfrm>
+            <a:off x="6410498" y="980902"/>
+            <a:ext cx="1483822" cy="0"/>
+          </a:xfrm>
+          <a:prstGeom prst="line">
+            <a:avLst/>
+          </a:prstGeom>
+        </p:spPr>
+        <p:style>
+          <a:lnRef idx="2">
+            <a:schemeClr val="accent1"/>
+          </a:lnRef>
+          <a:fillRef idx="0">
+            <a:schemeClr val="accent1"/>
+          </a:fillRef>
+          <a:effectRef idx="1">
+            <a:schemeClr val="accent1"/>
+          </a:effectRef>
+          <a:fontRef idx="minor">
+            <a:schemeClr val="tx1"/>
+          </a:fontRef>
+        </p:style>
+      </p:cxnSp>
+      <p:cxnSp>
+        <p:nvCxnSpPr>
+          <p:cNvPr id="21" name="Straight Connector 20">
+            <a:extLst>
+              <a:ext uri="{FF2B5EF4-FFF2-40B4-BE49-F238E27FC236}">
+                <a16:creationId xmlns:a16="http://schemas.microsoft.com/office/drawing/2014/main" id="{38A60C12-A6E5-D14E-DAB1-13174A165068}"/>
+              </a:ext>
+            </a:extLst>
+          </p:cNvPr>
+          <p:cNvCxnSpPr>
+            <a:cxnSpLocks/>
+          </p:cNvCxnSpPr>
+          <p:nvPr/>
+        </p:nvCxnSpPr>
+        <p:spPr>
+          <a:xfrm flipV="1">
+            <a:off x="2385753" y="1844039"/>
+            <a:ext cx="0" cy="1364674"/>
+          </a:xfrm>
+          <a:prstGeom prst="line">
+            <a:avLst/>
+          </a:prstGeom>
+        </p:spPr>
+        <p:style>
+          <a:lnRef idx="2">
+            <a:schemeClr val="accent1"/>
+          </a:lnRef>
+          <a:fillRef idx="0">
+            <a:schemeClr val="accent1"/>
+          </a:fillRef>
+          <a:effectRef idx="1">
+            <a:schemeClr val="accent1"/>
+          </a:effectRef>
+          <a:fontRef idx="minor">
+            <a:schemeClr val="tx1"/>
+          </a:fontRef>
+        </p:style>
+      </p:cxnSp>
+      <p:sp>
+        <p:nvSpPr>
+          <p:cNvPr id="23" name="Isosceles Triangle 22">
+            <a:extLst>
+              <a:ext uri="{FF2B5EF4-FFF2-40B4-BE49-F238E27FC236}">
+                <a16:creationId xmlns:a16="http://schemas.microsoft.com/office/drawing/2014/main" id="{578CD6B5-9584-5A75-2292-84202A6261EB}"/>
+              </a:ext>
+            </a:extLst>
+          </p:cNvPr>
+          <p:cNvSpPr/>
+          <p:nvPr/>
+        </p:nvSpPr>
+        <p:spPr>
+          <a:xfrm rot="10800000">
+            <a:off x="5733532" y="1944087"/>
+            <a:ext cx="997527" cy="719047"/>
+          </a:xfrm>
+          <a:prstGeom prst="triangle">
+            <a:avLst/>
+          </a:prstGeom>
+        </p:spPr>
+        <p:style>
+          <a:lnRef idx="2">
+            <a:schemeClr val="accent1">
+              <a:shade val="15000"/>
+            </a:schemeClr>
+          </a:lnRef>
+          <a:fillRef idx="1">
+            <a:schemeClr val="accent1"/>
+          </a:fillRef>
+          <a:effectRef idx="0">
+            <a:schemeClr val="accent1"/>
+          </a:effectRef>
+          <a:fontRef idx="minor">
+            <a:schemeClr val="lt1"/>
+          </a:fontRef>
+        </p:style>
+        <p:txBody>
+          <a:bodyPr rtlCol="0" anchor="ctr"/>
+          <a:lstStyle/>
+          <a:p>
+            <a:pPr algn="ctr"/>
+            <a:endParaRPr lang="en-US"/>
+          </a:p>
+        </p:txBody>
+      </p:sp>
+      <p:cxnSp>
+        <p:nvCxnSpPr>
+          <p:cNvPr id="24" name="Straight Connector 23">
+            <a:extLst>
+              <a:ext uri="{FF2B5EF4-FFF2-40B4-BE49-F238E27FC236}">
+                <a16:creationId xmlns:a16="http://schemas.microsoft.com/office/drawing/2014/main" id="{137153AE-87A0-C64E-3E15-D2D70D1BC3B7}"/>
+              </a:ext>
+            </a:extLst>
+          </p:cNvPr>
+          <p:cNvCxnSpPr>
+            <a:cxnSpLocks/>
+          </p:cNvCxnSpPr>
+          <p:nvPr/>
+        </p:nvCxnSpPr>
+        <p:spPr>
+          <a:xfrm flipV="1">
+            <a:off x="6005945" y="980901"/>
+            <a:ext cx="0" cy="959536"/>
+          </a:xfrm>
+          <a:prstGeom prst="line">
+            <a:avLst/>
+          </a:prstGeom>
+        </p:spPr>
+        <p:style>
+          <a:lnRef idx="2">
+            <a:schemeClr val="accent1"/>
+          </a:lnRef>
+          <a:fillRef idx="0">
+            <a:schemeClr val="accent1"/>
+          </a:fillRef>
+          <a:effectRef idx="1">
+            <a:schemeClr val="accent1"/>
+          </a:effectRef>
+          <a:fontRef idx="minor">
+            <a:schemeClr val="tx1"/>
+          </a:fontRef>
+        </p:style>
+      </p:cxnSp>
+      <p:cxnSp>
+        <p:nvCxnSpPr>
+          <p:cNvPr id="26" name="Straight Connector 25">
+            <a:extLst>
+              <a:ext uri="{FF2B5EF4-FFF2-40B4-BE49-F238E27FC236}">
+                <a16:creationId xmlns:a16="http://schemas.microsoft.com/office/drawing/2014/main" id="{A1D51738-6B3B-50E2-5B62-F8BC15CE701F}"/>
+              </a:ext>
+            </a:extLst>
+          </p:cNvPr>
+          <p:cNvCxnSpPr>
+            <a:cxnSpLocks/>
+          </p:cNvCxnSpPr>
+          <p:nvPr/>
+        </p:nvCxnSpPr>
+        <p:spPr>
+          <a:xfrm>
+            <a:off x="6475613" y="1410588"/>
+            <a:ext cx="0" cy="529851"/>
+          </a:xfrm>
+          <a:prstGeom prst="line">
+            <a:avLst/>
+          </a:prstGeom>
+        </p:spPr>
+        <p:style>
+          <a:lnRef idx="2">
+            <a:schemeClr val="accent1"/>
+          </a:lnRef>
+          <a:fillRef idx="0">
+            <a:schemeClr val="accent1"/>
+          </a:fillRef>
+          <a:effectRef idx="1">
+            <a:schemeClr val="accent1"/>
+          </a:effectRef>
+          <a:fontRef idx="minor">
+            <a:schemeClr val="tx1"/>
+          </a:fontRef>
+        </p:style>
+      </p:cxnSp>
+      <p:cxnSp>
+        <p:nvCxnSpPr>
+          <p:cNvPr id="30" name="Straight Connector 29">
+            <a:extLst>
+              <a:ext uri="{FF2B5EF4-FFF2-40B4-BE49-F238E27FC236}">
+                <a16:creationId xmlns:a16="http://schemas.microsoft.com/office/drawing/2014/main" id="{667EEEA5-D3D0-808C-7DB7-9E79D177882B}"/>
+              </a:ext>
+            </a:extLst>
+          </p:cNvPr>
+          <p:cNvCxnSpPr>
+            <a:cxnSpLocks/>
+          </p:cNvCxnSpPr>
+          <p:nvPr/>
+        </p:nvCxnSpPr>
+        <p:spPr>
+          <a:xfrm>
+            <a:off x="6223464" y="2638702"/>
+            <a:ext cx="0" cy="1200291"/>
+          </a:xfrm>
+          <a:prstGeom prst="line">
+            <a:avLst/>
+          </a:prstGeom>
+        </p:spPr>
+        <p:style>
+          <a:lnRef idx="2">
+            <a:schemeClr val="accent1"/>
+          </a:lnRef>
+          <a:fillRef idx="0">
+            <a:schemeClr val="accent1"/>
+          </a:fillRef>
+          <a:effectRef idx="1">
+            <a:schemeClr val="accent1"/>
+          </a:effectRef>
+          <a:fontRef idx="minor">
+            <a:schemeClr val="tx1"/>
+          </a:fontRef>
+        </p:style>
+      </p:cxnSp>
+      <p:sp>
+        <p:nvSpPr>
+          <p:cNvPr id="32" name="TextBox 31">
+            <a:extLst>
+              <a:ext uri="{FF2B5EF4-FFF2-40B4-BE49-F238E27FC236}">
+                <a16:creationId xmlns:a16="http://schemas.microsoft.com/office/drawing/2014/main" id="{A2EA7DEE-DEE0-D652-85C3-5527DBFEF85B}"/>
+              </a:ext>
+            </a:extLst>
+          </p:cNvPr>
+          <p:cNvSpPr txBox="1"/>
+          <p:nvPr/>
+        </p:nvSpPr>
+        <p:spPr>
+          <a:xfrm>
+            <a:off x="9425940" y="745680"/>
+            <a:ext cx="760614" cy="369332"/>
+          </a:xfrm>
+          <a:prstGeom prst="rect">
+            <a:avLst/>
+          </a:prstGeom>
+          <a:noFill/>
+        </p:spPr>
+        <p:txBody>
+          <a:bodyPr wrap="square" rtlCol="0">
+            <a:spAutoFit/>
+          </a:bodyPr>
+          <a:lstStyle/>
+          <a:p>
+            <a:r>
+              <a:rPr lang="en-US" dirty="0"/>
+              <a:t>GND</a:t>
+            </a:r>
+          </a:p>
+        </p:txBody>
+      </p:sp>
+      <p:sp>
+        <p:nvSpPr>
+          <p:cNvPr id="41" name="TextBox 40">
+            <a:extLst>
+              <a:ext uri="{FF2B5EF4-FFF2-40B4-BE49-F238E27FC236}">
+                <a16:creationId xmlns:a16="http://schemas.microsoft.com/office/drawing/2014/main" id="{D47B2E2A-8FD3-57D2-DDB2-0F59923DF5A9}"/>
+              </a:ext>
+            </a:extLst>
+          </p:cNvPr>
+          <p:cNvSpPr txBox="1"/>
+          <p:nvPr/>
+        </p:nvSpPr>
+        <p:spPr>
+          <a:xfrm>
+            <a:off x="3283785" y="1485401"/>
+            <a:ext cx="2806935" cy="369332"/>
+          </a:xfrm>
+          <a:prstGeom prst="rect">
+            <a:avLst/>
+          </a:prstGeom>
+          <a:noFill/>
+        </p:spPr>
+        <p:txBody>
+          <a:bodyPr wrap="square" rtlCol="0">
+            <a:spAutoFit/>
+          </a:bodyPr>
+          <a:lstStyle/>
+          <a:p>
+            <a:r>
+              <a:rPr lang="en-US" dirty="0"/>
+              <a:t>+26 mV to 52 mV + 2.048V </a:t>
+            </a:r>
+          </a:p>
+        </p:txBody>
+      </p:sp>
+      <p:sp>
+        <p:nvSpPr>
+          <p:cNvPr id="42" name="TextBox 41">
+            <a:extLst>
+              <a:ext uri="{FF2B5EF4-FFF2-40B4-BE49-F238E27FC236}">
+                <a16:creationId xmlns:a16="http://schemas.microsoft.com/office/drawing/2014/main" id="{B107723D-3626-9BC7-9265-DFE7BF9A162D}"/>
+              </a:ext>
+            </a:extLst>
+          </p:cNvPr>
+          <p:cNvSpPr txBox="1"/>
+          <p:nvPr/>
+        </p:nvSpPr>
+        <p:spPr>
+          <a:xfrm>
+            <a:off x="6410497" y="1495786"/>
+            <a:ext cx="1424247" cy="369332"/>
+          </a:xfrm>
+          <a:prstGeom prst="rect">
+            <a:avLst/>
+          </a:prstGeom>
+          <a:noFill/>
+        </p:spPr>
+        <p:txBody>
+          <a:bodyPr wrap="square" rtlCol="0">
+            <a:spAutoFit/>
+          </a:bodyPr>
+          <a:lstStyle/>
+          <a:p>
+            <a:r>
+              <a:rPr lang="en-US" dirty="0"/>
+              <a:t>- 2.048 V ref</a:t>
+            </a:r>
+          </a:p>
+        </p:txBody>
+      </p:sp>
+      <p:sp>
+        <p:nvSpPr>
+          <p:cNvPr id="51" name="TextBox 50">
+            <a:extLst>
+              <a:ext uri="{FF2B5EF4-FFF2-40B4-BE49-F238E27FC236}">
+                <a16:creationId xmlns:a16="http://schemas.microsoft.com/office/drawing/2014/main" id="{C3C06125-10CD-5A01-CD29-291216FFC311}"/>
+              </a:ext>
+            </a:extLst>
+          </p:cNvPr>
+          <p:cNvSpPr txBox="1"/>
+          <p:nvPr/>
+        </p:nvSpPr>
+        <p:spPr>
+          <a:xfrm>
+            <a:off x="4112203" y="3888261"/>
+            <a:ext cx="4711755" cy="369332"/>
+          </a:xfrm>
+          <a:prstGeom prst="rect">
+            <a:avLst/>
+          </a:prstGeom>
+          <a:noFill/>
+        </p:spPr>
+        <p:txBody>
+          <a:bodyPr wrap="square" rtlCol="0">
+            <a:spAutoFit/>
+          </a:bodyPr>
+          <a:lstStyle/>
+          <a:p>
+            <a:pPr algn="ctr"/>
+            <a:r>
+              <a:rPr lang="en-US" b="1" dirty="0"/>
+              <a:t>12 bit ADC, single ended input</a:t>
+            </a:r>
+          </a:p>
+        </p:txBody>
+      </p:sp>
+      <p:sp>
+        <p:nvSpPr>
+          <p:cNvPr id="52" name="TextBox 51">
+            <a:extLst>
+              <a:ext uri="{FF2B5EF4-FFF2-40B4-BE49-F238E27FC236}">
+                <a16:creationId xmlns:a16="http://schemas.microsoft.com/office/drawing/2014/main" id="{C6E7480A-98DD-AAC6-155C-464A58F390CD}"/>
+              </a:ext>
+            </a:extLst>
+          </p:cNvPr>
+          <p:cNvSpPr txBox="1"/>
+          <p:nvPr/>
+        </p:nvSpPr>
+        <p:spPr>
+          <a:xfrm>
+            <a:off x="2024150" y="3208713"/>
+            <a:ext cx="760614" cy="369332"/>
+          </a:xfrm>
+          <a:prstGeom prst="rect">
+            <a:avLst/>
+          </a:prstGeom>
+          <a:noFill/>
+        </p:spPr>
+        <p:txBody>
+          <a:bodyPr wrap="square" rtlCol="0">
+            <a:spAutoFit/>
+          </a:bodyPr>
+          <a:lstStyle/>
+          <a:p>
+            <a:r>
+              <a:rPr lang="en-US" dirty="0"/>
+              <a:t>GND</a:t>
+            </a:r>
+          </a:p>
+        </p:txBody>
+      </p:sp>
+      <p:sp>
+        <p:nvSpPr>
+          <p:cNvPr id="53" name="Rectangle 52">
+            <a:extLst>
+              <a:ext uri="{FF2B5EF4-FFF2-40B4-BE49-F238E27FC236}">
+                <a16:creationId xmlns:a16="http://schemas.microsoft.com/office/drawing/2014/main" id="{369CBE65-B7ED-FAEA-5F46-472A14C88049}"/>
+              </a:ext>
+            </a:extLst>
+          </p:cNvPr>
+          <p:cNvSpPr/>
+          <p:nvPr/>
+        </p:nvSpPr>
+        <p:spPr>
+          <a:xfrm>
+            <a:off x="3851564" y="822961"/>
+            <a:ext cx="644236" cy="315879"/>
+          </a:xfrm>
+          <a:prstGeom prst="rect">
+            <a:avLst/>
+          </a:prstGeom>
+          <a:solidFill>
+            <a:srgbClr val="FFC000"/>
+          </a:solidFill>
+        </p:spPr>
+        <p:style>
+          <a:lnRef idx="2">
+            <a:schemeClr val="accent1">
+              <a:shade val="15000"/>
+            </a:schemeClr>
+          </a:lnRef>
+          <a:fillRef idx="1">
+            <a:schemeClr val="accent1"/>
+          </a:fillRef>
+          <a:effectRef idx="0">
+            <a:schemeClr val="accent1"/>
+          </a:effectRef>
+          <a:fontRef idx="minor">
+            <a:schemeClr val="lt1"/>
+          </a:fontRef>
+        </p:style>
+        <p:txBody>
+          <a:bodyPr rtlCol="0" anchor="ctr"/>
+          <a:lstStyle/>
+          <a:p>
+            <a:pPr algn="ctr"/>
+            <a:endParaRPr lang="en-US" dirty="0"/>
+          </a:p>
+        </p:txBody>
+      </p:sp>
+      <p:sp>
+        <p:nvSpPr>
+          <p:cNvPr id="54" name="Rectangle 53">
+            <a:extLst>
+              <a:ext uri="{FF2B5EF4-FFF2-40B4-BE49-F238E27FC236}">
+                <a16:creationId xmlns:a16="http://schemas.microsoft.com/office/drawing/2014/main" id="{18B00676-2F07-9078-4C10-C4C216C42F6E}"/>
+              </a:ext>
+            </a:extLst>
+          </p:cNvPr>
+          <p:cNvSpPr/>
+          <p:nvPr/>
+        </p:nvSpPr>
+        <p:spPr>
+          <a:xfrm>
+            <a:off x="5852161" y="830002"/>
+            <a:ext cx="644236" cy="315879"/>
+          </a:xfrm>
+          <a:prstGeom prst="rect">
+            <a:avLst/>
+          </a:prstGeom>
+          <a:solidFill>
+            <a:srgbClr val="FFC000"/>
+          </a:solidFill>
+        </p:spPr>
+        <p:style>
+          <a:lnRef idx="2">
+            <a:schemeClr val="accent1">
+              <a:shade val="15000"/>
+            </a:schemeClr>
+          </a:lnRef>
+          <a:fillRef idx="1">
+            <a:schemeClr val="accent1"/>
+          </a:fillRef>
+          <a:effectRef idx="0">
+            <a:schemeClr val="accent1"/>
+          </a:effectRef>
+          <a:fontRef idx="minor">
+            <a:schemeClr val="lt1"/>
+          </a:fontRef>
+        </p:style>
+        <p:txBody>
+          <a:bodyPr rtlCol="0" anchor="ctr"/>
+          <a:lstStyle/>
+          <a:p>
+            <a:pPr algn="ctr"/>
+            <a:endParaRPr lang="en-US" dirty="0"/>
+          </a:p>
+        </p:txBody>
+      </p:sp>
+      <p:cxnSp>
+        <p:nvCxnSpPr>
+          <p:cNvPr id="56" name="Straight Arrow Connector 55">
+            <a:extLst>
+              <a:ext uri="{FF2B5EF4-FFF2-40B4-BE49-F238E27FC236}">
+                <a16:creationId xmlns:a16="http://schemas.microsoft.com/office/drawing/2014/main" id="{B8D21B43-848B-3E7B-3EEB-CB57A363A5A3}"/>
+              </a:ext>
+            </a:extLst>
+          </p:cNvPr>
+          <p:cNvCxnSpPr/>
+          <p:nvPr/>
+        </p:nvCxnSpPr>
+        <p:spPr>
+          <a:xfrm flipV="1">
+            <a:off x="6027075" y="581687"/>
+            <a:ext cx="342209" cy="828902"/>
+          </a:xfrm>
+          <a:prstGeom prst="straightConnector1">
+            <a:avLst/>
+          </a:prstGeom>
+          <a:ln>
+            <a:tailEnd type="triangle"/>
+          </a:ln>
+        </p:spPr>
+        <p:style>
+          <a:lnRef idx="2">
+            <a:schemeClr val="accent1"/>
+          </a:lnRef>
+          <a:fillRef idx="0">
+            <a:schemeClr val="accent1"/>
+          </a:fillRef>
+          <a:effectRef idx="1">
+            <a:schemeClr val="accent1"/>
+          </a:effectRef>
+          <a:fontRef idx="minor">
+            <a:schemeClr val="tx1"/>
+          </a:fontRef>
+        </p:style>
+      </p:cxnSp>
+      <p:sp>
+        <p:nvSpPr>
+          <p:cNvPr id="57" name="TextBox 56">
+            <a:extLst>
+              <a:ext uri="{FF2B5EF4-FFF2-40B4-BE49-F238E27FC236}">
+                <a16:creationId xmlns:a16="http://schemas.microsoft.com/office/drawing/2014/main" id="{5F2C114C-B1A1-83D9-3AD8-62FDC3358FBC}"/>
+              </a:ext>
+            </a:extLst>
+          </p:cNvPr>
+          <p:cNvSpPr txBox="1"/>
+          <p:nvPr/>
+        </p:nvSpPr>
+        <p:spPr>
+          <a:xfrm>
+            <a:off x="4786057" y="208226"/>
+            <a:ext cx="3578628" cy="369332"/>
+          </a:xfrm>
+          <a:prstGeom prst="rect">
+            <a:avLst/>
+          </a:prstGeom>
+          <a:noFill/>
+        </p:spPr>
+        <p:txBody>
+          <a:bodyPr wrap="square" rtlCol="0">
+            <a:spAutoFit/>
+          </a:bodyPr>
+          <a:lstStyle/>
+          <a:p>
+            <a:r>
+              <a:rPr lang="en-US" b="1" dirty="0"/>
+              <a:t>Strain Gauge (0.4 ohm – 0.8ohm)</a:t>
+            </a:r>
+          </a:p>
+        </p:txBody>
+      </p:sp>
+      <p:sp>
+        <p:nvSpPr>
+          <p:cNvPr id="58" name="TextBox 57">
+            <a:extLst>
+              <a:ext uri="{FF2B5EF4-FFF2-40B4-BE49-F238E27FC236}">
+                <a16:creationId xmlns:a16="http://schemas.microsoft.com/office/drawing/2014/main" id="{74B82466-F64C-42C3-E68E-5B418C2D2F85}"/>
+              </a:ext>
+            </a:extLst>
+          </p:cNvPr>
+          <p:cNvSpPr txBox="1"/>
+          <p:nvPr/>
+        </p:nvSpPr>
+        <p:spPr>
+          <a:xfrm>
+            <a:off x="3736922" y="347934"/>
+            <a:ext cx="1812174" cy="369332"/>
+          </a:xfrm>
+          <a:prstGeom prst="rect">
+            <a:avLst/>
+          </a:prstGeom>
+          <a:noFill/>
+        </p:spPr>
+        <p:txBody>
+          <a:bodyPr wrap="square" rtlCol="0">
+            <a:spAutoFit/>
+          </a:bodyPr>
+          <a:lstStyle/>
+          <a:p>
+            <a:r>
+              <a:rPr lang="en-US" dirty="0"/>
+              <a:t>50 ohm</a:t>
+            </a:r>
+          </a:p>
+        </p:txBody>
+      </p:sp>
+      <p:sp>
+        <p:nvSpPr>
+          <p:cNvPr id="2" name="TextBox 1">
+            <a:extLst>
+              <a:ext uri="{FF2B5EF4-FFF2-40B4-BE49-F238E27FC236}">
+                <a16:creationId xmlns:a16="http://schemas.microsoft.com/office/drawing/2014/main" id="{707772EC-5949-0821-64B4-D09FB7D79C66}"/>
+              </a:ext>
+            </a:extLst>
+          </p:cNvPr>
+          <p:cNvSpPr txBox="1"/>
+          <p:nvPr/>
+        </p:nvSpPr>
+        <p:spPr>
+          <a:xfrm>
+            <a:off x="8283633" y="380607"/>
+            <a:ext cx="2277686" cy="369332"/>
+          </a:xfrm>
+          <a:prstGeom prst="rect">
+            <a:avLst/>
+          </a:prstGeom>
+          <a:noFill/>
+        </p:spPr>
+        <p:txBody>
+          <a:bodyPr wrap="square" rtlCol="0">
+            <a:spAutoFit/>
+          </a:bodyPr>
+          <a:lstStyle/>
+          <a:p>
+            <a:r>
+              <a:rPr lang="en-US" b="1" dirty="0"/>
+              <a:t>LM040</a:t>
+            </a:r>
+            <a:r>
+              <a:rPr lang="en-US" dirty="0"/>
+              <a:t>, 2.048V ref</a:t>
+            </a:r>
+          </a:p>
+        </p:txBody>
+      </p:sp>
+      <p:sp>
+        <p:nvSpPr>
+          <p:cNvPr id="3" name="Rectangle 2">
+            <a:extLst>
+              <a:ext uri="{FF2B5EF4-FFF2-40B4-BE49-F238E27FC236}">
+                <a16:creationId xmlns:a16="http://schemas.microsoft.com/office/drawing/2014/main" id="{E75A0222-9451-AC8B-9646-C39EA36C5D0C}"/>
+              </a:ext>
+            </a:extLst>
+          </p:cNvPr>
+          <p:cNvSpPr/>
+          <p:nvPr/>
+        </p:nvSpPr>
+        <p:spPr>
+          <a:xfrm>
+            <a:off x="7894320" y="717266"/>
+            <a:ext cx="1103860" cy="421574"/>
+          </a:xfrm>
+          <a:prstGeom prst="rect">
+            <a:avLst/>
+          </a:prstGeom>
+        </p:spPr>
+        <p:style>
+          <a:lnRef idx="2">
+            <a:schemeClr val="accent1">
+              <a:shade val="15000"/>
+            </a:schemeClr>
+          </a:lnRef>
+          <a:fillRef idx="1">
+            <a:schemeClr val="accent1"/>
+          </a:fillRef>
+          <a:effectRef idx="0">
+            <a:schemeClr val="accent1"/>
+          </a:effectRef>
+          <a:fontRef idx="minor">
+            <a:schemeClr val="lt1"/>
+          </a:fontRef>
+        </p:style>
+        <p:txBody>
+          <a:bodyPr rtlCol="0" anchor="ctr"/>
+          <a:lstStyle/>
+          <a:p>
+            <a:pPr algn="ctr"/>
+            <a:endParaRPr lang="en-US"/>
+          </a:p>
+        </p:txBody>
+      </p:sp>
+      <p:cxnSp>
+        <p:nvCxnSpPr>
+          <p:cNvPr id="11" name="Straight Arrow Connector 10">
+            <a:extLst>
+              <a:ext uri="{FF2B5EF4-FFF2-40B4-BE49-F238E27FC236}">
+                <a16:creationId xmlns:a16="http://schemas.microsoft.com/office/drawing/2014/main" id="{4E5CDB73-C5E1-2495-2B97-19AB76A7602C}"/>
+              </a:ext>
+            </a:extLst>
+          </p:cNvPr>
+          <p:cNvCxnSpPr>
+            <a:cxnSpLocks/>
+          </p:cNvCxnSpPr>
+          <p:nvPr/>
+        </p:nvCxnSpPr>
+        <p:spPr>
+          <a:xfrm>
+            <a:off x="8998180" y="928053"/>
+            <a:ext cx="424296" cy="0"/>
+          </a:xfrm>
+          <a:prstGeom prst="straightConnector1">
+            <a:avLst/>
+          </a:prstGeom>
+          <a:ln>
+            <a:tailEnd type="triangle"/>
+          </a:ln>
+        </p:spPr>
+        <p:style>
+          <a:lnRef idx="2">
+            <a:schemeClr val="accent1"/>
+          </a:lnRef>
+          <a:fillRef idx="0">
+            <a:schemeClr val="accent1"/>
+          </a:fillRef>
+          <a:effectRef idx="1">
+            <a:schemeClr val="accent1"/>
+          </a:effectRef>
+          <a:fontRef idx="minor">
+            <a:schemeClr val="tx1"/>
+          </a:fontRef>
+        </p:style>
+      </p:cxnSp>
+      <p:sp>
+        <p:nvSpPr>
+          <p:cNvPr id="17" name="TextBox 16">
+            <a:extLst>
+              <a:ext uri="{FF2B5EF4-FFF2-40B4-BE49-F238E27FC236}">
+                <a16:creationId xmlns:a16="http://schemas.microsoft.com/office/drawing/2014/main" id="{DCD335C7-D506-CF53-B03A-B35D597C1773}"/>
+              </a:ext>
+            </a:extLst>
+          </p:cNvPr>
+          <p:cNvSpPr txBox="1"/>
+          <p:nvPr/>
+        </p:nvSpPr>
+        <p:spPr>
+          <a:xfrm>
+            <a:off x="6596150" y="2058276"/>
+            <a:ext cx="2926771" cy="646331"/>
+          </a:xfrm>
+          <a:prstGeom prst="rect">
+            <a:avLst/>
+          </a:prstGeom>
+          <a:noFill/>
+        </p:spPr>
+        <p:txBody>
+          <a:bodyPr wrap="square" rtlCol="0">
+            <a:spAutoFit/>
+          </a:bodyPr>
+          <a:lstStyle/>
+          <a:p>
+            <a:r>
+              <a:rPr lang="en-US" b="1" dirty="0"/>
+              <a:t>ad620 inst. Amp. ?x Gain, </a:t>
+            </a:r>
+            <a:r>
+              <a:rPr lang="en-US" b="1" dirty="0" err="1"/>
+              <a:t>Vref</a:t>
+            </a:r>
+            <a:r>
+              <a:rPr lang="en-US" b="1" dirty="0"/>
+              <a:t> = 0 V</a:t>
+            </a:r>
+            <a:endParaRPr lang="en-US" dirty="0"/>
+          </a:p>
+        </p:txBody>
+      </p:sp>
+      <p:sp>
+        <p:nvSpPr>
+          <p:cNvPr id="18" name="TextBox 17">
+            <a:extLst>
+              <a:ext uri="{FF2B5EF4-FFF2-40B4-BE49-F238E27FC236}">
+                <a16:creationId xmlns:a16="http://schemas.microsoft.com/office/drawing/2014/main" id="{B57C32D4-4D01-E989-5E61-739CABF0E6D7}"/>
+              </a:ext>
+            </a:extLst>
+          </p:cNvPr>
+          <p:cNvSpPr txBox="1"/>
+          <p:nvPr/>
+        </p:nvSpPr>
+        <p:spPr>
+          <a:xfrm>
+            <a:off x="191193" y="195941"/>
+            <a:ext cx="2323408" cy="369332"/>
+          </a:xfrm>
+          <a:prstGeom prst="rect">
+            <a:avLst/>
+          </a:prstGeom>
+        </p:spPr>
+        <p:style>
+          <a:lnRef idx="2">
+            <a:schemeClr val="dk1"/>
+          </a:lnRef>
+          <a:fillRef idx="1">
+            <a:schemeClr val="lt1"/>
+          </a:fillRef>
+          <a:effectRef idx="0">
+            <a:schemeClr val="dk1"/>
+          </a:effectRef>
+          <a:fontRef idx="minor">
+            <a:schemeClr val="dk1"/>
+          </a:fontRef>
+        </p:style>
+        <p:txBody>
+          <a:bodyPr wrap="square" rtlCol="0">
+            <a:spAutoFit/>
+          </a:bodyPr>
+          <a:lstStyle/>
+          <a:p>
+            <a:pPr algn="ctr"/>
+            <a:r>
+              <a:rPr lang="en-US" b="1" dirty="0"/>
+              <a:t>Circuit V3 Option</a:t>
+            </a:r>
+          </a:p>
+        </p:txBody>
+      </p:sp>
+      <p:sp>
+        <p:nvSpPr>
+          <p:cNvPr id="20" name="TextBox 19">
+            <a:extLst>
+              <a:ext uri="{FF2B5EF4-FFF2-40B4-BE49-F238E27FC236}">
+                <a16:creationId xmlns:a16="http://schemas.microsoft.com/office/drawing/2014/main" id="{84322F9F-F486-1E52-882A-B4D12E1C938C}"/>
+              </a:ext>
+            </a:extLst>
+          </p:cNvPr>
+          <p:cNvSpPr txBox="1"/>
+          <p:nvPr/>
+        </p:nvSpPr>
+        <p:spPr>
+          <a:xfrm>
+            <a:off x="6057902" y="2002621"/>
+            <a:ext cx="760614" cy="369332"/>
+          </a:xfrm>
+          <a:prstGeom prst="rect">
+            <a:avLst/>
+          </a:prstGeom>
+          <a:noFill/>
+        </p:spPr>
+        <p:txBody>
+          <a:bodyPr wrap="square" rtlCol="0">
+            <a:spAutoFit/>
+          </a:bodyPr>
+          <a:lstStyle/>
+          <a:p>
+            <a:r>
+              <a:rPr lang="en-US" dirty="0">
+                <a:solidFill>
+                  <a:schemeClr val="bg1"/>
+                </a:solidFill>
+              </a:rPr>
+              <a:t>X?</a:t>
+            </a:r>
+          </a:p>
+        </p:txBody>
+      </p:sp>
+    </p:spTree>
+    <p:extLst>
+      <p:ext uri="{BB962C8B-B14F-4D97-AF65-F5344CB8AC3E}">
+        <p14:creationId xmlns:p14="http://schemas.microsoft.com/office/powerpoint/2010/main" val="4042252160"/>
+      </p:ext>
+    </p:extLst>
+  </p:cSld>
+  <p:clrMapOvr>
+    <a:masterClrMapping/>
+  </p:clrMapOvr>
+</p:sld>
+</file>
+
 <file path=ppt/slides/slide2.xml><?xml version="1.0" encoding="utf-8"?>
 <p:sld xmlns:a="http://schemas.openxmlformats.org/drawingml/2006/main" xmlns:r="http://schemas.openxmlformats.org/officeDocument/2006/relationships" xmlns:p="http://schemas.openxmlformats.org/presentationml/2006/main">
   <p:cSld>
@@ -4565,7 +7614,7 @@
         <p:cNvPr id="1" name="">
           <a:extLst>
             <a:ext uri="{FF2B5EF4-FFF2-40B4-BE49-F238E27FC236}">
-              <a16:creationId xmlns:a16="http://schemas.microsoft.com/office/drawing/2014/main" id="{5FD8E3B2-E5F5-5711-234D-F8502C2437E4}"/>
+              <a16:creationId xmlns:a16="http://schemas.microsoft.com/office/drawing/2014/main" id="{D87BD2AC-E1A5-75C3-E727-D87D8C426043}"/>
             </a:ext>
           </a:extLst>
         </p:cNvPr>
@@ -4580,42 +7629,86 @@
           <a:chExt cx="0" cy="0"/>
         </a:xfrm>
       </p:grpSpPr>
-      <p:pic>
-        <p:nvPicPr>
-          <p:cNvPr id="6" name="Picture 5">
-            <a:extLst>
-              <a:ext uri="{FF2B5EF4-FFF2-40B4-BE49-F238E27FC236}">
-                <a16:creationId xmlns:a16="http://schemas.microsoft.com/office/drawing/2014/main" id="{9D3D0A59-218C-3596-0063-20B469CA1C48}"/>
-              </a:ext>
-            </a:extLst>
-          </p:cNvPr>
-          <p:cNvPicPr>
-            <a:picLocks noChangeAspect="1"/>
-          </p:cNvPicPr>
-          <p:nvPr/>
-        </p:nvPicPr>
-        <p:blipFill>
-          <a:blip r:embed="rId2"/>
-          <a:stretch>
-            <a:fillRect/>
-          </a:stretch>
-        </p:blipFill>
-        <p:spPr>
-          <a:xfrm>
-            <a:off x="459240" y="1317565"/>
-            <a:ext cx="4099062" cy="5189003"/>
-          </a:xfrm>
-          <a:prstGeom prst="rect">
-            <a:avLst/>
-          </a:prstGeom>
-        </p:spPr>
-      </p:pic>
-      <p:sp>
-        <p:nvSpPr>
-          <p:cNvPr id="10" name="TextBox 9">
-            <a:extLst>
-              <a:ext uri="{FF2B5EF4-FFF2-40B4-BE49-F238E27FC236}">
-                <a16:creationId xmlns:a16="http://schemas.microsoft.com/office/drawing/2014/main" id="{222041F2-67CC-5538-03EE-B6E2E3EAFF81}"/>
+      <p:cxnSp>
+        <p:nvCxnSpPr>
+          <p:cNvPr id="4" name="Straight Connector 3">
+            <a:extLst>
+              <a:ext uri="{FF2B5EF4-FFF2-40B4-BE49-F238E27FC236}">
+                <a16:creationId xmlns:a16="http://schemas.microsoft.com/office/drawing/2014/main" id="{21F71916-E5A8-5A4E-7F0A-5FB1067EEB77}"/>
+              </a:ext>
+            </a:extLst>
+          </p:cNvPr>
+          <p:cNvCxnSpPr/>
+          <p:nvPr/>
+        </p:nvCxnSpPr>
+        <p:spPr>
+          <a:xfrm>
+            <a:off x="1870364" y="1571105"/>
+            <a:ext cx="1143000" cy="0"/>
+          </a:xfrm>
+          <a:prstGeom prst="line">
+            <a:avLst/>
+          </a:prstGeom>
+        </p:spPr>
+        <p:style>
+          <a:lnRef idx="2">
+            <a:schemeClr val="accent1"/>
+          </a:lnRef>
+          <a:fillRef idx="0">
+            <a:schemeClr val="accent1"/>
+          </a:fillRef>
+          <a:effectRef idx="1">
+            <a:schemeClr val="accent1"/>
+          </a:effectRef>
+          <a:fontRef idx="minor">
+            <a:schemeClr val="tx1"/>
+          </a:fontRef>
+        </p:style>
+      </p:cxnSp>
+      <p:cxnSp>
+        <p:nvCxnSpPr>
+          <p:cNvPr id="6" name="Straight Connector 5">
+            <a:extLst>
+              <a:ext uri="{FF2B5EF4-FFF2-40B4-BE49-F238E27FC236}">
+                <a16:creationId xmlns:a16="http://schemas.microsoft.com/office/drawing/2014/main" id="{D77C1992-37C5-490D-BDDF-F35B19CC4705}"/>
+              </a:ext>
+            </a:extLst>
+          </p:cNvPr>
+          <p:cNvCxnSpPr>
+            <a:cxnSpLocks/>
+          </p:cNvCxnSpPr>
+          <p:nvPr/>
+        </p:nvCxnSpPr>
+        <p:spPr>
+          <a:xfrm>
+            <a:off x="2024150" y="1844039"/>
+            <a:ext cx="831272" cy="0"/>
+          </a:xfrm>
+          <a:prstGeom prst="line">
+            <a:avLst/>
+          </a:prstGeom>
+        </p:spPr>
+        <p:style>
+          <a:lnRef idx="2">
+            <a:schemeClr val="accent1"/>
+          </a:lnRef>
+          <a:fillRef idx="0">
+            <a:schemeClr val="accent1"/>
+          </a:fillRef>
+          <a:effectRef idx="1">
+            <a:schemeClr val="accent1"/>
+          </a:effectRef>
+          <a:fontRef idx="minor">
+            <a:schemeClr val="tx1"/>
+          </a:fontRef>
+        </p:style>
+      </p:cxnSp>
+      <p:sp>
+        <p:nvSpPr>
+          <p:cNvPr id="8" name="TextBox 7">
+            <a:extLst>
+              <a:ext uri="{FF2B5EF4-FFF2-40B4-BE49-F238E27FC236}">
+                <a16:creationId xmlns:a16="http://schemas.microsoft.com/office/drawing/2014/main" id="{39B169E6-B429-5353-FF4A-C93F812F7DEB}"/>
               </a:ext>
             </a:extLst>
           </p:cNvPr>
@@ -4624,8 +7717,8 @@
         </p:nvSpPr>
         <p:spPr>
           <a:xfrm>
-            <a:off x="939102" y="234334"/>
-            <a:ext cx="3541888" cy="923330"/>
+            <a:off x="694113" y="1571105"/>
+            <a:ext cx="1616825" cy="369332"/>
           </a:xfrm>
           <a:prstGeom prst="rect">
             <a:avLst/>
@@ -4639,26 +7732,200 @@
           <a:lstStyle/>
           <a:p>
             <a:r>
-              <a:rPr lang="en-US" b="1" dirty="0">
-                <a:solidFill>
-                  <a:srgbClr val="FF0000"/>
-                </a:solidFill>
-              </a:rPr>
-              <a:t>3.3V source from LVR and 2 x 10uF Caps</a:t>
-            </a:r>
-            <a:r>
               <a:rPr lang="en-US" b="1" dirty="0"/>
-              <a:t>, 16 bit enc, 8x ADC gain, 50 ohm div</a:t>
-            </a:r>
-          </a:p>
-        </p:txBody>
-      </p:sp>
-      <p:sp>
-        <p:nvSpPr>
-          <p:cNvPr id="13" name="Rectangle 12">
-            <a:extLst>
-              <a:ext uri="{FF2B5EF4-FFF2-40B4-BE49-F238E27FC236}">
-                <a16:creationId xmlns:a16="http://schemas.microsoft.com/office/drawing/2014/main" id="{22C63E94-D092-C650-9D76-1E9A4B0C73C7}"/>
+              <a:t>LVR +3.3V</a:t>
+            </a:r>
+          </a:p>
+        </p:txBody>
+      </p:sp>
+      <p:cxnSp>
+        <p:nvCxnSpPr>
+          <p:cNvPr id="10" name="Straight Connector 9">
+            <a:extLst>
+              <a:ext uri="{FF2B5EF4-FFF2-40B4-BE49-F238E27FC236}">
+                <a16:creationId xmlns:a16="http://schemas.microsoft.com/office/drawing/2014/main" id="{642BBF4F-B536-D07B-C4C7-6250BC1C9830}"/>
+              </a:ext>
+            </a:extLst>
+          </p:cNvPr>
+          <p:cNvCxnSpPr/>
+          <p:nvPr/>
+        </p:nvCxnSpPr>
+        <p:spPr>
+          <a:xfrm flipV="1">
+            <a:off x="2385753" y="980902"/>
+            <a:ext cx="0" cy="590203"/>
+          </a:xfrm>
+          <a:prstGeom prst="line">
+            <a:avLst/>
+          </a:prstGeom>
+        </p:spPr>
+        <p:style>
+          <a:lnRef idx="2">
+            <a:schemeClr val="accent1"/>
+          </a:lnRef>
+          <a:fillRef idx="0">
+            <a:schemeClr val="accent1"/>
+          </a:fillRef>
+          <a:effectRef idx="1">
+            <a:schemeClr val="accent1"/>
+          </a:effectRef>
+          <a:fontRef idx="minor">
+            <a:schemeClr val="tx1"/>
+          </a:fontRef>
+        </p:style>
+      </p:cxnSp>
+      <p:cxnSp>
+        <p:nvCxnSpPr>
+          <p:cNvPr id="12" name="Straight Connector 11">
+            <a:extLst>
+              <a:ext uri="{FF2B5EF4-FFF2-40B4-BE49-F238E27FC236}">
+                <a16:creationId xmlns:a16="http://schemas.microsoft.com/office/drawing/2014/main" id="{8E8698CC-0627-C698-DF53-BC2589D51097}"/>
+              </a:ext>
+            </a:extLst>
+          </p:cNvPr>
+          <p:cNvCxnSpPr/>
+          <p:nvPr/>
+        </p:nvCxnSpPr>
+        <p:spPr>
+          <a:xfrm>
+            <a:off x="2385753" y="980902"/>
+            <a:ext cx="1483822" cy="0"/>
+          </a:xfrm>
+          <a:prstGeom prst="line">
+            <a:avLst/>
+          </a:prstGeom>
+        </p:spPr>
+        <p:style>
+          <a:lnRef idx="2">
+            <a:schemeClr val="accent1"/>
+          </a:lnRef>
+          <a:fillRef idx="0">
+            <a:schemeClr val="accent1"/>
+          </a:fillRef>
+          <a:effectRef idx="1">
+            <a:schemeClr val="accent1"/>
+          </a:effectRef>
+          <a:fontRef idx="minor">
+            <a:schemeClr val="tx1"/>
+          </a:fontRef>
+        </p:style>
+      </p:cxnSp>
+      <p:cxnSp>
+        <p:nvCxnSpPr>
+          <p:cNvPr id="13" name="Straight Connector 12">
+            <a:extLst>
+              <a:ext uri="{FF2B5EF4-FFF2-40B4-BE49-F238E27FC236}">
+                <a16:creationId xmlns:a16="http://schemas.microsoft.com/office/drawing/2014/main" id="{B8051070-6D9C-7B18-5C67-848BBD8EA3BA}"/>
+              </a:ext>
+            </a:extLst>
+          </p:cNvPr>
+          <p:cNvCxnSpPr/>
+          <p:nvPr/>
+        </p:nvCxnSpPr>
+        <p:spPr>
+          <a:xfrm>
+            <a:off x="4445924" y="980902"/>
+            <a:ext cx="1483822" cy="0"/>
+          </a:xfrm>
+          <a:prstGeom prst="line">
+            <a:avLst/>
+          </a:prstGeom>
+        </p:spPr>
+        <p:style>
+          <a:lnRef idx="2">
+            <a:schemeClr val="accent1"/>
+          </a:lnRef>
+          <a:fillRef idx="0">
+            <a:schemeClr val="accent1"/>
+          </a:fillRef>
+          <a:effectRef idx="1">
+            <a:schemeClr val="accent1"/>
+          </a:effectRef>
+          <a:fontRef idx="minor">
+            <a:schemeClr val="tx1"/>
+          </a:fontRef>
+        </p:style>
+      </p:cxnSp>
+      <p:cxnSp>
+        <p:nvCxnSpPr>
+          <p:cNvPr id="14" name="Straight Connector 13">
+            <a:extLst>
+              <a:ext uri="{FF2B5EF4-FFF2-40B4-BE49-F238E27FC236}">
+                <a16:creationId xmlns:a16="http://schemas.microsoft.com/office/drawing/2014/main" id="{BD09E059-26C0-78F8-2273-9738FFD3C990}"/>
+              </a:ext>
+            </a:extLst>
+          </p:cNvPr>
+          <p:cNvCxnSpPr/>
+          <p:nvPr/>
+        </p:nvCxnSpPr>
+        <p:spPr>
+          <a:xfrm>
+            <a:off x="6410498" y="980902"/>
+            <a:ext cx="1483822" cy="0"/>
+          </a:xfrm>
+          <a:prstGeom prst="line">
+            <a:avLst/>
+          </a:prstGeom>
+        </p:spPr>
+        <p:style>
+          <a:lnRef idx="2">
+            <a:schemeClr val="accent1"/>
+          </a:lnRef>
+          <a:fillRef idx="0">
+            <a:schemeClr val="accent1"/>
+          </a:fillRef>
+          <a:effectRef idx="1">
+            <a:schemeClr val="accent1"/>
+          </a:effectRef>
+          <a:fontRef idx="minor">
+            <a:schemeClr val="tx1"/>
+          </a:fontRef>
+        </p:style>
+      </p:cxnSp>
+      <p:cxnSp>
+        <p:nvCxnSpPr>
+          <p:cNvPr id="21" name="Straight Connector 20">
+            <a:extLst>
+              <a:ext uri="{FF2B5EF4-FFF2-40B4-BE49-F238E27FC236}">
+                <a16:creationId xmlns:a16="http://schemas.microsoft.com/office/drawing/2014/main" id="{7A44B6CE-8481-7B41-109B-F507A6723C7D}"/>
+              </a:ext>
+            </a:extLst>
+          </p:cNvPr>
+          <p:cNvCxnSpPr>
+            <a:cxnSpLocks/>
+          </p:cNvCxnSpPr>
+          <p:nvPr/>
+        </p:nvCxnSpPr>
+        <p:spPr>
+          <a:xfrm flipV="1">
+            <a:off x="2385753" y="1844039"/>
+            <a:ext cx="0" cy="1364674"/>
+          </a:xfrm>
+          <a:prstGeom prst="line">
+            <a:avLst/>
+          </a:prstGeom>
+        </p:spPr>
+        <p:style>
+          <a:lnRef idx="2">
+            <a:schemeClr val="accent1"/>
+          </a:lnRef>
+          <a:fillRef idx="0">
+            <a:schemeClr val="accent1"/>
+          </a:fillRef>
+          <a:effectRef idx="1">
+            <a:schemeClr val="accent1"/>
+          </a:effectRef>
+          <a:fontRef idx="minor">
+            <a:schemeClr val="tx1"/>
+          </a:fontRef>
+        </p:style>
+      </p:cxnSp>
+      <p:sp>
+        <p:nvSpPr>
+          <p:cNvPr id="23" name="Isosceles Triangle 22">
+            <a:extLst>
+              <a:ext uri="{FF2B5EF4-FFF2-40B4-BE49-F238E27FC236}">
+                <a16:creationId xmlns:a16="http://schemas.microsoft.com/office/drawing/2014/main" id="{D0B745A0-B0A0-0F30-DE44-002230D9E50E}"/>
               </a:ext>
             </a:extLst>
           </p:cNvPr>
@@ -4666,19 +7933,13 @@
           <p:nvPr/>
         </p:nvSpPr>
         <p:spPr>
-          <a:xfrm>
-            <a:off x="3096784" y="4624455"/>
-            <a:ext cx="415636" cy="1911927"/>
-          </a:xfrm>
-          <a:prstGeom prst="rect">
-            <a:avLst/>
-          </a:prstGeom>
-          <a:noFill/>
-          <a:ln>
-            <a:solidFill>
-              <a:srgbClr val="FF0000"/>
-            </a:solidFill>
-          </a:ln>
+          <a:xfrm rot="10800000">
+            <a:off x="5695609" y="1940437"/>
+            <a:ext cx="997527" cy="719047"/>
+          </a:xfrm>
+          <a:prstGeom prst="triangle">
+            <a:avLst/>
+          </a:prstGeom>
         </p:spPr>
         <p:style>
           <a:lnRef idx="2">
@@ -4705,12 +7966,162 @@
           </a:p>
         </p:txBody>
       </p:sp>
-      <p:sp>
-        <p:nvSpPr>
-          <p:cNvPr id="2" name="TextBox 1">
-            <a:extLst>
-              <a:ext uri="{FF2B5EF4-FFF2-40B4-BE49-F238E27FC236}">
-                <a16:creationId xmlns:a16="http://schemas.microsoft.com/office/drawing/2014/main" id="{46CCF047-999B-E766-4207-6F3532811F8E}"/>
+      <p:cxnSp>
+        <p:nvCxnSpPr>
+          <p:cNvPr id="24" name="Straight Connector 23">
+            <a:extLst>
+              <a:ext uri="{FF2B5EF4-FFF2-40B4-BE49-F238E27FC236}">
+                <a16:creationId xmlns:a16="http://schemas.microsoft.com/office/drawing/2014/main" id="{DF0F747E-29E1-6D30-B53F-DB614CAD2CFC}"/>
+              </a:ext>
+            </a:extLst>
+          </p:cNvPr>
+          <p:cNvCxnSpPr>
+            <a:cxnSpLocks/>
+          </p:cNvCxnSpPr>
+          <p:nvPr/>
+        </p:nvCxnSpPr>
+        <p:spPr>
+          <a:xfrm flipV="1">
+            <a:off x="5940830" y="980901"/>
+            <a:ext cx="0" cy="959536"/>
+          </a:xfrm>
+          <a:prstGeom prst="line">
+            <a:avLst/>
+          </a:prstGeom>
+        </p:spPr>
+        <p:style>
+          <a:lnRef idx="2">
+            <a:schemeClr val="accent1"/>
+          </a:lnRef>
+          <a:fillRef idx="0">
+            <a:schemeClr val="accent1"/>
+          </a:fillRef>
+          <a:effectRef idx="1">
+            <a:schemeClr val="accent1"/>
+          </a:effectRef>
+          <a:fontRef idx="minor">
+            <a:schemeClr val="tx1"/>
+          </a:fontRef>
+        </p:style>
+      </p:cxnSp>
+      <p:cxnSp>
+        <p:nvCxnSpPr>
+          <p:cNvPr id="26" name="Straight Connector 25">
+            <a:extLst>
+              <a:ext uri="{FF2B5EF4-FFF2-40B4-BE49-F238E27FC236}">
+                <a16:creationId xmlns:a16="http://schemas.microsoft.com/office/drawing/2014/main" id="{F979F462-95A9-7E66-C1E1-2E20CB293AC0}"/>
+              </a:ext>
+            </a:extLst>
+          </p:cNvPr>
+          <p:cNvCxnSpPr>
+            <a:cxnSpLocks/>
+          </p:cNvCxnSpPr>
+          <p:nvPr/>
+        </p:nvCxnSpPr>
+        <p:spPr>
+          <a:xfrm>
+            <a:off x="6410498" y="1442258"/>
+            <a:ext cx="0" cy="498181"/>
+          </a:xfrm>
+          <a:prstGeom prst="line">
+            <a:avLst/>
+          </a:prstGeom>
+        </p:spPr>
+        <p:style>
+          <a:lnRef idx="2">
+            <a:schemeClr val="accent1"/>
+          </a:lnRef>
+          <a:fillRef idx="0">
+            <a:schemeClr val="accent1"/>
+          </a:fillRef>
+          <a:effectRef idx="1">
+            <a:schemeClr val="accent1"/>
+          </a:effectRef>
+          <a:fontRef idx="minor">
+            <a:schemeClr val="tx1"/>
+          </a:fontRef>
+        </p:style>
+      </p:cxnSp>
+      <p:cxnSp>
+        <p:nvCxnSpPr>
+          <p:cNvPr id="30" name="Straight Connector 29">
+            <a:extLst>
+              <a:ext uri="{FF2B5EF4-FFF2-40B4-BE49-F238E27FC236}">
+                <a16:creationId xmlns:a16="http://schemas.microsoft.com/office/drawing/2014/main" id="{31A79932-BA5C-1294-0C9B-603E19049A9F}"/>
+              </a:ext>
+            </a:extLst>
+          </p:cNvPr>
+          <p:cNvCxnSpPr>
+            <a:cxnSpLocks/>
+          </p:cNvCxnSpPr>
+          <p:nvPr/>
+        </p:nvCxnSpPr>
+        <p:spPr>
+          <a:xfrm>
+            <a:off x="6194370" y="2638702"/>
+            <a:ext cx="0" cy="1200291"/>
+          </a:xfrm>
+          <a:prstGeom prst="line">
+            <a:avLst/>
+          </a:prstGeom>
+        </p:spPr>
+        <p:style>
+          <a:lnRef idx="2">
+            <a:schemeClr val="accent1"/>
+          </a:lnRef>
+          <a:fillRef idx="0">
+            <a:schemeClr val="accent1"/>
+          </a:fillRef>
+          <a:effectRef idx="1">
+            <a:schemeClr val="accent1"/>
+          </a:effectRef>
+          <a:fontRef idx="minor">
+            <a:schemeClr val="tx1"/>
+          </a:fontRef>
+        </p:style>
+      </p:cxnSp>
+      <p:cxnSp>
+        <p:nvCxnSpPr>
+          <p:cNvPr id="31" name="Straight Connector 30">
+            <a:extLst>
+              <a:ext uri="{FF2B5EF4-FFF2-40B4-BE49-F238E27FC236}">
+                <a16:creationId xmlns:a16="http://schemas.microsoft.com/office/drawing/2014/main" id="{BFA6B7DC-0CC4-09A9-8E72-312FE068C2D1}"/>
+              </a:ext>
+            </a:extLst>
+          </p:cNvPr>
+          <p:cNvCxnSpPr/>
+          <p:nvPr/>
+        </p:nvCxnSpPr>
+        <p:spPr>
+          <a:xfrm flipV="1">
+            <a:off x="7894320" y="980901"/>
+            <a:ext cx="0" cy="590203"/>
+          </a:xfrm>
+          <a:prstGeom prst="line">
+            <a:avLst/>
+          </a:prstGeom>
+        </p:spPr>
+        <p:style>
+          <a:lnRef idx="2">
+            <a:schemeClr val="accent1"/>
+          </a:lnRef>
+          <a:fillRef idx="0">
+            <a:schemeClr val="accent1"/>
+          </a:fillRef>
+          <a:effectRef idx="1">
+            <a:schemeClr val="accent1"/>
+          </a:effectRef>
+          <a:fontRef idx="minor">
+            <a:schemeClr val="tx1"/>
+          </a:fontRef>
+        </p:style>
+      </p:cxnSp>
+      <p:sp>
+        <p:nvSpPr>
+          <p:cNvPr id="32" name="TextBox 31">
+            <a:extLst>
+              <a:ext uri="{FF2B5EF4-FFF2-40B4-BE49-F238E27FC236}">
+                <a16:creationId xmlns:a16="http://schemas.microsoft.com/office/drawing/2014/main" id="{D113E331-51CD-AC10-A324-7C3B31406971}"/>
               </a:ext>
             </a:extLst>
           </p:cNvPr>
@@ -4719,8 +8130,8 @@
         </p:nvSpPr>
         <p:spPr>
           <a:xfrm>
-            <a:off x="5792349" y="117236"/>
-            <a:ext cx="5512960" cy="1200329"/>
+            <a:off x="7536874" y="1574677"/>
+            <a:ext cx="760614" cy="369332"/>
           </a:xfrm>
           <a:prstGeom prst="rect">
             <a:avLst/>
@@ -4734,56 +8145,18 @@
           <a:lstStyle/>
           <a:p>
             <a:r>
-              <a:rPr lang="en-US" b="1" dirty="0">
-                <a:solidFill>
-                  <a:srgbClr val="FF0000"/>
-                </a:solidFill>
-              </a:rPr>
-              <a:t>3.3V source from LVR and 2 x 10uF Caps</a:t>
-            </a:r>
-            <a:r>
-              <a:rPr lang="en-US" b="1" dirty="0"/>
-              <a:t>, 16 bit enc, 2x ADC gain (using diff input), 75x gain from LMC6482 (across gauge), 50 ohm div with 0.4 ohm strain gauge (see circuit)</a:t>
-            </a:r>
-          </a:p>
-        </p:txBody>
-      </p:sp>
-      <p:pic>
-        <p:nvPicPr>
-          <p:cNvPr id="5" name="Picture 4">
-            <a:extLst>
-              <a:ext uri="{FF2B5EF4-FFF2-40B4-BE49-F238E27FC236}">
-                <a16:creationId xmlns:a16="http://schemas.microsoft.com/office/drawing/2014/main" id="{7FD6E26B-2EE5-D52C-1187-6A19ED75A7FB}"/>
-              </a:ext>
-            </a:extLst>
-          </p:cNvPr>
-          <p:cNvPicPr>
-            <a:picLocks noChangeAspect="1"/>
-          </p:cNvPicPr>
-          <p:nvPr/>
-        </p:nvPicPr>
-        <p:blipFill>
-          <a:blip r:embed="rId3"/>
-          <a:stretch>
-            <a:fillRect/>
-          </a:stretch>
-        </p:blipFill>
-        <p:spPr>
-          <a:xfrm>
-            <a:off x="6292863" y="1317565"/>
-            <a:ext cx="3927636" cy="5114917"/>
-          </a:xfrm>
-          <a:prstGeom prst="rect">
-            <a:avLst/>
-          </a:prstGeom>
-        </p:spPr>
-      </p:pic>
-      <p:sp>
-        <p:nvSpPr>
-          <p:cNvPr id="7" name="Rectangle 6">
-            <a:extLst>
-              <a:ext uri="{FF2B5EF4-FFF2-40B4-BE49-F238E27FC236}">
-                <a16:creationId xmlns:a16="http://schemas.microsoft.com/office/drawing/2014/main" id="{D76A7EDB-7D75-6EF0-618A-F6FA99A6A4E2}"/>
+              <a:rPr lang="en-US" dirty="0"/>
+              <a:t>GND</a:t>
+            </a:r>
+          </a:p>
+        </p:txBody>
+      </p:sp>
+      <p:sp>
+        <p:nvSpPr>
+          <p:cNvPr id="39" name="Isosceles Triangle 38">
+            <a:extLst>
+              <a:ext uri="{FF2B5EF4-FFF2-40B4-BE49-F238E27FC236}">
+                <a16:creationId xmlns:a16="http://schemas.microsoft.com/office/drawing/2014/main" id="{AD5FAEC9-7946-BDB8-1B78-0FB049A7BB55}"/>
               </a:ext>
             </a:extLst>
           </p:cNvPr>
@@ -4791,19 +8164,16 @@
           <p:nvPr/>
         </p:nvSpPr>
         <p:spPr>
-          <a:xfrm>
-            <a:off x="9001591" y="4584471"/>
-            <a:ext cx="415636" cy="1911927"/>
-          </a:xfrm>
-          <a:prstGeom prst="rect">
-            <a:avLst/>
-          </a:prstGeom>
-          <a:noFill/>
-          <a:ln>
-            <a:solidFill>
-              <a:srgbClr val="FF0000"/>
-            </a:solidFill>
-          </a:ln>
+          <a:xfrm rot="10800000">
+            <a:off x="5940830" y="3838993"/>
+            <a:ext cx="997527" cy="719047"/>
+          </a:xfrm>
+          <a:prstGeom prst="triangle">
+            <a:avLst/>
+          </a:prstGeom>
+          <a:solidFill>
+            <a:srgbClr val="FF0000"/>
+          </a:solidFill>
         </p:spPr>
         <p:style>
           <a:lnRef idx="2">
@@ -4830,10 +8200,769 @@
           </a:p>
         </p:txBody>
       </p:sp>
+      <p:sp>
+        <p:nvSpPr>
+          <p:cNvPr id="40" name="TextBox 39">
+            <a:extLst>
+              <a:ext uri="{FF2B5EF4-FFF2-40B4-BE49-F238E27FC236}">
+                <a16:creationId xmlns:a16="http://schemas.microsoft.com/office/drawing/2014/main" id="{3B0F45A5-F1B9-13C1-0178-1FD0FD276195}"/>
+              </a:ext>
+            </a:extLst>
+          </p:cNvPr>
+          <p:cNvSpPr txBox="1"/>
+          <p:nvPr/>
+        </p:nvSpPr>
+        <p:spPr>
+          <a:xfrm>
+            <a:off x="6529648" y="2092292"/>
+            <a:ext cx="4829694" cy="369332"/>
+          </a:xfrm>
+          <a:prstGeom prst="rect">
+            <a:avLst/>
+          </a:prstGeom>
+          <a:noFill/>
+        </p:spPr>
+        <p:txBody>
+          <a:bodyPr wrap="square" rtlCol="0">
+            <a:spAutoFit/>
+          </a:bodyPr>
+          <a:lstStyle/>
+          <a:p>
+            <a:r>
+              <a:rPr lang="en-US" b="1" dirty="0"/>
+              <a:t>LMC6482</a:t>
+            </a:r>
+            <a:r>
+              <a:rPr lang="en-US" dirty="0"/>
+              <a:t>, 75kohm/1kohm, total gain of 76</a:t>
+            </a:r>
+          </a:p>
+        </p:txBody>
+      </p:sp>
+      <p:sp>
+        <p:nvSpPr>
+          <p:cNvPr id="41" name="TextBox 40">
+            <a:extLst>
+              <a:ext uri="{FF2B5EF4-FFF2-40B4-BE49-F238E27FC236}">
+                <a16:creationId xmlns:a16="http://schemas.microsoft.com/office/drawing/2014/main" id="{6DE3FDE0-97AC-69D3-901D-DD94F9DF3BB6}"/>
+              </a:ext>
+            </a:extLst>
+          </p:cNvPr>
+          <p:cNvSpPr txBox="1"/>
+          <p:nvPr/>
+        </p:nvSpPr>
+        <p:spPr>
+          <a:xfrm>
+            <a:off x="4063186" y="1596034"/>
+            <a:ext cx="2299168" cy="369332"/>
+          </a:xfrm>
+          <a:prstGeom prst="rect">
+            <a:avLst/>
+          </a:prstGeom>
+          <a:noFill/>
+        </p:spPr>
+        <p:txBody>
+          <a:bodyPr wrap="square" rtlCol="0">
+            <a:spAutoFit/>
+          </a:bodyPr>
+          <a:lstStyle/>
+          <a:p>
+            <a:r>
+              <a:rPr lang="en-US" dirty="0"/>
+              <a:t>+26 mV to 52 mV </a:t>
+            </a:r>
+          </a:p>
+        </p:txBody>
+      </p:sp>
+      <p:sp>
+        <p:nvSpPr>
+          <p:cNvPr id="42" name="TextBox 41">
+            <a:extLst>
+              <a:ext uri="{FF2B5EF4-FFF2-40B4-BE49-F238E27FC236}">
+                <a16:creationId xmlns:a16="http://schemas.microsoft.com/office/drawing/2014/main" id="{3087EFC3-3A93-62EA-A2DF-F3C19BFB7816}"/>
+              </a:ext>
+            </a:extLst>
+          </p:cNvPr>
+          <p:cNvSpPr txBox="1"/>
+          <p:nvPr/>
+        </p:nvSpPr>
+        <p:spPr>
+          <a:xfrm>
+            <a:off x="6362354" y="1587776"/>
+            <a:ext cx="940026" cy="369332"/>
+          </a:xfrm>
+          <a:prstGeom prst="rect">
+            <a:avLst/>
+          </a:prstGeom>
+          <a:noFill/>
+        </p:spPr>
+        <p:txBody>
+          <a:bodyPr wrap="square" rtlCol="0">
+            <a:spAutoFit/>
+          </a:bodyPr>
+          <a:lstStyle/>
+          <a:p>
+            <a:r>
+              <a:rPr lang="en-US" dirty="0"/>
+              <a:t>+0 mV</a:t>
+            </a:r>
+          </a:p>
+        </p:txBody>
+      </p:sp>
+      <p:sp>
+        <p:nvSpPr>
+          <p:cNvPr id="44" name="TextBox 43">
+            <a:extLst>
+              <a:ext uri="{FF2B5EF4-FFF2-40B4-BE49-F238E27FC236}">
+                <a16:creationId xmlns:a16="http://schemas.microsoft.com/office/drawing/2014/main" id="{5376C342-C753-1BE3-AC10-FD5B9E728BB0}"/>
+              </a:ext>
+            </a:extLst>
+          </p:cNvPr>
+          <p:cNvSpPr txBox="1"/>
+          <p:nvPr/>
+        </p:nvSpPr>
+        <p:spPr>
+          <a:xfrm>
+            <a:off x="4325398" y="3499473"/>
+            <a:ext cx="2277685" cy="369332"/>
+          </a:xfrm>
+          <a:prstGeom prst="rect">
+            <a:avLst/>
+          </a:prstGeom>
+          <a:noFill/>
+        </p:spPr>
+        <p:txBody>
+          <a:bodyPr wrap="square" rtlCol="0">
+            <a:spAutoFit/>
+          </a:bodyPr>
+          <a:lstStyle/>
+          <a:p>
+            <a:r>
+              <a:rPr lang="en-US" dirty="0"/>
+              <a:t>+1.98 V  to 3.95V</a:t>
+            </a:r>
+          </a:p>
+        </p:txBody>
+      </p:sp>
+      <p:cxnSp>
+        <p:nvCxnSpPr>
+          <p:cNvPr id="45" name="Straight Connector 44">
+            <a:extLst>
+              <a:ext uri="{FF2B5EF4-FFF2-40B4-BE49-F238E27FC236}">
+                <a16:creationId xmlns:a16="http://schemas.microsoft.com/office/drawing/2014/main" id="{42CE0946-5582-BD1D-8723-684E0DC77BC1}"/>
+              </a:ext>
+            </a:extLst>
+          </p:cNvPr>
+          <p:cNvCxnSpPr>
+            <a:cxnSpLocks/>
+          </p:cNvCxnSpPr>
+          <p:nvPr/>
+        </p:nvCxnSpPr>
+        <p:spPr>
+          <a:xfrm>
+            <a:off x="6575371" y="3208713"/>
+            <a:ext cx="0" cy="651062"/>
+          </a:xfrm>
+          <a:prstGeom prst="line">
+            <a:avLst/>
+          </a:prstGeom>
+        </p:spPr>
+        <p:style>
+          <a:lnRef idx="2">
+            <a:schemeClr val="accent1"/>
+          </a:lnRef>
+          <a:fillRef idx="0">
+            <a:schemeClr val="accent1"/>
+          </a:fillRef>
+          <a:effectRef idx="1">
+            <a:schemeClr val="accent1"/>
+          </a:effectRef>
+          <a:fontRef idx="minor">
+            <a:schemeClr val="tx1"/>
+          </a:fontRef>
+        </p:style>
+      </p:cxnSp>
+      <p:sp>
+        <p:nvSpPr>
+          <p:cNvPr id="47" name="TextBox 46">
+            <a:extLst>
+              <a:ext uri="{FF2B5EF4-FFF2-40B4-BE49-F238E27FC236}">
+                <a16:creationId xmlns:a16="http://schemas.microsoft.com/office/drawing/2014/main" id="{E51C7D7A-92B0-81FC-CEB8-1BB15FBB296F}"/>
+              </a:ext>
+            </a:extLst>
+          </p:cNvPr>
+          <p:cNvSpPr txBox="1"/>
+          <p:nvPr/>
+        </p:nvSpPr>
+        <p:spPr>
+          <a:xfrm>
+            <a:off x="6398031" y="2886498"/>
+            <a:ext cx="2277686" cy="369332"/>
+          </a:xfrm>
+          <a:prstGeom prst="rect">
+            <a:avLst/>
+          </a:prstGeom>
+          <a:noFill/>
+        </p:spPr>
+        <p:txBody>
+          <a:bodyPr wrap="square" rtlCol="0">
+            <a:spAutoFit/>
+          </a:bodyPr>
+          <a:lstStyle/>
+          <a:p>
+            <a:r>
+              <a:rPr lang="en-US" b="1" dirty="0"/>
+              <a:t>LM040</a:t>
+            </a:r>
+            <a:r>
+              <a:rPr lang="en-US" dirty="0"/>
+              <a:t>, 2.048V ref</a:t>
+            </a:r>
+          </a:p>
+        </p:txBody>
+      </p:sp>
+      <p:sp>
+        <p:nvSpPr>
+          <p:cNvPr id="48" name="TextBox 47">
+            <a:extLst>
+              <a:ext uri="{FF2B5EF4-FFF2-40B4-BE49-F238E27FC236}">
+                <a16:creationId xmlns:a16="http://schemas.microsoft.com/office/drawing/2014/main" id="{C7BF13FC-4F52-8533-2A31-7B1E3D4BB1F2}"/>
+              </a:ext>
+            </a:extLst>
+          </p:cNvPr>
+          <p:cNvSpPr txBox="1"/>
+          <p:nvPr/>
+        </p:nvSpPr>
+        <p:spPr>
+          <a:xfrm>
+            <a:off x="6596150" y="3469661"/>
+            <a:ext cx="1126374" cy="369332"/>
+          </a:xfrm>
+          <a:prstGeom prst="rect">
+            <a:avLst/>
+          </a:prstGeom>
+          <a:noFill/>
+        </p:spPr>
+        <p:txBody>
+          <a:bodyPr wrap="square" rtlCol="0">
+            <a:spAutoFit/>
+          </a:bodyPr>
+          <a:lstStyle/>
+          <a:p>
+            <a:r>
+              <a:rPr lang="en-US" dirty="0"/>
+              <a:t>-2.048 V</a:t>
+            </a:r>
+          </a:p>
+        </p:txBody>
+      </p:sp>
+      <p:sp>
+        <p:nvSpPr>
+          <p:cNvPr id="49" name="TextBox 48">
+            <a:extLst>
+              <a:ext uri="{FF2B5EF4-FFF2-40B4-BE49-F238E27FC236}">
+                <a16:creationId xmlns:a16="http://schemas.microsoft.com/office/drawing/2014/main" id="{34BC8BB3-95EC-3FBF-B496-3A547B1A1BCF}"/>
+              </a:ext>
+            </a:extLst>
+          </p:cNvPr>
+          <p:cNvSpPr txBox="1"/>
+          <p:nvPr/>
+        </p:nvSpPr>
+        <p:spPr>
+          <a:xfrm>
+            <a:off x="6778338" y="3961611"/>
+            <a:ext cx="4747258" cy="646331"/>
+          </a:xfrm>
+          <a:prstGeom prst="rect">
+            <a:avLst/>
+          </a:prstGeom>
+          <a:noFill/>
+        </p:spPr>
+        <p:txBody>
+          <a:bodyPr wrap="square" rtlCol="0">
+            <a:spAutoFit/>
+          </a:bodyPr>
+          <a:lstStyle/>
+          <a:p>
+            <a:r>
+              <a:rPr lang="en-US" b="1" dirty="0"/>
+              <a:t>MCP3421</a:t>
+            </a:r>
+            <a:r>
+              <a:rPr lang="en-US" dirty="0"/>
+              <a:t> </a:t>
+            </a:r>
+            <a:r>
+              <a:rPr lang="en-US" dirty="0">
+                <a:solidFill>
+                  <a:srgbClr val="FF0000"/>
+                </a:solidFill>
+              </a:rPr>
+              <a:t>Differential Input PGA x2, 16 bit</a:t>
+            </a:r>
+          </a:p>
+          <a:p>
+            <a:r>
+              <a:rPr lang="en-US" dirty="0"/>
+              <a:t>(Alternative can use ADS111)</a:t>
+            </a:r>
+          </a:p>
+        </p:txBody>
+      </p:sp>
+      <p:cxnSp>
+        <p:nvCxnSpPr>
+          <p:cNvPr id="50" name="Straight Connector 49">
+            <a:extLst>
+              <a:ext uri="{FF2B5EF4-FFF2-40B4-BE49-F238E27FC236}">
+                <a16:creationId xmlns:a16="http://schemas.microsoft.com/office/drawing/2014/main" id="{8EA83F1D-B4DC-F2C5-C4B2-94784D85A098}"/>
+              </a:ext>
+            </a:extLst>
+          </p:cNvPr>
+          <p:cNvCxnSpPr>
+            <a:cxnSpLocks/>
+          </p:cNvCxnSpPr>
+          <p:nvPr/>
+        </p:nvCxnSpPr>
+        <p:spPr>
+          <a:xfrm>
+            <a:off x="6438209" y="4504113"/>
+            <a:ext cx="0" cy="651062"/>
+          </a:xfrm>
+          <a:prstGeom prst="line">
+            <a:avLst/>
+          </a:prstGeom>
+        </p:spPr>
+        <p:style>
+          <a:lnRef idx="2">
+            <a:schemeClr val="accent1"/>
+          </a:lnRef>
+          <a:fillRef idx="0">
+            <a:schemeClr val="accent1"/>
+          </a:fillRef>
+          <a:effectRef idx="1">
+            <a:schemeClr val="accent1"/>
+          </a:effectRef>
+          <a:fontRef idx="minor">
+            <a:schemeClr val="tx1"/>
+          </a:fontRef>
+        </p:style>
+      </p:cxnSp>
+      <p:sp>
+        <p:nvSpPr>
+          <p:cNvPr id="51" name="TextBox 50">
+            <a:extLst>
+              <a:ext uri="{FF2B5EF4-FFF2-40B4-BE49-F238E27FC236}">
+                <a16:creationId xmlns:a16="http://schemas.microsoft.com/office/drawing/2014/main" id="{DCC75E51-282A-0DAD-A2B8-16D4B6233F93}"/>
+              </a:ext>
+            </a:extLst>
+          </p:cNvPr>
+          <p:cNvSpPr txBox="1"/>
+          <p:nvPr/>
+        </p:nvSpPr>
+        <p:spPr>
+          <a:xfrm>
+            <a:off x="4407306" y="5230767"/>
+            <a:ext cx="4377688" cy="923330"/>
+          </a:xfrm>
+          <a:prstGeom prst="rect">
+            <a:avLst/>
+          </a:prstGeom>
+          <a:noFill/>
+        </p:spPr>
+        <p:txBody>
+          <a:bodyPr wrap="square" rtlCol="0">
+            <a:spAutoFit/>
+          </a:bodyPr>
+          <a:lstStyle/>
+          <a:p>
+            <a:pPr algn="ctr"/>
+            <a:r>
+              <a:rPr lang="en-US" dirty="0"/>
+              <a:t>Arduino Uno I2C</a:t>
+            </a:r>
+          </a:p>
+          <a:p>
+            <a:pPr algn="ctr"/>
+            <a:r>
+              <a:rPr lang="en-US" b="1" dirty="0"/>
+              <a:t>ADC bits range from ~ -3000 to 20000 of possible -32k to 32 k</a:t>
+            </a:r>
+          </a:p>
+        </p:txBody>
+      </p:sp>
+      <p:sp>
+        <p:nvSpPr>
+          <p:cNvPr id="52" name="TextBox 51">
+            <a:extLst>
+              <a:ext uri="{FF2B5EF4-FFF2-40B4-BE49-F238E27FC236}">
+                <a16:creationId xmlns:a16="http://schemas.microsoft.com/office/drawing/2014/main" id="{A92740E0-D17D-9182-7654-A5BB1C595A9B}"/>
+              </a:ext>
+            </a:extLst>
+          </p:cNvPr>
+          <p:cNvSpPr txBox="1"/>
+          <p:nvPr/>
+        </p:nvSpPr>
+        <p:spPr>
+          <a:xfrm>
+            <a:off x="2024150" y="3208713"/>
+            <a:ext cx="760614" cy="369332"/>
+          </a:xfrm>
+          <a:prstGeom prst="rect">
+            <a:avLst/>
+          </a:prstGeom>
+          <a:noFill/>
+        </p:spPr>
+        <p:txBody>
+          <a:bodyPr wrap="square" rtlCol="0">
+            <a:spAutoFit/>
+          </a:bodyPr>
+          <a:lstStyle/>
+          <a:p>
+            <a:r>
+              <a:rPr lang="en-US" dirty="0"/>
+              <a:t>GND</a:t>
+            </a:r>
+          </a:p>
+        </p:txBody>
+      </p:sp>
+      <p:sp>
+        <p:nvSpPr>
+          <p:cNvPr id="53" name="Rectangle 52">
+            <a:extLst>
+              <a:ext uri="{FF2B5EF4-FFF2-40B4-BE49-F238E27FC236}">
+                <a16:creationId xmlns:a16="http://schemas.microsoft.com/office/drawing/2014/main" id="{843C6C17-7AFD-9244-9308-81E46C760B43}"/>
+              </a:ext>
+            </a:extLst>
+          </p:cNvPr>
+          <p:cNvSpPr/>
+          <p:nvPr/>
+        </p:nvSpPr>
+        <p:spPr>
+          <a:xfrm>
+            <a:off x="3851564" y="822961"/>
+            <a:ext cx="644236" cy="315879"/>
+          </a:xfrm>
+          <a:prstGeom prst="rect">
+            <a:avLst/>
+          </a:prstGeom>
+          <a:solidFill>
+            <a:srgbClr val="FFC000"/>
+          </a:solidFill>
+        </p:spPr>
+        <p:style>
+          <a:lnRef idx="2">
+            <a:schemeClr val="accent1">
+              <a:shade val="15000"/>
+            </a:schemeClr>
+          </a:lnRef>
+          <a:fillRef idx="1">
+            <a:schemeClr val="accent1"/>
+          </a:fillRef>
+          <a:effectRef idx="0">
+            <a:schemeClr val="accent1"/>
+          </a:effectRef>
+          <a:fontRef idx="minor">
+            <a:schemeClr val="lt1"/>
+          </a:fontRef>
+        </p:style>
+        <p:txBody>
+          <a:bodyPr rtlCol="0" anchor="ctr"/>
+          <a:lstStyle/>
+          <a:p>
+            <a:pPr algn="ctr"/>
+            <a:endParaRPr lang="en-US" dirty="0"/>
+          </a:p>
+        </p:txBody>
+      </p:sp>
+      <p:sp>
+        <p:nvSpPr>
+          <p:cNvPr id="54" name="Rectangle 53">
+            <a:extLst>
+              <a:ext uri="{FF2B5EF4-FFF2-40B4-BE49-F238E27FC236}">
+                <a16:creationId xmlns:a16="http://schemas.microsoft.com/office/drawing/2014/main" id="{E3B60262-EA2F-E065-350D-B1A372139A11}"/>
+              </a:ext>
+            </a:extLst>
+          </p:cNvPr>
+          <p:cNvSpPr/>
+          <p:nvPr/>
+        </p:nvSpPr>
+        <p:spPr>
+          <a:xfrm>
+            <a:off x="5852161" y="830002"/>
+            <a:ext cx="644236" cy="315879"/>
+          </a:xfrm>
+          <a:prstGeom prst="rect">
+            <a:avLst/>
+          </a:prstGeom>
+          <a:solidFill>
+            <a:srgbClr val="FFC000"/>
+          </a:solidFill>
+        </p:spPr>
+        <p:style>
+          <a:lnRef idx="2">
+            <a:schemeClr val="accent1">
+              <a:shade val="15000"/>
+            </a:schemeClr>
+          </a:lnRef>
+          <a:fillRef idx="1">
+            <a:schemeClr val="accent1"/>
+          </a:fillRef>
+          <a:effectRef idx="0">
+            <a:schemeClr val="accent1"/>
+          </a:effectRef>
+          <a:fontRef idx="minor">
+            <a:schemeClr val="lt1"/>
+          </a:fontRef>
+        </p:style>
+        <p:txBody>
+          <a:bodyPr rtlCol="0" anchor="ctr"/>
+          <a:lstStyle/>
+          <a:p>
+            <a:pPr algn="ctr"/>
+            <a:endParaRPr lang="en-US" dirty="0"/>
+          </a:p>
+        </p:txBody>
+      </p:sp>
+      <p:cxnSp>
+        <p:nvCxnSpPr>
+          <p:cNvPr id="56" name="Straight Arrow Connector 55">
+            <a:extLst>
+              <a:ext uri="{FF2B5EF4-FFF2-40B4-BE49-F238E27FC236}">
+                <a16:creationId xmlns:a16="http://schemas.microsoft.com/office/drawing/2014/main" id="{69241110-DF12-492D-C210-F53BD4D48A27}"/>
+              </a:ext>
+            </a:extLst>
+          </p:cNvPr>
+          <p:cNvCxnSpPr/>
+          <p:nvPr/>
+        </p:nvCxnSpPr>
+        <p:spPr>
+          <a:xfrm flipV="1">
+            <a:off x="6027075" y="581687"/>
+            <a:ext cx="342209" cy="828902"/>
+          </a:xfrm>
+          <a:prstGeom prst="straightConnector1">
+            <a:avLst/>
+          </a:prstGeom>
+          <a:ln>
+            <a:tailEnd type="triangle"/>
+          </a:ln>
+        </p:spPr>
+        <p:style>
+          <a:lnRef idx="2">
+            <a:schemeClr val="accent1"/>
+          </a:lnRef>
+          <a:fillRef idx="0">
+            <a:schemeClr val="accent1"/>
+          </a:fillRef>
+          <a:effectRef idx="1">
+            <a:schemeClr val="accent1"/>
+          </a:effectRef>
+          <a:fontRef idx="minor">
+            <a:schemeClr val="tx1"/>
+          </a:fontRef>
+        </p:style>
+      </p:cxnSp>
+      <p:sp>
+        <p:nvSpPr>
+          <p:cNvPr id="57" name="TextBox 56">
+            <a:extLst>
+              <a:ext uri="{FF2B5EF4-FFF2-40B4-BE49-F238E27FC236}">
+                <a16:creationId xmlns:a16="http://schemas.microsoft.com/office/drawing/2014/main" id="{9F80A177-32B0-888B-E14F-0DF0DEAFC06C}"/>
+              </a:ext>
+            </a:extLst>
+          </p:cNvPr>
+          <p:cNvSpPr txBox="1"/>
+          <p:nvPr/>
+        </p:nvSpPr>
+        <p:spPr>
+          <a:xfrm>
+            <a:off x="5590310" y="212354"/>
+            <a:ext cx="3578628" cy="369332"/>
+          </a:xfrm>
+          <a:prstGeom prst="rect">
+            <a:avLst/>
+          </a:prstGeom>
+          <a:noFill/>
+        </p:spPr>
+        <p:txBody>
+          <a:bodyPr wrap="square" rtlCol="0">
+            <a:spAutoFit/>
+          </a:bodyPr>
+          <a:lstStyle/>
+          <a:p>
+            <a:r>
+              <a:rPr lang="en-US" b="1" dirty="0"/>
+              <a:t>Strain Gauge (0.4 ohm – 0.8ohm)</a:t>
+            </a:r>
+          </a:p>
+        </p:txBody>
+      </p:sp>
+      <p:sp>
+        <p:nvSpPr>
+          <p:cNvPr id="58" name="TextBox 57">
+            <a:extLst>
+              <a:ext uri="{FF2B5EF4-FFF2-40B4-BE49-F238E27FC236}">
+                <a16:creationId xmlns:a16="http://schemas.microsoft.com/office/drawing/2014/main" id="{C71BA884-63C6-CEF6-A1D3-ABFB568D30F3}"/>
+              </a:ext>
+            </a:extLst>
+          </p:cNvPr>
+          <p:cNvSpPr txBox="1"/>
+          <p:nvPr/>
+        </p:nvSpPr>
+        <p:spPr>
+          <a:xfrm>
+            <a:off x="3736922" y="347934"/>
+            <a:ext cx="1812174" cy="369332"/>
+          </a:xfrm>
+          <a:prstGeom prst="rect">
+            <a:avLst/>
+          </a:prstGeom>
+          <a:noFill/>
+        </p:spPr>
+        <p:txBody>
+          <a:bodyPr wrap="square" rtlCol="0">
+            <a:spAutoFit/>
+          </a:bodyPr>
+          <a:lstStyle/>
+          <a:p>
+            <a:r>
+              <a:rPr lang="en-US" dirty="0"/>
+              <a:t>50 ohm</a:t>
+            </a:r>
+          </a:p>
+        </p:txBody>
+      </p:sp>
+      <p:sp>
+        <p:nvSpPr>
+          <p:cNvPr id="60" name="TextBox 59">
+            <a:extLst>
+              <a:ext uri="{FF2B5EF4-FFF2-40B4-BE49-F238E27FC236}">
+                <a16:creationId xmlns:a16="http://schemas.microsoft.com/office/drawing/2014/main" id="{A1B42AA7-94F6-705F-6B9C-09394F2F3B1F}"/>
+              </a:ext>
+            </a:extLst>
+          </p:cNvPr>
+          <p:cNvSpPr txBox="1"/>
+          <p:nvPr/>
+        </p:nvSpPr>
+        <p:spPr>
+          <a:xfrm>
+            <a:off x="5940829" y="1964680"/>
+            <a:ext cx="760614" cy="369332"/>
+          </a:xfrm>
+          <a:prstGeom prst="rect">
+            <a:avLst/>
+          </a:prstGeom>
+          <a:noFill/>
+        </p:spPr>
+        <p:txBody>
+          <a:bodyPr wrap="square" rtlCol="0">
+            <a:spAutoFit/>
+          </a:bodyPr>
+          <a:lstStyle/>
+          <a:p>
+            <a:r>
+              <a:rPr lang="en-US" dirty="0">
+                <a:solidFill>
+                  <a:schemeClr val="bg1"/>
+                </a:solidFill>
+              </a:rPr>
+              <a:t>x76</a:t>
+            </a:r>
+          </a:p>
+        </p:txBody>
+      </p:sp>
+      <p:sp>
+        <p:nvSpPr>
+          <p:cNvPr id="61" name="TextBox 60">
+            <a:extLst>
+              <a:ext uri="{FF2B5EF4-FFF2-40B4-BE49-F238E27FC236}">
+                <a16:creationId xmlns:a16="http://schemas.microsoft.com/office/drawing/2014/main" id="{819C9507-EE61-26E0-708F-C055298B6E23}"/>
+              </a:ext>
+            </a:extLst>
+          </p:cNvPr>
+          <p:cNvSpPr txBox="1"/>
+          <p:nvPr/>
+        </p:nvSpPr>
+        <p:spPr>
+          <a:xfrm>
+            <a:off x="6259488" y="3872742"/>
+            <a:ext cx="760614" cy="369332"/>
+          </a:xfrm>
+          <a:prstGeom prst="rect">
+            <a:avLst/>
+          </a:prstGeom>
+          <a:noFill/>
+        </p:spPr>
+        <p:txBody>
+          <a:bodyPr wrap="square" rtlCol="0">
+            <a:spAutoFit/>
+          </a:bodyPr>
+          <a:lstStyle/>
+          <a:p>
+            <a:r>
+              <a:rPr lang="en-US" dirty="0">
+                <a:solidFill>
+                  <a:schemeClr val="bg1"/>
+                </a:solidFill>
+              </a:rPr>
+              <a:t>x2</a:t>
+            </a:r>
+          </a:p>
+        </p:txBody>
+      </p:sp>
+      <p:sp>
+        <p:nvSpPr>
+          <p:cNvPr id="64" name="TextBox 63">
+            <a:extLst>
+              <a:ext uri="{FF2B5EF4-FFF2-40B4-BE49-F238E27FC236}">
+                <a16:creationId xmlns:a16="http://schemas.microsoft.com/office/drawing/2014/main" id="{5ADEFAFA-FEDE-9D6B-D696-4750E6484204}"/>
+              </a:ext>
+            </a:extLst>
+          </p:cNvPr>
+          <p:cNvSpPr txBox="1"/>
+          <p:nvPr/>
+        </p:nvSpPr>
+        <p:spPr>
+          <a:xfrm>
+            <a:off x="343593" y="348341"/>
+            <a:ext cx="2323408" cy="369332"/>
+          </a:xfrm>
+          <a:prstGeom prst="rect">
+            <a:avLst/>
+          </a:prstGeom>
+        </p:spPr>
+        <p:style>
+          <a:lnRef idx="2">
+            <a:schemeClr val="dk1"/>
+          </a:lnRef>
+          <a:fillRef idx="1">
+            <a:schemeClr val="lt1"/>
+          </a:fillRef>
+          <a:effectRef idx="0">
+            <a:schemeClr val="dk1"/>
+          </a:effectRef>
+          <a:fontRef idx="minor">
+            <a:schemeClr val="dk1"/>
+          </a:fontRef>
+        </p:style>
+        <p:txBody>
+          <a:bodyPr wrap="square" rtlCol="0">
+            <a:spAutoFit/>
+          </a:bodyPr>
+          <a:lstStyle/>
+          <a:p>
+            <a:pPr algn="ctr"/>
+            <a:r>
+              <a:rPr lang="en-US" b="1" dirty="0"/>
+              <a:t>Circuit V1 Option</a:t>
+            </a:r>
+          </a:p>
+        </p:txBody>
+      </p:sp>
     </p:spTree>
     <p:extLst>
       <p:ext uri="{BB962C8B-B14F-4D97-AF65-F5344CB8AC3E}">
-        <p14:creationId xmlns:p14="http://schemas.microsoft.com/office/powerpoint/2010/main" val="289257297"/>
+        <p14:creationId xmlns:p14="http://schemas.microsoft.com/office/powerpoint/2010/main" val="2363091408"/>
       </p:ext>
     </p:extLst>
   </p:cSld>
@@ -4865,6 +8994,862 @@
           <p:cNvPr id="5" name="Picture 4">
             <a:extLst>
               <a:ext uri="{FF2B5EF4-FFF2-40B4-BE49-F238E27FC236}">
+                <a16:creationId xmlns:a16="http://schemas.microsoft.com/office/drawing/2014/main" id="{23E187EA-1F93-2C54-D054-11B48E2D9C3B}"/>
+              </a:ext>
+            </a:extLst>
+          </p:cNvPr>
+          <p:cNvPicPr>
+            <a:picLocks noChangeAspect="1"/>
+          </p:cNvPicPr>
+          <p:nvPr/>
+        </p:nvPicPr>
+        <p:blipFill>
+          <a:blip r:embed="rId2"/>
+          <a:stretch>
+            <a:fillRect/>
+          </a:stretch>
+        </p:blipFill>
+        <p:spPr>
+          <a:xfrm>
+            <a:off x="2161834" y="243564"/>
+            <a:ext cx="7868332" cy="6370872"/>
+          </a:xfrm>
+          <a:prstGeom prst="rect">
+            <a:avLst/>
+          </a:prstGeom>
+        </p:spPr>
+      </p:pic>
+      <p:sp>
+        <p:nvSpPr>
+          <p:cNvPr id="62" name="TextBox 61">
+            <a:extLst>
+              <a:ext uri="{FF2B5EF4-FFF2-40B4-BE49-F238E27FC236}">
+                <a16:creationId xmlns:a16="http://schemas.microsoft.com/office/drawing/2014/main" id="{46FE2B8B-0F33-6450-5FCB-88D01DA4DA59}"/>
+              </a:ext>
+            </a:extLst>
+          </p:cNvPr>
+          <p:cNvSpPr txBox="1"/>
+          <p:nvPr/>
+        </p:nvSpPr>
+        <p:spPr>
+          <a:xfrm>
+            <a:off x="4283826" y="2153391"/>
+            <a:ext cx="1812174" cy="369332"/>
+          </a:xfrm>
+          <a:prstGeom prst="rect">
+            <a:avLst/>
+          </a:prstGeom>
+          <a:noFill/>
+        </p:spPr>
+        <p:txBody>
+          <a:bodyPr wrap="square" rtlCol="0">
+            <a:spAutoFit/>
+          </a:bodyPr>
+          <a:lstStyle/>
+          <a:p>
+            <a:r>
+              <a:rPr lang="en-US" dirty="0"/>
+              <a:t>50 ohm</a:t>
+            </a:r>
+          </a:p>
+        </p:txBody>
+      </p:sp>
+      <p:sp>
+        <p:nvSpPr>
+          <p:cNvPr id="6" name="TextBox 5">
+            <a:extLst>
+              <a:ext uri="{FF2B5EF4-FFF2-40B4-BE49-F238E27FC236}">
+                <a16:creationId xmlns:a16="http://schemas.microsoft.com/office/drawing/2014/main" id="{F6BFDABF-7973-2181-FD9B-055A378D7885}"/>
+              </a:ext>
+            </a:extLst>
+          </p:cNvPr>
+          <p:cNvSpPr txBox="1"/>
+          <p:nvPr/>
+        </p:nvSpPr>
+        <p:spPr>
+          <a:xfrm>
+            <a:off x="7212676" y="2006533"/>
+            <a:ext cx="1005315" cy="369332"/>
+          </a:xfrm>
+          <a:prstGeom prst="rect">
+            <a:avLst/>
+          </a:prstGeom>
+          <a:noFill/>
+        </p:spPr>
+        <p:txBody>
+          <a:bodyPr wrap="square" rtlCol="0">
+            <a:spAutoFit/>
+          </a:bodyPr>
+          <a:lstStyle/>
+          <a:p>
+            <a:r>
+              <a:rPr lang="en-US" dirty="0"/>
+              <a:t>1k ohm</a:t>
+            </a:r>
+          </a:p>
+        </p:txBody>
+      </p:sp>
+      <p:sp>
+        <p:nvSpPr>
+          <p:cNvPr id="7" name="TextBox 6">
+            <a:extLst>
+              <a:ext uri="{FF2B5EF4-FFF2-40B4-BE49-F238E27FC236}">
+                <a16:creationId xmlns:a16="http://schemas.microsoft.com/office/drawing/2014/main" id="{FCB161D0-3DE9-B90D-9E7A-D431AF6FAC5A}"/>
+              </a:ext>
+            </a:extLst>
+          </p:cNvPr>
+          <p:cNvSpPr txBox="1"/>
+          <p:nvPr/>
+        </p:nvSpPr>
+        <p:spPr>
+          <a:xfrm>
+            <a:off x="6306590" y="2010500"/>
+            <a:ext cx="655319" cy="369332"/>
+          </a:xfrm>
+          <a:prstGeom prst="rect">
+            <a:avLst/>
+          </a:prstGeom>
+          <a:noFill/>
+        </p:spPr>
+        <p:txBody>
+          <a:bodyPr wrap="square" rtlCol="0">
+            <a:spAutoFit/>
+          </a:bodyPr>
+          <a:lstStyle/>
+          <a:p>
+            <a:r>
+              <a:rPr lang="en-US" dirty="0"/>
+              <a:t>1 </a:t>
+            </a:r>
+            <a:r>
+              <a:rPr lang="en-US" dirty="0" err="1"/>
+              <a:t>uF</a:t>
+            </a:r>
+            <a:endParaRPr lang="en-US" dirty="0"/>
+          </a:p>
+        </p:txBody>
+      </p:sp>
+      <p:sp>
+        <p:nvSpPr>
+          <p:cNvPr id="8" name="TextBox 7">
+            <a:extLst>
+              <a:ext uri="{FF2B5EF4-FFF2-40B4-BE49-F238E27FC236}">
+                <a16:creationId xmlns:a16="http://schemas.microsoft.com/office/drawing/2014/main" id="{0C47193C-97BD-3C1E-AAAE-7577B00A975F}"/>
+              </a:ext>
+            </a:extLst>
+          </p:cNvPr>
+          <p:cNvSpPr txBox="1"/>
+          <p:nvPr/>
+        </p:nvSpPr>
+        <p:spPr>
+          <a:xfrm>
+            <a:off x="7598786" y="5203104"/>
+            <a:ext cx="857596" cy="369332"/>
+          </a:xfrm>
+          <a:prstGeom prst="rect">
+            <a:avLst/>
+          </a:prstGeom>
+          <a:noFill/>
+        </p:spPr>
+        <p:txBody>
+          <a:bodyPr wrap="square" rtlCol="0">
+            <a:spAutoFit/>
+          </a:bodyPr>
+          <a:lstStyle/>
+          <a:p>
+            <a:r>
+              <a:rPr lang="en-US" dirty="0"/>
+              <a:t>0.1 </a:t>
+            </a:r>
+            <a:r>
+              <a:rPr lang="en-US" dirty="0" err="1"/>
+              <a:t>uF</a:t>
+            </a:r>
+            <a:endParaRPr lang="en-US" dirty="0"/>
+          </a:p>
+        </p:txBody>
+      </p:sp>
+      <p:cxnSp>
+        <p:nvCxnSpPr>
+          <p:cNvPr id="10" name="Straight Arrow Connector 9">
+            <a:extLst>
+              <a:ext uri="{FF2B5EF4-FFF2-40B4-BE49-F238E27FC236}">
+                <a16:creationId xmlns:a16="http://schemas.microsoft.com/office/drawing/2014/main" id="{C0D07B8B-8410-6E07-9E35-44DE3D63901D}"/>
+              </a:ext>
+            </a:extLst>
+          </p:cNvPr>
+          <p:cNvCxnSpPr/>
+          <p:nvPr/>
+        </p:nvCxnSpPr>
+        <p:spPr>
+          <a:xfrm>
+            <a:off x="4887884" y="2460567"/>
+            <a:ext cx="182880" cy="752302"/>
+          </a:xfrm>
+          <a:prstGeom prst="straightConnector1">
+            <a:avLst/>
+          </a:prstGeom>
+          <a:ln>
+            <a:tailEnd type="triangle"/>
+          </a:ln>
+        </p:spPr>
+        <p:style>
+          <a:lnRef idx="2">
+            <a:schemeClr val="accent1"/>
+          </a:lnRef>
+          <a:fillRef idx="0">
+            <a:schemeClr val="accent1"/>
+          </a:fillRef>
+          <a:effectRef idx="1">
+            <a:schemeClr val="accent1"/>
+          </a:effectRef>
+          <a:fontRef idx="minor">
+            <a:schemeClr val="tx1"/>
+          </a:fontRef>
+        </p:style>
+      </p:cxnSp>
+      <p:cxnSp>
+        <p:nvCxnSpPr>
+          <p:cNvPr id="11" name="Straight Arrow Connector 10">
+            <a:extLst>
+              <a:ext uri="{FF2B5EF4-FFF2-40B4-BE49-F238E27FC236}">
+                <a16:creationId xmlns:a16="http://schemas.microsoft.com/office/drawing/2014/main" id="{DA853912-DBCE-BE26-2912-911309400066}"/>
+              </a:ext>
+            </a:extLst>
+          </p:cNvPr>
+          <p:cNvCxnSpPr>
+            <a:cxnSpLocks/>
+          </p:cNvCxnSpPr>
+          <p:nvPr/>
+        </p:nvCxnSpPr>
+        <p:spPr>
+          <a:xfrm flipH="1">
+            <a:off x="6176356" y="2338057"/>
+            <a:ext cx="386542" cy="1485798"/>
+          </a:xfrm>
+          <a:prstGeom prst="straightConnector1">
+            <a:avLst/>
+          </a:prstGeom>
+          <a:ln>
+            <a:tailEnd type="triangle"/>
+          </a:ln>
+        </p:spPr>
+        <p:style>
+          <a:lnRef idx="2">
+            <a:schemeClr val="accent1"/>
+          </a:lnRef>
+          <a:fillRef idx="0">
+            <a:schemeClr val="accent1"/>
+          </a:fillRef>
+          <a:effectRef idx="1">
+            <a:schemeClr val="accent1"/>
+          </a:effectRef>
+          <a:fontRef idx="minor">
+            <a:schemeClr val="tx1"/>
+          </a:fontRef>
+        </p:style>
+      </p:cxnSp>
+      <p:cxnSp>
+        <p:nvCxnSpPr>
+          <p:cNvPr id="13" name="Straight Arrow Connector 12">
+            <a:extLst>
+              <a:ext uri="{FF2B5EF4-FFF2-40B4-BE49-F238E27FC236}">
+                <a16:creationId xmlns:a16="http://schemas.microsoft.com/office/drawing/2014/main" id="{FEE25207-0CF1-28C3-F75E-86F0E79424F6}"/>
+              </a:ext>
+            </a:extLst>
+          </p:cNvPr>
+          <p:cNvCxnSpPr>
+            <a:cxnSpLocks/>
+          </p:cNvCxnSpPr>
+          <p:nvPr/>
+        </p:nvCxnSpPr>
+        <p:spPr>
+          <a:xfrm flipH="1">
+            <a:off x="6400800" y="2297084"/>
+            <a:ext cx="1111134" cy="1717963"/>
+          </a:xfrm>
+          <a:prstGeom prst="straightConnector1">
+            <a:avLst/>
+          </a:prstGeom>
+          <a:ln>
+            <a:tailEnd type="triangle"/>
+          </a:ln>
+        </p:spPr>
+        <p:style>
+          <a:lnRef idx="2">
+            <a:schemeClr val="accent1"/>
+          </a:lnRef>
+          <a:fillRef idx="0">
+            <a:schemeClr val="accent1"/>
+          </a:fillRef>
+          <a:effectRef idx="1">
+            <a:schemeClr val="accent1"/>
+          </a:effectRef>
+          <a:fontRef idx="minor">
+            <a:schemeClr val="tx1"/>
+          </a:fontRef>
+        </p:style>
+      </p:cxnSp>
+      <p:cxnSp>
+        <p:nvCxnSpPr>
+          <p:cNvPr id="15" name="Straight Arrow Connector 14">
+            <a:extLst>
+              <a:ext uri="{FF2B5EF4-FFF2-40B4-BE49-F238E27FC236}">
+                <a16:creationId xmlns:a16="http://schemas.microsoft.com/office/drawing/2014/main" id="{6921D388-FFA9-981B-2B54-09FC5258BEBF}"/>
+              </a:ext>
+            </a:extLst>
+          </p:cNvPr>
+          <p:cNvCxnSpPr>
+            <a:cxnSpLocks/>
+          </p:cNvCxnSpPr>
+          <p:nvPr/>
+        </p:nvCxnSpPr>
+        <p:spPr>
+          <a:xfrm flipH="1" flipV="1">
+            <a:off x="7672647" y="3981796"/>
+            <a:ext cx="233185" cy="1256608"/>
+          </a:xfrm>
+          <a:prstGeom prst="straightConnector1">
+            <a:avLst/>
+          </a:prstGeom>
+          <a:ln>
+            <a:tailEnd type="triangle"/>
+          </a:ln>
+        </p:spPr>
+        <p:style>
+          <a:lnRef idx="2">
+            <a:schemeClr val="accent1"/>
+          </a:lnRef>
+          <a:fillRef idx="0">
+            <a:schemeClr val="accent1"/>
+          </a:fillRef>
+          <a:effectRef idx="1">
+            <a:schemeClr val="accent1"/>
+          </a:effectRef>
+          <a:fontRef idx="minor">
+            <a:schemeClr val="tx1"/>
+          </a:fontRef>
+        </p:style>
+      </p:cxnSp>
+      <p:sp>
+        <p:nvSpPr>
+          <p:cNvPr id="18" name="TextBox 17">
+            <a:extLst>
+              <a:ext uri="{FF2B5EF4-FFF2-40B4-BE49-F238E27FC236}">
+                <a16:creationId xmlns:a16="http://schemas.microsoft.com/office/drawing/2014/main" id="{671B7D1F-1DFF-F0B4-CB85-1F4904EF02D7}"/>
+              </a:ext>
+            </a:extLst>
+          </p:cNvPr>
+          <p:cNvSpPr txBox="1"/>
+          <p:nvPr/>
+        </p:nvSpPr>
+        <p:spPr>
+          <a:xfrm>
+            <a:off x="3426230" y="5203104"/>
+            <a:ext cx="857596" cy="369332"/>
+          </a:xfrm>
+          <a:prstGeom prst="rect">
+            <a:avLst/>
+          </a:prstGeom>
+          <a:noFill/>
+        </p:spPr>
+        <p:txBody>
+          <a:bodyPr wrap="square" rtlCol="0">
+            <a:spAutoFit/>
+          </a:bodyPr>
+          <a:lstStyle/>
+          <a:p>
+            <a:r>
+              <a:rPr lang="en-US" dirty="0"/>
+              <a:t>10 </a:t>
+            </a:r>
+            <a:r>
+              <a:rPr lang="en-US" dirty="0" err="1"/>
+              <a:t>uF</a:t>
+            </a:r>
+            <a:endParaRPr lang="en-US" dirty="0"/>
+          </a:p>
+        </p:txBody>
+      </p:sp>
+      <p:cxnSp>
+        <p:nvCxnSpPr>
+          <p:cNvPr id="19" name="Straight Arrow Connector 18">
+            <a:extLst>
+              <a:ext uri="{FF2B5EF4-FFF2-40B4-BE49-F238E27FC236}">
+                <a16:creationId xmlns:a16="http://schemas.microsoft.com/office/drawing/2014/main" id="{5AE1978B-8F1F-AEC3-5B11-D57362DA4E1E}"/>
+              </a:ext>
+            </a:extLst>
+          </p:cNvPr>
+          <p:cNvCxnSpPr>
+            <a:cxnSpLocks/>
+          </p:cNvCxnSpPr>
+          <p:nvPr/>
+        </p:nvCxnSpPr>
+        <p:spPr>
+          <a:xfrm flipH="1" flipV="1">
+            <a:off x="3494116" y="4803371"/>
+            <a:ext cx="126077" cy="399733"/>
+          </a:xfrm>
+          <a:prstGeom prst="straightConnector1">
+            <a:avLst/>
+          </a:prstGeom>
+          <a:ln>
+            <a:tailEnd type="triangle"/>
+          </a:ln>
+        </p:spPr>
+        <p:style>
+          <a:lnRef idx="2">
+            <a:schemeClr val="accent1"/>
+          </a:lnRef>
+          <a:fillRef idx="0">
+            <a:schemeClr val="accent1"/>
+          </a:fillRef>
+          <a:effectRef idx="1">
+            <a:schemeClr val="accent1"/>
+          </a:effectRef>
+          <a:fontRef idx="minor">
+            <a:schemeClr val="tx1"/>
+          </a:fontRef>
+        </p:style>
+      </p:cxnSp>
+      <p:cxnSp>
+        <p:nvCxnSpPr>
+          <p:cNvPr id="21" name="Straight Arrow Connector 20">
+            <a:extLst>
+              <a:ext uri="{FF2B5EF4-FFF2-40B4-BE49-F238E27FC236}">
+                <a16:creationId xmlns:a16="http://schemas.microsoft.com/office/drawing/2014/main" id="{34B1C2B5-45EA-5807-3710-4D2BB5FB8466}"/>
+              </a:ext>
+            </a:extLst>
+          </p:cNvPr>
+          <p:cNvCxnSpPr>
+            <a:cxnSpLocks/>
+          </p:cNvCxnSpPr>
+          <p:nvPr/>
+        </p:nvCxnSpPr>
+        <p:spPr>
+          <a:xfrm flipV="1">
+            <a:off x="3952009" y="4850476"/>
+            <a:ext cx="299951" cy="446839"/>
+          </a:xfrm>
+          <a:prstGeom prst="straightConnector1">
+            <a:avLst/>
+          </a:prstGeom>
+          <a:ln>
+            <a:tailEnd type="triangle"/>
+          </a:ln>
+        </p:spPr>
+        <p:style>
+          <a:lnRef idx="2">
+            <a:schemeClr val="accent1"/>
+          </a:lnRef>
+          <a:fillRef idx="0">
+            <a:schemeClr val="accent1"/>
+          </a:fillRef>
+          <a:effectRef idx="1">
+            <a:schemeClr val="accent1"/>
+          </a:effectRef>
+          <a:fontRef idx="minor">
+            <a:schemeClr val="tx1"/>
+          </a:fontRef>
+        </p:style>
+      </p:cxnSp>
+      <p:sp>
+        <p:nvSpPr>
+          <p:cNvPr id="23" name="TextBox 22">
+            <a:extLst>
+              <a:ext uri="{FF2B5EF4-FFF2-40B4-BE49-F238E27FC236}">
+                <a16:creationId xmlns:a16="http://schemas.microsoft.com/office/drawing/2014/main" id="{2D3A4D55-6CE8-540F-DC91-B116D99EB691}"/>
+              </a:ext>
+            </a:extLst>
+          </p:cNvPr>
+          <p:cNvSpPr txBox="1"/>
+          <p:nvPr/>
+        </p:nvSpPr>
+        <p:spPr>
+          <a:xfrm>
+            <a:off x="1633451" y="3429000"/>
+            <a:ext cx="1580804" cy="923330"/>
+          </a:xfrm>
+          <a:prstGeom prst="rect">
+            <a:avLst/>
+          </a:prstGeom>
+          <a:noFill/>
+        </p:spPr>
+        <p:txBody>
+          <a:bodyPr wrap="square" rtlCol="0">
+            <a:spAutoFit/>
+          </a:bodyPr>
+          <a:lstStyle/>
+          <a:p>
+            <a:r>
+              <a:rPr lang="en-US" dirty="0"/>
+              <a:t>LVR 3.3 V from 5V Arduino Uno</a:t>
+            </a:r>
+          </a:p>
+        </p:txBody>
+      </p:sp>
+      <p:cxnSp>
+        <p:nvCxnSpPr>
+          <p:cNvPr id="24" name="Straight Arrow Connector 23">
+            <a:extLst>
+              <a:ext uri="{FF2B5EF4-FFF2-40B4-BE49-F238E27FC236}">
+                <a16:creationId xmlns:a16="http://schemas.microsoft.com/office/drawing/2014/main" id="{C9580391-6D46-5663-FB5E-E69A31C1D705}"/>
+              </a:ext>
+            </a:extLst>
+          </p:cNvPr>
+          <p:cNvCxnSpPr>
+            <a:cxnSpLocks/>
+          </p:cNvCxnSpPr>
+          <p:nvPr/>
+        </p:nvCxnSpPr>
+        <p:spPr>
+          <a:xfrm flipV="1">
+            <a:off x="2707871" y="3890665"/>
+            <a:ext cx="1244138" cy="124382"/>
+          </a:xfrm>
+          <a:prstGeom prst="straightConnector1">
+            <a:avLst/>
+          </a:prstGeom>
+          <a:ln>
+            <a:tailEnd type="triangle"/>
+          </a:ln>
+        </p:spPr>
+        <p:style>
+          <a:lnRef idx="2">
+            <a:schemeClr val="accent1"/>
+          </a:lnRef>
+          <a:fillRef idx="0">
+            <a:schemeClr val="accent1"/>
+          </a:fillRef>
+          <a:effectRef idx="1">
+            <a:schemeClr val="accent1"/>
+          </a:effectRef>
+          <a:fontRef idx="minor">
+            <a:schemeClr val="tx1"/>
+          </a:fontRef>
+        </p:style>
+      </p:cxnSp>
+    </p:spTree>
+    <p:extLst>
+      <p:ext uri="{BB962C8B-B14F-4D97-AF65-F5344CB8AC3E}">
+        <p14:creationId xmlns:p14="http://schemas.microsoft.com/office/powerpoint/2010/main" val="936320411"/>
+      </p:ext>
+    </p:extLst>
+  </p:cSld>
+  <p:clrMapOvr>
+    <a:masterClrMapping/>
+  </p:clrMapOvr>
+</p:sld>
+</file>
+
+<file path=ppt/slides/slide7.xml><?xml version="1.0" encoding="utf-8"?>
+<p:sld xmlns:a="http://schemas.openxmlformats.org/drawingml/2006/main" xmlns:r="http://schemas.openxmlformats.org/officeDocument/2006/relationships" xmlns:p="http://schemas.openxmlformats.org/presentationml/2006/main">
+  <p:cSld>
+    <p:spTree>
+      <p:nvGrpSpPr>
+        <p:cNvPr id="1" name="">
+          <a:extLst>
+            <a:ext uri="{FF2B5EF4-FFF2-40B4-BE49-F238E27FC236}">
+              <a16:creationId xmlns:a16="http://schemas.microsoft.com/office/drawing/2014/main" id="{5FD8E3B2-E5F5-5711-234D-F8502C2437E4}"/>
+            </a:ext>
+          </a:extLst>
+        </p:cNvPr>
+        <p:cNvGrpSpPr/>
+        <p:nvPr/>
+      </p:nvGrpSpPr>
+      <p:grpSpPr>
+        <a:xfrm>
+          <a:off x="0" y="0"/>
+          <a:ext cx="0" cy="0"/>
+          <a:chOff x="0" y="0"/>
+          <a:chExt cx="0" cy="0"/>
+        </a:xfrm>
+      </p:grpSpPr>
+      <p:pic>
+        <p:nvPicPr>
+          <p:cNvPr id="6" name="Picture 5">
+            <a:extLst>
+              <a:ext uri="{FF2B5EF4-FFF2-40B4-BE49-F238E27FC236}">
+                <a16:creationId xmlns:a16="http://schemas.microsoft.com/office/drawing/2014/main" id="{9D3D0A59-218C-3596-0063-20B469CA1C48}"/>
+              </a:ext>
+            </a:extLst>
+          </p:cNvPr>
+          <p:cNvPicPr>
+            <a:picLocks noChangeAspect="1"/>
+          </p:cNvPicPr>
+          <p:nvPr/>
+        </p:nvPicPr>
+        <p:blipFill>
+          <a:blip r:embed="rId2"/>
+          <a:stretch>
+            <a:fillRect/>
+          </a:stretch>
+        </p:blipFill>
+        <p:spPr>
+          <a:xfrm>
+            <a:off x="459240" y="1317565"/>
+            <a:ext cx="4099062" cy="5189003"/>
+          </a:xfrm>
+          <a:prstGeom prst="rect">
+            <a:avLst/>
+          </a:prstGeom>
+        </p:spPr>
+      </p:pic>
+      <p:sp>
+        <p:nvSpPr>
+          <p:cNvPr id="10" name="TextBox 9">
+            <a:extLst>
+              <a:ext uri="{FF2B5EF4-FFF2-40B4-BE49-F238E27FC236}">
+                <a16:creationId xmlns:a16="http://schemas.microsoft.com/office/drawing/2014/main" id="{222041F2-67CC-5538-03EE-B6E2E3EAFF81}"/>
+              </a:ext>
+            </a:extLst>
+          </p:cNvPr>
+          <p:cNvSpPr txBox="1"/>
+          <p:nvPr/>
+        </p:nvSpPr>
+        <p:spPr>
+          <a:xfrm>
+            <a:off x="939102" y="234334"/>
+            <a:ext cx="3541888" cy="923330"/>
+          </a:xfrm>
+          <a:prstGeom prst="rect">
+            <a:avLst/>
+          </a:prstGeom>
+          <a:noFill/>
+        </p:spPr>
+        <p:txBody>
+          <a:bodyPr wrap="square" rtlCol="0">
+            <a:spAutoFit/>
+          </a:bodyPr>
+          <a:lstStyle/>
+          <a:p>
+            <a:r>
+              <a:rPr lang="en-US" b="1" dirty="0">
+                <a:solidFill>
+                  <a:srgbClr val="FF0000"/>
+                </a:solidFill>
+              </a:rPr>
+              <a:t>3.3V source from LVR and 2 x 10uF Caps</a:t>
+            </a:r>
+            <a:r>
+              <a:rPr lang="en-US" b="1" dirty="0"/>
+              <a:t>, 16 bit enc, 8x ADC gain, 50 ohm div</a:t>
+            </a:r>
+          </a:p>
+        </p:txBody>
+      </p:sp>
+      <p:sp>
+        <p:nvSpPr>
+          <p:cNvPr id="13" name="Rectangle 12">
+            <a:extLst>
+              <a:ext uri="{FF2B5EF4-FFF2-40B4-BE49-F238E27FC236}">
+                <a16:creationId xmlns:a16="http://schemas.microsoft.com/office/drawing/2014/main" id="{22C63E94-D092-C650-9D76-1E9A4B0C73C7}"/>
+              </a:ext>
+            </a:extLst>
+          </p:cNvPr>
+          <p:cNvSpPr/>
+          <p:nvPr/>
+        </p:nvSpPr>
+        <p:spPr>
+          <a:xfrm>
+            <a:off x="3096784" y="4624455"/>
+            <a:ext cx="415636" cy="1911927"/>
+          </a:xfrm>
+          <a:prstGeom prst="rect">
+            <a:avLst/>
+          </a:prstGeom>
+          <a:noFill/>
+          <a:ln>
+            <a:solidFill>
+              <a:srgbClr val="FF0000"/>
+            </a:solidFill>
+          </a:ln>
+        </p:spPr>
+        <p:style>
+          <a:lnRef idx="2">
+            <a:schemeClr val="accent1">
+              <a:shade val="15000"/>
+            </a:schemeClr>
+          </a:lnRef>
+          <a:fillRef idx="1">
+            <a:schemeClr val="accent1"/>
+          </a:fillRef>
+          <a:effectRef idx="0">
+            <a:schemeClr val="accent1"/>
+          </a:effectRef>
+          <a:fontRef idx="minor">
+            <a:schemeClr val="lt1"/>
+          </a:fontRef>
+        </p:style>
+        <p:txBody>
+          <a:bodyPr rtlCol="0" anchor="ctr"/>
+          <a:lstStyle/>
+          <a:p>
+            <a:pPr algn="ctr"/>
+            <a:endParaRPr lang="en-US"/>
+          </a:p>
+        </p:txBody>
+      </p:sp>
+      <p:sp>
+        <p:nvSpPr>
+          <p:cNvPr id="2" name="TextBox 1">
+            <a:extLst>
+              <a:ext uri="{FF2B5EF4-FFF2-40B4-BE49-F238E27FC236}">
+                <a16:creationId xmlns:a16="http://schemas.microsoft.com/office/drawing/2014/main" id="{46CCF047-999B-E766-4207-6F3532811F8E}"/>
+              </a:ext>
+            </a:extLst>
+          </p:cNvPr>
+          <p:cNvSpPr txBox="1"/>
+          <p:nvPr/>
+        </p:nvSpPr>
+        <p:spPr>
+          <a:xfrm>
+            <a:off x="5792349" y="117236"/>
+            <a:ext cx="5512960" cy="1200329"/>
+          </a:xfrm>
+          <a:prstGeom prst="rect">
+            <a:avLst/>
+          </a:prstGeom>
+          <a:noFill/>
+        </p:spPr>
+        <p:txBody>
+          <a:bodyPr wrap="square" rtlCol="0">
+            <a:spAutoFit/>
+          </a:bodyPr>
+          <a:lstStyle/>
+          <a:p>
+            <a:r>
+              <a:rPr lang="en-US" b="1" dirty="0">
+                <a:solidFill>
+                  <a:srgbClr val="FF0000"/>
+                </a:solidFill>
+              </a:rPr>
+              <a:t>3.3V source from LVR and 2 x 10uF Caps</a:t>
+            </a:r>
+            <a:r>
+              <a:rPr lang="en-US" b="1" dirty="0"/>
+              <a:t>, 16 bit enc, 2x ADC gain (using diff input), 76x gain from LMC6482 (across gauge), 50 ohm div with 0.4 ohm strain gauge (see circuit)</a:t>
+            </a:r>
+          </a:p>
+        </p:txBody>
+      </p:sp>
+      <p:pic>
+        <p:nvPicPr>
+          <p:cNvPr id="5" name="Picture 4">
+            <a:extLst>
+              <a:ext uri="{FF2B5EF4-FFF2-40B4-BE49-F238E27FC236}">
+                <a16:creationId xmlns:a16="http://schemas.microsoft.com/office/drawing/2014/main" id="{7FD6E26B-2EE5-D52C-1187-6A19ED75A7FB}"/>
+              </a:ext>
+            </a:extLst>
+          </p:cNvPr>
+          <p:cNvPicPr>
+            <a:picLocks noChangeAspect="1"/>
+          </p:cNvPicPr>
+          <p:nvPr/>
+        </p:nvPicPr>
+        <p:blipFill>
+          <a:blip r:embed="rId3"/>
+          <a:stretch>
+            <a:fillRect/>
+          </a:stretch>
+        </p:blipFill>
+        <p:spPr>
+          <a:xfrm>
+            <a:off x="6292863" y="1317565"/>
+            <a:ext cx="3927636" cy="5114917"/>
+          </a:xfrm>
+          <a:prstGeom prst="rect">
+            <a:avLst/>
+          </a:prstGeom>
+        </p:spPr>
+      </p:pic>
+      <p:sp>
+        <p:nvSpPr>
+          <p:cNvPr id="7" name="Rectangle 6">
+            <a:extLst>
+              <a:ext uri="{FF2B5EF4-FFF2-40B4-BE49-F238E27FC236}">
+                <a16:creationId xmlns:a16="http://schemas.microsoft.com/office/drawing/2014/main" id="{D76A7EDB-7D75-6EF0-618A-F6FA99A6A4E2}"/>
+              </a:ext>
+            </a:extLst>
+          </p:cNvPr>
+          <p:cNvSpPr/>
+          <p:nvPr/>
+        </p:nvSpPr>
+        <p:spPr>
+          <a:xfrm>
+            <a:off x="9001591" y="4584471"/>
+            <a:ext cx="415636" cy="1911927"/>
+          </a:xfrm>
+          <a:prstGeom prst="rect">
+            <a:avLst/>
+          </a:prstGeom>
+          <a:noFill/>
+          <a:ln>
+            <a:solidFill>
+              <a:srgbClr val="FF0000"/>
+            </a:solidFill>
+          </a:ln>
+        </p:spPr>
+        <p:style>
+          <a:lnRef idx="2">
+            <a:schemeClr val="accent1">
+              <a:shade val="15000"/>
+            </a:schemeClr>
+          </a:lnRef>
+          <a:fillRef idx="1">
+            <a:schemeClr val="accent1"/>
+          </a:fillRef>
+          <a:effectRef idx="0">
+            <a:schemeClr val="accent1"/>
+          </a:effectRef>
+          <a:fontRef idx="minor">
+            <a:schemeClr val="lt1"/>
+          </a:fontRef>
+        </p:style>
+        <p:txBody>
+          <a:bodyPr rtlCol="0" anchor="ctr"/>
+          <a:lstStyle/>
+          <a:p>
+            <a:pPr algn="ctr"/>
+            <a:endParaRPr lang="en-US"/>
+          </a:p>
+        </p:txBody>
+      </p:sp>
+    </p:spTree>
+    <p:extLst>
+      <p:ext uri="{BB962C8B-B14F-4D97-AF65-F5344CB8AC3E}">
+        <p14:creationId xmlns:p14="http://schemas.microsoft.com/office/powerpoint/2010/main" val="289257297"/>
+      </p:ext>
+    </p:extLst>
+  </p:cSld>
+  <p:clrMapOvr>
+    <a:masterClrMapping/>
+  </p:clrMapOvr>
+</p:sld>
+</file>
+
+<file path=ppt/slides/slide8.xml><?xml version="1.0" encoding="utf-8"?>
+<p:sld xmlns:a="http://schemas.openxmlformats.org/drawingml/2006/main" xmlns:r="http://schemas.openxmlformats.org/officeDocument/2006/relationships" xmlns:p="http://schemas.openxmlformats.org/presentationml/2006/main">
+  <p:cSld>
+    <p:spTree>
+      <p:nvGrpSpPr>
+        <p:cNvPr id="1" name=""/>
+        <p:cNvGrpSpPr/>
+        <p:nvPr/>
+      </p:nvGrpSpPr>
+      <p:grpSpPr>
+        <a:xfrm>
+          <a:off x="0" y="0"/>
+          <a:ext cx="0" cy="0"/>
+          <a:chOff x="0" y="0"/>
+          <a:chExt cx="0" cy="0"/>
+        </a:xfrm>
+      </p:grpSpPr>
+      <p:pic>
+        <p:nvPicPr>
+          <p:cNvPr id="5" name="Picture 4">
+            <a:extLst>
+              <a:ext uri="{FF2B5EF4-FFF2-40B4-BE49-F238E27FC236}">
                 <a16:creationId xmlns:a16="http://schemas.microsoft.com/office/drawing/2014/main" id="{3A82C5BC-9EFD-3BDB-825A-E503E88F76F2}"/>
               </a:ext>
             </a:extLst>
@@ -4955,7 +9940,7 @@
 </p:sld>
 </file>
 
-<file path=ppt/slides/slide7.xml><?xml version="1.0" encoding="utf-8"?>
+<file path=ppt/slides/slide9.xml><?xml version="1.0" encoding="utf-8"?>
 <p:sld xmlns:a="http://schemas.openxmlformats.org/drawingml/2006/main" xmlns:r="http://schemas.openxmlformats.org/officeDocument/2006/relationships" xmlns:p="http://schemas.openxmlformats.org/presentationml/2006/main">
   <p:cSld>
     <p:spTree>

--- a/kinematic presentations/3_27_25.pptx
+++ b/kinematic presentations/3_27_25.pptx
@@ -9,13 +9,14 @@
     <p:sldId id="257" r:id="rId3"/>
     <p:sldId id="258" r:id="rId4"/>
     <p:sldId id="259" r:id="rId5"/>
-    <p:sldId id="264" r:id="rId6"/>
-    <p:sldId id="263" r:id="rId7"/>
-    <p:sldId id="260" r:id="rId8"/>
-    <p:sldId id="261" r:id="rId9"/>
-    <p:sldId id="262" r:id="rId10"/>
-    <p:sldId id="267" r:id="rId11"/>
-    <p:sldId id="266" r:id="rId12"/>
+    <p:sldId id="268" r:id="rId6"/>
+    <p:sldId id="264" r:id="rId7"/>
+    <p:sldId id="263" r:id="rId8"/>
+    <p:sldId id="269" r:id="rId9"/>
+    <p:sldId id="260" r:id="rId10"/>
+    <p:sldId id="261" r:id="rId11"/>
+    <p:sldId id="262" r:id="rId12"/>
+    <p:sldId id="267" r:id="rId13"/>
   </p:sldIdLst>
   <p:sldSz cx="12192000" cy="6858000"/>
   <p:notesSz cx="6858000" cy="9144000"/>
@@ -125,7 +126,7 @@
 <file path=ppt/revisionInfo.xml><?xml version="1.0" encoding="utf-8"?>
 <p1510:revInfo xmlns:a="http://schemas.openxmlformats.org/drawingml/2006/main" xmlns:r="http://schemas.openxmlformats.org/officeDocument/2006/relationships" xmlns:p1510="http://schemas.microsoft.com/office/powerpoint/2015/10/main">
   <p1510:revLst>
-    <p1510:client id="{B038CA70-2003-4CAB-A470-D5763C6E48CF}" v="59" dt="2025-04-09T16:12:17.222"/>
+    <p1510:client id="{B038CA70-2003-4CAB-A470-D5763C6E48CF}" v="64" dt="2025-04-09T17:25:35.488"/>
   </p1510:revLst>
 </p1510:revInfo>
 </file>
@@ -135,7 +136,7 @@
   <pc:docChgLst>
     <pc:chgData name="Oppenheim, Tomas" userId="7bbdd6b4-1f3d-4fdd-ac21-d8c716941374" providerId="ADAL" clId="{B038CA70-2003-4CAB-A470-D5763C6E48CF}"/>
     <pc:docChg chg="undo custSel addSld delSld modSld sldOrd">
-      <pc:chgData name="Oppenheim, Tomas" userId="7bbdd6b4-1f3d-4fdd-ac21-d8c716941374" providerId="ADAL" clId="{B038CA70-2003-4CAB-A470-D5763C6E48CF}" dt="2025-04-09T16:39:36.576" v="1479" actId="113"/>
+      <pc:chgData name="Oppenheim, Tomas" userId="7bbdd6b4-1f3d-4fdd-ac21-d8c716941374" providerId="ADAL" clId="{B038CA70-2003-4CAB-A470-D5763C6E48CF}" dt="2025-04-09T17:25:35.487" v="2009"/>
       <pc:docMkLst>
         <pc:docMk/>
       </pc:docMkLst>
@@ -471,7 +472,7 @@
         </pc:cxnChg>
       </pc:sldChg>
       <pc:sldChg chg="addSp delSp modSp add mod">
-        <pc:chgData name="Oppenheim, Tomas" userId="7bbdd6b4-1f3d-4fdd-ac21-d8c716941374" providerId="ADAL" clId="{B038CA70-2003-4CAB-A470-D5763C6E48CF}" dt="2025-04-09T16:35:07.327" v="1429" actId="1037"/>
+        <pc:chgData name="Oppenheim, Tomas" userId="7bbdd6b4-1f3d-4fdd-ac21-d8c716941374" providerId="ADAL" clId="{B038CA70-2003-4CAB-A470-D5763C6E48CF}" dt="2025-04-09T17:15:50.376" v="1949" actId="20577"/>
         <pc:sldMkLst>
           <pc:docMk/>
           <pc:sldMk cId="2363091408" sldId="264"/>
@@ -573,7 +574,7 @@
           </ac:spMkLst>
         </pc:spChg>
         <pc:spChg chg="add mod">
-          <ac:chgData name="Oppenheim, Tomas" userId="7bbdd6b4-1f3d-4fdd-ac21-d8c716941374" providerId="ADAL" clId="{B038CA70-2003-4CAB-A470-D5763C6E48CF}" dt="2025-04-09T14:46:18.272" v="799" actId="20577"/>
+          <ac:chgData name="Oppenheim, Tomas" userId="7bbdd6b4-1f3d-4fdd-ac21-d8c716941374" providerId="ADAL" clId="{B038CA70-2003-4CAB-A470-D5763C6E48CF}" dt="2025-04-09T17:15:50.376" v="1949" actId="20577"/>
           <ac:spMkLst>
             <pc:docMk/>
             <pc:sldMk cId="2363091408" sldId="264"/>
@@ -828,8 +829,8 @@
           </ac:spMkLst>
         </pc:spChg>
       </pc:sldChg>
-      <pc:sldChg chg="addSp delSp modSp add mod ord">
-        <pc:chgData name="Oppenheim, Tomas" userId="7bbdd6b4-1f3d-4fdd-ac21-d8c716941374" providerId="ADAL" clId="{B038CA70-2003-4CAB-A470-D5763C6E48CF}" dt="2025-04-09T16:34:12.469" v="1418" actId="5793"/>
+      <pc:sldChg chg="addSp delSp modSp add del mod ord">
+        <pc:chgData name="Oppenheim, Tomas" userId="7bbdd6b4-1f3d-4fdd-ac21-d8c716941374" providerId="ADAL" clId="{B038CA70-2003-4CAB-A470-D5763C6E48CF}" dt="2025-04-09T16:56:36.907" v="1811" actId="47"/>
         <pc:sldMkLst>
           <pc:docMk/>
           <pc:sldMk cId="4042252160" sldId="266"/>
@@ -1075,12 +1076,20 @@
           </ac:cxnSpMkLst>
         </pc:cxnChg>
       </pc:sldChg>
-      <pc:sldChg chg="delSp modSp add mod ord">
-        <pc:chgData name="Oppenheim, Tomas" userId="7bbdd6b4-1f3d-4fdd-ac21-d8c716941374" providerId="ADAL" clId="{B038CA70-2003-4CAB-A470-D5763C6E48CF}" dt="2025-04-09T16:39:36.576" v="1479" actId="113"/>
+      <pc:sldChg chg="addSp delSp modSp add mod ord">
+        <pc:chgData name="Oppenheim, Tomas" userId="7bbdd6b4-1f3d-4fdd-ac21-d8c716941374" providerId="ADAL" clId="{B038CA70-2003-4CAB-A470-D5763C6E48CF}" dt="2025-04-09T17:25:35.487" v="2009"/>
         <pc:sldMkLst>
           <pc:docMk/>
           <pc:sldMk cId="1026151410" sldId="267"/>
         </pc:sldMkLst>
+        <pc:spChg chg="add mod">
+          <ac:chgData name="Oppenheim, Tomas" userId="7bbdd6b4-1f3d-4fdd-ac21-d8c716941374" providerId="ADAL" clId="{B038CA70-2003-4CAB-A470-D5763C6E48CF}" dt="2025-04-09T17:06:52.360" v="1856" actId="207"/>
+          <ac:spMkLst>
+            <pc:docMk/>
+            <pc:sldMk cId="1026151410" sldId="267"/>
+            <ac:spMk id="2" creationId="{094C6B4D-18DA-C57F-2D03-EE92DE5FD2A4}"/>
+          </ac:spMkLst>
+        </pc:spChg>
         <pc:spChg chg="del">
           <ac:chgData name="Oppenheim, Tomas" userId="7bbdd6b4-1f3d-4fdd-ac21-d8c716941374" providerId="ADAL" clId="{B038CA70-2003-4CAB-A470-D5763C6E48CF}" dt="2025-04-09T16:17:09.644" v="1336" actId="478"/>
           <ac:spMkLst>
@@ -1097,6 +1106,22 @@
             <ac:spMk id="3" creationId="{B9BC53B0-87B0-DA29-C2EC-2B7FBB5E6085}"/>
           </ac:spMkLst>
         </pc:spChg>
+        <pc:spChg chg="add mod">
+          <ac:chgData name="Oppenheim, Tomas" userId="7bbdd6b4-1f3d-4fdd-ac21-d8c716941374" providerId="ADAL" clId="{B038CA70-2003-4CAB-A470-D5763C6E48CF}" dt="2025-04-09T17:07:31.027" v="1874" actId="1076"/>
+          <ac:spMkLst>
+            <pc:docMk/>
+            <pc:sldMk cId="1026151410" sldId="267"/>
+            <ac:spMk id="3" creationId="{EE7F8371-5F2B-2A02-CF2A-E348CD4E85B8}"/>
+          </ac:spMkLst>
+        </pc:spChg>
+        <pc:spChg chg="add mod">
+          <ac:chgData name="Oppenheim, Tomas" userId="7bbdd6b4-1f3d-4fdd-ac21-d8c716941374" providerId="ADAL" clId="{B038CA70-2003-4CAB-A470-D5763C6E48CF}" dt="2025-04-09T17:25:35.487" v="2009"/>
+          <ac:spMkLst>
+            <pc:docMk/>
+            <pc:sldMk cId="1026151410" sldId="267"/>
+            <ac:spMk id="5" creationId="{CD1D3FA3-5DEB-6D8E-E17C-64AA99CF3582}"/>
+          </ac:spMkLst>
+        </pc:spChg>
         <pc:spChg chg="mod">
           <ac:chgData name="Oppenheim, Tomas" userId="7bbdd6b4-1f3d-4fdd-ac21-d8c716941374" providerId="ADAL" clId="{B038CA70-2003-4CAB-A470-D5763C6E48CF}" dt="2025-04-09T16:18:54.825" v="1342" actId="113"/>
           <ac:spMkLst>
@@ -1122,7 +1147,7 @@
           </ac:spMkLst>
         </pc:spChg>
         <pc:spChg chg="mod">
-          <ac:chgData name="Oppenheim, Tomas" userId="7bbdd6b4-1f3d-4fdd-ac21-d8c716941374" providerId="ADAL" clId="{B038CA70-2003-4CAB-A470-D5763C6E48CF}" dt="2025-04-09T16:17:16.646" v="1338" actId="1076"/>
+          <ac:chgData name="Oppenheim, Tomas" userId="7bbdd6b4-1f3d-4fdd-ac21-d8c716941374" providerId="ADAL" clId="{B038CA70-2003-4CAB-A470-D5763C6E48CF}" dt="2025-04-09T17:06:29.771" v="1852" actId="1038"/>
           <ac:spMkLst>
             <pc:docMk/>
             <pc:sldMk cId="1026151410" sldId="267"/>
@@ -1130,7 +1155,7 @@
           </ac:spMkLst>
         </pc:spChg>
         <pc:spChg chg="mod">
-          <ac:chgData name="Oppenheim, Tomas" userId="7bbdd6b4-1f3d-4fdd-ac21-d8c716941374" providerId="ADAL" clId="{B038CA70-2003-4CAB-A470-D5763C6E48CF}" dt="2025-04-09T16:25:26.748" v="1398" actId="20577"/>
+          <ac:chgData name="Oppenheim, Tomas" userId="7bbdd6b4-1f3d-4fdd-ac21-d8c716941374" providerId="ADAL" clId="{B038CA70-2003-4CAB-A470-D5763C6E48CF}" dt="2025-04-09T17:07:43.831" v="1883" actId="1076"/>
           <ac:spMkLst>
             <pc:docMk/>
             <pc:sldMk cId="1026151410" sldId="267"/>
@@ -1138,7 +1163,7 @@
           </ac:spMkLst>
         </pc:spChg>
         <pc:spChg chg="mod">
-          <ac:chgData name="Oppenheim, Tomas" userId="7bbdd6b4-1f3d-4fdd-ac21-d8c716941374" providerId="ADAL" clId="{B038CA70-2003-4CAB-A470-D5763C6E48CF}" dt="2025-04-09T16:39:36.576" v="1479" actId="113"/>
+          <ac:chgData name="Oppenheim, Tomas" userId="7bbdd6b4-1f3d-4fdd-ac21-d8c716941374" providerId="ADAL" clId="{B038CA70-2003-4CAB-A470-D5763C6E48CF}" dt="2025-04-09T17:07:48.247" v="1886" actId="20577"/>
           <ac:spMkLst>
             <pc:docMk/>
             <pc:sldMk cId="1026151410" sldId="267"/>
@@ -1154,7 +1179,7 @@
           </ac:spMkLst>
         </pc:spChg>
         <pc:spChg chg="mod">
-          <ac:chgData name="Oppenheim, Tomas" userId="7bbdd6b4-1f3d-4fdd-ac21-d8c716941374" providerId="ADAL" clId="{B038CA70-2003-4CAB-A470-D5763C6E48CF}" dt="2025-04-09T16:26:33.356" v="1407" actId="113"/>
+          <ac:chgData name="Oppenheim, Tomas" userId="7bbdd6b4-1f3d-4fdd-ac21-d8c716941374" providerId="ADAL" clId="{B038CA70-2003-4CAB-A470-D5763C6E48CF}" dt="2025-04-09T17:08:41.041" v="1911" actId="1076"/>
           <ac:spMkLst>
             <pc:docMk/>
             <pc:sldMk cId="1026151410" sldId="267"/>
@@ -1162,13 +1187,51 @@
           </ac:spMkLst>
         </pc:spChg>
         <pc:cxnChg chg="mod">
-          <ac:chgData name="Oppenheim, Tomas" userId="7bbdd6b4-1f3d-4fdd-ac21-d8c716941374" providerId="ADAL" clId="{B038CA70-2003-4CAB-A470-D5763C6E48CF}" dt="2025-04-09T16:17:20.741" v="1339" actId="1076"/>
+          <ac:chgData name="Oppenheim, Tomas" userId="7bbdd6b4-1f3d-4fdd-ac21-d8c716941374" providerId="ADAL" clId="{B038CA70-2003-4CAB-A470-D5763C6E48CF}" dt="2025-04-09T17:06:29.771" v="1852" actId="1038"/>
           <ac:cxnSpMkLst>
             <pc:docMk/>
             <pc:sldMk cId="1026151410" sldId="267"/>
             <ac:cxnSpMk id="11" creationId="{CD7D4417-EB84-E22F-FAEF-3CCB77E638A8}"/>
           </ac:cxnSpMkLst>
         </pc:cxnChg>
+      </pc:sldChg>
+      <pc:sldChg chg="modSp new mod">
+        <pc:chgData name="Oppenheim, Tomas" userId="7bbdd6b4-1f3d-4fdd-ac21-d8c716941374" providerId="ADAL" clId="{B038CA70-2003-4CAB-A470-D5763C6E48CF}" dt="2025-04-09T16:54:29.920" v="1810" actId="20577"/>
+        <pc:sldMkLst>
+          <pc:docMk/>
+          <pc:sldMk cId="2405952199" sldId="268"/>
+        </pc:sldMkLst>
+        <pc:spChg chg="mod">
+          <ac:chgData name="Oppenheim, Tomas" userId="7bbdd6b4-1f3d-4fdd-ac21-d8c716941374" providerId="ADAL" clId="{B038CA70-2003-4CAB-A470-D5763C6E48CF}" dt="2025-04-09T16:52:47.493" v="1748"/>
+          <ac:spMkLst>
+            <pc:docMk/>
+            <pc:sldMk cId="2405952199" sldId="268"/>
+            <ac:spMk id="2" creationId="{E3589C67-237F-9499-704E-879E4630E271}"/>
+          </ac:spMkLst>
+        </pc:spChg>
+        <pc:spChg chg="mod">
+          <ac:chgData name="Oppenheim, Tomas" userId="7bbdd6b4-1f3d-4fdd-ac21-d8c716941374" providerId="ADAL" clId="{B038CA70-2003-4CAB-A470-D5763C6E48CF}" dt="2025-04-09T16:54:29.920" v="1810" actId="20577"/>
+          <ac:spMkLst>
+            <pc:docMk/>
+            <pc:sldMk cId="2405952199" sldId="268"/>
+            <ac:spMk id="3" creationId="{4B7A9842-BD96-BC3E-B182-6D6E1A180B04}"/>
+          </ac:spMkLst>
+        </pc:spChg>
+      </pc:sldChg>
+      <pc:sldChg chg="addSp modSp add mod">
+        <pc:chgData name="Oppenheim, Tomas" userId="7bbdd6b4-1f3d-4fdd-ac21-d8c716941374" providerId="ADAL" clId="{B038CA70-2003-4CAB-A470-D5763C6E48CF}" dt="2025-04-09T17:20:08.740" v="2008" actId="20577"/>
+        <pc:sldMkLst>
+          <pc:docMk/>
+          <pc:sldMk cId="3693646682" sldId="269"/>
+        </pc:sldMkLst>
+        <pc:spChg chg="add mod">
+          <ac:chgData name="Oppenheim, Tomas" userId="7bbdd6b4-1f3d-4fdd-ac21-d8c716941374" providerId="ADAL" clId="{B038CA70-2003-4CAB-A470-D5763C6E48CF}" dt="2025-04-09T17:20:08.740" v="2008" actId="20577"/>
+          <ac:spMkLst>
+            <pc:docMk/>
+            <pc:sldMk cId="3693646682" sldId="269"/>
+            <ac:spMk id="5" creationId="{D22FB1FB-EF49-186C-06A0-9F5AC155AEC4}"/>
+          </ac:spMkLst>
+        </pc:spChg>
       </pc:sldChg>
     </pc:docChg>
   </pc:docChgLst>
@@ -4470,6 +4533,178 @@
   <p:cSld>
     <p:spTree>
       <p:nvGrpSpPr>
+        <p:cNvPr id="1" name=""/>
+        <p:cNvGrpSpPr/>
+        <p:nvPr/>
+      </p:nvGrpSpPr>
+      <p:grpSpPr>
+        <a:xfrm>
+          <a:off x="0" y="0"/>
+          <a:ext cx="0" cy="0"/>
+          <a:chOff x="0" y="0"/>
+          <a:chExt cx="0" cy="0"/>
+        </a:xfrm>
+      </p:grpSpPr>
+      <p:pic>
+        <p:nvPicPr>
+          <p:cNvPr id="5" name="Picture 4">
+            <a:extLst>
+              <a:ext uri="{FF2B5EF4-FFF2-40B4-BE49-F238E27FC236}">
+                <a16:creationId xmlns:a16="http://schemas.microsoft.com/office/drawing/2014/main" id="{3A82C5BC-9EFD-3BDB-825A-E503E88F76F2}"/>
+              </a:ext>
+            </a:extLst>
+          </p:cNvPr>
+          <p:cNvPicPr>
+            <a:picLocks noChangeAspect="1"/>
+          </p:cNvPicPr>
+          <p:nvPr/>
+        </p:nvPicPr>
+        <p:blipFill>
+          <a:blip r:embed="rId2"/>
+          <a:stretch>
+            <a:fillRect/>
+          </a:stretch>
+        </p:blipFill>
+        <p:spPr>
+          <a:xfrm>
+            <a:off x="1128851" y="842861"/>
+            <a:ext cx="9006436" cy="5070593"/>
+          </a:xfrm>
+          <a:prstGeom prst="rect">
+            <a:avLst/>
+          </a:prstGeom>
+        </p:spPr>
+      </p:pic>
+      <p:sp>
+        <p:nvSpPr>
+          <p:cNvPr id="6" name="Rectangle 5">
+            <a:extLst>
+              <a:ext uri="{FF2B5EF4-FFF2-40B4-BE49-F238E27FC236}">
+                <a16:creationId xmlns:a16="http://schemas.microsoft.com/office/drawing/2014/main" id="{953AB804-FBE9-2B42-F70C-9DE27F181F02}"/>
+              </a:ext>
+            </a:extLst>
+          </p:cNvPr>
+          <p:cNvSpPr/>
+          <p:nvPr/>
+        </p:nvSpPr>
+        <p:spPr>
+          <a:xfrm>
+            <a:off x="7892933" y="2709949"/>
+            <a:ext cx="673331" cy="2269377"/>
+          </a:xfrm>
+          <a:prstGeom prst="rect">
+            <a:avLst/>
+          </a:prstGeom>
+          <a:noFill/>
+          <a:ln>
+            <a:solidFill>
+              <a:srgbClr val="FF0000"/>
+            </a:solidFill>
+          </a:ln>
+        </p:spPr>
+        <p:style>
+          <a:lnRef idx="2">
+            <a:schemeClr val="accent1">
+              <a:shade val="15000"/>
+            </a:schemeClr>
+          </a:lnRef>
+          <a:fillRef idx="1">
+            <a:schemeClr val="accent1"/>
+          </a:fillRef>
+          <a:effectRef idx="0">
+            <a:schemeClr val="accent1"/>
+          </a:effectRef>
+          <a:fontRef idx="minor">
+            <a:schemeClr val="lt1"/>
+          </a:fontRef>
+        </p:style>
+        <p:txBody>
+          <a:bodyPr rtlCol="0" anchor="ctr"/>
+          <a:lstStyle/>
+          <a:p>
+            <a:pPr algn="ctr"/>
+            <a:endParaRPr lang="en-US"/>
+          </a:p>
+        </p:txBody>
+      </p:sp>
+    </p:spTree>
+    <p:extLst>
+      <p:ext uri="{BB962C8B-B14F-4D97-AF65-F5344CB8AC3E}">
+        <p14:creationId xmlns:p14="http://schemas.microsoft.com/office/powerpoint/2010/main" val="319549533"/>
+      </p:ext>
+    </p:extLst>
+  </p:cSld>
+  <p:clrMapOvr>
+    <a:masterClrMapping/>
+  </p:clrMapOvr>
+</p:sld>
+</file>
+
+<file path=ppt/slides/slide11.xml><?xml version="1.0" encoding="utf-8"?>
+<p:sld xmlns:a="http://schemas.openxmlformats.org/drawingml/2006/main" xmlns:r="http://schemas.openxmlformats.org/officeDocument/2006/relationships" xmlns:p="http://schemas.openxmlformats.org/presentationml/2006/main">
+  <p:cSld>
+    <p:spTree>
+      <p:nvGrpSpPr>
+        <p:cNvPr id="1" name=""/>
+        <p:cNvGrpSpPr/>
+        <p:nvPr/>
+      </p:nvGrpSpPr>
+      <p:grpSpPr>
+        <a:xfrm>
+          <a:off x="0" y="0"/>
+          <a:ext cx="0" cy="0"/>
+          <a:chOff x="0" y="0"/>
+          <a:chExt cx="0" cy="0"/>
+        </a:xfrm>
+      </p:grpSpPr>
+      <p:pic>
+        <p:nvPicPr>
+          <p:cNvPr id="5" name="Picture 4">
+            <a:extLst>
+              <a:ext uri="{FF2B5EF4-FFF2-40B4-BE49-F238E27FC236}">
+                <a16:creationId xmlns:a16="http://schemas.microsoft.com/office/drawing/2014/main" id="{4B63EF5B-1C0C-AB6B-4AE1-E34DDDDE7BA9}"/>
+              </a:ext>
+            </a:extLst>
+          </p:cNvPr>
+          <p:cNvPicPr>
+            <a:picLocks noChangeAspect="1"/>
+          </p:cNvPicPr>
+          <p:nvPr/>
+        </p:nvPicPr>
+        <p:blipFill>
+          <a:blip r:embed="rId2"/>
+          <a:stretch>
+            <a:fillRect/>
+          </a:stretch>
+        </p:blipFill>
+        <p:spPr>
+          <a:xfrm>
+            <a:off x="3566155" y="247374"/>
+            <a:ext cx="4103726" cy="6363251"/>
+          </a:xfrm>
+          <a:prstGeom prst="rect">
+            <a:avLst/>
+          </a:prstGeom>
+        </p:spPr>
+      </p:pic>
+    </p:spTree>
+    <p:extLst>
+      <p:ext uri="{BB962C8B-B14F-4D97-AF65-F5344CB8AC3E}">
+        <p14:creationId xmlns:p14="http://schemas.microsoft.com/office/powerpoint/2010/main" val="3365871758"/>
+      </p:ext>
+    </p:extLst>
+  </p:cSld>
+  <p:clrMapOvr>
+    <a:masterClrMapping/>
+  </p:clrMapOvr>
+</p:sld>
+</file>
+
+<file path=ppt/slides/slide12.xml><?xml version="1.0" encoding="utf-8"?>
+<p:sld xmlns:a="http://schemas.openxmlformats.org/drawingml/2006/main" xmlns:r="http://schemas.openxmlformats.org/officeDocument/2006/relationships" xmlns:p="http://schemas.openxmlformats.org/presentationml/2006/main">
+  <p:cSld>
+    <p:spTree>
+      <p:nvGrpSpPr>
         <p:cNvPr id="1" name="">
           <a:extLst>
             <a:ext uri="{FF2B5EF4-FFF2-40B4-BE49-F238E27FC236}">
@@ -4953,7 +5188,7 @@
         </p:nvSpPr>
         <p:spPr>
           <a:xfrm>
-            <a:off x="8352216" y="811472"/>
+            <a:off x="9457812" y="811472"/>
             <a:ext cx="760614" cy="369332"/>
           </a:xfrm>
           <a:prstGeom prst="rect">
@@ -4988,7 +5223,7 @@
         </p:nvSpPr>
         <p:spPr>
           <a:xfrm>
-            <a:off x="4112203" y="1398325"/>
+            <a:off x="3391244" y="1403533"/>
             <a:ext cx="2806935" cy="369332"/>
           </a:xfrm>
           <a:prstGeom prst="rect">
@@ -5004,8 +5239,13 @@
           <a:p>
             <a:r>
               <a:rPr lang="en-US" dirty="0"/>
-              <a:t>+1.3 mV to 2.6 mV</a:t>
-            </a:r>
+              <a:t>+1.3 mV to 2.6 mV + </a:t>
+            </a:r>
+            <a:r>
+              <a:rPr lang="en-US" dirty="0" err="1"/>
+              <a:t>Vref</a:t>
+            </a:r>
+            <a:endParaRPr lang="en-US" dirty="0"/>
           </a:p>
         </p:txBody>
       </p:sp>
@@ -5039,7 +5279,15 @@
           <a:p>
             <a:r>
               <a:rPr lang="en-US" dirty="0"/>
-              <a:t>~  - 1.95 mV ref (</a:t>
+              <a:t>~  - 1.95 mV + </a:t>
+            </a:r>
+            <a:r>
+              <a:rPr lang="en-US" dirty="0" err="1"/>
+              <a:t>Vref</a:t>
+            </a:r>
+            <a:r>
+              <a:rPr lang="en-US" dirty="0"/>
+              <a:t> (</a:t>
             </a:r>
             <a:r>
               <a:rPr lang="en-US" b="1" dirty="0"/>
@@ -5309,8 +5557,8 @@
         </p:nvSpPr>
         <p:spPr>
           <a:xfrm>
-            <a:off x="3736922" y="347934"/>
-            <a:ext cx="1812174" cy="369332"/>
+            <a:off x="2850046" y="434021"/>
+            <a:ext cx="3002115" cy="369332"/>
           </a:xfrm>
           <a:prstGeom prst="rect">
             <a:avLst/>
@@ -5329,7 +5577,7 @@
                   <a:srgbClr val="FF0000"/>
                 </a:solidFill>
               </a:rPr>
-              <a:t>1kohm</a:t>
+              <a:t>1kohm (to limit current)</a:t>
             </a:r>
           </a:p>
         </p:txBody>
@@ -5350,7 +5598,7 @@
         </p:nvCxnSpPr>
         <p:spPr>
           <a:xfrm>
-            <a:off x="7894320" y="978239"/>
+            <a:off x="8999916" y="978239"/>
             <a:ext cx="424296" cy="0"/>
           </a:xfrm>
           <a:prstGeom prst="straightConnector1">
@@ -5526,353 +5774,29 @@
           </a:p>
         </p:txBody>
       </p:sp>
-    </p:spTree>
-    <p:extLst>
-      <p:ext uri="{BB962C8B-B14F-4D97-AF65-F5344CB8AC3E}">
-        <p14:creationId xmlns:p14="http://schemas.microsoft.com/office/powerpoint/2010/main" val="1026151410"/>
-      </p:ext>
-    </p:extLst>
-  </p:cSld>
-  <p:clrMapOvr>
-    <a:masterClrMapping/>
-  </p:clrMapOvr>
-</p:sld>
-</file>
-
-<file path=ppt/slides/slide11.xml><?xml version="1.0" encoding="utf-8"?>
-<p:sld xmlns:a="http://schemas.openxmlformats.org/drawingml/2006/main" xmlns:r="http://schemas.openxmlformats.org/officeDocument/2006/relationships" xmlns:p="http://schemas.openxmlformats.org/presentationml/2006/main">
-  <p:cSld>
-    <p:spTree>
-      <p:nvGrpSpPr>
-        <p:cNvPr id="1" name="">
-          <a:extLst>
-            <a:ext uri="{FF2B5EF4-FFF2-40B4-BE49-F238E27FC236}">
-              <a16:creationId xmlns:a16="http://schemas.microsoft.com/office/drawing/2014/main" id="{3453B211-EECC-229F-EB83-9B5BC934A3C5}"/>
-            </a:ext>
-          </a:extLst>
-        </p:cNvPr>
-        <p:cNvGrpSpPr/>
-        <p:nvPr/>
-      </p:nvGrpSpPr>
-      <p:grpSpPr>
-        <a:xfrm>
-          <a:off x="0" y="0"/>
-          <a:ext cx="0" cy="0"/>
-          <a:chOff x="0" y="0"/>
-          <a:chExt cx="0" cy="0"/>
-        </a:xfrm>
-      </p:grpSpPr>
-      <p:cxnSp>
-        <p:nvCxnSpPr>
-          <p:cNvPr id="4" name="Straight Connector 3">
-            <a:extLst>
-              <a:ext uri="{FF2B5EF4-FFF2-40B4-BE49-F238E27FC236}">
-                <a16:creationId xmlns:a16="http://schemas.microsoft.com/office/drawing/2014/main" id="{521F0E21-208A-2CFC-E19A-B1E980B3C6E8}"/>
-              </a:ext>
-            </a:extLst>
-          </p:cNvPr>
-          <p:cNvCxnSpPr/>
-          <p:nvPr/>
-        </p:nvCxnSpPr>
-        <p:spPr>
-          <a:xfrm>
-            <a:off x="1870364" y="1571105"/>
-            <a:ext cx="1143000" cy="0"/>
-          </a:xfrm>
-          <a:prstGeom prst="line">
-            <a:avLst/>
-          </a:prstGeom>
-        </p:spPr>
-        <p:style>
-          <a:lnRef idx="2">
-            <a:schemeClr val="accent1"/>
-          </a:lnRef>
-          <a:fillRef idx="0">
-            <a:schemeClr val="accent1"/>
-          </a:fillRef>
-          <a:effectRef idx="1">
-            <a:schemeClr val="accent1"/>
-          </a:effectRef>
-          <a:fontRef idx="minor">
-            <a:schemeClr val="tx1"/>
-          </a:fontRef>
-        </p:style>
-      </p:cxnSp>
-      <p:cxnSp>
-        <p:nvCxnSpPr>
-          <p:cNvPr id="6" name="Straight Connector 5">
-            <a:extLst>
-              <a:ext uri="{FF2B5EF4-FFF2-40B4-BE49-F238E27FC236}">
-                <a16:creationId xmlns:a16="http://schemas.microsoft.com/office/drawing/2014/main" id="{2CA32BF3-B4AC-1E75-DA10-A7BF2A8D075D}"/>
-              </a:ext>
-            </a:extLst>
-          </p:cNvPr>
-          <p:cNvCxnSpPr>
-            <a:cxnSpLocks/>
-          </p:cNvCxnSpPr>
-          <p:nvPr/>
-        </p:nvCxnSpPr>
-        <p:spPr>
-          <a:xfrm>
-            <a:off x="2024150" y="1844039"/>
-            <a:ext cx="831272" cy="0"/>
-          </a:xfrm>
-          <a:prstGeom prst="line">
-            <a:avLst/>
-          </a:prstGeom>
-        </p:spPr>
-        <p:style>
-          <a:lnRef idx="2">
-            <a:schemeClr val="accent1"/>
-          </a:lnRef>
-          <a:fillRef idx="0">
-            <a:schemeClr val="accent1"/>
-          </a:fillRef>
-          <a:effectRef idx="1">
-            <a:schemeClr val="accent1"/>
-          </a:effectRef>
-          <a:fontRef idx="minor">
-            <a:schemeClr val="tx1"/>
-          </a:fontRef>
-        </p:style>
-      </p:cxnSp>
-      <p:sp>
-        <p:nvSpPr>
-          <p:cNvPr id="8" name="TextBox 7">
-            <a:extLst>
-              <a:ext uri="{FF2B5EF4-FFF2-40B4-BE49-F238E27FC236}">
-                <a16:creationId xmlns:a16="http://schemas.microsoft.com/office/drawing/2014/main" id="{B08A657E-8C47-E6A0-6EA2-6FC2963107DD}"/>
-              </a:ext>
-            </a:extLst>
-          </p:cNvPr>
-          <p:cNvSpPr txBox="1"/>
-          <p:nvPr/>
-        </p:nvSpPr>
-        <p:spPr>
-          <a:xfrm>
-            <a:off x="694113" y="1571105"/>
-            <a:ext cx="1616825" cy="369332"/>
+      <p:sp>
+        <p:nvSpPr>
+          <p:cNvPr id="2" name="Rectangle 1">
+            <a:extLst>
+              <a:ext uri="{FF2B5EF4-FFF2-40B4-BE49-F238E27FC236}">
+                <a16:creationId xmlns:a16="http://schemas.microsoft.com/office/drawing/2014/main" id="{094C6B4D-18DA-C57F-2D03-EE92DE5FD2A4}"/>
+              </a:ext>
+            </a:extLst>
+          </p:cNvPr>
+          <p:cNvSpPr/>
+          <p:nvPr/>
+        </p:nvSpPr>
+        <p:spPr>
+          <a:xfrm>
+            <a:off x="7745902" y="682095"/>
+            <a:ext cx="1315667" cy="581425"/>
           </a:xfrm>
           <a:prstGeom prst="rect">
             <a:avLst/>
           </a:prstGeom>
-          <a:noFill/>
-        </p:spPr>
-        <p:txBody>
-          <a:bodyPr wrap="square" rtlCol="0">
-            <a:spAutoFit/>
-          </a:bodyPr>
-          <a:lstStyle/>
-          <a:p>
-            <a:r>
-              <a:rPr lang="en-US" b="1" dirty="0"/>
-              <a:t>LVR +3.3V</a:t>
-            </a:r>
-          </a:p>
-        </p:txBody>
-      </p:sp>
-      <p:cxnSp>
-        <p:nvCxnSpPr>
-          <p:cNvPr id="10" name="Straight Connector 9">
-            <a:extLst>
-              <a:ext uri="{FF2B5EF4-FFF2-40B4-BE49-F238E27FC236}">
-                <a16:creationId xmlns:a16="http://schemas.microsoft.com/office/drawing/2014/main" id="{AD28D82B-828B-F5BD-FEE8-0125110F5F57}"/>
-              </a:ext>
-            </a:extLst>
-          </p:cNvPr>
-          <p:cNvCxnSpPr/>
-          <p:nvPr/>
-        </p:nvCxnSpPr>
-        <p:spPr>
-          <a:xfrm flipV="1">
-            <a:off x="2385753" y="980902"/>
-            <a:ext cx="0" cy="590203"/>
-          </a:xfrm>
-          <a:prstGeom prst="line">
-            <a:avLst/>
-          </a:prstGeom>
-        </p:spPr>
-        <p:style>
-          <a:lnRef idx="2">
-            <a:schemeClr val="accent1"/>
-          </a:lnRef>
-          <a:fillRef idx="0">
-            <a:schemeClr val="accent1"/>
-          </a:fillRef>
-          <a:effectRef idx="1">
-            <a:schemeClr val="accent1"/>
-          </a:effectRef>
-          <a:fontRef idx="minor">
-            <a:schemeClr val="tx1"/>
-          </a:fontRef>
-        </p:style>
-      </p:cxnSp>
-      <p:cxnSp>
-        <p:nvCxnSpPr>
-          <p:cNvPr id="12" name="Straight Connector 11">
-            <a:extLst>
-              <a:ext uri="{FF2B5EF4-FFF2-40B4-BE49-F238E27FC236}">
-                <a16:creationId xmlns:a16="http://schemas.microsoft.com/office/drawing/2014/main" id="{37134BD3-2879-2954-09AA-CAEDF3419D5A}"/>
-              </a:ext>
-            </a:extLst>
-          </p:cNvPr>
-          <p:cNvCxnSpPr/>
-          <p:nvPr/>
-        </p:nvCxnSpPr>
-        <p:spPr>
-          <a:xfrm>
-            <a:off x="2385753" y="980902"/>
-            <a:ext cx="1483822" cy="0"/>
-          </a:xfrm>
-          <a:prstGeom prst="line">
-            <a:avLst/>
-          </a:prstGeom>
-        </p:spPr>
-        <p:style>
-          <a:lnRef idx="2">
-            <a:schemeClr val="accent1"/>
-          </a:lnRef>
-          <a:fillRef idx="0">
-            <a:schemeClr val="accent1"/>
-          </a:fillRef>
-          <a:effectRef idx="1">
-            <a:schemeClr val="accent1"/>
-          </a:effectRef>
-          <a:fontRef idx="minor">
-            <a:schemeClr val="tx1"/>
-          </a:fontRef>
-        </p:style>
-      </p:cxnSp>
-      <p:cxnSp>
-        <p:nvCxnSpPr>
-          <p:cNvPr id="13" name="Straight Connector 12">
-            <a:extLst>
-              <a:ext uri="{FF2B5EF4-FFF2-40B4-BE49-F238E27FC236}">
-                <a16:creationId xmlns:a16="http://schemas.microsoft.com/office/drawing/2014/main" id="{3EDC7180-BF52-EF9A-7DE5-200BFA1600E5}"/>
-              </a:ext>
-            </a:extLst>
-          </p:cNvPr>
-          <p:cNvCxnSpPr/>
-          <p:nvPr/>
-        </p:nvCxnSpPr>
-        <p:spPr>
-          <a:xfrm>
-            <a:off x="4445924" y="980902"/>
-            <a:ext cx="1483822" cy="0"/>
-          </a:xfrm>
-          <a:prstGeom prst="line">
-            <a:avLst/>
-          </a:prstGeom>
-        </p:spPr>
-        <p:style>
-          <a:lnRef idx="2">
-            <a:schemeClr val="accent1"/>
-          </a:lnRef>
-          <a:fillRef idx="0">
-            <a:schemeClr val="accent1"/>
-          </a:fillRef>
-          <a:effectRef idx="1">
-            <a:schemeClr val="accent1"/>
-          </a:effectRef>
-          <a:fontRef idx="minor">
-            <a:schemeClr val="tx1"/>
-          </a:fontRef>
-        </p:style>
-      </p:cxnSp>
-      <p:cxnSp>
-        <p:nvCxnSpPr>
-          <p:cNvPr id="14" name="Straight Connector 13">
-            <a:extLst>
-              <a:ext uri="{FF2B5EF4-FFF2-40B4-BE49-F238E27FC236}">
-                <a16:creationId xmlns:a16="http://schemas.microsoft.com/office/drawing/2014/main" id="{865D3AA0-E2B8-DF5A-0F38-7FA668046EF7}"/>
-              </a:ext>
-            </a:extLst>
-          </p:cNvPr>
-          <p:cNvCxnSpPr/>
-          <p:nvPr/>
-        </p:nvCxnSpPr>
-        <p:spPr>
-          <a:xfrm>
-            <a:off x="6410498" y="980902"/>
-            <a:ext cx="1483822" cy="0"/>
-          </a:xfrm>
-          <a:prstGeom prst="line">
-            <a:avLst/>
-          </a:prstGeom>
-        </p:spPr>
-        <p:style>
-          <a:lnRef idx="2">
-            <a:schemeClr val="accent1"/>
-          </a:lnRef>
-          <a:fillRef idx="0">
-            <a:schemeClr val="accent1"/>
-          </a:fillRef>
-          <a:effectRef idx="1">
-            <a:schemeClr val="accent1"/>
-          </a:effectRef>
-          <a:fontRef idx="minor">
-            <a:schemeClr val="tx1"/>
-          </a:fontRef>
-        </p:style>
-      </p:cxnSp>
-      <p:cxnSp>
-        <p:nvCxnSpPr>
-          <p:cNvPr id="21" name="Straight Connector 20">
-            <a:extLst>
-              <a:ext uri="{FF2B5EF4-FFF2-40B4-BE49-F238E27FC236}">
-                <a16:creationId xmlns:a16="http://schemas.microsoft.com/office/drawing/2014/main" id="{38A60C12-A6E5-D14E-DAB1-13174A165068}"/>
-              </a:ext>
-            </a:extLst>
-          </p:cNvPr>
-          <p:cNvCxnSpPr>
-            <a:cxnSpLocks/>
-          </p:cNvCxnSpPr>
-          <p:nvPr/>
-        </p:nvCxnSpPr>
-        <p:spPr>
-          <a:xfrm flipV="1">
-            <a:off x="2385753" y="1844039"/>
-            <a:ext cx="0" cy="1364674"/>
-          </a:xfrm>
-          <a:prstGeom prst="line">
-            <a:avLst/>
-          </a:prstGeom>
-        </p:spPr>
-        <p:style>
-          <a:lnRef idx="2">
-            <a:schemeClr val="accent1"/>
-          </a:lnRef>
-          <a:fillRef idx="0">
-            <a:schemeClr val="accent1"/>
-          </a:fillRef>
-          <a:effectRef idx="1">
-            <a:schemeClr val="accent1"/>
-          </a:effectRef>
-          <a:fontRef idx="minor">
-            <a:schemeClr val="tx1"/>
-          </a:fontRef>
-        </p:style>
-      </p:cxnSp>
-      <p:sp>
-        <p:nvSpPr>
-          <p:cNvPr id="23" name="Isosceles Triangle 22">
-            <a:extLst>
-              <a:ext uri="{FF2B5EF4-FFF2-40B4-BE49-F238E27FC236}">
-                <a16:creationId xmlns:a16="http://schemas.microsoft.com/office/drawing/2014/main" id="{578CD6B5-9584-5A75-2292-84202A6261EB}"/>
-              </a:ext>
-            </a:extLst>
-          </p:cNvPr>
-          <p:cNvSpPr/>
-          <p:nvPr/>
-        </p:nvSpPr>
-        <p:spPr>
-          <a:xfrm rot="10800000">
-            <a:off x="5733532" y="1944087"/>
-            <a:ext cx="997527" cy="719047"/>
-          </a:xfrm>
-          <a:prstGeom prst="triangle">
-            <a:avLst/>
-          </a:prstGeom>
+          <a:solidFill>
+            <a:schemeClr val="accent1"/>
+          </a:solidFill>
         </p:spPr>
         <p:style>
           <a:lnRef idx="2">
@@ -5895,130 +5819,16 @@
           <a:lstStyle/>
           <a:p>
             <a:pPr algn="ctr"/>
-            <a:endParaRPr lang="en-US"/>
-          </a:p>
-        </p:txBody>
-      </p:sp>
-      <p:cxnSp>
-        <p:nvCxnSpPr>
-          <p:cNvPr id="24" name="Straight Connector 23">
-            <a:extLst>
-              <a:ext uri="{FF2B5EF4-FFF2-40B4-BE49-F238E27FC236}">
-                <a16:creationId xmlns:a16="http://schemas.microsoft.com/office/drawing/2014/main" id="{137153AE-87A0-C64E-3E15-D2D70D1BC3B7}"/>
-              </a:ext>
-            </a:extLst>
-          </p:cNvPr>
-          <p:cNvCxnSpPr>
-            <a:cxnSpLocks/>
-          </p:cNvCxnSpPr>
-          <p:nvPr/>
-        </p:nvCxnSpPr>
-        <p:spPr>
-          <a:xfrm flipV="1">
-            <a:off x="6005945" y="980901"/>
-            <a:ext cx="0" cy="959536"/>
-          </a:xfrm>
-          <a:prstGeom prst="line">
-            <a:avLst/>
-          </a:prstGeom>
-        </p:spPr>
-        <p:style>
-          <a:lnRef idx="2">
-            <a:schemeClr val="accent1"/>
-          </a:lnRef>
-          <a:fillRef idx="0">
-            <a:schemeClr val="accent1"/>
-          </a:fillRef>
-          <a:effectRef idx="1">
-            <a:schemeClr val="accent1"/>
-          </a:effectRef>
-          <a:fontRef idx="minor">
-            <a:schemeClr val="tx1"/>
-          </a:fontRef>
-        </p:style>
-      </p:cxnSp>
-      <p:cxnSp>
-        <p:nvCxnSpPr>
-          <p:cNvPr id="26" name="Straight Connector 25">
-            <a:extLst>
-              <a:ext uri="{FF2B5EF4-FFF2-40B4-BE49-F238E27FC236}">
-                <a16:creationId xmlns:a16="http://schemas.microsoft.com/office/drawing/2014/main" id="{A1D51738-6B3B-50E2-5B62-F8BC15CE701F}"/>
-              </a:ext>
-            </a:extLst>
-          </p:cNvPr>
-          <p:cNvCxnSpPr>
-            <a:cxnSpLocks/>
-          </p:cNvCxnSpPr>
-          <p:nvPr/>
-        </p:nvCxnSpPr>
-        <p:spPr>
-          <a:xfrm>
-            <a:off x="6475613" y="1410588"/>
-            <a:ext cx="0" cy="529851"/>
-          </a:xfrm>
-          <a:prstGeom prst="line">
-            <a:avLst/>
-          </a:prstGeom>
-        </p:spPr>
-        <p:style>
-          <a:lnRef idx="2">
-            <a:schemeClr val="accent1"/>
-          </a:lnRef>
-          <a:fillRef idx="0">
-            <a:schemeClr val="accent1"/>
-          </a:fillRef>
-          <a:effectRef idx="1">
-            <a:schemeClr val="accent1"/>
-          </a:effectRef>
-          <a:fontRef idx="minor">
-            <a:schemeClr val="tx1"/>
-          </a:fontRef>
-        </p:style>
-      </p:cxnSp>
-      <p:cxnSp>
-        <p:nvCxnSpPr>
-          <p:cNvPr id="30" name="Straight Connector 29">
-            <a:extLst>
-              <a:ext uri="{FF2B5EF4-FFF2-40B4-BE49-F238E27FC236}">
-                <a16:creationId xmlns:a16="http://schemas.microsoft.com/office/drawing/2014/main" id="{667EEEA5-D3D0-808C-7DB7-9E79D177882B}"/>
-              </a:ext>
-            </a:extLst>
-          </p:cNvPr>
-          <p:cNvCxnSpPr>
-            <a:cxnSpLocks/>
-          </p:cNvCxnSpPr>
-          <p:nvPr/>
-        </p:nvCxnSpPr>
-        <p:spPr>
-          <a:xfrm>
-            <a:off x="6223464" y="2638702"/>
-            <a:ext cx="0" cy="1200291"/>
-          </a:xfrm>
-          <a:prstGeom prst="line">
-            <a:avLst/>
-          </a:prstGeom>
-        </p:spPr>
-        <p:style>
-          <a:lnRef idx="2">
-            <a:schemeClr val="accent1"/>
-          </a:lnRef>
-          <a:fillRef idx="0">
-            <a:schemeClr val="accent1"/>
-          </a:fillRef>
-          <a:effectRef idx="1">
-            <a:schemeClr val="accent1"/>
-          </a:effectRef>
-          <a:fontRef idx="minor">
-            <a:schemeClr val="tx1"/>
-          </a:fontRef>
-        </p:style>
-      </p:cxnSp>
-      <p:sp>
-        <p:nvSpPr>
-          <p:cNvPr id="32" name="TextBox 31">
-            <a:extLst>
-              <a:ext uri="{FF2B5EF4-FFF2-40B4-BE49-F238E27FC236}">
-                <a16:creationId xmlns:a16="http://schemas.microsoft.com/office/drawing/2014/main" id="{A2EA7DEE-DEE0-D652-85C3-5527DBFEF85B}"/>
+            <a:endParaRPr lang="en-US" dirty="0"/>
+          </a:p>
+        </p:txBody>
+      </p:sp>
+      <p:sp>
+        <p:nvSpPr>
+          <p:cNvPr id="3" name="TextBox 2">
+            <a:extLst>
+              <a:ext uri="{FF2B5EF4-FFF2-40B4-BE49-F238E27FC236}">
+                <a16:creationId xmlns:a16="http://schemas.microsoft.com/office/drawing/2014/main" id="{EE7F8371-5F2B-2A02-CF2A-E348CD4E85B8}"/>
               </a:ext>
             </a:extLst>
           </p:cNvPr>
@@ -6027,8 +5837,8 @@
         </p:nvSpPr>
         <p:spPr>
           <a:xfrm>
-            <a:off x="9425940" y="745680"/>
-            <a:ext cx="760614" cy="369332"/>
+            <a:off x="7764952" y="796947"/>
+            <a:ext cx="1378873" cy="369332"/>
           </a:xfrm>
           <a:prstGeom prst="rect">
             <a:avLst/>
@@ -6042,18 +5852,35 @@
           <a:lstStyle/>
           <a:p>
             <a:r>
-              <a:rPr lang="en-US" dirty="0"/>
-              <a:t>GND</a:t>
-            </a:r>
-          </a:p>
-        </p:txBody>
-      </p:sp>
-      <p:sp>
-        <p:nvSpPr>
-          <p:cNvPr id="41" name="TextBox 40">
-            <a:extLst>
-              <a:ext uri="{FF2B5EF4-FFF2-40B4-BE49-F238E27FC236}">
-                <a16:creationId xmlns:a16="http://schemas.microsoft.com/office/drawing/2014/main" id="{D47B2E2A-8FD3-57D2-DDB2-0F59923DF5A9}"/>
+              <a:rPr lang="en-US" dirty="0">
+                <a:solidFill>
+                  <a:schemeClr val="bg1"/>
+                </a:solidFill>
+              </a:rPr>
+              <a:t>2.048V </a:t>
+            </a:r>
+            <a:r>
+              <a:rPr lang="en-US" dirty="0" err="1">
+                <a:solidFill>
+                  <a:schemeClr val="bg1"/>
+                </a:solidFill>
+              </a:rPr>
+              <a:t>Vref</a:t>
+            </a:r>
+            <a:endParaRPr lang="en-US" dirty="0">
+              <a:solidFill>
+                <a:schemeClr val="bg1"/>
+              </a:solidFill>
+            </a:endParaRPr>
+          </a:p>
+        </p:txBody>
+      </p:sp>
+      <p:sp>
+        <p:nvSpPr>
+          <p:cNvPr id="5" name="TextBox 4">
+            <a:extLst>
+              <a:ext uri="{FF2B5EF4-FFF2-40B4-BE49-F238E27FC236}">
+                <a16:creationId xmlns:a16="http://schemas.microsoft.com/office/drawing/2014/main" id="{CD1D3FA3-5DEB-6D8E-E17C-64AA99CF3582}"/>
               </a:ext>
             </a:extLst>
           </p:cNvPr>
@@ -6062,526 +5889,8 @@
         </p:nvSpPr>
         <p:spPr>
           <a:xfrm>
-            <a:off x="3283785" y="1485401"/>
-            <a:ext cx="2806935" cy="369332"/>
-          </a:xfrm>
-          <a:prstGeom prst="rect">
-            <a:avLst/>
-          </a:prstGeom>
-          <a:noFill/>
-        </p:spPr>
-        <p:txBody>
-          <a:bodyPr wrap="square" rtlCol="0">
-            <a:spAutoFit/>
-          </a:bodyPr>
-          <a:lstStyle/>
-          <a:p>
-            <a:r>
-              <a:rPr lang="en-US" dirty="0"/>
-              <a:t>+26 mV to 52 mV + 2.048V </a:t>
-            </a:r>
-          </a:p>
-        </p:txBody>
-      </p:sp>
-      <p:sp>
-        <p:nvSpPr>
-          <p:cNvPr id="42" name="TextBox 41">
-            <a:extLst>
-              <a:ext uri="{FF2B5EF4-FFF2-40B4-BE49-F238E27FC236}">
-                <a16:creationId xmlns:a16="http://schemas.microsoft.com/office/drawing/2014/main" id="{B107723D-3626-9BC7-9265-DFE7BF9A162D}"/>
-              </a:ext>
-            </a:extLst>
-          </p:cNvPr>
-          <p:cNvSpPr txBox="1"/>
-          <p:nvPr/>
-        </p:nvSpPr>
-        <p:spPr>
-          <a:xfrm>
-            <a:off x="6410497" y="1495786"/>
-            <a:ext cx="1424247" cy="369332"/>
-          </a:xfrm>
-          <a:prstGeom prst="rect">
-            <a:avLst/>
-          </a:prstGeom>
-          <a:noFill/>
-        </p:spPr>
-        <p:txBody>
-          <a:bodyPr wrap="square" rtlCol="0">
-            <a:spAutoFit/>
-          </a:bodyPr>
-          <a:lstStyle/>
-          <a:p>
-            <a:r>
-              <a:rPr lang="en-US" dirty="0"/>
-              <a:t>- 2.048 V ref</a:t>
-            </a:r>
-          </a:p>
-        </p:txBody>
-      </p:sp>
-      <p:sp>
-        <p:nvSpPr>
-          <p:cNvPr id="51" name="TextBox 50">
-            <a:extLst>
-              <a:ext uri="{FF2B5EF4-FFF2-40B4-BE49-F238E27FC236}">
-                <a16:creationId xmlns:a16="http://schemas.microsoft.com/office/drawing/2014/main" id="{C3C06125-10CD-5A01-CD29-291216FFC311}"/>
-              </a:ext>
-            </a:extLst>
-          </p:cNvPr>
-          <p:cNvSpPr txBox="1"/>
-          <p:nvPr/>
-        </p:nvSpPr>
-        <p:spPr>
-          <a:xfrm>
-            <a:off x="4112203" y="3888261"/>
-            <a:ext cx="4711755" cy="369332"/>
-          </a:xfrm>
-          <a:prstGeom prst="rect">
-            <a:avLst/>
-          </a:prstGeom>
-          <a:noFill/>
-        </p:spPr>
-        <p:txBody>
-          <a:bodyPr wrap="square" rtlCol="0">
-            <a:spAutoFit/>
-          </a:bodyPr>
-          <a:lstStyle/>
-          <a:p>
-            <a:pPr algn="ctr"/>
-            <a:r>
-              <a:rPr lang="en-US" b="1" dirty="0"/>
-              <a:t>12 bit ADC, single ended input</a:t>
-            </a:r>
-          </a:p>
-        </p:txBody>
-      </p:sp>
-      <p:sp>
-        <p:nvSpPr>
-          <p:cNvPr id="52" name="TextBox 51">
-            <a:extLst>
-              <a:ext uri="{FF2B5EF4-FFF2-40B4-BE49-F238E27FC236}">
-                <a16:creationId xmlns:a16="http://schemas.microsoft.com/office/drawing/2014/main" id="{C6E7480A-98DD-AAC6-155C-464A58F390CD}"/>
-              </a:ext>
-            </a:extLst>
-          </p:cNvPr>
-          <p:cNvSpPr txBox="1"/>
-          <p:nvPr/>
-        </p:nvSpPr>
-        <p:spPr>
-          <a:xfrm>
-            <a:off x="2024150" y="3208713"/>
-            <a:ext cx="760614" cy="369332"/>
-          </a:xfrm>
-          <a:prstGeom prst="rect">
-            <a:avLst/>
-          </a:prstGeom>
-          <a:noFill/>
-        </p:spPr>
-        <p:txBody>
-          <a:bodyPr wrap="square" rtlCol="0">
-            <a:spAutoFit/>
-          </a:bodyPr>
-          <a:lstStyle/>
-          <a:p>
-            <a:r>
-              <a:rPr lang="en-US" dirty="0"/>
-              <a:t>GND</a:t>
-            </a:r>
-          </a:p>
-        </p:txBody>
-      </p:sp>
-      <p:sp>
-        <p:nvSpPr>
-          <p:cNvPr id="53" name="Rectangle 52">
-            <a:extLst>
-              <a:ext uri="{FF2B5EF4-FFF2-40B4-BE49-F238E27FC236}">
-                <a16:creationId xmlns:a16="http://schemas.microsoft.com/office/drawing/2014/main" id="{369CBE65-B7ED-FAEA-5F46-472A14C88049}"/>
-              </a:ext>
-            </a:extLst>
-          </p:cNvPr>
-          <p:cNvSpPr/>
-          <p:nvPr/>
-        </p:nvSpPr>
-        <p:spPr>
-          <a:xfrm>
-            <a:off x="3851564" y="822961"/>
-            <a:ext cx="644236" cy="315879"/>
-          </a:xfrm>
-          <a:prstGeom prst="rect">
-            <a:avLst/>
-          </a:prstGeom>
-          <a:solidFill>
-            <a:srgbClr val="FFC000"/>
-          </a:solidFill>
-        </p:spPr>
-        <p:style>
-          <a:lnRef idx="2">
-            <a:schemeClr val="accent1">
-              <a:shade val="15000"/>
-            </a:schemeClr>
-          </a:lnRef>
-          <a:fillRef idx="1">
-            <a:schemeClr val="accent1"/>
-          </a:fillRef>
-          <a:effectRef idx="0">
-            <a:schemeClr val="accent1"/>
-          </a:effectRef>
-          <a:fontRef idx="minor">
-            <a:schemeClr val="lt1"/>
-          </a:fontRef>
-        </p:style>
-        <p:txBody>
-          <a:bodyPr rtlCol="0" anchor="ctr"/>
-          <a:lstStyle/>
-          <a:p>
-            <a:pPr algn="ctr"/>
-            <a:endParaRPr lang="en-US" dirty="0"/>
-          </a:p>
-        </p:txBody>
-      </p:sp>
-      <p:sp>
-        <p:nvSpPr>
-          <p:cNvPr id="54" name="Rectangle 53">
-            <a:extLst>
-              <a:ext uri="{FF2B5EF4-FFF2-40B4-BE49-F238E27FC236}">
-                <a16:creationId xmlns:a16="http://schemas.microsoft.com/office/drawing/2014/main" id="{18B00676-2F07-9078-4C10-C4C216C42F6E}"/>
-              </a:ext>
-            </a:extLst>
-          </p:cNvPr>
-          <p:cNvSpPr/>
-          <p:nvPr/>
-        </p:nvSpPr>
-        <p:spPr>
-          <a:xfrm>
-            <a:off x="5852161" y="830002"/>
-            <a:ext cx="644236" cy="315879"/>
-          </a:xfrm>
-          <a:prstGeom prst="rect">
-            <a:avLst/>
-          </a:prstGeom>
-          <a:solidFill>
-            <a:srgbClr val="FFC000"/>
-          </a:solidFill>
-        </p:spPr>
-        <p:style>
-          <a:lnRef idx="2">
-            <a:schemeClr val="accent1">
-              <a:shade val="15000"/>
-            </a:schemeClr>
-          </a:lnRef>
-          <a:fillRef idx="1">
-            <a:schemeClr val="accent1"/>
-          </a:fillRef>
-          <a:effectRef idx="0">
-            <a:schemeClr val="accent1"/>
-          </a:effectRef>
-          <a:fontRef idx="minor">
-            <a:schemeClr val="lt1"/>
-          </a:fontRef>
-        </p:style>
-        <p:txBody>
-          <a:bodyPr rtlCol="0" anchor="ctr"/>
-          <a:lstStyle/>
-          <a:p>
-            <a:pPr algn="ctr"/>
-            <a:endParaRPr lang="en-US" dirty="0"/>
-          </a:p>
-        </p:txBody>
-      </p:sp>
-      <p:cxnSp>
-        <p:nvCxnSpPr>
-          <p:cNvPr id="56" name="Straight Arrow Connector 55">
-            <a:extLst>
-              <a:ext uri="{FF2B5EF4-FFF2-40B4-BE49-F238E27FC236}">
-                <a16:creationId xmlns:a16="http://schemas.microsoft.com/office/drawing/2014/main" id="{B8D21B43-848B-3E7B-3EEB-CB57A363A5A3}"/>
-              </a:ext>
-            </a:extLst>
-          </p:cNvPr>
-          <p:cNvCxnSpPr/>
-          <p:nvPr/>
-        </p:nvCxnSpPr>
-        <p:spPr>
-          <a:xfrm flipV="1">
-            <a:off x="6027075" y="581687"/>
-            <a:ext cx="342209" cy="828902"/>
-          </a:xfrm>
-          <a:prstGeom prst="straightConnector1">
-            <a:avLst/>
-          </a:prstGeom>
-          <a:ln>
-            <a:tailEnd type="triangle"/>
-          </a:ln>
-        </p:spPr>
-        <p:style>
-          <a:lnRef idx="2">
-            <a:schemeClr val="accent1"/>
-          </a:lnRef>
-          <a:fillRef idx="0">
-            <a:schemeClr val="accent1"/>
-          </a:fillRef>
-          <a:effectRef idx="1">
-            <a:schemeClr val="accent1"/>
-          </a:effectRef>
-          <a:fontRef idx="minor">
-            <a:schemeClr val="tx1"/>
-          </a:fontRef>
-        </p:style>
-      </p:cxnSp>
-      <p:sp>
-        <p:nvSpPr>
-          <p:cNvPr id="57" name="TextBox 56">
-            <a:extLst>
-              <a:ext uri="{FF2B5EF4-FFF2-40B4-BE49-F238E27FC236}">
-                <a16:creationId xmlns:a16="http://schemas.microsoft.com/office/drawing/2014/main" id="{5F2C114C-B1A1-83D9-3AD8-62FDC3358FBC}"/>
-              </a:ext>
-            </a:extLst>
-          </p:cNvPr>
-          <p:cNvSpPr txBox="1"/>
-          <p:nvPr/>
-        </p:nvSpPr>
-        <p:spPr>
-          <a:xfrm>
-            <a:off x="4786057" y="208226"/>
-            <a:ext cx="3578628" cy="369332"/>
-          </a:xfrm>
-          <a:prstGeom prst="rect">
-            <a:avLst/>
-          </a:prstGeom>
-          <a:noFill/>
-        </p:spPr>
-        <p:txBody>
-          <a:bodyPr wrap="square" rtlCol="0">
-            <a:spAutoFit/>
-          </a:bodyPr>
-          <a:lstStyle/>
-          <a:p>
-            <a:r>
-              <a:rPr lang="en-US" b="1" dirty="0"/>
-              <a:t>Strain Gauge (0.4 ohm – 0.8ohm)</a:t>
-            </a:r>
-          </a:p>
-        </p:txBody>
-      </p:sp>
-      <p:sp>
-        <p:nvSpPr>
-          <p:cNvPr id="58" name="TextBox 57">
-            <a:extLst>
-              <a:ext uri="{FF2B5EF4-FFF2-40B4-BE49-F238E27FC236}">
-                <a16:creationId xmlns:a16="http://schemas.microsoft.com/office/drawing/2014/main" id="{74B82466-F64C-42C3-E68E-5B418C2D2F85}"/>
-              </a:ext>
-            </a:extLst>
-          </p:cNvPr>
-          <p:cNvSpPr txBox="1"/>
-          <p:nvPr/>
-        </p:nvSpPr>
-        <p:spPr>
-          <a:xfrm>
-            <a:off x="3736922" y="347934"/>
-            <a:ext cx="1812174" cy="369332"/>
-          </a:xfrm>
-          <a:prstGeom prst="rect">
-            <a:avLst/>
-          </a:prstGeom>
-          <a:noFill/>
-        </p:spPr>
-        <p:txBody>
-          <a:bodyPr wrap="square" rtlCol="0">
-            <a:spAutoFit/>
-          </a:bodyPr>
-          <a:lstStyle/>
-          <a:p>
-            <a:r>
-              <a:rPr lang="en-US" dirty="0"/>
-              <a:t>50 ohm</a:t>
-            </a:r>
-          </a:p>
-        </p:txBody>
-      </p:sp>
-      <p:sp>
-        <p:nvSpPr>
-          <p:cNvPr id="2" name="TextBox 1">
-            <a:extLst>
-              <a:ext uri="{FF2B5EF4-FFF2-40B4-BE49-F238E27FC236}">
-                <a16:creationId xmlns:a16="http://schemas.microsoft.com/office/drawing/2014/main" id="{707772EC-5949-0821-64B4-D09FB7D79C66}"/>
-              </a:ext>
-            </a:extLst>
-          </p:cNvPr>
-          <p:cNvSpPr txBox="1"/>
-          <p:nvPr/>
-        </p:nvSpPr>
-        <p:spPr>
-          <a:xfrm>
-            <a:off x="8283633" y="380607"/>
-            <a:ext cx="2277686" cy="369332"/>
-          </a:xfrm>
-          <a:prstGeom prst="rect">
-            <a:avLst/>
-          </a:prstGeom>
-          <a:noFill/>
-        </p:spPr>
-        <p:txBody>
-          <a:bodyPr wrap="square" rtlCol="0">
-            <a:spAutoFit/>
-          </a:bodyPr>
-          <a:lstStyle/>
-          <a:p>
-            <a:r>
-              <a:rPr lang="en-US" b="1" dirty="0"/>
-              <a:t>LM040</a:t>
-            </a:r>
-            <a:r>
-              <a:rPr lang="en-US" dirty="0"/>
-              <a:t>, 2.048V ref</a:t>
-            </a:r>
-          </a:p>
-        </p:txBody>
-      </p:sp>
-      <p:sp>
-        <p:nvSpPr>
-          <p:cNvPr id="3" name="Rectangle 2">
-            <a:extLst>
-              <a:ext uri="{FF2B5EF4-FFF2-40B4-BE49-F238E27FC236}">
-                <a16:creationId xmlns:a16="http://schemas.microsoft.com/office/drawing/2014/main" id="{E75A0222-9451-AC8B-9646-C39EA36C5D0C}"/>
-              </a:ext>
-            </a:extLst>
-          </p:cNvPr>
-          <p:cNvSpPr/>
-          <p:nvPr/>
-        </p:nvSpPr>
-        <p:spPr>
-          <a:xfrm>
-            <a:off x="7894320" y="717266"/>
-            <a:ext cx="1103860" cy="421574"/>
-          </a:xfrm>
-          <a:prstGeom prst="rect">
-            <a:avLst/>
-          </a:prstGeom>
-        </p:spPr>
-        <p:style>
-          <a:lnRef idx="2">
-            <a:schemeClr val="accent1">
-              <a:shade val="15000"/>
-            </a:schemeClr>
-          </a:lnRef>
-          <a:fillRef idx="1">
-            <a:schemeClr val="accent1"/>
-          </a:fillRef>
-          <a:effectRef idx="0">
-            <a:schemeClr val="accent1"/>
-          </a:effectRef>
-          <a:fontRef idx="minor">
-            <a:schemeClr val="lt1"/>
-          </a:fontRef>
-        </p:style>
-        <p:txBody>
-          <a:bodyPr rtlCol="0" anchor="ctr"/>
-          <a:lstStyle/>
-          <a:p>
-            <a:pPr algn="ctr"/>
-            <a:endParaRPr lang="en-US"/>
-          </a:p>
-        </p:txBody>
-      </p:sp>
-      <p:cxnSp>
-        <p:nvCxnSpPr>
-          <p:cNvPr id="11" name="Straight Arrow Connector 10">
-            <a:extLst>
-              <a:ext uri="{FF2B5EF4-FFF2-40B4-BE49-F238E27FC236}">
-                <a16:creationId xmlns:a16="http://schemas.microsoft.com/office/drawing/2014/main" id="{4E5CDB73-C5E1-2495-2B97-19AB76A7602C}"/>
-              </a:ext>
-            </a:extLst>
-          </p:cNvPr>
-          <p:cNvCxnSpPr>
-            <a:cxnSpLocks/>
-          </p:cNvCxnSpPr>
-          <p:nvPr/>
-        </p:nvCxnSpPr>
-        <p:spPr>
-          <a:xfrm>
-            <a:off x="8998180" y="928053"/>
-            <a:ext cx="424296" cy="0"/>
-          </a:xfrm>
-          <a:prstGeom prst="straightConnector1">
-            <a:avLst/>
-          </a:prstGeom>
-          <a:ln>
-            <a:tailEnd type="triangle"/>
-          </a:ln>
-        </p:spPr>
-        <p:style>
-          <a:lnRef idx="2">
-            <a:schemeClr val="accent1"/>
-          </a:lnRef>
-          <a:fillRef idx="0">
-            <a:schemeClr val="accent1"/>
-          </a:fillRef>
-          <a:effectRef idx="1">
-            <a:schemeClr val="accent1"/>
-          </a:effectRef>
-          <a:fontRef idx="minor">
-            <a:schemeClr val="tx1"/>
-          </a:fontRef>
-        </p:style>
-      </p:cxnSp>
-      <p:sp>
-        <p:nvSpPr>
-          <p:cNvPr id="17" name="TextBox 16">
-            <a:extLst>
-              <a:ext uri="{FF2B5EF4-FFF2-40B4-BE49-F238E27FC236}">
-                <a16:creationId xmlns:a16="http://schemas.microsoft.com/office/drawing/2014/main" id="{DCD335C7-D506-CF53-B03A-B35D597C1773}"/>
-              </a:ext>
-            </a:extLst>
-          </p:cNvPr>
-          <p:cNvSpPr txBox="1"/>
-          <p:nvPr/>
-        </p:nvSpPr>
-        <p:spPr>
-          <a:xfrm>
-            <a:off x="6596150" y="2058276"/>
-            <a:ext cx="2926771" cy="646331"/>
-          </a:xfrm>
-          <a:prstGeom prst="rect">
-            <a:avLst/>
-          </a:prstGeom>
-          <a:noFill/>
-        </p:spPr>
-        <p:txBody>
-          <a:bodyPr wrap="square" rtlCol="0">
-            <a:spAutoFit/>
-          </a:bodyPr>
-          <a:lstStyle/>
-          <a:p>
-            <a:r>
-              <a:rPr lang="en-US" b="1" dirty="0"/>
-              <a:t>ad620 inst. Amp. ?x Gain, </a:t>
-            </a:r>
-            <a:r>
-              <a:rPr lang="en-US" b="1" dirty="0" err="1"/>
-              <a:t>Vref</a:t>
-            </a:r>
-            <a:r>
-              <a:rPr lang="en-US" b="1" dirty="0"/>
-              <a:t> = 0 V</a:t>
-            </a:r>
-            <a:endParaRPr lang="en-US" dirty="0"/>
-          </a:p>
-        </p:txBody>
-      </p:sp>
-      <p:sp>
-        <p:nvSpPr>
-          <p:cNvPr id="18" name="TextBox 17">
-            <a:extLst>
-              <a:ext uri="{FF2B5EF4-FFF2-40B4-BE49-F238E27FC236}">
-                <a16:creationId xmlns:a16="http://schemas.microsoft.com/office/drawing/2014/main" id="{B57C32D4-4D01-E989-5E61-739CABF0E6D7}"/>
-              </a:ext>
-            </a:extLst>
-          </p:cNvPr>
-          <p:cNvSpPr txBox="1"/>
-          <p:nvPr/>
-        </p:nvSpPr>
-        <p:spPr>
-          <a:xfrm>
-            <a:off x="191193" y="195941"/>
-            <a:ext cx="2323408" cy="369332"/>
+            <a:off x="2610373" y="5250887"/>
+            <a:ext cx="6596149" cy="369332"/>
           </a:xfrm>
           <a:prstGeom prst="rect">
             <a:avLst/>
@@ -6610,46 +5919,7 @@
             <a:pPr algn="ctr"/>
             <a:r>
               <a:rPr lang="en-US" b="1" dirty="0"/>
-              <a:t>Circuit V3 Option</a:t>
-            </a:r>
-          </a:p>
-        </p:txBody>
-      </p:sp>
-      <p:sp>
-        <p:nvSpPr>
-          <p:cNvPr id="20" name="TextBox 19">
-            <a:extLst>
-              <a:ext uri="{FF2B5EF4-FFF2-40B4-BE49-F238E27FC236}">
-                <a16:creationId xmlns:a16="http://schemas.microsoft.com/office/drawing/2014/main" id="{84322F9F-F486-1E52-882A-B4D12E1C938C}"/>
-              </a:ext>
-            </a:extLst>
-          </p:cNvPr>
-          <p:cNvSpPr txBox="1"/>
-          <p:nvPr/>
-        </p:nvSpPr>
-        <p:spPr>
-          <a:xfrm>
-            <a:off x="6057902" y="2002621"/>
-            <a:ext cx="760614" cy="369332"/>
-          </a:xfrm>
-          <a:prstGeom prst="rect">
-            <a:avLst/>
-          </a:prstGeom>
-          <a:noFill/>
-        </p:spPr>
-        <p:txBody>
-          <a:bodyPr wrap="square" rtlCol="0">
-            <a:spAutoFit/>
-          </a:bodyPr>
-          <a:lstStyle/>
-          <a:p>
-            <a:r>
-              <a:rPr lang="en-US" dirty="0">
-                <a:solidFill>
-                  <a:schemeClr val="bg1"/>
-                </a:solidFill>
-              </a:rPr>
-              <a:t>X?</a:t>
+              <a:t>Using Differential ADC for Common Mode Rejection</a:t>
             </a:r>
           </a:p>
         </p:txBody>
@@ -6657,7 +5927,7 @@
     </p:spTree>
     <p:extLst>
       <p:ext uri="{BB962C8B-B14F-4D97-AF65-F5344CB8AC3E}">
-        <p14:creationId xmlns:p14="http://schemas.microsoft.com/office/powerpoint/2010/main" val="4042252160"/>
+        <p14:creationId xmlns:p14="http://schemas.microsoft.com/office/powerpoint/2010/main" val="1026151410"/>
       </p:ext>
     </p:extLst>
   </p:cSld>
@@ -7611,6 +6881,186 @@
   <p:cSld>
     <p:spTree>
       <p:nvGrpSpPr>
+        <p:cNvPr id="1" name=""/>
+        <p:cNvGrpSpPr/>
+        <p:nvPr/>
+      </p:nvGrpSpPr>
+      <p:grpSpPr>
+        <a:xfrm>
+          <a:off x="0" y="0"/>
+          <a:ext cx="0" cy="0"/>
+          <a:chOff x="0" y="0"/>
+          <a:chExt cx="0" cy="0"/>
+        </a:xfrm>
+      </p:grpSpPr>
+      <p:sp>
+        <p:nvSpPr>
+          <p:cNvPr id="2" name="Title 1">
+            <a:extLst>
+              <a:ext uri="{FF2B5EF4-FFF2-40B4-BE49-F238E27FC236}">
+                <a16:creationId xmlns:a16="http://schemas.microsoft.com/office/drawing/2014/main" id="{E3589C67-237F-9499-704E-879E4630E271}"/>
+              </a:ext>
+            </a:extLst>
+          </p:cNvPr>
+          <p:cNvSpPr>
+            <a:spLocks noGrp="1"/>
+          </p:cNvSpPr>
+          <p:nvPr>
+            <p:ph type="title"/>
+          </p:nvPr>
+        </p:nvSpPr>
+        <p:spPr/>
+        <p:txBody>
+          <a:bodyPr/>
+          <a:lstStyle/>
+          <a:p>
+            <a:r>
+              <a:rPr lang="en-US" b="1" dirty="0"/>
+              <a:t>Circuit Testing Summary</a:t>
+            </a:r>
+            <a:br>
+              <a:rPr lang="en-US" b="1" dirty="0"/>
+            </a:br>
+            <a:endParaRPr lang="en-US" dirty="0"/>
+          </a:p>
+        </p:txBody>
+      </p:sp>
+      <p:sp>
+        <p:nvSpPr>
+          <p:cNvPr id="3" name="Content Placeholder 2">
+            <a:extLst>
+              <a:ext uri="{FF2B5EF4-FFF2-40B4-BE49-F238E27FC236}">
+                <a16:creationId xmlns:a16="http://schemas.microsoft.com/office/drawing/2014/main" id="{4B7A9842-BD96-BC3E-B182-6D6E1A180B04}"/>
+              </a:ext>
+            </a:extLst>
+          </p:cNvPr>
+          <p:cNvSpPr>
+            <a:spLocks noGrp="1"/>
+          </p:cNvSpPr>
+          <p:nvPr>
+            <p:ph idx="1"/>
+          </p:nvPr>
+        </p:nvSpPr>
+        <p:spPr/>
+        <p:txBody>
+          <a:bodyPr>
+            <a:normAutofit fontScale="92500" lnSpcReduction="20000"/>
+          </a:bodyPr>
+          <a:lstStyle/>
+          <a:p>
+            <a:pPr>
+              <a:buFont typeface="Arial" panose="020B0604020202020204" pitchFamily="34" charset="0"/>
+              <a:buChar char="•"/>
+            </a:pPr>
+            <a:r>
+              <a:rPr lang="en-US" b="1" dirty="0"/>
+              <a:t>AD620 Instrumentation Amplifier</a:t>
+            </a:r>
+            <a:br>
+              <a:rPr lang="en-US" dirty="0"/>
+            </a:br>
+            <a:r>
+              <a:rPr lang="en-US" dirty="0"/>
+              <a:t>Successfully configured to amplify the </a:t>
+            </a:r>
+            <a:r>
+              <a:rPr lang="en-US" b="1" dirty="0"/>
+              <a:t>differential signal</a:t>
+            </a:r>
+            <a:r>
+              <a:rPr lang="en-US" dirty="0"/>
+              <a:t> across the strain gauge and 2.048V </a:t>
+            </a:r>
+            <a:r>
+              <a:rPr lang="en-US" dirty="0" err="1"/>
+              <a:t>Vref</a:t>
+            </a:r>
+            <a:endParaRPr lang="en-US" dirty="0"/>
+          </a:p>
+          <a:p>
+            <a:pPr>
+              <a:buFont typeface="Arial" panose="020B0604020202020204" pitchFamily="34" charset="0"/>
+              <a:buChar char="•"/>
+            </a:pPr>
+            <a:r>
+              <a:rPr lang="en-US" b="1" dirty="0"/>
+              <a:t>LMC6840 Op-Amp</a:t>
+            </a:r>
+            <a:br>
+              <a:rPr lang="en-US" dirty="0"/>
+            </a:br>
+            <a:r>
+              <a:rPr lang="en-US" dirty="0"/>
+              <a:t>Used to amplify the strain gauge voltage in a single-ended configuration. Provided stable output with low noise under 3.3V single-supply operation.</a:t>
+            </a:r>
+          </a:p>
+          <a:p>
+            <a:pPr>
+              <a:buFont typeface="Arial" panose="020B0604020202020204" pitchFamily="34" charset="0"/>
+              <a:buChar char="•"/>
+            </a:pPr>
+            <a:r>
+              <a:rPr lang="en-US" b="1" dirty="0"/>
+              <a:t>Power Supply</a:t>
+            </a:r>
+            <a:br>
+              <a:rPr lang="en-US" dirty="0"/>
+            </a:br>
+            <a:r>
+              <a:rPr lang="en-US" dirty="0"/>
+              <a:t>Tried both </a:t>
+            </a:r>
+            <a:r>
+              <a:rPr lang="en-US" b="1" dirty="0"/>
+              <a:t>5V and 3.3V Low-Voltage Regulator (LVR)</a:t>
+            </a:r>
+            <a:endParaRPr lang="en-US" dirty="0"/>
+          </a:p>
+          <a:p>
+            <a:pPr>
+              <a:buFont typeface="Arial" panose="020B0604020202020204" pitchFamily="34" charset="0"/>
+              <a:buChar char="•"/>
+            </a:pPr>
+            <a:r>
+              <a:rPr lang="en-US" b="1" dirty="0"/>
+              <a:t>Working Circuit</a:t>
+            </a:r>
+            <a:br>
+              <a:rPr lang="en-US" dirty="0"/>
+            </a:br>
+            <a:r>
+              <a:rPr lang="en-US" dirty="0"/>
+              <a:t>Among several configurations tested, </a:t>
+            </a:r>
+            <a:r>
+              <a:rPr lang="en-US" b="1" dirty="0"/>
+              <a:t>only one circuit demonstrated consistent and reliable performance</a:t>
+            </a:r>
+            <a:r>
+              <a:rPr lang="en-US" dirty="0"/>
+              <a:t>. This setup will be the focus of further discussion and documentation.</a:t>
+            </a:r>
+          </a:p>
+        </p:txBody>
+      </p:sp>
+    </p:spTree>
+    <p:extLst>
+      <p:ext uri="{BB962C8B-B14F-4D97-AF65-F5344CB8AC3E}">
+        <p14:creationId xmlns:p14="http://schemas.microsoft.com/office/powerpoint/2010/main" val="2405952199"/>
+      </p:ext>
+    </p:extLst>
+  </p:cSld>
+  <p:clrMapOvr>
+    <a:masterClrMapping/>
+  </p:clrMapOvr>
+</p:sld>
+</file>
+
+<file path=ppt/slides/slide6.xml><?xml version="1.0" encoding="utf-8"?>
+<p:sld xmlns:a="http://schemas.openxmlformats.org/drawingml/2006/main" xmlns:r="http://schemas.openxmlformats.org/officeDocument/2006/relationships" xmlns:p="http://schemas.openxmlformats.org/presentationml/2006/main">
+  <p:cSld>
+    <p:spTree>
+      <p:nvGrpSpPr>
         <p:cNvPr id="1" name="">
           <a:extLst>
             <a:ext uri="{FF2B5EF4-FFF2-40B4-BE49-F238E27FC236}">
@@ -8562,7 +8012,7 @@
         <p:spPr>
           <a:xfrm>
             <a:off x="4407306" y="5230767"/>
-            <a:ext cx="4377688" cy="923330"/>
+            <a:ext cx="4377688" cy="1200329"/>
           </a:xfrm>
           <a:prstGeom prst="rect">
             <a:avLst/>
@@ -8585,7 +8035,7 @@
             <a:pPr algn="ctr"/>
             <a:r>
               <a:rPr lang="en-US" b="1" dirty="0"/>
-              <a:t>ADC bits range from ~ -3000 to 20000 of possible -32k to 32 k</a:t>
+              <a:t>ADC bits range from ~ -3000 to 20000 (as opposed to 5000 delta previously) of possible -32k to 32 k</a:t>
             </a:r>
           </a:p>
         </p:txBody>
@@ -8972,7 +8422,7 @@
 </p:sld>
 </file>
 
-<file path=ppt/slides/slide6.xml><?xml version="1.0" encoding="utf-8"?>
+<file path=ppt/slides/slide7.xml><?xml version="1.0" encoding="utf-8"?>
 <p:sld xmlns:a="http://schemas.openxmlformats.org/drawingml/2006/main" xmlns:r="http://schemas.openxmlformats.org/officeDocument/2006/relationships" xmlns:p="http://schemas.openxmlformats.org/presentationml/2006/main">
   <p:cSld>
     <p:spTree>
@@ -9542,7 +8992,1244 @@
 </p:sld>
 </file>
 
-<file path=ppt/slides/slide7.xml><?xml version="1.0" encoding="utf-8"?>
+<file path=ppt/slides/slide8.xml><?xml version="1.0" encoding="utf-8"?>
+<p:sld xmlns:a="http://schemas.openxmlformats.org/drawingml/2006/main" xmlns:r="http://schemas.openxmlformats.org/officeDocument/2006/relationships" xmlns:p="http://schemas.openxmlformats.org/presentationml/2006/main">
+  <p:cSld>
+    <p:spTree>
+      <p:nvGrpSpPr>
+        <p:cNvPr id="1" name="">
+          <a:extLst>
+            <a:ext uri="{FF2B5EF4-FFF2-40B4-BE49-F238E27FC236}">
+              <a16:creationId xmlns:a16="http://schemas.microsoft.com/office/drawing/2014/main" id="{CBE8A8D5-2479-B3A3-CC32-056B24EC45C4}"/>
+            </a:ext>
+          </a:extLst>
+        </p:cNvPr>
+        <p:cNvGrpSpPr/>
+        <p:nvPr/>
+      </p:nvGrpSpPr>
+      <p:grpSpPr>
+        <a:xfrm>
+          <a:off x="0" y="0"/>
+          <a:ext cx="0" cy="0"/>
+          <a:chOff x="0" y="0"/>
+          <a:chExt cx="0" cy="0"/>
+        </a:xfrm>
+      </p:grpSpPr>
+      <p:cxnSp>
+        <p:nvCxnSpPr>
+          <p:cNvPr id="4" name="Straight Connector 3">
+            <a:extLst>
+              <a:ext uri="{FF2B5EF4-FFF2-40B4-BE49-F238E27FC236}">
+                <a16:creationId xmlns:a16="http://schemas.microsoft.com/office/drawing/2014/main" id="{9C206BE6-9A5E-D405-5F92-3C5A3A54667F}"/>
+              </a:ext>
+            </a:extLst>
+          </p:cNvPr>
+          <p:cNvCxnSpPr/>
+          <p:nvPr/>
+        </p:nvCxnSpPr>
+        <p:spPr>
+          <a:xfrm>
+            <a:off x="1870364" y="1571105"/>
+            <a:ext cx="1143000" cy="0"/>
+          </a:xfrm>
+          <a:prstGeom prst="line">
+            <a:avLst/>
+          </a:prstGeom>
+        </p:spPr>
+        <p:style>
+          <a:lnRef idx="2">
+            <a:schemeClr val="accent1"/>
+          </a:lnRef>
+          <a:fillRef idx="0">
+            <a:schemeClr val="accent1"/>
+          </a:fillRef>
+          <a:effectRef idx="1">
+            <a:schemeClr val="accent1"/>
+          </a:effectRef>
+          <a:fontRef idx="minor">
+            <a:schemeClr val="tx1"/>
+          </a:fontRef>
+        </p:style>
+      </p:cxnSp>
+      <p:cxnSp>
+        <p:nvCxnSpPr>
+          <p:cNvPr id="6" name="Straight Connector 5">
+            <a:extLst>
+              <a:ext uri="{FF2B5EF4-FFF2-40B4-BE49-F238E27FC236}">
+                <a16:creationId xmlns:a16="http://schemas.microsoft.com/office/drawing/2014/main" id="{4C4AFDC4-C91A-E823-7999-4B8C122AE1C3}"/>
+              </a:ext>
+            </a:extLst>
+          </p:cNvPr>
+          <p:cNvCxnSpPr>
+            <a:cxnSpLocks/>
+          </p:cNvCxnSpPr>
+          <p:nvPr/>
+        </p:nvCxnSpPr>
+        <p:spPr>
+          <a:xfrm>
+            <a:off x="2024150" y="1844039"/>
+            <a:ext cx="831272" cy="0"/>
+          </a:xfrm>
+          <a:prstGeom prst="line">
+            <a:avLst/>
+          </a:prstGeom>
+        </p:spPr>
+        <p:style>
+          <a:lnRef idx="2">
+            <a:schemeClr val="accent1"/>
+          </a:lnRef>
+          <a:fillRef idx="0">
+            <a:schemeClr val="accent1"/>
+          </a:fillRef>
+          <a:effectRef idx="1">
+            <a:schemeClr val="accent1"/>
+          </a:effectRef>
+          <a:fontRef idx="minor">
+            <a:schemeClr val="tx1"/>
+          </a:fontRef>
+        </p:style>
+      </p:cxnSp>
+      <p:sp>
+        <p:nvSpPr>
+          <p:cNvPr id="8" name="TextBox 7">
+            <a:extLst>
+              <a:ext uri="{FF2B5EF4-FFF2-40B4-BE49-F238E27FC236}">
+                <a16:creationId xmlns:a16="http://schemas.microsoft.com/office/drawing/2014/main" id="{AABDA052-563B-986E-AAAF-66781B5ECD6B}"/>
+              </a:ext>
+            </a:extLst>
+          </p:cNvPr>
+          <p:cNvSpPr txBox="1"/>
+          <p:nvPr/>
+        </p:nvSpPr>
+        <p:spPr>
+          <a:xfrm>
+            <a:off x="694113" y="1571105"/>
+            <a:ext cx="1616825" cy="369332"/>
+          </a:xfrm>
+          <a:prstGeom prst="rect">
+            <a:avLst/>
+          </a:prstGeom>
+          <a:noFill/>
+        </p:spPr>
+        <p:txBody>
+          <a:bodyPr wrap="square" rtlCol="0">
+            <a:spAutoFit/>
+          </a:bodyPr>
+          <a:lstStyle/>
+          <a:p>
+            <a:r>
+              <a:rPr lang="en-US" b="1" dirty="0"/>
+              <a:t>LVR +3.3V</a:t>
+            </a:r>
+          </a:p>
+        </p:txBody>
+      </p:sp>
+      <p:cxnSp>
+        <p:nvCxnSpPr>
+          <p:cNvPr id="10" name="Straight Connector 9">
+            <a:extLst>
+              <a:ext uri="{FF2B5EF4-FFF2-40B4-BE49-F238E27FC236}">
+                <a16:creationId xmlns:a16="http://schemas.microsoft.com/office/drawing/2014/main" id="{A052D129-56FD-F416-9600-2D95AC900DD0}"/>
+              </a:ext>
+            </a:extLst>
+          </p:cNvPr>
+          <p:cNvCxnSpPr/>
+          <p:nvPr/>
+        </p:nvCxnSpPr>
+        <p:spPr>
+          <a:xfrm flipV="1">
+            <a:off x="2385753" y="980902"/>
+            <a:ext cx="0" cy="590203"/>
+          </a:xfrm>
+          <a:prstGeom prst="line">
+            <a:avLst/>
+          </a:prstGeom>
+        </p:spPr>
+        <p:style>
+          <a:lnRef idx="2">
+            <a:schemeClr val="accent1"/>
+          </a:lnRef>
+          <a:fillRef idx="0">
+            <a:schemeClr val="accent1"/>
+          </a:fillRef>
+          <a:effectRef idx="1">
+            <a:schemeClr val="accent1"/>
+          </a:effectRef>
+          <a:fontRef idx="minor">
+            <a:schemeClr val="tx1"/>
+          </a:fontRef>
+        </p:style>
+      </p:cxnSp>
+      <p:cxnSp>
+        <p:nvCxnSpPr>
+          <p:cNvPr id="12" name="Straight Connector 11">
+            <a:extLst>
+              <a:ext uri="{FF2B5EF4-FFF2-40B4-BE49-F238E27FC236}">
+                <a16:creationId xmlns:a16="http://schemas.microsoft.com/office/drawing/2014/main" id="{95BB7DD4-B04F-B8C6-008F-91A20D9E096D}"/>
+              </a:ext>
+            </a:extLst>
+          </p:cNvPr>
+          <p:cNvCxnSpPr/>
+          <p:nvPr/>
+        </p:nvCxnSpPr>
+        <p:spPr>
+          <a:xfrm>
+            <a:off x="2385753" y="980902"/>
+            <a:ext cx="1483822" cy="0"/>
+          </a:xfrm>
+          <a:prstGeom prst="line">
+            <a:avLst/>
+          </a:prstGeom>
+        </p:spPr>
+        <p:style>
+          <a:lnRef idx="2">
+            <a:schemeClr val="accent1"/>
+          </a:lnRef>
+          <a:fillRef idx="0">
+            <a:schemeClr val="accent1"/>
+          </a:fillRef>
+          <a:effectRef idx="1">
+            <a:schemeClr val="accent1"/>
+          </a:effectRef>
+          <a:fontRef idx="minor">
+            <a:schemeClr val="tx1"/>
+          </a:fontRef>
+        </p:style>
+      </p:cxnSp>
+      <p:cxnSp>
+        <p:nvCxnSpPr>
+          <p:cNvPr id="13" name="Straight Connector 12">
+            <a:extLst>
+              <a:ext uri="{FF2B5EF4-FFF2-40B4-BE49-F238E27FC236}">
+                <a16:creationId xmlns:a16="http://schemas.microsoft.com/office/drawing/2014/main" id="{1FDFB182-FA8F-486C-5B72-605A6329D94F}"/>
+              </a:ext>
+            </a:extLst>
+          </p:cNvPr>
+          <p:cNvCxnSpPr/>
+          <p:nvPr/>
+        </p:nvCxnSpPr>
+        <p:spPr>
+          <a:xfrm>
+            <a:off x="4445924" y="980902"/>
+            <a:ext cx="1483822" cy="0"/>
+          </a:xfrm>
+          <a:prstGeom prst="line">
+            <a:avLst/>
+          </a:prstGeom>
+        </p:spPr>
+        <p:style>
+          <a:lnRef idx="2">
+            <a:schemeClr val="accent1"/>
+          </a:lnRef>
+          <a:fillRef idx="0">
+            <a:schemeClr val="accent1"/>
+          </a:fillRef>
+          <a:effectRef idx="1">
+            <a:schemeClr val="accent1"/>
+          </a:effectRef>
+          <a:fontRef idx="minor">
+            <a:schemeClr val="tx1"/>
+          </a:fontRef>
+        </p:style>
+      </p:cxnSp>
+      <p:cxnSp>
+        <p:nvCxnSpPr>
+          <p:cNvPr id="14" name="Straight Connector 13">
+            <a:extLst>
+              <a:ext uri="{FF2B5EF4-FFF2-40B4-BE49-F238E27FC236}">
+                <a16:creationId xmlns:a16="http://schemas.microsoft.com/office/drawing/2014/main" id="{41EF8F28-0735-8863-1804-E0E19E634DD2}"/>
+              </a:ext>
+            </a:extLst>
+          </p:cNvPr>
+          <p:cNvCxnSpPr/>
+          <p:nvPr/>
+        </p:nvCxnSpPr>
+        <p:spPr>
+          <a:xfrm>
+            <a:off x="6410498" y="980902"/>
+            <a:ext cx="1483822" cy="0"/>
+          </a:xfrm>
+          <a:prstGeom prst="line">
+            <a:avLst/>
+          </a:prstGeom>
+        </p:spPr>
+        <p:style>
+          <a:lnRef idx="2">
+            <a:schemeClr val="accent1"/>
+          </a:lnRef>
+          <a:fillRef idx="0">
+            <a:schemeClr val="accent1"/>
+          </a:fillRef>
+          <a:effectRef idx="1">
+            <a:schemeClr val="accent1"/>
+          </a:effectRef>
+          <a:fontRef idx="minor">
+            <a:schemeClr val="tx1"/>
+          </a:fontRef>
+        </p:style>
+      </p:cxnSp>
+      <p:cxnSp>
+        <p:nvCxnSpPr>
+          <p:cNvPr id="21" name="Straight Connector 20">
+            <a:extLst>
+              <a:ext uri="{FF2B5EF4-FFF2-40B4-BE49-F238E27FC236}">
+                <a16:creationId xmlns:a16="http://schemas.microsoft.com/office/drawing/2014/main" id="{BB09CC2E-3975-DE44-18EE-D6477C865D18}"/>
+              </a:ext>
+            </a:extLst>
+          </p:cNvPr>
+          <p:cNvCxnSpPr>
+            <a:cxnSpLocks/>
+          </p:cNvCxnSpPr>
+          <p:nvPr/>
+        </p:nvCxnSpPr>
+        <p:spPr>
+          <a:xfrm flipV="1">
+            <a:off x="2385753" y="1844039"/>
+            <a:ext cx="0" cy="1364674"/>
+          </a:xfrm>
+          <a:prstGeom prst="line">
+            <a:avLst/>
+          </a:prstGeom>
+        </p:spPr>
+        <p:style>
+          <a:lnRef idx="2">
+            <a:schemeClr val="accent1"/>
+          </a:lnRef>
+          <a:fillRef idx="0">
+            <a:schemeClr val="accent1"/>
+          </a:fillRef>
+          <a:effectRef idx="1">
+            <a:schemeClr val="accent1"/>
+          </a:effectRef>
+          <a:fontRef idx="minor">
+            <a:schemeClr val="tx1"/>
+          </a:fontRef>
+        </p:style>
+      </p:cxnSp>
+      <p:sp>
+        <p:nvSpPr>
+          <p:cNvPr id="23" name="Isosceles Triangle 22">
+            <a:extLst>
+              <a:ext uri="{FF2B5EF4-FFF2-40B4-BE49-F238E27FC236}">
+                <a16:creationId xmlns:a16="http://schemas.microsoft.com/office/drawing/2014/main" id="{0611937C-DFB2-BC3E-4A91-5BDBA7548F1C}"/>
+              </a:ext>
+            </a:extLst>
+          </p:cNvPr>
+          <p:cNvSpPr/>
+          <p:nvPr/>
+        </p:nvSpPr>
+        <p:spPr>
+          <a:xfrm rot="10800000">
+            <a:off x="5733532" y="1944087"/>
+            <a:ext cx="997527" cy="719047"/>
+          </a:xfrm>
+          <a:prstGeom prst="triangle">
+            <a:avLst/>
+          </a:prstGeom>
+        </p:spPr>
+        <p:style>
+          <a:lnRef idx="2">
+            <a:schemeClr val="accent1">
+              <a:shade val="15000"/>
+            </a:schemeClr>
+          </a:lnRef>
+          <a:fillRef idx="1">
+            <a:schemeClr val="accent1"/>
+          </a:fillRef>
+          <a:effectRef idx="0">
+            <a:schemeClr val="accent1"/>
+          </a:effectRef>
+          <a:fontRef idx="minor">
+            <a:schemeClr val="lt1"/>
+          </a:fontRef>
+        </p:style>
+        <p:txBody>
+          <a:bodyPr rtlCol="0" anchor="ctr"/>
+          <a:lstStyle/>
+          <a:p>
+            <a:pPr algn="ctr"/>
+            <a:endParaRPr lang="en-US"/>
+          </a:p>
+        </p:txBody>
+      </p:sp>
+      <p:cxnSp>
+        <p:nvCxnSpPr>
+          <p:cNvPr id="24" name="Straight Connector 23">
+            <a:extLst>
+              <a:ext uri="{FF2B5EF4-FFF2-40B4-BE49-F238E27FC236}">
+                <a16:creationId xmlns:a16="http://schemas.microsoft.com/office/drawing/2014/main" id="{48D01874-BE1E-EE9E-04DC-2955B7EFBDB1}"/>
+              </a:ext>
+            </a:extLst>
+          </p:cNvPr>
+          <p:cNvCxnSpPr>
+            <a:cxnSpLocks/>
+          </p:cNvCxnSpPr>
+          <p:nvPr/>
+        </p:nvCxnSpPr>
+        <p:spPr>
+          <a:xfrm flipV="1">
+            <a:off x="6005945" y="980901"/>
+            <a:ext cx="0" cy="959536"/>
+          </a:xfrm>
+          <a:prstGeom prst="line">
+            <a:avLst/>
+          </a:prstGeom>
+        </p:spPr>
+        <p:style>
+          <a:lnRef idx="2">
+            <a:schemeClr val="accent1"/>
+          </a:lnRef>
+          <a:fillRef idx="0">
+            <a:schemeClr val="accent1"/>
+          </a:fillRef>
+          <a:effectRef idx="1">
+            <a:schemeClr val="accent1"/>
+          </a:effectRef>
+          <a:fontRef idx="minor">
+            <a:schemeClr val="tx1"/>
+          </a:fontRef>
+        </p:style>
+      </p:cxnSp>
+      <p:cxnSp>
+        <p:nvCxnSpPr>
+          <p:cNvPr id="26" name="Straight Connector 25">
+            <a:extLst>
+              <a:ext uri="{FF2B5EF4-FFF2-40B4-BE49-F238E27FC236}">
+                <a16:creationId xmlns:a16="http://schemas.microsoft.com/office/drawing/2014/main" id="{2B7186D4-A28F-A00D-6AEA-C34FED280642}"/>
+              </a:ext>
+            </a:extLst>
+          </p:cNvPr>
+          <p:cNvCxnSpPr>
+            <a:cxnSpLocks/>
+          </p:cNvCxnSpPr>
+          <p:nvPr/>
+        </p:nvCxnSpPr>
+        <p:spPr>
+          <a:xfrm>
+            <a:off x="6475613" y="1410588"/>
+            <a:ext cx="0" cy="529851"/>
+          </a:xfrm>
+          <a:prstGeom prst="line">
+            <a:avLst/>
+          </a:prstGeom>
+        </p:spPr>
+        <p:style>
+          <a:lnRef idx="2">
+            <a:schemeClr val="accent1"/>
+          </a:lnRef>
+          <a:fillRef idx="0">
+            <a:schemeClr val="accent1"/>
+          </a:fillRef>
+          <a:effectRef idx="1">
+            <a:schemeClr val="accent1"/>
+          </a:effectRef>
+          <a:fontRef idx="minor">
+            <a:schemeClr val="tx1"/>
+          </a:fontRef>
+        </p:style>
+      </p:cxnSp>
+      <p:cxnSp>
+        <p:nvCxnSpPr>
+          <p:cNvPr id="30" name="Straight Connector 29">
+            <a:extLst>
+              <a:ext uri="{FF2B5EF4-FFF2-40B4-BE49-F238E27FC236}">
+                <a16:creationId xmlns:a16="http://schemas.microsoft.com/office/drawing/2014/main" id="{2420B3D2-E1C6-01DC-D185-50B87AE5DC67}"/>
+              </a:ext>
+            </a:extLst>
+          </p:cNvPr>
+          <p:cNvCxnSpPr>
+            <a:cxnSpLocks/>
+          </p:cNvCxnSpPr>
+          <p:nvPr/>
+        </p:nvCxnSpPr>
+        <p:spPr>
+          <a:xfrm>
+            <a:off x="6223464" y="2638702"/>
+            <a:ext cx="0" cy="1200291"/>
+          </a:xfrm>
+          <a:prstGeom prst="line">
+            <a:avLst/>
+          </a:prstGeom>
+        </p:spPr>
+        <p:style>
+          <a:lnRef idx="2">
+            <a:schemeClr val="accent1"/>
+          </a:lnRef>
+          <a:fillRef idx="0">
+            <a:schemeClr val="accent1"/>
+          </a:fillRef>
+          <a:effectRef idx="1">
+            <a:schemeClr val="accent1"/>
+          </a:effectRef>
+          <a:fontRef idx="minor">
+            <a:schemeClr val="tx1"/>
+          </a:fontRef>
+        </p:style>
+      </p:cxnSp>
+      <p:sp>
+        <p:nvSpPr>
+          <p:cNvPr id="32" name="TextBox 31">
+            <a:extLst>
+              <a:ext uri="{FF2B5EF4-FFF2-40B4-BE49-F238E27FC236}">
+                <a16:creationId xmlns:a16="http://schemas.microsoft.com/office/drawing/2014/main" id="{DBBFAC45-68E0-C66F-B4A6-C29D2C8F3EFC}"/>
+              </a:ext>
+            </a:extLst>
+          </p:cNvPr>
+          <p:cNvSpPr txBox="1"/>
+          <p:nvPr/>
+        </p:nvSpPr>
+        <p:spPr>
+          <a:xfrm>
+            <a:off x="9457812" y="811472"/>
+            <a:ext cx="760614" cy="369332"/>
+          </a:xfrm>
+          <a:prstGeom prst="rect">
+            <a:avLst/>
+          </a:prstGeom>
+          <a:noFill/>
+        </p:spPr>
+        <p:txBody>
+          <a:bodyPr wrap="square" rtlCol="0">
+            <a:spAutoFit/>
+          </a:bodyPr>
+          <a:lstStyle/>
+          <a:p>
+            <a:r>
+              <a:rPr lang="en-US" dirty="0"/>
+              <a:t>GND</a:t>
+            </a:r>
+          </a:p>
+        </p:txBody>
+      </p:sp>
+      <p:sp>
+        <p:nvSpPr>
+          <p:cNvPr id="41" name="TextBox 40">
+            <a:extLst>
+              <a:ext uri="{FF2B5EF4-FFF2-40B4-BE49-F238E27FC236}">
+                <a16:creationId xmlns:a16="http://schemas.microsoft.com/office/drawing/2014/main" id="{7DFDC12B-78F2-50F5-412C-032B26DC82E9}"/>
+              </a:ext>
+            </a:extLst>
+          </p:cNvPr>
+          <p:cNvSpPr txBox="1"/>
+          <p:nvPr/>
+        </p:nvSpPr>
+        <p:spPr>
+          <a:xfrm>
+            <a:off x="3391244" y="1403533"/>
+            <a:ext cx="2806935" cy="369332"/>
+          </a:xfrm>
+          <a:prstGeom prst="rect">
+            <a:avLst/>
+          </a:prstGeom>
+          <a:noFill/>
+        </p:spPr>
+        <p:txBody>
+          <a:bodyPr wrap="square" rtlCol="0">
+            <a:spAutoFit/>
+          </a:bodyPr>
+          <a:lstStyle/>
+          <a:p>
+            <a:r>
+              <a:rPr lang="en-US" dirty="0"/>
+              <a:t>+1.3 mV to 2.6 mV + </a:t>
+            </a:r>
+            <a:r>
+              <a:rPr lang="en-US" dirty="0" err="1"/>
+              <a:t>Vref</a:t>
+            </a:r>
+            <a:endParaRPr lang="en-US" dirty="0"/>
+          </a:p>
+        </p:txBody>
+      </p:sp>
+      <p:sp>
+        <p:nvSpPr>
+          <p:cNvPr id="42" name="TextBox 41">
+            <a:extLst>
+              <a:ext uri="{FF2B5EF4-FFF2-40B4-BE49-F238E27FC236}">
+                <a16:creationId xmlns:a16="http://schemas.microsoft.com/office/drawing/2014/main" id="{1C8A7CF6-3643-C3C9-CEFD-CB8DBB024B11}"/>
+              </a:ext>
+            </a:extLst>
+          </p:cNvPr>
+          <p:cNvSpPr txBox="1"/>
+          <p:nvPr/>
+        </p:nvSpPr>
+        <p:spPr>
+          <a:xfrm>
+            <a:off x="6485309" y="1400193"/>
+            <a:ext cx="5223167" cy="369332"/>
+          </a:xfrm>
+          <a:prstGeom prst="rect">
+            <a:avLst/>
+          </a:prstGeom>
+          <a:noFill/>
+        </p:spPr>
+        <p:txBody>
+          <a:bodyPr wrap="square" rtlCol="0">
+            <a:spAutoFit/>
+          </a:bodyPr>
+          <a:lstStyle/>
+          <a:p>
+            <a:r>
+              <a:rPr lang="en-US" dirty="0"/>
+              <a:t>~  - 1.95 mV + </a:t>
+            </a:r>
+            <a:r>
+              <a:rPr lang="en-US" dirty="0" err="1"/>
+              <a:t>Vref</a:t>
+            </a:r>
+            <a:r>
+              <a:rPr lang="en-US" dirty="0"/>
+              <a:t> (</a:t>
+            </a:r>
+            <a:r>
+              <a:rPr lang="en-US" b="1" dirty="0"/>
+              <a:t>average of input voltage range</a:t>
+            </a:r>
+            <a:r>
+              <a:rPr lang="en-US" dirty="0"/>
+              <a:t>)</a:t>
+            </a:r>
+          </a:p>
+        </p:txBody>
+      </p:sp>
+      <p:sp>
+        <p:nvSpPr>
+          <p:cNvPr id="51" name="TextBox 50">
+            <a:extLst>
+              <a:ext uri="{FF2B5EF4-FFF2-40B4-BE49-F238E27FC236}">
+                <a16:creationId xmlns:a16="http://schemas.microsoft.com/office/drawing/2014/main" id="{9FF1461A-1B93-5143-5A4E-C61B681FC4F9}"/>
+              </a:ext>
+            </a:extLst>
+          </p:cNvPr>
+          <p:cNvSpPr txBox="1"/>
+          <p:nvPr/>
+        </p:nvSpPr>
+        <p:spPr>
+          <a:xfrm>
+            <a:off x="4112203" y="3888261"/>
+            <a:ext cx="4711755" cy="369332"/>
+          </a:xfrm>
+          <a:prstGeom prst="rect">
+            <a:avLst/>
+          </a:prstGeom>
+          <a:noFill/>
+        </p:spPr>
+        <p:txBody>
+          <a:bodyPr wrap="square" rtlCol="0">
+            <a:spAutoFit/>
+          </a:bodyPr>
+          <a:lstStyle/>
+          <a:p>
+            <a:pPr algn="ctr"/>
+            <a:r>
+              <a:rPr lang="en-US" b="1" dirty="0"/>
+              <a:t>Microcontroller</a:t>
+            </a:r>
+          </a:p>
+        </p:txBody>
+      </p:sp>
+      <p:sp>
+        <p:nvSpPr>
+          <p:cNvPr id="52" name="TextBox 51">
+            <a:extLst>
+              <a:ext uri="{FF2B5EF4-FFF2-40B4-BE49-F238E27FC236}">
+                <a16:creationId xmlns:a16="http://schemas.microsoft.com/office/drawing/2014/main" id="{84B1D0E5-F8FA-E536-8741-9500E70BF119}"/>
+              </a:ext>
+            </a:extLst>
+          </p:cNvPr>
+          <p:cNvSpPr txBox="1"/>
+          <p:nvPr/>
+        </p:nvSpPr>
+        <p:spPr>
+          <a:xfrm>
+            <a:off x="2024150" y="3208713"/>
+            <a:ext cx="760614" cy="369332"/>
+          </a:xfrm>
+          <a:prstGeom prst="rect">
+            <a:avLst/>
+          </a:prstGeom>
+          <a:noFill/>
+        </p:spPr>
+        <p:txBody>
+          <a:bodyPr wrap="square" rtlCol="0">
+            <a:spAutoFit/>
+          </a:bodyPr>
+          <a:lstStyle/>
+          <a:p>
+            <a:r>
+              <a:rPr lang="en-US" dirty="0"/>
+              <a:t>GND</a:t>
+            </a:r>
+          </a:p>
+        </p:txBody>
+      </p:sp>
+      <p:sp>
+        <p:nvSpPr>
+          <p:cNvPr id="53" name="Rectangle 52">
+            <a:extLst>
+              <a:ext uri="{FF2B5EF4-FFF2-40B4-BE49-F238E27FC236}">
+                <a16:creationId xmlns:a16="http://schemas.microsoft.com/office/drawing/2014/main" id="{FD5052F7-EB57-C52E-0E08-B2D1CB2AEF67}"/>
+              </a:ext>
+            </a:extLst>
+          </p:cNvPr>
+          <p:cNvSpPr/>
+          <p:nvPr/>
+        </p:nvSpPr>
+        <p:spPr>
+          <a:xfrm>
+            <a:off x="3851564" y="822961"/>
+            <a:ext cx="644236" cy="315879"/>
+          </a:xfrm>
+          <a:prstGeom prst="rect">
+            <a:avLst/>
+          </a:prstGeom>
+          <a:solidFill>
+            <a:srgbClr val="FFC000"/>
+          </a:solidFill>
+        </p:spPr>
+        <p:style>
+          <a:lnRef idx="2">
+            <a:schemeClr val="accent1">
+              <a:shade val="15000"/>
+            </a:schemeClr>
+          </a:lnRef>
+          <a:fillRef idx="1">
+            <a:schemeClr val="accent1"/>
+          </a:fillRef>
+          <a:effectRef idx="0">
+            <a:schemeClr val="accent1"/>
+          </a:effectRef>
+          <a:fontRef idx="minor">
+            <a:schemeClr val="lt1"/>
+          </a:fontRef>
+        </p:style>
+        <p:txBody>
+          <a:bodyPr rtlCol="0" anchor="ctr"/>
+          <a:lstStyle/>
+          <a:p>
+            <a:pPr algn="ctr"/>
+            <a:endParaRPr lang="en-US" dirty="0"/>
+          </a:p>
+        </p:txBody>
+      </p:sp>
+      <p:sp>
+        <p:nvSpPr>
+          <p:cNvPr id="54" name="Rectangle 53">
+            <a:extLst>
+              <a:ext uri="{FF2B5EF4-FFF2-40B4-BE49-F238E27FC236}">
+                <a16:creationId xmlns:a16="http://schemas.microsoft.com/office/drawing/2014/main" id="{989D726E-4A0E-4382-D29F-5B077F75F071}"/>
+              </a:ext>
+            </a:extLst>
+          </p:cNvPr>
+          <p:cNvSpPr/>
+          <p:nvPr/>
+        </p:nvSpPr>
+        <p:spPr>
+          <a:xfrm>
+            <a:off x="5852161" y="830002"/>
+            <a:ext cx="644236" cy="315879"/>
+          </a:xfrm>
+          <a:prstGeom prst="rect">
+            <a:avLst/>
+          </a:prstGeom>
+          <a:solidFill>
+            <a:srgbClr val="FFC000"/>
+          </a:solidFill>
+        </p:spPr>
+        <p:style>
+          <a:lnRef idx="2">
+            <a:schemeClr val="accent1">
+              <a:shade val="15000"/>
+            </a:schemeClr>
+          </a:lnRef>
+          <a:fillRef idx="1">
+            <a:schemeClr val="accent1"/>
+          </a:fillRef>
+          <a:effectRef idx="0">
+            <a:schemeClr val="accent1"/>
+          </a:effectRef>
+          <a:fontRef idx="minor">
+            <a:schemeClr val="lt1"/>
+          </a:fontRef>
+        </p:style>
+        <p:txBody>
+          <a:bodyPr rtlCol="0" anchor="ctr"/>
+          <a:lstStyle/>
+          <a:p>
+            <a:pPr algn="ctr"/>
+            <a:endParaRPr lang="en-US" dirty="0"/>
+          </a:p>
+        </p:txBody>
+      </p:sp>
+      <p:cxnSp>
+        <p:nvCxnSpPr>
+          <p:cNvPr id="56" name="Straight Arrow Connector 55">
+            <a:extLst>
+              <a:ext uri="{FF2B5EF4-FFF2-40B4-BE49-F238E27FC236}">
+                <a16:creationId xmlns:a16="http://schemas.microsoft.com/office/drawing/2014/main" id="{9F06BC77-B353-E650-3702-B6ABA774CA5D}"/>
+              </a:ext>
+            </a:extLst>
+          </p:cNvPr>
+          <p:cNvCxnSpPr/>
+          <p:nvPr/>
+        </p:nvCxnSpPr>
+        <p:spPr>
+          <a:xfrm flipV="1">
+            <a:off x="6027075" y="581687"/>
+            <a:ext cx="342209" cy="828902"/>
+          </a:xfrm>
+          <a:prstGeom prst="straightConnector1">
+            <a:avLst/>
+          </a:prstGeom>
+          <a:ln>
+            <a:tailEnd type="triangle"/>
+          </a:ln>
+        </p:spPr>
+        <p:style>
+          <a:lnRef idx="2">
+            <a:schemeClr val="accent1"/>
+          </a:lnRef>
+          <a:fillRef idx="0">
+            <a:schemeClr val="accent1"/>
+          </a:fillRef>
+          <a:effectRef idx="1">
+            <a:schemeClr val="accent1"/>
+          </a:effectRef>
+          <a:fontRef idx="minor">
+            <a:schemeClr val="tx1"/>
+          </a:fontRef>
+        </p:style>
+      </p:cxnSp>
+      <p:sp>
+        <p:nvSpPr>
+          <p:cNvPr id="57" name="TextBox 56">
+            <a:extLst>
+              <a:ext uri="{FF2B5EF4-FFF2-40B4-BE49-F238E27FC236}">
+                <a16:creationId xmlns:a16="http://schemas.microsoft.com/office/drawing/2014/main" id="{943817BC-4465-E95C-2D1D-69A4142D7E66}"/>
+              </a:ext>
+            </a:extLst>
+          </p:cNvPr>
+          <p:cNvSpPr txBox="1"/>
+          <p:nvPr/>
+        </p:nvSpPr>
+        <p:spPr>
+          <a:xfrm>
+            <a:off x="4786057" y="208226"/>
+            <a:ext cx="3578628" cy="369332"/>
+          </a:xfrm>
+          <a:prstGeom prst="rect">
+            <a:avLst/>
+          </a:prstGeom>
+          <a:noFill/>
+        </p:spPr>
+        <p:txBody>
+          <a:bodyPr wrap="square" rtlCol="0">
+            <a:spAutoFit/>
+          </a:bodyPr>
+          <a:lstStyle/>
+          <a:p>
+            <a:r>
+              <a:rPr lang="en-US" b="1" dirty="0"/>
+              <a:t>Strain Gauge (0.4 ohm – 0.8ohm)</a:t>
+            </a:r>
+          </a:p>
+        </p:txBody>
+      </p:sp>
+      <p:sp>
+        <p:nvSpPr>
+          <p:cNvPr id="58" name="TextBox 57">
+            <a:extLst>
+              <a:ext uri="{FF2B5EF4-FFF2-40B4-BE49-F238E27FC236}">
+                <a16:creationId xmlns:a16="http://schemas.microsoft.com/office/drawing/2014/main" id="{462AF442-6A0F-5404-008B-7B72D67271B4}"/>
+              </a:ext>
+            </a:extLst>
+          </p:cNvPr>
+          <p:cNvSpPr txBox="1"/>
+          <p:nvPr/>
+        </p:nvSpPr>
+        <p:spPr>
+          <a:xfrm>
+            <a:off x="2850046" y="434021"/>
+            <a:ext cx="3002115" cy="369332"/>
+          </a:xfrm>
+          <a:prstGeom prst="rect">
+            <a:avLst/>
+          </a:prstGeom>
+          <a:noFill/>
+        </p:spPr>
+        <p:txBody>
+          <a:bodyPr wrap="square" rtlCol="0">
+            <a:spAutoFit/>
+          </a:bodyPr>
+          <a:lstStyle/>
+          <a:p>
+            <a:r>
+              <a:rPr lang="en-US" b="1" dirty="0">
+                <a:solidFill>
+                  <a:srgbClr val="FF0000"/>
+                </a:solidFill>
+              </a:rPr>
+              <a:t>1kohm (to limit current)</a:t>
+            </a:r>
+          </a:p>
+        </p:txBody>
+      </p:sp>
+      <p:cxnSp>
+        <p:nvCxnSpPr>
+          <p:cNvPr id="11" name="Straight Arrow Connector 10">
+            <a:extLst>
+              <a:ext uri="{FF2B5EF4-FFF2-40B4-BE49-F238E27FC236}">
+                <a16:creationId xmlns:a16="http://schemas.microsoft.com/office/drawing/2014/main" id="{7080F74A-B1F5-0A88-822A-AAA0BEB4991A}"/>
+              </a:ext>
+            </a:extLst>
+          </p:cNvPr>
+          <p:cNvCxnSpPr>
+            <a:cxnSpLocks/>
+          </p:cNvCxnSpPr>
+          <p:nvPr/>
+        </p:nvCxnSpPr>
+        <p:spPr>
+          <a:xfrm>
+            <a:off x="8999916" y="978239"/>
+            <a:ext cx="424296" cy="0"/>
+          </a:xfrm>
+          <a:prstGeom prst="straightConnector1">
+            <a:avLst/>
+          </a:prstGeom>
+          <a:ln>
+            <a:tailEnd type="triangle"/>
+          </a:ln>
+        </p:spPr>
+        <p:style>
+          <a:lnRef idx="2">
+            <a:schemeClr val="accent1"/>
+          </a:lnRef>
+          <a:fillRef idx="0">
+            <a:schemeClr val="accent1"/>
+          </a:fillRef>
+          <a:effectRef idx="1">
+            <a:schemeClr val="accent1"/>
+          </a:effectRef>
+          <a:fontRef idx="minor">
+            <a:schemeClr val="tx1"/>
+          </a:fontRef>
+        </p:style>
+      </p:cxnSp>
+      <p:sp>
+        <p:nvSpPr>
+          <p:cNvPr id="17" name="TextBox 16">
+            <a:extLst>
+              <a:ext uri="{FF2B5EF4-FFF2-40B4-BE49-F238E27FC236}">
+                <a16:creationId xmlns:a16="http://schemas.microsoft.com/office/drawing/2014/main" id="{80776BA2-8832-BD85-F394-46D2CC02D2CA}"/>
+              </a:ext>
+            </a:extLst>
+          </p:cNvPr>
+          <p:cNvSpPr txBox="1"/>
+          <p:nvPr/>
+        </p:nvSpPr>
+        <p:spPr>
+          <a:xfrm>
+            <a:off x="6596150" y="2058276"/>
+            <a:ext cx="2926771" cy="1200329"/>
+          </a:xfrm>
+          <a:prstGeom prst="rect">
+            <a:avLst/>
+          </a:prstGeom>
+          <a:noFill/>
+        </p:spPr>
+        <p:txBody>
+          <a:bodyPr wrap="square" rtlCol="0">
+            <a:spAutoFit/>
+          </a:bodyPr>
+          <a:lstStyle/>
+          <a:p>
+            <a:r>
+              <a:rPr lang="en-US" b="1" dirty="0"/>
+              <a:t>ADS112C04</a:t>
+            </a:r>
+            <a:r>
+              <a:rPr lang="en-US" dirty="0"/>
+              <a:t> 16-Bit, 4-Channel, 2-kSPS, Delta-Sigma ADC With </a:t>
+            </a:r>
+            <a:r>
+              <a:rPr lang="en-US" b="1" dirty="0"/>
+              <a:t>I2C Interface</a:t>
+            </a:r>
+            <a:r>
+              <a:rPr lang="en-US" dirty="0"/>
+              <a:t>, </a:t>
+            </a:r>
+            <a:r>
+              <a:rPr lang="en-US" b="1" dirty="0"/>
+              <a:t>128x Gain</a:t>
+            </a:r>
+            <a:r>
+              <a:rPr lang="en-US" dirty="0"/>
+              <a:t>!</a:t>
+            </a:r>
+          </a:p>
+        </p:txBody>
+      </p:sp>
+      <p:sp>
+        <p:nvSpPr>
+          <p:cNvPr id="18" name="TextBox 17">
+            <a:extLst>
+              <a:ext uri="{FF2B5EF4-FFF2-40B4-BE49-F238E27FC236}">
+                <a16:creationId xmlns:a16="http://schemas.microsoft.com/office/drawing/2014/main" id="{EDF3F37B-1947-BD16-8791-4BB7E9EA3B4C}"/>
+              </a:ext>
+            </a:extLst>
+          </p:cNvPr>
+          <p:cNvSpPr txBox="1"/>
+          <p:nvPr/>
+        </p:nvSpPr>
+        <p:spPr>
+          <a:xfrm>
+            <a:off x="191193" y="195941"/>
+            <a:ext cx="2323408" cy="646331"/>
+          </a:xfrm>
+          <a:prstGeom prst="rect">
+            <a:avLst/>
+          </a:prstGeom>
+        </p:spPr>
+        <p:style>
+          <a:lnRef idx="2">
+            <a:schemeClr val="dk1"/>
+          </a:lnRef>
+          <a:fillRef idx="1">
+            <a:schemeClr val="lt1"/>
+          </a:fillRef>
+          <a:effectRef idx="0">
+            <a:schemeClr val="dk1"/>
+          </a:effectRef>
+          <a:fontRef idx="minor">
+            <a:schemeClr val="dk1"/>
+          </a:fontRef>
+        </p:style>
+        <p:txBody>
+          <a:bodyPr wrap="square" rtlCol="0">
+            <a:spAutoFit/>
+          </a:bodyPr>
+          <a:lstStyle/>
+          <a:p>
+            <a:pPr algn="ctr"/>
+            <a:r>
+              <a:rPr lang="en-US" b="1" dirty="0"/>
+              <a:t>Circuit V2 Option </a:t>
+            </a:r>
+            <a:r>
+              <a:rPr lang="en-US" b="1" dirty="0">
+                <a:solidFill>
+                  <a:srgbClr val="FF0000"/>
+                </a:solidFill>
+              </a:rPr>
+              <a:t>(IDEAL)</a:t>
+            </a:r>
+          </a:p>
+        </p:txBody>
+      </p:sp>
+      <p:sp>
+        <p:nvSpPr>
+          <p:cNvPr id="20" name="TextBox 19">
+            <a:extLst>
+              <a:ext uri="{FF2B5EF4-FFF2-40B4-BE49-F238E27FC236}">
+                <a16:creationId xmlns:a16="http://schemas.microsoft.com/office/drawing/2014/main" id="{12D06E10-2F38-0C96-67F7-3F87B49AA9C2}"/>
+              </a:ext>
+            </a:extLst>
+          </p:cNvPr>
+          <p:cNvSpPr txBox="1"/>
+          <p:nvPr/>
+        </p:nvSpPr>
+        <p:spPr>
+          <a:xfrm>
+            <a:off x="6057902" y="2002621"/>
+            <a:ext cx="760614" cy="369332"/>
+          </a:xfrm>
+          <a:prstGeom prst="rect">
+            <a:avLst/>
+          </a:prstGeom>
+          <a:noFill/>
+        </p:spPr>
+        <p:txBody>
+          <a:bodyPr wrap="square" rtlCol="0">
+            <a:spAutoFit/>
+          </a:bodyPr>
+          <a:lstStyle/>
+          <a:p>
+            <a:r>
+              <a:rPr lang="en-US" dirty="0">
+                <a:solidFill>
+                  <a:schemeClr val="bg1"/>
+                </a:solidFill>
+              </a:rPr>
+              <a:t>X?</a:t>
+            </a:r>
+          </a:p>
+        </p:txBody>
+      </p:sp>
+      <p:sp>
+        <p:nvSpPr>
+          <p:cNvPr id="2" name="Rectangle 1">
+            <a:extLst>
+              <a:ext uri="{FF2B5EF4-FFF2-40B4-BE49-F238E27FC236}">
+                <a16:creationId xmlns:a16="http://schemas.microsoft.com/office/drawing/2014/main" id="{99C1F8D9-FD86-637E-22C4-B6457CA8848B}"/>
+              </a:ext>
+            </a:extLst>
+          </p:cNvPr>
+          <p:cNvSpPr/>
+          <p:nvPr/>
+        </p:nvSpPr>
+        <p:spPr>
+          <a:xfrm>
+            <a:off x="7745902" y="682095"/>
+            <a:ext cx="1315667" cy="581425"/>
+          </a:xfrm>
+          <a:prstGeom prst="rect">
+            <a:avLst/>
+          </a:prstGeom>
+          <a:solidFill>
+            <a:schemeClr val="accent1"/>
+          </a:solidFill>
+        </p:spPr>
+        <p:style>
+          <a:lnRef idx="2">
+            <a:schemeClr val="accent1">
+              <a:shade val="15000"/>
+            </a:schemeClr>
+          </a:lnRef>
+          <a:fillRef idx="1">
+            <a:schemeClr val="accent1"/>
+          </a:fillRef>
+          <a:effectRef idx="0">
+            <a:schemeClr val="accent1"/>
+          </a:effectRef>
+          <a:fontRef idx="minor">
+            <a:schemeClr val="lt1"/>
+          </a:fontRef>
+        </p:style>
+        <p:txBody>
+          <a:bodyPr rtlCol="0" anchor="ctr"/>
+          <a:lstStyle/>
+          <a:p>
+            <a:pPr algn="ctr"/>
+            <a:endParaRPr lang="en-US" dirty="0"/>
+          </a:p>
+        </p:txBody>
+      </p:sp>
+      <p:sp>
+        <p:nvSpPr>
+          <p:cNvPr id="3" name="TextBox 2">
+            <a:extLst>
+              <a:ext uri="{FF2B5EF4-FFF2-40B4-BE49-F238E27FC236}">
+                <a16:creationId xmlns:a16="http://schemas.microsoft.com/office/drawing/2014/main" id="{114E7E11-DC7D-14A6-9313-7BAD0E3BDA6B}"/>
+              </a:ext>
+            </a:extLst>
+          </p:cNvPr>
+          <p:cNvSpPr txBox="1"/>
+          <p:nvPr/>
+        </p:nvSpPr>
+        <p:spPr>
+          <a:xfrm>
+            <a:off x="7764952" y="796947"/>
+            <a:ext cx="1378873" cy="369332"/>
+          </a:xfrm>
+          <a:prstGeom prst="rect">
+            <a:avLst/>
+          </a:prstGeom>
+          <a:noFill/>
+        </p:spPr>
+        <p:txBody>
+          <a:bodyPr wrap="square" rtlCol="0">
+            <a:spAutoFit/>
+          </a:bodyPr>
+          <a:lstStyle/>
+          <a:p>
+            <a:r>
+              <a:rPr lang="en-US" dirty="0">
+                <a:solidFill>
+                  <a:schemeClr val="bg1"/>
+                </a:solidFill>
+              </a:rPr>
+              <a:t>2.048V </a:t>
+            </a:r>
+            <a:r>
+              <a:rPr lang="en-US" dirty="0" err="1">
+                <a:solidFill>
+                  <a:schemeClr val="bg1"/>
+                </a:solidFill>
+              </a:rPr>
+              <a:t>Vref</a:t>
+            </a:r>
+            <a:endParaRPr lang="en-US" dirty="0">
+              <a:solidFill>
+                <a:schemeClr val="bg1"/>
+              </a:solidFill>
+            </a:endParaRPr>
+          </a:p>
+        </p:txBody>
+      </p:sp>
+      <p:sp>
+        <p:nvSpPr>
+          <p:cNvPr id="5" name="TextBox 4">
+            <a:extLst>
+              <a:ext uri="{FF2B5EF4-FFF2-40B4-BE49-F238E27FC236}">
+                <a16:creationId xmlns:a16="http://schemas.microsoft.com/office/drawing/2014/main" id="{D22FB1FB-EF49-186C-06A0-9F5AC155AEC4}"/>
+              </a:ext>
+            </a:extLst>
+          </p:cNvPr>
+          <p:cNvSpPr txBox="1"/>
+          <p:nvPr/>
+        </p:nvSpPr>
+        <p:spPr>
+          <a:xfrm>
+            <a:off x="2610373" y="5250887"/>
+            <a:ext cx="6596149" cy="369332"/>
+          </a:xfrm>
+          <a:prstGeom prst="rect">
+            <a:avLst/>
+          </a:prstGeom>
+        </p:spPr>
+        <p:style>
+          <a:lnRef idx="2">
+            <a:schemeClr val="dk1"/>
+          </a:lnRef>
+          <a:fillRef idx="1">
+            <a:schemeClr val="lt1"/>
+          </a:fillRef>
+          <a:effectRef idx="0">
+            <a:schemeClr val="dk1"/>
+          </a:effectRef>
+          <a:fontRef idx="minor">
+            <a:schemeClr val="dk1"/>
+          </a:fontRef>
+        </p:style>
+        <p:txBody>
+          <a:bodyPr wrap="square" rtlCol="0">
+            <a:spAutoFit/>
+          </a:bodyPr>
+          <a:lstStyle/>
+          <a:p>
+            <a:pPr algn="ctr"/>
+            <a:r>
+              <a:rPr lang="en-US" b="1" dirty="0"/>
+              <a:t>Using Differential ADC for Common Mode Rejection</a:t>
+            </a:r>
+          </a:p>
+        </p:txBody>
+      </p:sp>
+    </p:spTree>
+    <p:extLst>
+      <p:ext uri="{BB962C8B-B14F-4D97-AF65-F5344CB8AC3E}">
+        <p14:creationId xmlns:p14="http://schemas.microsoft.com/office/powerpoint/2010/main" val="3693646682"/>
+      </p:ext>
+    </p:extLst>
+  </p:cSld>
+  <p:clrMapOvr>
+    <a:masterClrMapping/>
+  </p:clrMapOvr>
+</p:sld>
+</file>
+
+<file path=ppt/slides/slide9.xml><?xml version="1.0" encoding="utf-8"?>
 <p:sld xmlns:a="http://schemas.openxmlformats.org/drawingml/2006/main" xmlns:r="http://schemas.openxmlformats.org/officeDocument/2006/relationships" xmlns:p="http://schemas.openxmlformats.org/presentationml/2006/main">
   <p:cSld>
     <p:spTree>
@@ -9819,178 +10506,6 @@
     <p:extLst>
       <p:ext uri="{BB962C8B-B14F-4D97-AF65-F5344CB8AC3E}">
         <p14:creationId xmlns:p14="http://schemas.microsoft.com/office/powerpoint/2010/main" val="289257297"/>
-      </p:ext>
-    </p:extLst>
-  </p:cSld>
-  <p:clrMapOvr>
-    <a:masterClrMapping/>
-  </p:clrMapOvr>
-</p:sld>
-</file>
-
-<file path=ppt/slides/slide8.xml><?xml version="1.0" encoding="utf-8"?>
-<p:sld xmlns:a="http://schemas.openxmlformats.org/drawingml/2006/main" xmlns:r="http://schemas.openxmlformats.org/officeDocument/2006/relationships" xmlns:p="http://schemas.openxmlformats.org/presentationml/2006/main">
-  <p:cSld>
-    <p:spTree>
-      <p:nvGrpSpPr>
-        <p:cNvPr id="1" name=""/>
-        <p:cNvGrpSpPr/>
-        <p:nvPr/>
-      </p:nvGrpSpPr>
-      <p:grpSpPr>
-        <a:xfrm>
-          <a:off x="0" y="0"/>
-          <a:ext cx="0" cy="0"/>
-          <a:chOff x="0" y="0"/>
-          <a:chExt cx="0" cy="0"/>
-        </a:xfrm>
-      </p:grpSpPr>
-      <p:pic>
-        <p:nvPicPr>
-          <p:cNvPr id="5" name="Picture 4">
-            <a:extLst>
-              <a:ext uri="{FF2B5EF4-FFF2-40B4-BE49-F238E27FC236}">
-                <a16:creationId xmlns:a16="http://schemas.microsoft.com/office/drawing/2014/main" id="{3A82C5BC-9EFD-3BDB-825A-E503E88F76F2}"/>
-              </a:ext>
-            </a:extLst>
-          </p:cNvPr>
-          <p:cNvPicPr>
-            <a:picLocks noChangeAspect="1"/>
-          </p:cNvPicPr>
-          <p:nvPr/>
-        </p:nvPicPr>
-        <p:blipFill>
-          <a:blip r:embed="rId2"/>
-          <a:stretch>
-            <a:fillRect/>
-          </a:stretch>
-        </p:blipFill>
-        <p:spPr>
-          <a:xfrm>
-            <a:off x="1128851" y="842861"/>
-            <a:ext cx="9006436" cy="5070593"/>
-          </a:xfrm>
-          <a:prstGeom prst="rect">
-            <a:avLst/>
-          </a:prstGeom>
-        </p:spPr>
-      </p:pic>
-      <p:sp>
-        <p:nvSpPr>
-          <p:cNvPr id="6" name="Rectangle 5">
-            <a:extLst>
-              <a:ext uri="{FF2B5EF4-FFF2-40B4-BE49-F238E27FC236}">
-                <a16:creationId xmlns:a16="http://schemas.microsoft.com/office/drawing/2014/main" id="{953AB804-FBE9-2B42-F70C-9DE27F181F02}"/>
-              </a:ext>
-            </a:extLst>
-          </p:cNvPr>
-          <p:cNvSpPr/>
-          <p:nvPr/>
-        </p:nvSpPr>
-        <p:spPr>
-          <a:xfrm>
-            <a:off x="7892933" y="2709949"/>
-            <a:ext cx="673331" cy="2269377"/>
-          </a:xfrm>
-          <a:prstGeom prst="rect">
-            <a:avLst/>
-          </a:prstGeom>
-          <a:noFill/>
-          <a:ln>
-            <a:solidFill>
-              <a:srgbClr val="FF0000"/>
-            </a:solidFill>
-          </a:ln>
-        </p:spPr>
-        <p:style>
-          <a:lnRef idx="2">
-            <a:schemeClr val="accent1">
-              <a:shade val="15000"/>
-            </a:schemeClr>
-          </a:lnRef>
-          <a:fillRef idx="1">
-            <a:schemeClr val="accent1"/>
-          </a:fillRef>
-          <a:effectRef idx="0">
-            <a:schemeClr val="accent1"/>
-          </a:effectRef>
-          <a:fontRef idx="minor">
-            <a:schemeClr val="lt1"/>
-          </a:fontRef>
-        </p:style>
-        <p:txBody>
-          <a:bodyPr rtlCol="0" anchor="ctr"/>
-          <a:lstStyle/>
-          <a:p>
-            <a:pPr algn="ctr"/>
-            <a:endParaRPr lang="en-US"/>
-          </a:p>
-        </p:txBody>
-      </p:sp>
-    </p:spTree>
-    <p:extLst>
-      <p:ext uri="{BB962C8B-B14F-4D97-AF65-F5344CB8AC3E}">
-        <p14:creationId xmlns:p14="http://schemas.microsoft.com/office/powerpoint/2010/main" val="319549533"/>
-      </p:ext>
-    </p:extLst>
-  </p:cSld>
-  <p:clrMapOvr>
-    <a:masterClrMapping/>
-  </p:clrMapOvr>
-</p:sld>
-</file>
-
-<file path=ppt/slides/slide9.xml><?xml version="1.0" encoding="utf-8"?>
-<p:sld xmlns:a="http://schemas.openxmlformats.org/drawingml/2006/main" xmlns:r="http://schemas.openxmlformats.org/officeDocument/2006/relationships" xmlns:p="http://schemas.openxmlformats.org/presentationml/2006/main">
-  <p:cSld>
-    <p:spTree>
-      <p:nvGrpSpPr>
-        <p:cNvPr id="1" name=""/>
-        <p:cNvGrpSpPr/>
-        <p:nvPr/>
-      </p:nvGrpSpPr>
-      <p:grpSpPr>
-        <a:xfrm>
-          <a:off x="0" y="0"/>
-          <a:ext cx="0" cy="0"/>
-          <a:chOff x="0" y="0"/>
-          <a:chExt cx="0" cy="0"/>
-        </a:xfrm>
-      </p:grpSpPr>
-      <p:pic>
-        <p:nvPicPr>
-          <p:cNvPr id="5" name="Picture 4">
-            <a:extLst>
-              <a:ext uri="{FF2B5EF4-FFF2-40B4-BE49-F238E27FC236}">
-                <a16:creationId xmlns:a16="http://schemas.microsoft.com/office/drawing/2014/main" id="{4B63EF5B-1C0C-AB6B-4AE1-E34DDDDE7BA9}"/>
-              </a:ext>
-            </a:extLst>
-          </p:cNvPr>
-          <p:cNvPicPr>
-            <a:picLocks noChangeAspect="1"/>
-          </p:cNvPicPr>
-          <p:nvPr/>
-        </p:nvPicPr>
-        <p:blipFill>
-          <a:blip r:embed="rId2"/>
-          <a:stretch>
-            <a:fillRect/>
-          </a:stretch>
-        </p:blipFill>
-        <p:spPr>
-          <a:xfrm>
-            <a:off x="3566155" y="247374"/>
-            <a:ext cx="4103726" cy="6363251"/>
-          </a:xfrm>
-          <a:prstGeom prst="rect">
-            <a:avLst/>
-          </a:prstGeom>
-        </p:spPr>
-      </p:pic>
-    </p:spTree>
-    <p:extLst>
-      <p:ext uri="{BB962C8B-B14F-4D97-AF65-F5344CB8AC3E}">
-        <p14:creationId xmlns:p14="http://schemas.microsoft.com/office/powerpoint/2010/main" val="3365871758"/>
       </p:ext>
     </p:extLst>
   </p:cSld>

--- a/kinematic presentations/3_27_25.pptx
+++ b/kinematic presentations/3_27_25.pptx
@@ -13,10 +13,11 @@
     <p:sldId id="264" r:id="rId7"/>
     <p:sldId id="263" r:id="rId8"/>
     <p:sldId id="269" r:id="rId9"/>
-    <p:sldId id="260" r:id="rId10"/>
-    <p:sldId id="261" r:id="rId11"/>
-    <p:sldId id="262" r:id="rId12"/>
-    <p:sldId id="267" r:id="rId13"/>
+    <p:sldId id="270" r:id="rId10"/>
+    <p:sldId id="260" r:id="rId11"/>
+    <p:sldId id="261" r:id="rId12"/>
+    <p:sldId id="262" r:id="rId13"/>
+    <p:sldId id="267" r:id="rId14"/>
   </p:sldIdLst>
   <p:sldSz cx="12192000" cy="6858000"/>
   <p:notesSz cx="6858000" cy="9144000"/>
@@ -126,7 +127,7 @@
 <file path=ppt/revisionInfo.xml><?xml version="1.0" encoding="utf-8"?>
 <p1510:revInfo xmlns:a="http://schemas.openxmlformats.org/drawingml/2006/main" xmlns:r="http://schemas.openxmlformats.org/officeDocument/2006/relationships" xmlns:p1510="http://schemas.microsoft.com/office/powerpoint/2015/10/main">
   <p1510:revLst>
-    <p1510:client id="{B038CA70-2003-4CAB-A470-D5763C6E48CF}" v="64" dt="2025-04-09T17:25:35.488"/>
+    <p1510:client id="{B038CA70-2003-4CAB-A470-D5763C6E48CF}" v="66" dt="2025-04-09T18:13:24.615"/>
   </p1510:revLst>
 </p1510:revInfo>
 </file>
@@ -136,7 +137,7 @@
   <pc:docChgLst>
     <pc:chgData name="Oppenheim, Tomas" userId="7bbdd6b4-1f3d-4fdd-ac21-d8c716941374" providerId="ADAL" clId="{B038CA70-2003-4CAB-A470-D5763C6E48CF}"/>
     <pc:docChg chg="undo custSel addSld delSld modSld sldOrd">
-      <pc:chgData name="Oppenheim, Tomas" userId="7bbdd6b4-1f3d-4fdd-ac21-d8c716941374" providerId="ADAL" clId="{B038CA70-2003-4CAB-A470-D5763C6E48CF}" dt="2025-04-09T17:25:35.487" v="2009"/>
+      <pc:chgData name="Oppenheim, Tomas" userId="7bbdd6b4-1f3d-4fdd-ac21-d8c716941374" providerId="ADAL" clId="{B038CA70-2003-4CAB-A470-D5763C6E48CF}" dt="2025-04-09T18:15:31.706" v="2494" actId="20577"/>
       <pc:docMkLst>
         <pc:docMk/>
       </pc:docMkLst>
@@ -164,7 +165,7 @@
         </pc:picChg>
       </pc:sldChg>
       <pc:sldChg chg="addSp delSp modSp add mod">
-        <pc:chgData name="Oppenheim, Tomas" userId="7bbdd6b4-1f3d-4fdd-ac21-d8c716941374" providerId="ADAL" clId="{B038CA70-2003-4CAB-A470-D5763C6E48CF}" dt="2025-04-09T14:58:20.025" v="904" actId="20577"/>
+        <pc:chgData name="Oppenheim, Tomas" userId="7bbdd6b4-1f3d-4fdd-ac21-d8c716941374" providerId="ADAL" clId="{B038CA70-2003-4CAB-A470-D5763C6E48CF}" dt="2025-04-09T18:12:57.166" v="2392" actId="1076"/>
         <pc:sldMkLst>
           <pc:docMk/>
           <pc:sldMk cId="289257297" sldId="260"/>
@@ -185,6 +186,14 @@
             <ac:spMk id="7" creationId="{D76A7EDB-7D75-6EF0-618A-F6FA99A6A4E2}"/>
           </ac:spMkLst>
         </pc:spChg>
+        <pc:spChg chg="add mod">
+          <ac:chgData name="Oppenheim, Tomas" userId="7bbdd6b4-1f3d-4fdd-ac21-d8c716941374" providerId="ADAL" clId="{B038CA70-2003-4CAB-A470-D5763C6E48CF}" dt="2025-04-09T18:12:57.166" v="2392" actId="1076"/>
+          <ac:spMkLst>
+            <pc:docMk/>
+            <pc:sldMk cId="289257297" sldId="260"/>
+            <ac:spMk id="8" creationId="{865A04EC-09E6-7E2A-659C-4F8C7A8F6065}"/>
+          </ac:spMkLst>
+        </pc:spChg>
         <pc:spChg chg="del">
           <ac:chgData name="Oppenheim, Tomas" userId="7bbdd6b4-1f3d-4fdd-ac21-d8c716941374" providerId="ADAL" clId="{B038CA70-2003-4CAB-A470-D5763C6E48CF}" dt="2025-04-09T12:41:07.479" v="8" actId="478"/>
           <ac:spMkLst>
@@ -265,6 +274,14 @@
             <ac:picMk id="8" creationId="{7932D1C9-AE9C-4254-6F67-947E7F97347E}"/>
           </ac:picMkLst>
         </pc:picChg>
+        <pc:cxnChg chg="add mod">
+          <ac:chgData name="Oppenheim, Tomas" userId="7bbdd6b4-1f3d-4fdd-ac21-d8c716941374" providerId="ADAL" clId="{B038CA70-2003-4CAB-A470-D5763C6E48CF}" dt="2025-04-09T18:12:50.638" v="2389" actId="1076"/>
+          <ac:cxnSpMkLst>
+            <pc:docMk/>
+            <pc:sldMk cId="289257297" sldId="260"/>
+            <ac:cxnSpMk id="4" creationId="{9BE17732-4B80-DC2E-63A2-60A29001A06D}"/>
+          </ac:cxnSpMkLst>
+        </pc:cxnChg>
       </pc:sldChg>
       <pc:sldChg chg="addSp delSp modSp new mod">
         <pc:chgData name="Oppenheim, Tomas" userId="7bbdd6b4-1f3d-4fdd-ac21-d8c716941374" providerId="ADAL" clId="{B038CA70-2003-4CAB-A470-D5763C6E48CF}" dt="2025-04-09T12:46:18.658" v="216" actId="1076"/>
@@ -337,11 +354,19 @@
         </pc:picChg>
       </pc:sldChg>
       <pc:sldChg chg="addSp delSp modSp new mod">
-        <pc:chgData name="Oppenheim, Tomas" userId="7bbdd6b4-1f3d-4fdd-ac21-d8c716941374" providerId="ADAL" clId="{B038CA70-2003-4CAB-A470-D5763C6E48CF}" dt="2025-04-09T14:52:23.629" v="902" actId="14100"/>
+        <pc:chgData name="Oppenheim, Tomas" userId="7bbdd6b4-1f3d-4fdd-ac21-d8c716941374" providerId="ADAL" clId="{B038CA70-2003-4CAB-A470-D5763C6E48CF}" dt="2025-04-09T18:13:49.888" v="2457" actId="1076"/>
         <pc:sldMkLst>
           <pc:docMk/>
           <pc:sldMk cId="936320411" sldId="263"/>
         </pc:sldMkLst>
+        <pc:spChg chg="add mod">
+          <ac:chgData name="Oppenheim, Tomas" userId="7bbdd6b4-1f3d-4fdd-ac21-d8c716941374" providerId="ADAL" clId="{B038CA70-2003-4CAB-A470-D5763C6E48CF}" dt="2025-04-09T18:13:49.888" v="2457" actId="1076"/>
+          <ac:spMkLst>
+            <pc:docMk/>
+            <pc:sldMk cId="936320411" sldId="263"/>
+            <ac:spMk id="2" creationId="{ACCC6E6A-E1AF-1328-896A-5048161B7BE6}"/>
+          </ac:spMkLst>
+        </pc:spChg>
         <pc:spChg chg="del">
           <ac:chgData name="Oppenheim, Tomas" userId="7bbdd6b4-1f3d-4fdd-ac21-d8c716941374" providerId="ADAL" clId="{B038CA70-2003-4CAB-A470-D5763C6E48CF}" dt="2025-04-09T14:09:52.972" v="224" actId="478"/>
           <ac:spMkLst>
@@ -407,7 +432,7 @@
           </ac:spMkLst>
         </pc:spChg>
         <pc:picChg chg="add del mod">
-          <ac:chgData name="Oppenheim, Tomas" userId="7bbdd6b4-1f3d-4fdd-ac21-d8c716941374" providerId="ADAL" clId="{B038CA70-2003-4CAB-A470-D5763C6E48CF}" dt="2025-04-09T14:50:22.819" v="853" actId="1076"/>
+          <ac:chgData name="Oppenheim, Tomas" userId="7bbdd6b4-1f3d-4fdd-ac21-d8c716941374" providerId="ADAL" clId="{B038CA70-2003-4CAB-A470-D5763C6E48CF}" dt="2025-04-09T18:13:45.911" v="2456" actId="1076"/>
           <ac:picMkLst>
             <pc:docMk/>
             <pc:sldMk cId="936320411" sldId="263"/>
@@ -1219,17 +1244,72 @@
         </pc:spChg>
       </pc:sldChg>
       <pc:sldChg chg="addSp modSp add mod">
-        <pc:chgData name="Oppenheim, Tomas" userId="7bbdd6b4-1f3d-4fdd-ac21-d8c716941374" providerId="ADAL" clId="{B038CA70-2003-4CAB-A470-D5763C6E48CF}" dt="2025-04-09T17:20:08.740" v="2008" actId="20577"/>
+        <pc:chgData name="Oppenheim, Tomas" userId="7bbdd6b4-1f3d-4fdd-ac21-d8c716941374" providerId="ADAL" clId="{B038CA70-2003-4CAB-A470-D5763C6E48CF}" dt="2025-04-09T17:49:31.473" v="2143" actId="20577"/>
         <pc:sldMkLst>
           <pc:docMk/>
           <pc:sldMk cId="3693646682" sldId="269"/>
         </pc:sldMkLst>
         <pc:spChg chg="add mod">
-          <ac:chgData name="Oppenheim, Tomas" userId="7bbdd6b4-1f3d-4fdd-ac21-d8c716941374" providerId="ADAL" clId="{B038CA70-2003-4CAB-A470-D5763C6E48CF}" dt="2025-04-09T17:20:08.740" v="2008" actId="20577"/>
+          <ac:chgData name="Oppenheim, Tomas" userId="7bbdd6b4-1f3d-4fdd-ac21-d8c716941374" providerId="ADAL" clId="{B038CA70-2003-4CAB-A470-D5763C6E48CF}" dt="2025-04-09T17:48:12.362" v="2119" actId="207"/>
           <ac:spMkLst>
             <pc:docMk/>
             <pc:sldMk cId="3693646682" sldId="269"/>
             <ac:spMk id="5" creationId="{D22FB1FB-EF49-186C-06A0-9F5AC155AEC4}"/>
+          </ac:spMkLst>
+        </pc:spChg>
+        <pc:spChg chg="mod">
+          <ac:chgData name="Oppenheim, Tomas" userId="7bbdd6b4-1f3d-4fdd-ac21-d8c716941374" providerId="ADAL" clId="{B038CA70-2003-4CAB-A470-D5763C6E48CF}" dt="2025-04-09T17:49:31.473" v="2143" actId="20577"/>
+          <ac:spMkLst>
+            <pc:docMk/>
+            <pc:sldMk cId="3693646682" sldId="269"/>
+            <ac:spMk id="17" creationId="{80776BA2-8832-BD85-F394-46D2CC02D2CA}"/>
+          </ac:spMkLst>
+        </pc:spChg>
+        <pc:spChg chg="mod">
+          <ac:chgData name="Oppenheim, Tomas" userId="7bbdd6b4-1f3d-4fdd-ac21-d8c716941374" providerId="ADAL" clId="{B038CA70-2003-4CAB-A470-D5763C6E48CF}" dt="2025-04-09T17:49:04.402" v="2120" actId="1076"/>
+          <ac:spMkLst>
+            <pc:docMk/>
+            <pc:sldMk cId="3693646682" sldId="269"/>
+            <ac:spMk id="20" creationId="{12D06E10-2F38-0C96-67F7-3F87B49AA9C2}"/>
+          </ac:spMkLst>
+        </pc:spChg>
+        <pc:spChg chg="mod">
+          <ac:chgData name="Oppenheim, Tomas" userId="7bbdd6b4-1f3d-4fdd-ac21-d8c716941374" providerId="ADAL" clId="{B038CA70-2003-4CAB-A470-D5763C6E48CF}" dt="2025-04-09T17:43:32.672" v="2049" actId="113"/>
+          <ac:spMkLst>
+            <pc:docMk/>
+            <pc:sldMk cId="3693646682" sldId="269"/>
+            <ac:spMk id="42" creationId="{1C8A7CF6-3643-C3C9-CEFD-CB8DBB024B11}"/>
+          </ac:spMkLst>
+        </pc:spChg>
+      </pc:sldChg>
+      <pc:sldChg chg="addSp delSp modSp new mod">
+        <pc:chgData name="Oppenheim, Tomas" userId="7bbdd6b4-1f3d-4fdd-ac21-d8c716941374" providerId="ADAL" clId="{B038CA70-2003-4CAB-A470-D5763C6E48CF}" dt="2025-04-09T18:15:31.706" v="2494" actId="20577"/>
+        <pc:sldMkLst>
+          <pc:docMk/>
+          <pc:sldMk cId="2828774177" sldId="270"/>
+        </pc:sldMkLst>
+        <pc:spChg chg="mod">
+          <ac:chgData name="Oppenheim, Tomas" userId="7bbdd6b4-1f3d-4fdd-ac21-d8c716941374" providerId="ADAL" clId="{B038CA70-2003-4CAB-A470-D5763C6E48CF}" dt="2025-04-09T18:15:31.706" v="2494" actId="20577"/>
+          <ac:spMkLst>
+            <pc:docMk/>
+            <pc:sldMk cId="2828774177" sldId="270"/>
+            <ac:spMk id="2" creationId="{6B71AADF-4E98-4534-2491-27BD42DBD491}"/>
+          </ac:spMkLst>
+        </pc:spChg>
+        <pc:spChg chg="del">
+          <ac:chgData name="Oppenheim, Tomas" userId="7bbdd6b4-1f3d-4fdd-ac21-d8c716941374" providerId="ADAL" clId="{B038CA70-2003-4CAB-A470-D5763C6E48CF}" dt="2025-04-09T18:07:40.545" v="2152" actId="478"/>
+          <ac:spMkLst>
+            <pc:docMk/>
+            <pc:sldMk cId="2828774177" sldId="270"/>
+            <ac:spMk id="3" creationId="{3E8DE7B5-BD01-9438-DBA3-F812EF7797ED}"/>
+          </ac:spMkLst>
+        </pc:spChg>
+        <pc:spChg chg="add mod">
+          <ac:chgData name="Oppenheim, Tomas" userId="7bbdd6b4-1f3d-4fdd-ac21-d8c716941374" providerId="ADAL" clId="{B038CA70-2003-4CAB-A470-D5763C6E48CF}" dt="2025-04-09T18:08:07.076" v="2157" actId="1076"/>
+          <ac:spMkLst>
+            <pc:docMk/>
+            <pc:sldMk cId="2828774177" sldId="270"/>
+            <ac:spMk id="5" creationId="{0799B6C1-493E-BBD0-67D5-5ED6A2DEEFBB}"/>
           </ac:spMkLst>
         </pc:spChg>
       </pc:sldChg>
@@ -4533,7 +4613,13 @@
   <p:cSld>
     <p:spTree>
       <p:nvGrpSpPr>
-        <p:cNvPr id="1" name=""/>
+        <p:cNvPr id="1" name="">
+          <a:extLst>
+            <a:ext uri="{FF2B5EF4-FFF2-40B4-BE49-F238E27FC236}">
+              <a16:creationId xmlns:a16="http://schemas.microsoft.com/office/drawing/2014/main" id="{5FD8E3B2-E5F5-5711-234D-F8502C2437E4}"/>
+            </a:ext>
+          </a:extLst>
+        </p:cNvPr>
         <p:cNvGrpSpPr/>
         <p:nvPr/>
       </p:nvGrpSpPr>
@@ -4547,10 +4633,10 @@
       </p:grpSpPr>
       <p:pic>
         <p:nvPicPr>
-          <p:cNvPr id="5" name="Picture 4">
-            <a:extLst>
-              <a:ext uri="{FF2B5EF4-FFF2-40B4-BE49-F238E27FC236}">
-                <a16:creationId xmlns:a16="http://schemas.microsoft.com/office/drawing/2014/main" id="{3A82C5BC-9EFD-3BDB-825A-E503E88F76F2}"/>
+          <p:cNvPr id="6" name="Picture 5">
+            <a:extLst>
+              <a:ext uri="{FF2B5EF4-FFF2-40B4-BE49-F238E27FC236}">
+                <a16:creationId xmlns:a16="http://schemas.microsoft.com/office/drawing/2014/main" id="{9D3D0A59-218C-3596-0063-20B469CA1C48}"/>
               </a:ext>
             </a:extLst>
           </p:cNvPr>
@@ -4567,8 +4653,8 @@
         </p:blipFill>
         <p:spPr>
           <a:xfrm>
-            <a:off x="1128851" y="842861"/>
-            <a:ext cx="9006436" cy="5070593"/>
+            <a:off x="459240" y="1317565"/>
+            <a:ext cx="4099062" cy="5189003"/>
           </a:xfrm>
           <a:prstGeom prst="rect">
             <a:avLst/>
@@ -4577,10 +4663,53 @@
       </p:pic>
       <p:sp>
         <p:nvSpPr>
-          <p:cNvPr id="6" name="Rectangle 5">
-            <a:extLst>
-              <a:ext uri="{FF2B5EF4-FFF2-40B4-BE49-F238E27FC236}">
-                <a16:creationId xmlns:a16="http://schemas.microsoft.com/office/drawing/2014/main" id="{953AB804-FBE9-2B42-F70C-9DE27F181F02}"/>
+          <p:cNvPr id="10" name="TextBox 9">
+            <a:extLst>
+              <a:ext uri="{FF2B5EF4-FFF2-40B4-BE49-F238E27FC236}">
+                <a16:creationId xmlns:a16="http://schemas.microsoft.com/office/drawing/2014/main" id="{222041F2-67CC-5538-03EE-B6E2E3EAFF81}"/>
+              </a:ext>
+            </a:extLst>
+          </p:cNvPr>
+          <p:cNvSpPr txBox="1"/>
+          <p:nvPr/>
+        </p:nvSpPr>
+        <p:spPr>
+          <a:xfrm>
+            <a:off x="939102" y="234334"/>
+            <a:ext cx="3541888" cy="923330"/>
+          </a:xfrm>
+          <a:prstGeom prst="rect">
+            <a:avLst/>
+          </a:prstGeom>
+          <a:noFill/>
+        </p:spPr>
+        <p:txBody>
+          <a:bodyPr wrap="square" rtlCol="0">
+            <a:spAutoFit/>
+          </a:bodyPr>
+          <a:lstStyle/>
+          <a:p>
+            <a:r>
+              <a:rPr lang="en-US" b="1" dirty="0">
+                <a:solidFill>
+                  <a:srgbClr val="FF0000"/>
+                </a:solidFill>
+              </a:rPr>
+              <a:t>3.3V source from LVR and 2 x 10uF Caps</a:t>
+            </a:r>
+            <a:r>
+              <a:rPr lang="en-US" b="1" dirty="0"/>
+              <a:t>, 16 bit enc, 8x ADC gain, 50 ohm div</a:t>
+            </a:r>
+          </a:p>
+        </p:txBody>
+      </p:sp>
+      <p:sp>
+        <p:nvSpPr>
+          <p:cNvPr id="13" name="Rectangle 12">
+            <a:extLst>
+              <a:ext uri="{FF2B5EF4-FFF2-40B4-BE49-F238E27FC236}">
+                <a16:creationId xmlns:a16="http://schemas.microsoft.com/office/drawing/2014/main" id="{22C63E94-D092-C650-9D76-1E9A4B0C73C7}"/>
               </a:ext>
             </a:extLst>
           </p:cNvPr>
@@ -4589,8 +4718,8 @@
         </p:nvSpPr>
         <p:spPr>
           <a:xfrm>
-            <a:off x="7892933" y="2709949"/>
-            <a:ext cx="673331" cy="2269377"/>
+            <a:off x="3096784" y="4624455"/>
+            <a:ext cx="415636" cy="1911927"/>
           </a:xfrm>
           <a:prstGeom prst="rect">
             <a:avLst/>
@@ -4627,10 +4756,215 @@
           </a:p>
         </p:txBody>
       </p:sp>
+      <p:sp>
+        <p:nvSpPr>
+          <p:cNvPr id="2" name="TextBox 1">
+            <a:extLst>
+              <a:ext uri="{FF2B5EF4-FFF2-40B4-BE49-F238E27FC236}">
+                <a16:creationId xmlns:a16="http://schemas.microsoft.com/office/drawing/2014/main" id="{46CCF047-999B-E766-4207-6F3532811F8E}"/>
+              </a:ext>
+            </a:extLst>
+          </p:cNvPr>
+          <p:cNvSpPr txBox="1"/>
+          <p:nvPr/>
+        </p:nvSpPr>
+        <p:spPr>
+          <a:xfrm>
+            <a:off x="5792349" y="117236"/>
+            <a:ext cx="5512960" cy="1200329"/>
+          </a:xfrm>
+          <a:prstGeom prst="rect">
+            <a:avLst/>
+          </a:prstGeom>
+          <a:noFill/>
+        </p:spPr>
+        <p:txBody>
+          <a:bodyPr wrap="square" rtlCol="0">
+            <a:spAutoFit/>
+          </a:bodyPr>
+          <a:lstStyle/>
+          <a:p>
+            <a:r>
+              <a:rPr lang="en-US" b="1" dirty="0">
+                <a:solidFill>
+                  <a:srgbClr val="FF0000"/>
+                </a:solidFill>
+              </a:rPr>
+              <a:t>3.3V source from LVR and 2 x 10uF Caps</a:t>
+            </a:r>
+            <a:r>
+              <a:rPr lang="en-US" b="1" dirty="0"/>
+              <a:t>, 16 bit enc, 2x ADC gain (using diff input), 76x gain from LMC6482 (across gauge), 50 ohm div with 0.4 ohm strain gauge (see circuit)</a:t>
+            </a:r>
+          </a:p>
+        </p:txBody>
+      </p:sp>
+      <p:pic>
+        <p:nvPicPr>
+          <p:cNvPr id="5" name="Picture 4">
+            <a:extLst>
+              <a:ext uri="{FF2B5EF4-FFF2-40B4-BE49-F238E27FC236}">
+                <a16:creationId xmlns:a16="http://schemas.microsoft.com/office/drawing/2014/main" id="{7FD6E26B-2EE5-D52C-1187-6A19ED75A7FB}"/>
+              </a:ext>
+            </a:extLst>
+          </p:cNvPr>
+          <p:cNvPicPr>
+            <a:picLocks noChangeAspect="1"/>
+          </p:cNvPicPr>
+          <p:nvPr/>
+        </p:nvPicPr>
+        <p:blipFill>
+          <a:blip r:embed="rId3"/>
+          <a:stretch>
+            <a:fillRect/>
+          </a:stretch>
+        </p:blipFill>
+        <p:spPr>
+          <a:xfrm>
+            <a:off x="6292863" y="1317565"/>
+            <a:ext cx="3927636" cy="5114917"/>
+          </a:xfrm>
+          <a:prstGeom prst="rect">
+            <a:avLst/>
+          </a:prstGeom>
+        </p:spPr>
+      </p:pic>
+      <p:sp>
+        <p:nvSpPr>
+          <p:cNvPr id="7" name="Rectangle 6">
+            <a:extLst>
+              <a:ext uri="{FF2B5EF4-FFF2-40B4-BE49-F238E27FC236}">
+                <a16:creationId xmlns:a16="http://schemas.microsoft.com/office/drawing/2014/main" id="{D76A7EDB-7D75-6EF0-618A-F6FA99A6A4E2}"/>
+              </a:ext>
+            </a:extLst>
+          </p:cNvPr>
+          <p:cNvSpPr/>
+          <p:nvPr/>
+        </p:nvSpPr>
+        <p:spPr>
+          <a:xfrm>
+            <a:off x="9001591" y="4584471"/>
+            <a:ext cx="415636" cy="1911927"/>
+          </a:xfrm>
+          <a:prstGeom prst="rect">
+            <a:avLst/>
+          </a:prstGeom>
+          <a:noFill/>
+          <a:ln>
+            <a:solidFill>
+              <a:srgbClr val="FF0000"/>
+            </a:solidFill>
+          </a:ln>
+        </p:spPr>
+        <p:style>
+          <a:lnRef idx="2">
+            <a:schemeClr val="accent1">
+              <a:shade val="15000"/>
+            </a:schemeClr>
+          </a:lnRef>
+          <a:fillRef idx="1">
+            <a:schemeClr val="accent1"/>
+          </a:fillRef>
+          <a:effectRef idx="0">
+            <a:schemeClr val="accent1"/>
+          </a:effectRef>
+          <a:fontRef idx="minor">
+            <a:schemeClr val="lt1"/>
+          </a:fontRef>
+        </p:style>
+        <p:txBody>
+          <a:bodyPr rtlCol="0" anchor="ctr"/>
+          <a:lstStyle/>
+          <a:p>
+            <a:pPr algn="ctr"/>
+            <a:endParaRPr lang="en-US"/>
+          </a:p>
+        </p:txBody>
+      </p:sp>
+      <p:cxnSp>
+        <p:nvCxnSpPr>
+          <p:cNvPr id="4" name="Straight Arrow Connector 3">
+            <a:extLst>
+              <a:ext uri="{FF2B5EF4-FFF2-40B4-BE49-F238E27FC236}">
+                <a16:creationId xmlns:a16="http://schemas.microsoft.com/office/drawing/2014/main" id="{9BE17732-4B80-DC2E-63A2-60A29001A06D}"/>
+              </a:ext>
+            </a:extLst>
+          </p:cNvPr>
+          <p:cNvCxnSpPr>
+            <a:cxnSpLocks/>
+          </p:cNvCxnSpPr>
+          <p:nvPr/>
+        </p:nvCxnSpPr>
+        <p:spPr>
+          <a:xfrm>
+            <a:off x="9779924" y="2360815"/>
+            <a:ext cx="394855" cy="0"/>
+          </a:xfrm>
+          <a:prstGeom prst="straightConnector1">
+            <a:avLst/>
+          </a:prstGeom>
+          <a:ln>
+            <a:tailEnd type="triangle"/>
+          </a:ln>
+        </p:spPr>
+        <p:style>
+          <a:lnRef idx="2">
+            <a:schemeClr val="accent1"/>
+          </a:lnRef>
+          <a:fillRef idx="0">
+            <a:schemeClr val="accent1"/>
+          </a:fillRef>
+          <a:effectRef idx="1">
+            <a:schemeClr val="accent1"/>
+          </a:effectRef>
+          <a:fontRef idx="minor">
+            <a:schemeClr val="tx1"/>
+          </a:fontRef>
+        </p:style>
+      </p:cxnSp>
+      <p:sp>
+        <p:nvSpPr>
+          <p:cNvPr id="8" name="TextBox 7">
+            <a:extLst>
+              <a:ext uri="{FF2B5EF4-FFF2-40B4-BE49-F238E27FC236}">
+                <a16:creationId xmlns:a16="http://schemas.microsoft.com/office/drawing/2014/main" id="{865A04EC-09E6-7E2A-659C-4F8C7A8F6065}"/>
+              </a:ext>
+            </a:extLst>
+          </p:cNvPr>
+          <p:cNvSpPr txBox="1"/>
+          <p:nvPr/>
+        </p:nvSpPr>
+        <p:spPr>
+          <a:xfrm>
+            <a:off x="10105507" y="1554480"/>
+            <a:ext cx="2176548" cy="1477328"/>
+          </a:xfrm>
+          <a:prstGeom prst="rect">
+            <a:avLst/>
+          </a:prstGeom>
+          <a:noFill/>
+        </p:spPr>
+        <p:txBody>
+          <a:bodyPr wrap="square" rtlCol="0">
+            <a:spAutoFit/>
+          </a:bodyPr>
+          <a:lstStyle/>
+          <a:p>
+            <a:r>
+              <a:rPr lang="en-US" dirty="0" err="1"/>
+              <a:t>Bc</a:t>
+            </a:r>
+            <a:r>
+              <a:rPr lang="en-US" dirty="0"/>
+              <a:t> of breadboarding, distance from strain gauge to circuit over a foot</a:t>
+            </a:r>
+          </a:p>
+        </p:txBody>
+      </p:sp>
     </p:spTree>
     <p:extLst>
       <p:ext uri="{BB962C8B-B14F-4D97-AF65-F5344CB8AC3E}">
-        <p14:creationId xmlns:p14="http://schemas.microsoft.com/office/powerpoint/2010/main" val="319549533"/>
+        <p14:creationId xmlns:p14="http://schemas.microsoft.com/office/powerpoint/2010/main" val="289257297"/>
       </p:ext>
     </p:extLst>
   </p:cSld>
@@ -4662,6 +4996,118 @@
           <p:cNvPr id="5" name="Picture 4">
             <a:extLst>
               <a:ext uri="{FF2B5EF4-FFF2-40B4-BE49-F238E27FC236}">
+                <a16:creationId xmlns:a16="http://schemas.microsoft.com/office/drawing/2014/main" id="{3A82C5BC-9EFD-3BDB-825A-E503E88F76F2}"/>
+              </a:ext>
+            </a:extLst>
+          </p:cNvPr>
+          <p:cNvPicPr>
+            <a:picLocks noChangeAspect="1"/>
+          </p:cNvPicPr>
+          <p:nvPr/>
+        </p:nvPicPr>
+        <p:blipFill>
+          <a:blip r:embed="rId2"/>
+          <a:stretch>
+            <a:fillRect/>
+          </a:stretch>
+        </p:blipFill>
+        <p:spPr>
+          <a:xfrm>
+            <a:off x="1128851" y="842861"/>
+            <a:ext cx="9006436" cy="5070593"/>
+          </a:xfrm>
+          <a:prstGeom prst="rect">
+            <a:avLst/>
+          </a:prstGeom>
+        </p:spPr>
+      </p:pic>
+      <p:sp>
+        <p:nvSpPr>
+          <p:cNvPr id="6" name="Rectangle 5">
+            <a:extLst>
+              <a:ext uri="{FF2B5EF4-FFF2-40B4-BE49-F238E27FC236}">
+                <a16:creationId xmlns:a16="http://schemas.microsoft.com/office/drawing/2014/main" id="{953AB804-FBE9-2B42-F70C-9DE27F181F02}"/>
+              </a:ext>
+            </a:extLst>
+          </p:cNvPr>
+          <p:cNvSpPr/>
+          <p:nvPr/>
+        </p:nvSpPr>
+        <p:spPr>
+          <a:xfrm>
+            <a:off x="7892933" y="2709949"/>
+            <a:ext cx="673331" cy="2269377"/>
+          </a:xfrm>
+          <a:prstGeom prst="rect">
+            <a:avLst/>
+          </a:prstGeom>
+          <a:noFill/>
+          <a:ln>
+            <a:solidFill>
+              <a:srgbClr val="FF0000"/>
+            </a:solidFill>
+          </a:ln>
+        </p:spPr>
+        <p:style>
+          <a:lnRef idx="2">
+            <a:schemeClr val="accent1">
+              <a:shade val="15000"/>
+            </a:schemeClr>
+          </a:lnRef>
+          <a:fillRef idx="1">
+            <a:schemeClr val="accent1"/>
+          </a:fillRef>
+          <a:effectRef idx="0">
+            <a:schemeClr val="accent1"/>
+          </a:effectRef>
+          <a:fontRef idx="minor">
+            <a:schemeClr val="lt1"/>
+          </a:fontRef>
+        </p:style>
+        <p:txBody>
+          <a:bodyPr rtlCol="0" anchor="ctr"/>
+          <a:lstStyle/>
+          <a:p>
+            <a:pPr algn="ctr"/>
+            <a:endParaRPr lang="en-US"/>
+          </a:p>
+        </p:txBody>
+      </p:sp>
+    </p:spTree>
+    <p:extLst>
+      <p:ext uri="{BB962C8B-B14F-4D97-AF65-F5344CB8AC3E}">
+        <p14:creationId xmlns:p14="http://schemas.microsoft.com/office/powerpoint/2010/main" val="319549533"/>
+      </p:ext>
+    </p:extLst>
+  </p:cSld>
+  <p:clrMapOvr>
+    <a:masterClrMapping/>
+  </p:clrMapOvr>
+</p:sld>
+</file>
+
+<file path=ppt/slides/slide12.xml><?xml version="1.0" encoding="utf-8"?>
+<p:sld xmlns:a="http://schemas.openxmlformats.org/drawingml/2006/main" xmlns:r="http://schemas.openxmlformats.org/officeDocument/2006/relationships" xmlns:p="http://schemas.openxmlformats.org/presentationml/2006/main">
+  <p:cSld>
+    <p:spTree>
+      <p:nvGrpSpPr>
+        <p:cNvPr id="1" name=""/>
+        <p:cNvGrpSpPr/>
+        <p:nvPr/>
+      </p:nvGrpSpPr>
+      <p:grpSpPr>
+        <a:xfrm>
+          <a:off x="0" y="0"/>
+          <a:ext cx="0" cy="0"/>
+          <a:chOff x="0" y="0"/>
+          <a:chExt cx="0" cy="0"/>
+        </a:xfrm>
+      </p:grpSpPr>
+      <p:pic>
+        <p:nvPicPr>
+          <p:cNvPr id="5" name="Picture 4">
+            <a:extLst>
+              <a:ext uri="{FF2B5EF4-FFF2-40B4-BE49-F238E27FC236}">
                 <a16:creationId xmlns:a16="http://schemas.microsoft.com/office/drawing/2014/main" id="{4B63EF5B-1C0C-AB6B-4AE1-E34DDDDE7BA9}"/>
               </a:ext>
             </a:extLst>
@@ -4700,7 +5146,7 @@
 </p:sld>
 </file>
 
-<file path=ppt/slides/slide12.xml><?xml version="1.0" encoding="utf-8"?>
+<file path=ppt/slides/slide13.xml><?xml version="1.0" encoding="utf-8"?>
 <p:sld xmlns:a="http://schemas.openxmlformats.org/drawingml/2006/main" xmlns:r="http://schemas.openxmlformats.org/officeDocument/2006/relationships" xmlns:p="http://schemas.openxmlformats.org/presentationml/2006/main">
   <p:cSld>
     <p:spTree>
@@ -8979,6 +9425,41 @@
           </a:fontRef>
         </p:style>
       </p:cxnSp>
+      <p:sp>
+        <p:nvSpPr>
+          <p:cNvPr id="2" name="TextBox 1">
+            <a:extLst>
+              <a:ext uri="{FF2B5EF4-FFF2-40B4-BE49-F238E27FC236}">
+                <a16:creationId xmlns:a16="http://schemas.microsoft.com/office/drawing/2014/main" id="{ACCC6E6A-E1AF-1328-896A-5048161B7BE6}"/>
+              </a:ext>
+            </a:extLst>
+          </p:cNvPr>
+          <p:cNvSpPr txBox="1"/>
+          <p:nvPr/>
+        </p:nvSpPr>
+        <p:spPr>
+          <a:xfrm>
+            <a:off x="6105173" y="636121"/>
+            <a:ext cx="3694793" cy="646331"/>
+          </a:xfrm>
+          <a:prstGeom prst="rect">
+            <a:avLst/>
+          </a:prstGeom>
+          <a:noFill/>
+        </p:spPr>
+        <p:txBody>
+          <a:bodyPr wrap="square" rtlCol="0">
+            <a:spAutoFit/>
+          </a:bodyPr>
+          <a:lstStyle/>
+          <a:p>
+            <a:r>
+              <a:rPr lang="en-US" dirty="0"/>
+              <a:t>Actual Strain gauge about a foot away from this circuit</a:t>
+            </a:r>
+          </a:p>
+        </p:txBody>
+      </p:sp>
     </p:spTree>
     <p:extLst>
       <p:ext uri="{BB962C8B-B14F-4D97-AF65-F5344CB8AC3E}">
@@ -9555,8 +10036,8 @@
         </p:nvSpPr>
         <p:spPr>
           <a:xfrm>
-            <a:off x="6485309" y="1400193"/>
-            <a:ext cx="5223167" cy="369332"/>
+            <a:off x="6466613" y="1296374"/>
+            <a:ext cx="5223167" cy="646331"/>
           </a:xfrm>
           <a:prstGeom prst="rect">
             <a:avLst/>
@@ -9571,7 +10052,15 @@
           <a:p>
             <a:r>
               <a:rPr lang="en-US" dirty="0"/>
-              <a:t>~  - 1.95 mV + </a:t>
+              <a:t>~  - 1.95 mV (</a:t>
+            </a:r>
+            <a:r>
+              <a:rPr lang="en-US" b="1" dirty="0"/>
+              <a:t>order precision resistor for this</a:t>
+            </a:r>
+            <a:r>
+              <a:rPr lang="en-US" dirty="0"/>
+              <a:t>)+ </a:t>
             </a:r>
             <a:r>
               <a:rPr lang="en-US" dirty="0" err="1"/>
@@ -9945,7 +10434,7 @@
           <a:p>
             <a:r>
               <a:rPr lang="en-US" b="1" dirty="0"/>
-              <a:t>ADS112C04</a:t>
+              <a:t>ADS112C04 or NAU7802</a:t>
             </a:r>
             <a:r>
               <a:rPr lang="en-US" dirty="0"/>
@@ -10041,7 +10530,7 @@
         </p:nvSpPr>
         <p:spPr>
           <a:xfrm>
-            <a:off x="6057902" y="2002621"/>
+            <a:off x="6030191" y="1980161"/>
             <a:ext cx="760614" cy="369332"/>
           </a:xfrm>
           <a:prstGeom prst="rect">
@@ -10182,7 +10671,7 @@
         <p:spPr>
           <a:xfrm>
             <a:off x="2610373" y="5250887"/>
-            <a:ext cx="6596149" cy="369332"/>
+            <a:ext cx="6596149" cy="646331"/>
           </a:xfrm>
           <a:prstGeom prst="rect">
             <a:avLst/>
@@ -10212,6 +10701,21 @@
             <a:r>
               <a:rPr lang="en-US" b="1" dirty="0"/>
               <a:t>Using Differential ADC for Common Mode Rejection</a:t>
+            </a:r>
+          </a:p>
+          <a:p>
+            <a:pPr algn="ctr"/>
+            <a:r>
+              <a:rPr lang="en-US" b="1" dirty="0">
+                <a:solidFill>
+                  <a:srgbClr val="FF0000"/>
+                </a:solidFill>
+              </a:rPr>
+              <a:t>NAU7802</a:t>
+            </a:r>
+            <a:r>
+              <a:rPr lang="en-US" b="1" dirty="0"/>
+              <a:t> Already does this but my output was very noisy!</a:t>
             </a:r>
           </a:p>
         </p:txBody>
@@ -10234,13 +10738,7 @@
   <p:cSld>
     <p:spTree>
       <p:nvGrpSpPr>
-        <p:cNvPr id="1" name="">
-          <a:extLst>
-            <a:ext uri="{FF2B5EF4-FFF2-40B4-BE49-F238E27FC236}">
-              <a16:creationId xmlns:a16="http://schemas.microsoft.com/office/drawing/2014/main" id="{5FD8E3B2-E5F5-5711-234D-F8502C2437E4}"/>
-            </a:ext>
-          </a:extLst>
-        </p:cNvPr>
+        <p:cNvPr id="1" name=""/>
         <p:cNvGrpSpPr/>
         <p:nvPr/>
       </p:nvGrpSpPr>
@@ -10252,260 +10750,1262 @@
           <a:chExt cx="0" cy="0"/>
         </a:xfrm>
       </p:grpSpPr>
-      <p:pic>
-        <p:nvPicPr>
-          <p:cNvPr id="6" name="Picture 5">
-            <a:extLst>
-              <a:ext uri="{FF2B5EF4-FFF2-40B4-BE49-F238E27FC236}">
-                <a16:creationId xmlns:a16="http://schemas.microsoft.com/office/drawing/2014/main" id="{9D3D0A59-218C-3596-0063-20B469CA1C48}"/>
-              </a:ext>
-            </a:extLst>
-          </p:cNvPr>
-          <p:cNvPicPr>
-            <a:picLocks noChangeAspect="1"/>
-          </p:cNvPicPr>
-          <p:nvPr/>
-        </p:nvPicPr>
-        <p:blipFill>
-          <a:blip r:embed="rId2"/>
-          <a:stretch>
-            <a:fillRect/>
-          </a:stretch>
-        </p:blipFill>
-        <p:spPr>
-          <a:xfrm>
-            <a:off x="459240" y="1317565"/>
-            <a:ext cx="4099062" cy="5189003"/>
+      <p:sp>
+        <p:nvSpPr>
+          <p:cNvPr id="2" name="Title 1">
+            <a:extLst>
+              <a:ext uri="{FF2B5EF4-FFF2-40B4-BE49-F238E27FC236}">
+                <a16:creationId xmlns:a16="http://schemas.microsoft.com/office/drawing/2014/main" id="{6B71AADF-4E98-4534-2491-27BD42DBD491}"/>
+              </a:ext>
+            </a:extLst>
+          </p:cNvPr>
+          <p:cNvSpPr>
+            <a:spLocks noGrp="1"/>
+          </p:cNvSpPr>
+          <p:nvPr>
+            <p:ph type="title"/>
+          </p:nvPr>
+        </p:nvSpPr>
+        <p:spPr/>
+        <p:txBody>
+          <a:bodyPr>
+            <a:normAutofit fontScale="90000"/>
+          </a:bodyPr>
+          <a:lstStyle/>
+          <a:p>
+            <a:r>
+              <a:rPr lang="en-US" b="1" dirty="0">
+                <a:solidFill>
+                  <a:srgbClr val="FF0000"/>
+                </a:solidFill>
+              </a:rPr>
+              <a:t>NAU7802</a:t>
+            </a:r>
+            <a:r>
+              <a:rPr lang="en-US" dirty="0"/>
+              <a:t> – use </a:t>
+            </a:r>
+            <a:r>
+              <a:rPr lang="en-US" i="1" dirty="0"/>
+              <a:t>external</a:t>
+            </a:r>
+            <a:r>
+              <a:rPr lang="en-US" dirty="0"/>
+              <a:t> 3.3V LVR and 2.048V ref (or slightly more) for AN- and 2.048V + strain gauge voltage for AN+</a:t>
+            </a:r>
+          </a:p>
+        </p:txBody>
+      </p:sp>
+      <p:sp>
+        <p:nvSpPr>
+          <p:cNvPr id="5" name="TextBox 4">
+            <a:extLst>
+              <a:ext uri="{FF2B5EF4-FFF2-40B4-BE49-F238E27FC236}">
+                <a16:creationId xmlns:a16="http://schemas.microsoft.com/office/drawing/2014/main" id="{0799B6C1-493E-BBD0-67D5-5ED6A2DEEFBB}"/>
+              </a:ext>
+            </a:extLst>
+          </p:cNvPr>
+          <p:cNvSpPr txBox="1"/>
+          <p:nvPr/>
+        </p:nvSpPr>
+        <p:spPr>
+          <a:xfrm>
+            <a:off x="2241318" y="3277694"/>
+            <a:ext cx="7933459" cy="2261260"/>
           </a:xfrm>
           <a:prstGeom prst="rect">
             <a:avLst/>
           </a:prstGeom>
-        </p:spPr>
-      </p:pic>
-      <p:sp>
-        <p:nvSpPr>
-          <p:cNvPr id="10" name="TextBox 9">
-            <a:extLst>
-              <a:ext uri="{FF2B5EF4-FFF2-40B4-BE49-F238E27FC236}">
-                <a16:creationId xmlns:a16="http://schemas.microsoft.com/office/drawing/2014/main" id="{222041F2-67CC-5538-03EE-B6E2E3EAFF81}"/>
-              </a:ext>
-            </a:extLst>
-          </p:cNvPr>
-          <p:cNvSpPr txBox="1"/>
-          <p:nvPr/>
-        </p:nvSpPr>
-        <p:spPr>
-          <a:xfrm>
-            <a:off x="939102" y="234334"/>
-            <a:ext cx="3541888" cy="923330"/>
-          </a:xfrm>
-          <a:prstGeom prst="rect">
-            <a:avLst/>
-          </a:prstGeom>
           <a:noFill/>
         </p:spPr>
         <p:txBody>
-          <a:bodyPr wrap="square" rtlCol="0">
+          <a:bodyPr wrap="square">
             <a:spAutoFit/>
           </a:bodyPr>
           <a:lstStyle/>
           <a:p>
+            <a:pPr>
+              <a:lnSpc>
+                <a:spcPts val="1425"/>
+              </a:lnSpc>
+              <a:buNone/>
+            </a:pPr>
+            <a:r>
+              <a:rPr lang="en-US" b="0" dirty="0">
+                <a:solidFill>
+                  <a:srgbClr val="DAE3E3"/>
+                </a:solidFill>
+                <a:effectLst/>
+                <a:latin typeface="Consolas" panose="020B0609020204030204" pitchFamily="49" charset="0"/>
+              </a:rPr>
+              <a:t> </a:t>
+            </a:r>
+            <a:r>
+              <a:rPr lang="en-US" b="0" dirty="0" err="1">
+                <a:solidFill>
+                  <a:srgbClr val="F39C12"/>
+                </a:solidFill>
+                <a:effectLst/>
+                <a:latin typeface="Consolas" panose="020B0609020204030204" pitchFamily="49" charset="0"/>
+              </a:rPr>
+              <a:t>Serial</a:t>
+            </a:r>
+            <a:r>
+              <a:rPr lang="en-US" b="0" dirty="0" err="1">
+                <a:solidFill>
+                  <a:srgbClr val="DAE3E3"/>
+                </a:solidFill>
+                <a:effectLst/>
+                <a:latin typeface="Consolas" panose="020B0609020204030204" pitchFamily="49" charset="0"/>
+              </a:rPr>
+              <a:t>.</a:t>
+            </a:r>
+            <a:r>
+              <a:rPr lang="en-US" b="0" dirty="0" err="1">
+                <a:solidFill>
+                  <a:srgbClr val="F39C12"/>
+                </a:solidFill>
+                <a:effectLst/>
+                <a:latin typeface="Consolas" panose="020B0609020204030204" pitchFamily="49" charset="0"/>
+              </a:rPr>
+              <a:t>print</a:t>
+            </a:r>
+            <a:r>
+              <a:rPr lang="en-US" b="0" dirty="0">
+                <a:solidFill>
+                  <a:srgbClr val="DAE3E3"/>
+                </a:solidFill>
+                <a:effectLst/>
+                <a:latin typeface="Consolas" panose="020B0609020204030204" pitchFamily="49" charset="0"/>
+              </a:rPr>
+              <a:t>(</a:t>
+            </a:r>
+            <a:r>
+              <a:rPr lang="en-US" b="0" dirty="0">
+                <a:solidFill>
+                  <a:srgbClr val="7FCBCD"/>
+                </a:solidFill>
+                <a:effectLst/>
+                <a:latin typeface="Consolas" panose="020B0609020204030204" pitchFamily="49" charset="0"/>
+              </a:rPr>
+              <a:t>"LDO voltage set to "</a:t>
+            </a:r>
+            <a:r>
+              <a:rPr lang="en-US" b="0" dirty="0">
+                <a:solidFill>
+                  <a:srgbClr val="DAE3E3"/>
+                </a:solidFill>
+                <a:effectLst/>
+                <a:latin typeface="Consolas" panose="020B0609020204030204" pitchFamily="49" charset="0"/>
+              </a:rPr>
+              <a:t>);</a:t>
+            </a:r>
+          </a:p>
+          <a:p>
+            <a:pPr>
+              <a:lnSpc>
+                <a:spcPts val="1425"/>
+              </a:lnSpc>
+              <a:buNone/>
+            </a:pPr>
+            <a:r>
+              <a:rPr lang="en-US" b="0" dirty="0">
+                <a:solidFill>
+                  <a:srgbClr val="DAE3E3"/>
+                </a:solidFill>
+                <a:effectLst/>
+                <a:latin typeface="Consolas" panose="020B0609020204030204" pitchFamily="49" charset="0"/>
+              </a:rPr>
+              <a:t>  </a:t>
+            </a:r>
+            <a:r>
+              <a:rPr lang="en-US" b="0" dirty="0">
+                <a:solidFill>
+                  <a:srgbClr val="C586C0"/>
+                </a:solidFill>
+                <a:effectLst/>
+                <a:latin typeface="Consolas" panose="020B0609020204030204" pitchFamily="49" charset="0"/>
+              </a:rPr>
+              <a:t>switch</a:t>
+            </a:r>
+            <a:r>
+              <a:rPr lang="en-US" b="0" dirty="0">
+                <a:solidFill>
+                  <a:srgbClr val="DAE3E3"/>
+                </a:solidFill>
+                <a:effectLst/>
+                <a:latin typeface="Consolas" panose="020B0609020204030204" pitchFamily="49" charset="0"/>
+              </a:rPr>
+              <a:t> (</a:t>
+            </a:r>
+            <a:r>
+              <a:rPr lang="en-US" b="0" dirty="0" err="1">
+                <a:solidFill>
+                  <a:srgbClr val="F39C12"/>
+                </a:solidFill>
+                <a:effectLst/>
+                <a:latin typeface="Consolas" panose="020B0609020204030204" pitchFamily="49" charset="0"/>
+              </a:rPr>
+              <a:t>nau</a:t>
+            </a:r>
+            <a:r>
+              <a:rPr lang="en-US" b="0" dirty="0" err="1">
+                <a:solidFill>
+                  <a:srgbClr val="DAE3E3"/>
+                </a:solidFill>
+                <a:effectLst/>
+                <a:latin typeface="Consolas" panose="020B0609020204030204" pitchFamily="49" charset="0"/>
+              </a:rPr>
+              <a:t>.</a:t>
+            </a:r>
+            <a:r>
+              <a:rPr lang="en-US" b="0" dirty="0" err="1">
+                <a:solidFill>
+                  <a:srgbClr val="F39C12"/>
+                </a:solidFill>
+                <a:effectLst/>
+                <a:latin typeface="Consolas" panose="020B0609020204030204" pitchFamily="49" charset="0"/>
+              </a:rPr>
+              <a:t>getLDO</a:t>
+            </a:r>
+            <a:r>
+              <a:rPr lang="en-US" b="0" dirty="0">
+                <a:solidFill>
+                  <a:srgbClr val="DAE3E3"/>
+                </a:solidFill>
+                <a:effectLst/>
+                <a:latin typeface="Consolas" panose="020B0609020204030204" pitchFamily="49" charset="0"/>
+              </a:rPr>
+              <a:t>()) {</a:t>
+            </a:r>
+          </a:p>
+          <a:p>
+            <a:pPr>
+              <a:lnSpc>
+                <a:spcPts val="1425"/>
+              </a:lnSpc>
+              <a:buNone/>
+            </a:pPr>
+            <a:r>
+              <a:rPr lang="en-US" b="0" dirty="0">
+                <a:solidFill>
+                  <a:srgbClr val="DAE3E3"/>
+                </a:solidFill>
+                <a:effectLst/>
+                <a:latin typeface="Consolas" panose="020B0609020204030204" pitchFamily="49" charset="0"/>
+              </a:rPr>
+              <a:t>    </a:t>
+            </a:r>
+            <a:r>
+              <a:rPr lang="en-US" b="0" dirty="0">
+                <a:solidFill>
+                  <a:srgbClr val="C586C0"/>
+                </a:solidFill>
+                <a:effectLst/>
+                <a:latin typeface="Consolas" panose="020B0609020204030204" pitchFamily="49" charset="0"/>
+              </a:rPr>
+              <a:t>case</a:t>
+            </a:r>
+            <a:r>
+              <a:rPr lang="en-US" b="0" dirty="0">
+                <a:solidFill>
+                  <a:srgbClr val="DAE3E3"/>
+                </a:solidFill>
+                <a:effectLst/>
+                <a:latin typeface="Consolas" panose="020B0609020204030204" pitchFamily="49" charset="0"/>
+              </a:rPr>
+              <a:t> NAU7802_4V5:  </a:t>
+            </a:r>
+            <a:r>
+              <a:rPr lang="en-US" b="0" dirty="0" err="1">
+                <a:solidFill>
+                  <a:srgbClr val="F39C12"/>
+                </a:solidFill>
+                <a:effectLst/>
+                <a:latin typeface="Consolas" panose="020B0609020204030204" pitchFamily="49" charset="0"/>
+              </a:rPr>
+              <a:t>Serial</a:t>
+            </a:r>
+            <a:r>
+              <a:rPr lang="en-US" b="0" dirty="0" err="1">
+                <a:solidFill>
+                  <a:srgbClr val="DAE3E3"/>
+                </a:solidFill>
+                <a:effectLst/>
+                <a:latin typeface="Consolas" panose="020B0609020204030204" pitchFamily="49" charset="0"/>
+              </a:rPr>
+              <a:t>.</a:t>
+            </a:r>
+            <a:r>
+              <a:rPr lang="en-US" b="0" dirty="0" err="1">
+                <a:solidFill>
+                  <a:srgbClr val="F39C12"/>
+                </a:solidFill>
+                <a:effectLst/>
+                <a:latin typeface="Consolas" panose="020B0609020204030204" pitchFamily="49" charset="0"/>
+              </a:rPr>
+              <a:t>println</a:t>
+            </a:r>
+            <a:r>
+              <a:rPr lang="en-US" b="0" dirty="0">
+                <a:solidFill>
+                  <a:srgbClr val="DAE3E3"/>
+                </a:solidFill>
+                <a:effectLst/>
+                <a:latin typeface="Consolas" panose="020B0609020204030204" pitchFamily="49" charset="0"/>
+              </a:rPr>
+              <a:t>(</a:t>
+            </a:r>
+            <a:r>
+              <a:rPr lang="en-US" b="0" dirty="0">
+                <a:solidFill>
+                  <a:srgbClr val="7FCBCD"/>
+                </a:solidFill>
+                <a:effectLst/>
+                <a:latin typeface="Consolas" panose="020B0609020204030204" pitchFamily="49" charset="0"/>
+              </a:rPr>
+              <a:t>"4.5V"</a:t>
+            </a:r>
+            <a:r>
+              <a:rPr lang="en-US" b="0" dirty="0">
+                <a:solidFill>
+                  <a:srgbClr val="DAE3E3"/>
+                </a:solidFill>
+                <a:effectLst/>
+                <a:latin typeface="Consolas" panose="020B0609020204030204" pitchFamily="49" charset="0"/>
+              </a:rPr>
+              <a:t>); </a:t>
+            </a:r>
+            <a:r>
+              <a:rPr lang="en-US" b="0" dirty="0">
+                <a:solidFill>
+                  <a:srgbClr val="C586C0"/>
+                </a:solidFill>
+                <a:effectLst/>
+                <a:latin typeface="Consolas" panose="020B0609020204030204" pitchFamily="49" charset="0"/>
+              </a:rPr>
+              <a:t>break</a:t>
+            </a:r>
+            <a:r>
+              <a:rPr lang="en-US" b="0" dirty="0">
+                <a:solidFill>
+                  <a:srgbClr val="DAE3E3"/>
+                </a:solidFill>
+                <a:effectLst/>
+                <a:latin typeface="Consolas" panose="020B0609020204030204" pitchFamily="49" charset="0"/>
+              </a:rPr>
+              <a:t>;</a:t>
+            </a:r>
+          </a:p>
+          <a:p>
+            <a:pPr>
+              <a:lnSpc>
+                <a:spcPts val="1425"/>
+              </a:lnSpc>
+              <a:buNone/>
+            </a:pPr>
+            <a:r>
+              <a:rPr lang="en-US" b="0" dirty="0">
+                <a:solidFill>
+                  <a:srgbClr val="DAE3E3"/>
+                </a:solidFill>
+                <a:effectLst/>
+                <a:latin typeface="Consolas" panose="020B0609020204030204" pitchFamily="49" charset="0"/>
+              </a:rPr>
+              <a:t>    </a:t>
+            </a:r>
+            <a:r>
+              <a:rPr lang="en-US" b="0" dirty="0">
+                <a:solidFill>
+                  <a:srgbClr val="C586C0"/>
+                </a:solidFill>
+                <a:effectLst/>
+                <a:latin typeface="Consolas" panose="020B0609020204030204" pitchFamily="49" charset="0"/>
+              </a:rPr>
+              <a:t>case</a:t>
+            </a:r>
+            <a:r>
+              <a:rPr lang="en-US" b="0" dirty="0">
+                <a:solidFill>
+                  <a:srgbClr val="DAE3E3"/>
+                </a:solidFill>
+                <a:effectLst/>
+                <a:latin typeface="Consolas" panose="020B0609020204030204" pitchFamily="49" charset="0"/>
+              </a:rPr>
+              <a:t> NAU7802_4V2:  </a:t>
+            </a:r>
+            <a:r>
+              <a:rPr lang="en-US" b="0" dirty="0" err="1">
+                <a:solidFill>
+                  <a:srgbClr val="F39C12"/>
+                </a:solidFill>
+                <a:effectLst/>
+                <a:latin typeface="Consolas" panose="020B0609020204030204" pitchFamily="49" charset="0"/>
+              </a:rPr>
+              <a:t>Serial</a:t>
+            </a:r>
+            <a:r>
+              <a:rPr lang="en-US" b="0" dirty="0" err="1">
+                <a:solidFill>
+                  <a:srgbClr val="DAE3E3"/>
+                </a:solidFill>
+                <a:effectLst/>
+                <a:latin typeface="Consolas" panose="020B0609020204030204" pitchFamily="49" charset="0"/>
+              </a:rPr>
+              <a:t>.</a:t>
+            </a:r>
+            <a:r>
+              <a:rPr lang="en-US" b="0" dirty="0" err="1">
+                <a:solidFill>
+                  <a:srgbClr val="F39C12"/>
+                </a:solidFill>
+                <a:effectLst/>
+                <a:latin typeface="Consolas" panose="020B0609020204030204" pitchFamily="49" charset="0"/>
+              </a:rPr>
+              <a:t>println</a:t>
+            </a:r>
+            <a:r>
+              <a:rPr lang="en-US" b="0" dirty="0">
+                <a:solidFill>
+                  <a:srgbClr val="DAE3E3"/>
+                </a:solidFill>
+                <a:effectLst/>
+                <a:latin typeface="Consolas" panose="020B0609020204030204" pitchFamily="49" charset="0"/>
+              </a:rPr>
+              <a:t>(</a:t>
+            </a:r>
+            <a:r>
+              <a:rPr lang="en-US" b="0" dirty="0">
+                <a:solidFill>
+                  <a:srgbClr val="7FCBCD"/>
+                </a:solidFill>
+                <a:effectLst/>
+                <a:latin typeface="Consolas" panose="020B0609020204030204" pitchFamily="49" charset="0"/>
+              </a:rPr>
+              <a:t>"4.2V"</a:t>
+            </a:r>
+            <a:r>
+              <a:rPr lang="en-US" b="0" dirty="0">
+                <a:solidFill>
+                  <a:srgbClr val="DAE3E3"/>
+                </a:solidFill>
+                <a:effectLst/>
+                <a:latin typeface="Consolas" panose="020B0609020204030204" pitchFamily="49" charset="0"/>
+              </a:rPr>
+              <a:t>); </a:t>
+            </a:r>
+            <a:r>
+              <a:rPr lang="en-US" b="0" dirty="0">
+                <a:solidFill>
+                  <a:srgbClr val="C586C0"/>
+                </a:solidFill>
+                <a:effectLst/>
+                <a:latin typeface="Consolas" panose="020B0609020204030204" pitchFamily="49" charset="0"/>
+              </a:rPr>
+              <a:t>break</a:t>
+            </a:r>
+            <a:r>
+              <a:rPr lang="en-US" b="0" dirty="0">
+                <a:solidFill>
+                  <a:srgbClr val="DAE3E3"/>
+                </a:solidFill>
+                <a:effectLst/>
+                <a:latin typeface="Consolas" panose="020B0609020204030204" pitchFamily="49" charset="0"/>
+              </a:rPr>
+              <a:t>;</a:t>
+            </a:r>
+          </a:p>
+          <a:p>
+            <a:pPr>
+              <a:lnSpc>
+                <a:spcPts val="1425"/>
+              </a:lnSpc>
+              <a:buNone/>
+            </a:pPr>
+            <a:r>
+              <a:rPr lang="en-US" b="0" dirty="0">
+                <a:solidFill>
+                  <a:srgbClr val="DAE3E3"/>
+                </a:solidFill>
+                <a:effectLst/>
+                <a:latin typeface="Consolas" panose="020B0609020204030204" pitchFamily="49" charset="0"/>
+              </a:rPr>
+              <a:t>    </a:t>
+            </a:r>
+            <a:r>
+              <a:rPr lang="en-US" b="0" dirty="0">
+                <a:solidFill>
+                  <a:srgbClr val="C586C0"/>
+                </a:solidFill>
+                <a:effectLst/>
+                <a:latin typeface="Consolas" panose="020B0609020204030204" pitchFamily="49" charset="0"/>
+              </a:rPr>
+              <a:t>case</a:t>
+            </a:r>
+            <a:r>
+              <a:rPr lang="en-US" b="0" dirty="0">
+                <a:solidFill>
+                  <a:srgbClr val="DAE3E3"/>
+                </a:solidFill>
+                <a:effectLst/>
+                <a:latin typeface="Consolas" panose="020B0609020204030204" pitchFamily="49" charset="0"/>
+              </a:rPr>
+              <a:t> NAU7802_3V9:  </a:t>
+            </a:r>
+            <a:r>
+              <a:rPr lang="en-US" b="0" dirty="0" err="1">
+                <a:solidFill>
+                  <a:srgbClr val="F39C12"/>
+                </a:solidFill>
+                <a:effectLst/>
+                <a:latin typeface="Consolas" panose="020B0609020204030204" pitchFamily="49" charset="0"/>
+              </a:rPr>
+              <a:t>Serial</a:t>
+            </a:r>
+            <a:r>
+              <a:rPr lang="en-US" b="0" dirty="0" err="1">
+                <a:solidFill>
+                  <a:srgbClr val="DAE3E3"/>
+                </a:solidFill>
+                <a:effectLst/>
+                <a:latin typeface="Consolas" panose="020B0609020204030204" pitchFamily="49" charset="0"/>
+              </a:rPr>
+              <a:t>.</a:t>
+            </a:r>
+            <a:r>
+              <a:rPr lang="en-US" b="0" dirty="0" err="1">
+                <a:solidFill>
+                  <a:srgbClr val="F39C12"/>
+                </a:solidFill>
+                <a:effectLst/>
+                <a:latin typeface="Consolas" panose="020B0609020204030204" pitchFamily="49" charset="0"/>
+              </a:rPr>
+              <a:t>println</a:t>
+            </a:r>
+            <a:r>
+              <a:rPr lang="en-US" b="0" dirty="0">
+                <a:solidFill>
+                  <a:srgbClr val="DAE3E3"/>
+                </a:solidFill>
+                <a:effectLst/>
+                <a:latin typeface="Consolas" panose="020B0609020204030204" pitchFamily="49" charset="0"/>
+              </a:rPr>
+              <a:t>(</a:t>
+            </a:r>
+            <a:r>
+              <a:rPr lang="en-US" b="0" dirty="0">
+                <a:solidFill>
+                  <a:srgbClr val="7FCBCD"/>
+                </a:solidFill>
+                <a:effectLst/>
+                <a:latin typeface="Consolas" panose="020B0609020204030204" pitchFamily="49" charset="0"/>
+              </a:rPr>
+              <a:t>"3.9V"</a:t>
+            </a:r>
+            <a:r>
+              <a:rPr lang="en-US" b="0" dirty="0">
+                <a:solidFill>
+                  <a:srgbClr val="DAE3E3"/>
+                </a:solidFill>
+                <a:effectLst/>
+                <a:latin typeface="Consolas" panose="020B0609020204030204" pitchFamily="49" charset="0"/>
+              </a:rPr>
+              <a:t>); </a:t>
+            </a:r>
+            <a:r>
+              <a:rPr lang="en-US" b="0" dirty="0">
+                <a:solidFill>
+                  <a:srgbClr val="C586C0"/>
+                </a:solidFill>
+                <a:effectLst/>
+                <a:latin typeface="Consolas" panose="020B0609020204030204" pitchFamily="49" charset="0"/>
+              </a:rPr>
+              <a:t>break</a:t>
+            </a:r>
+            <a:r>
+              <a:rPr lang="en-US" b="0" dirty="0">
+                <a:solidFill>
+                  <a:srgbClr val="DAE3E3"/>
+                </a:solidFill>
+                <a:effectLst/>
+                <a:latin typeface="Consolas" panose="020B0609020204030204" pitchFamily="49" charset="0"/>
+              </a:rPr>
+              <a:t>;</a:t>
+            </a:r>
+          </a:p>
+          <a:p>
+            <a:pPr>
+              <a:lnSpc>
+                <a:spcPts val="1425"/>
+              </a:lnSpc>
+              <a:buNone/>
+            </a:pPr>
+            <a:r>
+              <a:rPr lang="en-US" b="0" dirty="0">
+                <a:solidFill>
+                  <a:srgbClr val="DAE3E3"/>
+                </a:solidFill>
+                <a:effectLst/>
+                <a:latin typeface="Consolas" panose="020B0609020204030204" pitchFamily="49" charset="0"/>
+              </a:rPr>
+              <a:t>    </a:t>
+            </a:r>
+            <a:r>
+              <a:rPr lang="en-US" b="0" dirty="0">
+                <a:solidFill>
+                  <a:srgbClr val="C586C0"/>
+                </a:solidFill>
+                <a:effectLst/>
+                <a:latin typeface="Consolas" panose="020B0609020204030204" pitchFamily="49" charset="0"/>
+              </a:rPr>
+              <a:t>case</a:t>
+            </a:r>
+            <a:r>
+              <a:rPr lang="en-US" b="0" dirty="0">
+                <a:solidFill>
+                  <a:srgbClr val="DAE3E3"/>
+                </a:solidFill>
+                <a:effectLst/>
+                <a:latin typeface="Consolas" panose="020B0609020204030204" pitchFamily="49" charset="0"/>
+              </a:rPr>
+              <a:t> NAU7802_3V6:  </a:t>
+            </a:r>
+            <a:r>
+              <a:rPr lang="en-US" b="0" dirty="0" err="1">
+                <a:solidFill>
+                  <a:srgbClr val="F39C12"/>
+                </a:solidFill>
+                <a:effectLst/>
+                <a:latin typeface="Consolas" panose="020B0609020204030204" pitchFamily="49" charset="0"/>
+              </a:rPr>
+              <a:t>Serial</a:t>
+            </a:r>
+            <a:r>
+              <a:rPr lang="en-US" b="0" dirty="0" err="1">
+                <a:solidFill>
+                  <a:srgbClr val="DAE3E3"/>
+                </a:solidFill>
+                <a:effectLst/>
+                <a:latin typeface="Consolas" panose="020B0609020204030204" pitchFamily="49" charset="0"/>
+              </a:rPr>
+              <a:t>.</a:t>
+            </a:r>
+            <a:r>
+              <a:rPr lang="en-US" b="0" dirty="0" err="1">
+                <a:solidFill>
+                  <a:srgbClr val="F39C12"/>
+                </a:solidFill>
+                <a:effectLst/>
+                <a:latin typeface="Consolas" panose="020B0609020204030204" pitchFamily="49" charset="0"/>
+              </a:rPr>
+              <a:t>println</a:t>
+            </a:r>
+            <a:r>
+              <a:rPr lang="en-US" b="0" dirty="0">
+                <a:solidFill>
+                  <a:srgbClr val="DAE3E3"/>
+                </a:solidFill>
+                <a:effectLst/>
+                <a:latin typeface="Consolas" panose="020B0609020204030204" pitchFamily="49" charset="0"/>
+              </a:rPr>
+              <a:t>(</a:t>
+            </a:r>
+            <a:r>
+              <a:rPr lang="en-US" b="0" dirty="0">
+                <a:solidFill>
+                  <a:srgbClr val="7FCBCD"/>
+                </a:solidFill>
+                <a:effectLst/>
+                <a:latin typeface="Consolas" panose="020B0609020204030204" pitchFamily="49" charset="0"/>
+              </a:rPr>
+              <a:t>"3.6V"</a:t>
+            </a:r>
+            <a:r>
+              <a:rPr lang="en-US" b="0" dirty="0">
+                <a:solidFill>
+                  <a:srgbClr val="DAE3E3"/>
+                </a:solidFill>
+                <a:effectLst/>
+                <a:latin typeface="Consolas" panose="020B0609020204030204" pitchFamily="49" charset="0"/>
+              </a:rPr>
+              <a:t>); </a:t>
+            </a:r>
+            <a:r>
+              <a:rPr lang="en-US" b="0" dirty="0">
+                <a:solidFill>
+                  <a:srgbClr val="C586C0"/>
+                </a:solidFill>
+                <a:effectLst/>
+                <a:latin typeface="Consolas" panose="020B0609020204030204" pitchFamily="49" charset="0"/>
+              </a:rPr>
+              <a:t>break</a:t>
+            </a:r>
+            <a:r>
+              <a:rPr lang="en-US" b="0" dirty="0">
+                <a:solidFill>
+                  <a:srgbClr val="DAE3E3"/>
+                </a:solidFill>
+                <a:effectLst/>
+                <a:latin typeface="Consolas" panose="020B0609020204030204" pitchFamily="49" charset="0"/>
+              </a:rPr>
+              <a:t>;</a:t>
+            </a:r>
+          </a:p>
+          <a:p>
+            <a:pPr>
+              <a:lnSpc>
+                <a:spcPts val="1425"/>
+              </a:lnSpc>
+              <a:buNone/>
+            </a:pPr>
+            <a:r>
+              <a:rPr lang="en-US" b="0" dirty="0">
+                <a:solidFill>
+                  <a:srgbClr val="DAE3E3"/>
+                </a:solidFill>
+                <a:effectLst/>
+                <a:latin typeface="Consolas" panose="020B0609020204030204" pitchFamily="49" charset="0"/>
+              </a:rPr>
+              <a:t>    </a:t>
+            </a:r>
+            <a:r>
+              <a:rPr lang="en-US" b="0" dirty="0">
+                <a:solidFill>
+                  <a:srgbClr val="C586C0"/>
+                </a:solidFill>
+                <a:effectLst/>
+                <a:latin typeface="Consolas" panose="020B0609020204030204" pitchFamily="49" charset="0"/>
+              </a:rPr>
+              <a:t>case</a:t>
+            </a:r>
+            <a:r>
+              <a:rPr lang="en-US" b="0" dirty="0">
+                <a:solidFill>
+                  <a:srgbClr val="DAE3E3"/>
+                </a:solidFill>
+                <a:effectLst/>
+                <a:latin typeface="Consolas" panose="020B0609020204030204" pitchFamily="49" charset="0"/>
+              </a:rPr>
+              <a:t> NAU7802_3V3:  </a:t>
+            </a:r>
+            <a:r>
+              <a:rPr lang="en-US" b="0" dirty="0" err="1">
+                <a:solidFill>
+                  <a:srgbClr val="F39C12"/>
+                </a:solidFill>
+                <a:effectLst/>
+                <a:latin typeface="Consolas" panose="020B0609020204030204" pitchFamily="49" charset="0"/>
+              </a:rPr>
+              <a:t>Serial</a:t>
+            </a:r>
+            <a:r>
+              <a:rPr lang="en-US" b="0" dirty="0" err="1">
+                <a:solidFill>
+                  <a:srgbClr val="DAE3E3"/>
+                </a:solidFill>
+                <a:effectLst/>
+                <a:latin typeface="Consolas" panose="020B0609020204030204" pitchFamily="49" charset="0"/>
+              </a:rPr>
+              <a:t>.</a:t>
+            </a:r>
+            <a:r>
+              <a:rPr lang="en-US" b="0" dirty="0" err="1">
+                <a:solidFill>
+                  <a:srgbClr val="F39C12"/>
+                </a:solidFill>
+                <a:effectLst/>
+                <a:latin typeface="Consolas" panose="020B0609020204030204" pitchFamily="49" charset="0"/>
+              </a:rPr>
+              <a:t>println</a:t>
+            </a:r>
+            <a:r>
+              <a:rPr lang="en-US" b="0" dirty="0">
+                <a:solidFill>
+                  <a:srgbClr val="DAE3E3"/>
+                </a:solidFill>
+                <a:effectLst/>
+                <a:latin typeface="Consolas" panose="020B0609020204030204" pitchFamily="49" charset="0"/>
+              </a:rPr>
+              <a:t>(</a:t>
+            </a:r>
+            <a:r>
+              <a:rPr lang="en-US" b="0" dirty="0">
+                <a:solidFill>
+                  <a:srgbClr val="7FCBCD"/>
+                </a:solidFill>
+                <a:effectLst/>
+                <a:latin typeface="Consolas" panose="020B0609020204030204" pitchFamily="49" charset="0"/>
+              </a:rPr>
+              <a:t>"3.3V"</a:t>
+            </a:r>
+            <a:r>
+              <a:rPr lang="en-US" b="0" dirty="0">
+                <a:solidFill>
+                  <a:srgbClr val="DAE3E3"/>
+                </a:solidFill>
+                <a:effectLst/>
+                <a:latin typeface="Consolas" panose="020B0609020204030204" pitchFamily="49" charset="0"/>
+              </a:rPr>
+              <a:t>); </a:t>
+            </a:r>
+            <a:r>
+              <a:rPr lang="en-US" b="0" dirty="0">
+                <a:solidFill>
+                  <a:srgbClr val="C586C0"/>
+                </a:solidFill>
+                <a:effectLst/>
+                <a:latin typeface="Consolas" panose="020B0609020204030204" pitchFamily="49" charset="0"/>
+              </a:rPr>
+              <a:t>break</a:t>
+            </a:r>
+            <a:r>
+              <a:rPr lang="en-US" b="0" dirty="0">
+                <a:solidFill>
+                  <a:srgbClr val="DAE3E3"/>
+                </a:solidFill>
+                <a:effectLst/>
+                <a:latin typeface="Consolas" panose="020B0609020204030204" pitchFamily="49" charset="0"/>
+              </a:rPr>
+              <a:t>;</a:t>
+            </a:r>
+          </a:p>
+          <a:p>
+            <a:pPr>
+              <a:lnSpc>
+                <a:spcPts val="1425"/>
+              </a:lnSpc>
+              <a:buNone/>
+            </a:pPr>
+            <a:r>
+              <a:rPr lang="en-US" b="0" dirty="0">
+                <a:solidFill>
+                  <a:srgbClr val="DAE3E3"/>
+                </a:solidFill>
+                <a:effectLst/>
+                <a:latin typeface="Consolas" panose="020B0609020204030204" pitchFamily="49" charset="0"/>
+              </a:rPr>
+              <a:t>    </a:t>
+            </a:r>
+            <a:r>
+              <a:rPr lang="en-US" b="0" dirty="0">
+                <a:solidFill>
+                  <a:srgbClr val="C586C0"/>
+                </a:solidFill>
+                <a:effectLst/>
+                <a:latin typeface="Consolas" panose="020B0609020204030204" pitchFamily="49" charset="0"/>
+              </a:rPr>
+              <a:t>case</a:t>
+            </a:r>
+            <a:r>
+              <a:rPr lang="en-US" b="0" dirty="0">
+                <a:solidFill>
+                  <a:srgbClr val="DAE3E3"/>
+                </a:solidFill>
+                <a:effectLst/>
+                <a:latin typeface="Consolas" panose="020B0609020204030204" pitchFamily="49" charset="0"/>
+              </a:rPr>
+              <a:t> NAU7802_3V0:  </a:t>
+            </a:r>
+            <a:r>
+              <a:rPr lang="en-US" b="0" dirty="0" err="1">
+                <a:solidFill>
+                  <a:srgbClr val="F39C12"/>
+                </a:solidFill>
+                <a:effectLst/>
+                <a:latin typeface="Consolas" panose="020B0609020204030204" pitchFamily="49" charset="0"/>
+              </a:rPr>
+              <a:t>Serial</a:t>
+            </a:r>
+            <a:r>
+              <a:rPr lang="en-US" b="0" dirty="0" err="1">
+                <a:solidFill>
+                  <a:srgbClr val="DAE3E3"/>
+                </a:solidFill>
+                <a:effectLst/>
+                <a:latin typeface="Consolas" panose="020B0609020204030204" pitchFamily="49" charset="0"/>
+              </a:rPr>
+              <a:t>.</a:t>
+            </a:r>
+            <a:r>
+              <a:rPr lang="en-US" b="0" dirty="0" err="1">
+                <a:solidFill>
+                  <a:srgbClr val="F39C12"/>
+                </a:solidFill>
+                <a:effectLst/>
+                <a:latin typeface="Consolas" panose="020B0609020204030204" pitchFamily="49" charset="0"/>
+              </a:rPr>
+              <a:t>println</a:t>
+            </a:r>
+            <a:r>
+              <a:rPr lang="en-US" b="0" dirty="0">
+                <a:solidFill>
+                  <a:srgbClr val="DAE3E3"/>
+                </a:solidFill>
+                <a:effectLst/>
+                <a:latin typeface="Consolas" panose="020B0609020204030204" pitchFamily="49" charset="0"/>
+              </a:rPr>
+              <a:t>(</a:t>
+            </a:r>
+            <a:r>
+              <a:rPr lang="en-US" b="0" dirty="0">
+                <a:solidFill>
+                  <a:srgbClr val="7FCBCD"/>
+                </a:solidFill>
+                <a:effectLst/>
+                <a:latin typeface="Consolas" panose="020B0609020204030204" pitchFamily="49" charset="0"/>
+              </a:rPr>
+              <a:t>"3.0V"</a:t>
+            </a:r>
+            <a:r>
+              <a:rPr lang="en-US" b="0" dirty="0">
+                <a:solidFill>
+                  <a:srgbClr val="DAE3E3"/>
+                </a:solidFill>
+                <a:effectLst/>
+                <a:latin typeface="Consolas" panose="020B0609020204030204" pitchFamily="49" charset="0"/>
+              </a:rPr>
+              <a:t>); </a:t>
+            </a:r>
+            <a:r>
+              <a:rPr lang="en-US" b="0" dirty="0">
+                <a:solidFill>
+                  <a:srgbClr val="C586C0"/>
+                </a:solidFill>
+                <a:effectLst/>
+                <a:latin typeface="Consolas" panose="020B0609020204030204" pitchFamily="49" charset="0"/>
+              </a:rPr>
+              <a:t>break</a:t>
+            </a:r>
+            <a:r>
+              <a:rPr lang="en-US" b="0" dirty="0">
+                <a:solidFill>
+                  <a:srgbClr val="DAE3E3"/>
+                </a:solidFill>
+                <a:effectLst/>
+                <a:latin typeface="Consolas" panose="020B0609020204030204" pitchFamily="49" charset="0"/>
+              </a:rPr>
+              <a:t>;</a:t>
+            </a:r>
+          </a:p>
+          <a:p>
+            <a:pPr>
+              <a:lnSpc>
+                <a:spcPts val="1425"/>
+              </a:lnSpc>
+              <a:buNone/>
+            </a:pPr>
+            <a:r>
+              <a:rPr lang="en-US" b="0" dirty="0">
+                <a:solidFill>
+                  <a:srgbClr val="DAE3E3"/>
+                </a:solidFill>
+                <a:effectLst/>
+                <a:latin typeface="Consolas" panose="020B0609020204030204" pitchFamily="49" charset="0"/>
+              </a:rPr>
+              <a:t>    </a:t>
+            </a:r>
+            <a:r>
+              <a:rPr lang="en-US" b="0" dirty="0">
+                <a:solidFill>
+                  <a:srgbClr val="C586C0"/>
+                </a:solidFill>
+                <a:effectLst/>
+                <a:latin typeface="Consolas" panose="020B0609020204030204" pitchFamily="49" charset="0"/>
+              </a:rPr>
+              <a:t>case</a:t>
+            </a:r>
+            <a:r>
+              <a:rPr lang="en-US" b="0" dirty="0">
+                <a:solidFill>
+                  <a:srgbClr val="DAE3E3"/>
+                </a:solidFill>
+                <a:effectLst/>
+                <a:latin typeface="Consolas" panose="020B0609020204030204" pitchFamily="49" charset="0"/>
+              </a:rPr>
+              <a:t> NAU7802_2V7:  </a:t>
+            </a:r>
+            <a:r>
+              <a:rPr lang="en-US" b="0" dirty="0" err="1">
+                <a:solidFill>
+                  <a:srgbClr val="F39C12"/>
+                </a:solidFill>
+                <a:effectLst/>
+                <a:latin typeface="Consolas" panose="020B0609020204030204" pitchFamily="49" charset="0"/>
+              </a:rPr>
+              <a:t>Serial</a:t>
+            </a:r>
+            <a:r>
+              <a:rPr lang="en-US" b="0" dirty="0" err="1">
+                <a:solidFill>
+                  <a:srgbClr val="DAE3E3"/>
+                </a:solidFill>
+                <a:effectLst/>
+                <a:latin typeface="Consolas" panose="020B0609020204030204" pitchFamily="49" charset="0"/>
+              </a:rPr>
+              <a:t>.</a:t>
+            </a:r>
+            <a:r>
+              <a:rPr lang="en-US" b="0" dirty="0" err="1">
+                <a:solidFill>
+                  <a:srgbClr val="F39C12"/>
+                </a:solidFill>
+                <a:effectLst/>
+                <a:latin typeface="Consolas" panose="020B0609020204030204" pitchFamily="49" charset="0"/>
+              </a:rPr>
+              <a:t>println</a:t>
+            </a:r>
+            <a:r>
+              <a:rPr lang="en-US" b="0" dirty="0">
+                <a:solidFill>
+                  <a:srgbClr val="DAE3E3"/>
+                </a:solidFill>
+                <a:effectLst/>
+                <a:latin typeface="Consolas" panose="020B0609020204030204" pitchFamily="49" charset="0"/>
+              </a:rPr>
+              <a:t>(</a:t>
+            </a:r>
+            <a:r>
+              <a:rPr lang="en-US" b="0" dirty="0">
+                <a:solidFill>
+                  <a:srgbClr val="7FCBCD"/>
+                </a:solidFill>
+                <a:effectLst/>
+                <a:latin typeface="Consolas" panose="020B0609020204030204" pitchFamily="49" charset="0"/>
+              </a:rPr>
+              <a:t>"2.7V"</a:t>
+            </a:r>
+            <a:r>
+              <a:rPr lang="en-US" b="0" dirty="0">
+                <a:solidFill>
+                  <a:srgbClr val="DAE3E3"/>
+                </a:solidFill>
+                <a:effectLst/>
+                <a:latin typeface="Consolas" panose="020B0609020204030204" pitchFamily="49" charset="0"/>
+              </a:rPr>
+              <a:t>); </a:t>
+            </a:r>
+            <a:r>
+              <a:rPr lang="en-US" b="0" dirty="0">
+                <a:solidFill>
+                  <a:srgbClr val="C586C0"/>
+                </a:solidFill>
+                <a:effectLst/>
+                <a:latin typeface="Consolas" panose="020B0609020204030204" pitchFamily="49" charset="0"/>
+              </a:rPr>
+              <a:t>break</a:t>
+            </a:r>
+            <a:r>
+              <a:rPr lang="en-US" b="0" dirty="0">
+                <a:solidFill>
+                  <a:srgbClr val="DAE3E3"/>
+                </a:solidFill>
+                <a:effectLst/>
+                <a:latin typeface="Consolas" panose="020B0609020204030204" pitchFamily="49" charset="0"/>
+              </a:rPr>
+              <a:t>;</a:t>
+            </a:r>
+          </a:p>
+          <a:p>
+            <a:pPr>
+              <a:lnSpc>
+                <a:spcPts val="1425"/>
+              </a:lnSpc>
+              <a:buNone/>
+            </a:pPr>
+            <a:r>
+              <a:rPr lang="en-US" b="0" dirty="0">
+                <a:solidFill>
+                  <a:srgbClr val="DAE3E3"/>
+                </a:solidFill>
+                <a:effectLst/>
+                <a:latin typeface="Consolas" panose="020B0609020204030204" pitchFamily="49" charset="0"/>
+              </a:rPr>
+              <a:t>    </a:t>
+            </a:r>
+            <a:r>
+              <a:rPr lang="en-US" b="0" dirty="0">
+                <a:solidFill>
+                  <a:srgbClr val="C586C0"/>
+                </a:solidFill>
+                <a:effectLst/>
+                <a:latin typeface="Consolas" panose="020B0609020204030204" pitchFamily="49" charset="0"/>
+              </a:rPr>
+              <a:t>case</a:t>
+            </a:r>
+            <a:r>
+              <a:rPr lang="en-US" b="0" dirty="0">
+                <a:solidFill>
+                  <a:srgbClr val="DAE3E3"/>
+                </a:solidFill>
+                <a:effectLst/>
+                <a:latin typeface="Consolas" panose="020B0609020204030204" pitchFamily="49" charset="0"/>
+              </a:rPr>
+              <a:t> NAU7802_2V4:  </a:t>
+            </a:r>
+            <a:r>
+              <a:rPr lang="en-US" b="0" dirty="0" err="1">
+                <a:solidFill>
+                  <a:srgbClr val="F39C12"/>
+                </a:solidFill>
+                <a:effectLst/>
+                <a:latin typeface="Consolas" panose="020B0609020204030204" pitchFamily="49" charset="0"/>
+              </a:rPr>
+              <a:t>Serial</a:t>
+            </a:r>
+            <a:r>
+              <a:rPr lang="en-US" b="0" dirty="0" err="1">
+                <a:solidFill>
+                  <a:srgbClr val="DAE3E3"/>
+                </a:solidFill>
+                <a:effectLst/>
+                <a:latin typeface="Consolas" panose="020B0609020204030204" pitchFamily="49" charset="0"/>
+              </a:rPr>
+              <a:t>.</a:t>
+            </a:r>
+            <a:r>
+              <a:rPr lang="en-US" b="0" dirty="0" err="1">
+                <a:solidFill>
+                  <a:srgbClr val="F39C12"/>
+                </a:solidFill>
+                <a:effectLst/>
+                <a:latin typeface="Consolas" panose="020B0609020204030204" pitchFamily="49" charset="0"/>
+              </a:rPr>
+              <a:t>println</a:t>
+            </a:r>
+            <a:r>
+              <a:rPr lang="en-US" b="0" dirty="0">
+                <a:solidFill>
+                  <a:srgbClr val="DAE3E3"/>
+                </a:solidFill>
+                <a:effectLst/>
+                <a:latin typeface="Consolas" panose="020B0609020204030204" pitchFamily="49" charset="0"/>
+              </a:rPr>
+              <a:t>(</a:t>
+            </a:r>
+            <a:r>
+              <a:rPr lang="en-US" b="0" dirty="0">
+                <a:solidFill>
+                  <a:srgbClr val="7FCBCD"/>
+                </a:solidFill>
+                <a:effectLst/>
+                <a:latin typeface="Consolas" panose="020B0609020204030204" pitchFamily="49" charset="0"/>
+              </a:rPr>
+              <a:t>"2.4V"</a:t>
+            </a:r>
+            <a:r>
+              <a:rPr lang="en-US" b="0" dirty="0">
+                <a:solidFill>
+                  <a:srgbClr val="DAE3E3"/>
+                </a:solidFill>
+                <a:effectLst/>
+                <a:latin typeface="Consolas" panose="020B0609020204030204" pitchFamily="49" charset="0"/>
+              </a:rPr>
+              <a:t>); </a:t>
+            </a:r>
+            <a:r>
+              <a:rPr lang="en-US" b="0" dirty="0">
+                <a:solidFill>
+                  <a:srgbClr val="C586C0"/>
+                </a:solidFill>
+                <a:effectLst/>
+                <a:latin typeface="Consolas" panose="020B0609020204030204" pitchFamily="49" charset="0"/>
+              </a:rPr>
+              <a:t>break</a:t>
+            </a:r>
+            <a:r>
+              <a:rPr lang="en-US" b="0" dirty="0">
+                <a:solidFill>
+                  <a:srgbClr val="DAE3E3"/>
+                </a:solidFill>
+                <a:effectLst/>
+                <a:latin typeface="Consolas" panose="020B0609020204030204" pitchFamily="49" charset="0"/>
+              </a:rPr>
+              <a:t>;</a:t>
+            </a:r>
+          </a:p>
+          <a:p>
+            <a:pPr>
+              <a:lnSpc>
+                <a:spcPts val="1425"/>
+              </a:lnSpc>
+            </a:pPr>
+            <a:r>
+              <a:rPr lang="en-US" b="0" dirty="0">
+                <a:solidFill>
+                  <a:srgbClr val="DAE3E3"/>
+                </a:solidFill>
+                <a:effectLst/>
+                <a:latin typeface="Consolas" panose="020B0609020204030204" pitchFamily="49" charset="0"/>
+              </a:rPr>
+              <a:t>  </a:t>
+            </a:r>
             <a:r>
               <a:rPr lang="en-US" b="1" dirty="0">
                 <a:solidFill>
+                  <a:srgbClr val="DAE3E3"/>
+                </a:solidFill>
+                <a:effectLst/>
+                <a:latin typeface="Consolas" panose="020B0609020204030204" pitchFamily="49" charset="0"/>
+              </a:rPr>
+              <a:t>  </a:t>
+            </a:r>
+            <a:r>
+              <a:rPr lang="en-US" b="1" dirty="0">
+                <a:solidFill>
                   <a:srgbClr val="FF0000"/>
                 </a:solidFill>
-              </a:rPr>
-              <a:t>3.3V source from LVR and 2 x 10uF Caps</a:t>
-            </a:r>
-            <a:r>
-              <a:rPr lang="en-US" b="1" dirty="0"/>
-              <a:t>, 16 bit enc, 8x ADC gain, 50 ohm div</a:t>
-            </a:r>
-          </a:p>
-        </p:txBody>
-      </p:sp>
-      <p:sp>
-        <p:nvSpPr>
-          <p:cNvPr id="13" name="Rectangle 12">
-            <a:extLst>
-              <a:ext uri="{FF2B5EF4-FFF2-40B4-BE49-F238E27FC236}">
-                <a16:creationId xmlns:a16="http://schemas.microsoft.com/office/drawing/2014/main" id="{22C63E94-D092-C650-9D76-1E9A4B0C73C7}"/>
-              </a:ext>
-            </a:extLst>
-          </p:cNvPr>
-          <p:cNvSpPr/>
-          <p:nvPr/>
-        </p:nvSpPr>
-        <p:spPr>
-          <a:xfrm>
-            <a:off x="3096784" y="4624455"/>
-            <a:ext cx="415636" cy="1911927"/>
-          </a:xfrm>
-          <a:prstGeom prst="rect">
-            <a:avLst/>
-          </a:prstGeom>
-          <a:noFill/>
-          <a:ln>
-            <a:solidFill>
-              <a:srgbClr val="FF0000"/>
-            </a:solidFill>
-          </a:ln>
-        </p:spPr>
-        <p:style>
-          <a:lnRef idx="2">
-            <a:schemeClr val="accent1">
-              <a:shade val="15000"/>
-            </a:schemeClr>
-          </a:lnRef>
-          <a:fillRef idx="1">
-            <a:schemeClr val="accent1"/>
-          </a:fillRef>
-          <a:effectRef idx="0">
-            <a:schemeClr val="accent1"/>
-          </a:effectRef>
-          <a:fontRef idx="minor">
-            <a:schemeClr val="lt1"/>
-          </a:fontRef>
-        </p:style>
-        <p:txBody>
-          <a:bodyPr rtlCol="0" anchor="ctr"/>
-          <a:lstStyle/>
-          <a:p>
-            <a:pPr algn="ctr"/>
-            <a:endParaRPr lang="en-US"/>
-          </a:p>
-        </p:txBody>
-      </p:sp>
-      <p:sp>
-        <p:nvSpPr>
-          <p:cNvPr id="2" name="TextBox 1">
-            <a:extLst>
-              <a:ext uri="{FF2B5EF4-FFF2-40B4-BE49-F238E27FC236}">
-                <a16:creationId xmlns:a16="http://schemas.microsoft.com/office/drawing/2014/main" id="{46CCF047-999B-E766-4207-6F3532811F8E}"/>
-              </a:ext>
-            </a:extLst>
-          </p:cNvPr>
-          <p:cNvSpPr txBox="1"/>
-          <p:nvPr/>
-        </p:nvSpPr>
-        <p:spPr>
-          <a:xfrm>
-            <a:off x="5792349" y="117236"/>
-            <a:ext cx="5512960" cy="1200329"/>
-          </a:xfrm>
-          <a:prstGeom prst="rect">
-            <a:avLst/>
-          </a:prstGeom>
-          <a:noFill/>
-        </p:spPr>
-        <p:txBody>
-          <a:bodyPr wrap="square" rtlCol="0">
-            <a:spAutoFit/>
-          </a:bodyPr>
-          <a:lstStyle/>
-          <a:p>
+                <a:effectLst/>
+                <a:latin typeface="Consolas" panose="020B0609020204030204" pitchFamily="49" charset="0"/>
+              </a:rPr>
+              <a:t>case NAU7802_EXTERNAL:  </a:t>
+            </a:r>
+            <a:r>
+              <a:rPr lang="en-US" b="1" dirty="0" err="1">
+                <a:solidFill>
+                  <a:srgbClr val="FF0000"/>
+                </a:solidFill>
+                <a:effectLst/>
+                <a:latin typeface="Consolas" panose="020B0609020204030204" pitchFamily="49" charset="0"/>
+              </a:rPr>
+              <a:t>Serial.println</a:t>
+            </a:r>
             <a:r>
               <a:rPr lang="en-US" b="1" dirty="0">
                 <a:solidFill>
                   <a:srgbClr val="FF0000"/>
                 </a:solidFill>
-              </a:rPr>
-              <a:t>3.3V source from LVR and 2 x 10uF Caps</a:t>
-            </a:r>
-            <a:r>
-              <a:rPr lang="en-US" b="1" dirty="0"/>
-              <a:t>, 16 bit enc, 2x ADC gain (using diff input), 76x gain from LMC6482 (across gauge), 50 ohm div with 0.4 ohm strain gauge (see circuit)</a:t>
-            </a:r>
-          </a:p>
-        </p:txBody>
-      </p:sp>
-      <p:pic>
-        <p:nvPicPr>
-          <p:cNvPr id="5" name="Picture 4">
-            <a:extLst>
-              <a:ext uri="{FF2B5EF4-FFF2-40B4-BE49-F238E27FC236}">
-                <a16:creationId xmlns:a16="http://schemas.microsoft.com/office/drawing/2014/main" id="{7FD6E26B-2EE5-D52C-1187-6A19ED75A7FB}"/>
-              </a:ext>
-            </a:extLst>
-          </p:cNvPr>
-          <p:cNvPicPr>
-            <a:picLocks noChangeAspect="1"/>
-          </p:cNvPicPr>
-          <p:nvPr/>
-        </p:nvPicPr>
-        <p:blipFill>
-          <a:blip r:embed="rId3"/>
-          <a:stretch>
-            <a:fillRect/>
-          </a:stretch>
-        </p:blipFill>
-        <p:spPr>
-          <a:xfrm>
-            <a:off x="6292863" y="1317565"/>
-            <a:ext cx="3927636" cy="5114917"/>
-          </a:xfrm>
-          <a:prstGeom prst="rect">
-            <a:avLst/>
-          </a:prstGeom>
-        </p:spPr>
-      </p:pic>
-      <p:sp>
-        <p:nvSpPr>
-          <p:cNvPr id="7" name="Rectangle 6">
-            <a:extLst>
-              <a:ext uri="{FF2B5EF4-FFF2-40B4-BE49-F238E27FC236}">
-                <a16:creationId xmlns:a16="http://schemas.microsoft.com/office/drawing/2014/main" id="{D76A7EDB-7D75-6EF0-618A-F6FA99A6A4E2}"/>
-              </a:ext>
-            </a:extLst>
-          </p:cNvPr>
-          <p:cNvSpPr/>
-          <p:nvPr/>
-        </p:nvSpPr>
-        <p:spPr>
-          <a:xfrm>
-            <a:off x="9001591" y="4584471"/>
-            <a:ext cx="415636" cy="1911927"/>
-          </a:xfrm>
-          <a:prstGeom prst="rect">
-            <a:avLst/>
-          </a:prstGeom>
-          <a:noFill/>
-          <a:ln>
-            <a:solidFill>
-              <a:srgbClr val="FF0000"/>
-            </a:solidFill>
-          </a:ln>
-        </p:spPr>
-        <p:style>
-          <a:lnRef idx="2">
-            <a:schemeClr val="accent1">
-              <a:shade val="15000"/>
-            </a:schemeClr>
-          </a:lnRef>
-          <a:fillRef idx="1">
-            <a:schemeClr val="accent1"/>
-          </a:fillRef>
-          <a:effectRef idx="0">
-            <a:schemeClr val="accent1"/>
-          </a:effectRef>
-          <a:fontRef idx="minor">
-            <a:schemeClr val="lt1"/>
-          </a:fontRef>
-        </p:style>
-        <p:txBody>
-          <a:bodyPr rtlCol="0" anchor="ctr"/>
-          <a:lstStyle/>
-          <a:p>
-            <a:pPr algn="ctr"/>
-            <a:endParaRPr lang="en-US"/>
+                <a:effectLst/>
+                <a:latin typeface="Consolas" panose="020B0609020204030204" pitchFamily="49" charset="0"/>
+              </a:rPr>
+              <a:t>("External"); </a:t>
+            </a:r>
+            <a:r>
+              <a:rPr lang="en-US" b="0" dirty="0">
+                <a:solidFill>
+                  <a:srgbClr val="C586C0"/>
+                </a:solidFill>
+                <a:effectLst/>
+                <a:latin typeface="Consolas" panose="020B0609020204030204" pitchFamily="49" charset="0"/>
+              </a:rPr>
+              <a:t>break</a:t>
+            </a:r>
+            <a:r>
+              <a:rPr lang="en-US" b="0" dirty="0">
+                <a:solidFill>
+                  <a:srgbClr val="DAE3E3"/>
+                </a:solidFill>
+                <a:effectLst/>
+                <a:latin typeface="Consolas" panose="020B0609020204030204" pitchFamily="49" charset="0"/>
+              </a:rPr>
+              <a:t>;</a:t>
+            </a:r>
           </a:p>
         </p:txBody>
       </p:sp>
     </p:spTree>
     <p:extLst>
       <p:ext uri="{BB962C8B-B14F-4D97-AF65-F5344CB8AC3E}">
-        <p14:creationId xmlns:p14="http://schemas.microsoft.com/office/powerpoint/2010/main" val="289257297"/>
+        <p14:creationId xmlns:p14="http://schemas.microsoft.com/office/powerpoint/2010/main" val="2828774177"/>
       </p:ext>
     </p:extLst>
   </p:cSld>
